--- a/第1回スライド.pptx
+++ b/第1回スライド.pptx
@@ -5,26 +5,25 @@
     <p:sldMasterId id="2147483669" r:id="rId1"/>
   </p:sldMasterIdLst>
   <p:notesMasterIdLst>
-    <p:notesMasterId r:id="rId19"/>
+    <p:notesMasterId r:id="rId18"/>
   </p:notesMasterIdLst>
   <p:sldIdLst>
     <p:sldId id="256" r:id="rId2"/>
     <p:sldId id="257" r:id="rId3"/>
     <p:sldId id="258" r:id="rId4"/>
-    <p:sldId id="259" r:id="rId5"/>
-    <p:sldId id="260" r:id="rId6"/>
-    <p:sldId id="261" r:id="rId7"/>
-    <p:sldId id="262" r:id="rId8"/>
-    <p:sldId id="263" r:id="rId9"/>
-    <p:sldId id="264" r:id="rId10"/>
-    <p:sldId id="266" r:id="rId11"/>
-    <p:sldId id="270" r:id="rId12"/>
-    <p:sldId id="271" r:id="rId13"/>
-    <p:sldId id="272" r:id="rId14"/>
-    <p:sldId id="267" r:id="rId15"/>
+    <p:sldId id="260" r:id="rId5"/>
+    <p:sldId id="261" r:id="rId6"/>
+    <p:sldId id="262" r:id="rId7"/>
+    <p:sldId id="263" r:id="rId8"/>
+    <p:sldId id="264" r:id="rId9"/>
+    <p:sldId id="266" r:id="rId10"/>
+    <p:sldId id="270" r:id="rId11"/>
+    <p:sldId id="271" r:id="rId12"/>
+    <p:sldId id="272" r:id="rId13"/>
+    <p:sldId id="267" r:id="rId14"/>
+    <p:sldId id="259" r:id="rId15"/>
     <p:sldId id="268" r:id="rId16"/>
     <p:sldId id="269" r:id="rId17"/>
-    <p:sldId id="273" r:id="rId18"/>
   </p:sldIdLst>
   <p:sldSz cx="12192000" cy="6858000"/>
   <p:notesSz cx="6858000" cy="9144000"/>
@@ -213,7 +212,7 @@
           <a:p>
             <a:fld id="{8F62E6B5-809A-E34D-B228-7E10B9ECFF85}" type="datetimeFigureOut">
               <a:rPr kumimoji="1" lang="ja-JP" altLang="en-US" smtClean="0"/>
-              <a:t>2018/11/13</a:t>
+              <a:t>2019/11/10</a:t>
             </a:fld>
             <a:endParaRPr kumimoji="1" lang="ja-JP" altLang="en-US"/>
           </a:p>
@@ -657,7 +656,7 @@
           <a:p>
             <a:fld id="{48A87A34-81AB-432B-8DAE-1953F412C126}" type="datetimeFigureOut">
               <a:rPr lang="en-US" smtClean="0"/>
-              <a:t>11/13/18</a:t>
+              <a:t>11/10/19</a:t>
             </a:fld>
             <a:endParaRPr lang="en-US" dirty="0"/>
           </a:p>
@@ -961,7 +960,7 @@
           <a:p>
             <a:fld id="{48A87A34-81AB-432B-8DAE-1953F412C126}" type="datetimeFigureOut">
               <a:rPr lang="en-US" smtClean="0"/>
-              <a:t>11/13/18</a:t>
+              <a:t>11/10/19</a:t>
             </a:fld>
             <a:endParaRPr lang="en-US" dirty="0"/>
           </a:p>
@@ -1230,7 +1229,7 @@
             <a:fld id="{48A87A34-81AB-432B-8DAE-1953F412C126}" type="datetimeFigureOut">
               <a:rPr lang="en-US" smtClean="0"/>
               <a:pPr/>
-              <a:t>11/13/18</a:t>
+              <a:t>11/10/19</a:t>
             </a:fld>
             <a:endParaRPr lang="en-US" dirty="0"/>
           </a:p>
@@ -1615,7 +1614,7 @@
             <a:fld id="{48A87A34-81AB-432B-8DAE-1953F412C126}" type="datetimeFigureOut">
               <a:rPr lang="en-US" smtClean="0"/>
               <a:pPr/>
-              <a:t>11/13/18</a:t>
+              <a:t>11/10/19</a:t>
             </a:fld>
             <a:endParaRPr lang="en-US" dirty="0"/>
           </a:p>
@@ -2126,7 +2125,7 @@
             <a:fld id="{48A87A34-81AB-432B-8DAE-1953F412C126}" type="datetimeFigureOut">
               <a:rPr lang="en-US" smtClean="0"/>
               <a:pPr/>
-              <a:t>11/13/18</a:t>
+              <a:t>11/10/19</a:t>
             </a:fld>
             <a:endParaRPr lang="en-US" dirty="0"/>
           </a:p>
@@ -2895,7 +2894,7 @@
           <a:p>
             <a:fld id="{48A87A34-81AB-432B-8DAE-1953F412C126}" type="datetimeFigureOut">
               <a:rPr lang="en-US" smtClean="0"/>
-              <a:t>11/13/18</a:t>
+              <a:t>11/10/19</a:t>
             </a:fld>
             <a:endParaRPr lang="en-US" dirty="0"/>
           </a:p>
@@ -3891,7 +3890,7 @@
           <a:p>
             <a:fld id="{48A87A34-81AB-432B-8DAE-1953F412C126}" type="datetimeFigureOut">
               <a:rPr lang="en-US" smtClean="0"/>
-              <a:t>11/13/18</a:t>
+              <a:t>11/10/19</a:t>
             </a:fld>
             <a:endParaRPr lang="en-US" dirty="0"/>
           </a:p>
@@ -4074,7 +4073,7 @@
           <a:p>
             <a:fld id="{48A87A34-81AB-432B-8DAE-1953F412C126}" type="datetimeFigureOut">
               <a:rPr lang="en-US" smtClean="0"/>
-              <a:t>11/13/18</a:t>
+              <a:t>11/10/19</a:t>
             </a:fld>
             <a:endParaRPr lang="en-US" dirty="0"/>
           </a:p>
@@ -4306,7 +4305,7 @@
             <a:fld id="{48A87A34-81AB-432B-8DAE-1953F412C126}" type="datetimeFigureOut">
               <a:rPr lang="en-US" smtClean="0"/>
               <a:pPr/>
-              <a:t>11/13/18</a:t>
+              <a:t>11/10/19</a:t>
             </a:fld>
             <a:endParaRPr lang="en-US" dirty="0"/>
           </a:p>
@@ -4415,8 +4414,8 @@
           <a:lstStyle>
             <a:lvl1pPr>
               <a:defRPr cap="none" baseline="0">
-                <a:latin typeface="ＭＳ Ｐゴシック" panose="020B0600070205080204" pitchFamily="34" charset="-128"/>
-                <a:ea typeface="ＭＳ Ｐゴシック" panose="020B0600070205080204" pitchFamily="34" charset="-128"/>
+                <a:latin typeface="MS PGothic" panose="020B0600070205080204" pitchFamily="34" charset="-128"/>
+                <a:ea typeface="MS PGothic" panose="020B0600070205080204" pitchFamily="34" charset="-128"/>
               </a:defRPr>
             </a:lvl1pPr>
           </a:lstStyle>
@@ -4452,8 +4451,8 @@
           <a:lstStyle>
             <a:lvl1pPr>
               <a:defRPr sz="3200" baseline="0">
-                <a:latin typeface="ＭＳ Ｐゴシック" panose="020B0600070205080204" pitchFamily="34" charset="-128"/>
-                <a:ea typeface="ＭＳ Ｐゴシック" panose="020B0600070205080204" pitchFamily="34" charset="-128"/>
+                <a:latin typeface="MS PGothic" panose="020B0600070205080204" pitchFamily="34" charset="-128"/>
+                <a:ea typeface="MS PGothic" panose="020B0600070205080204" pitchFamily="34" charset="-128"/>
               </a:defRPr>
             </a:lvl1pPr>
           </a:lstStyle>
@@ -4465,7 +4464,7 @@
 第 </a:t>
             </a:r>
             <a:r>
-              <a:rPr lang="en-US" altLang="ja-JP"/>
+              <a:rPr lang="en-US" altLang="ja-JP" dirty="0"/>
               <a:t>2 </a:t>
             </a:r>
             <a:r>
@@ -4474,7 +4473,7 @@
 第 </a:t>
             </a:r>
             <a:r>
-              <a:rPr lang="en-US" altLang="ja-JP"/>
+              <a:rPr lang="en-US" altLang="ja-JP" dirty="0"/>
               <a:t>3 </a:t>
             </a:r>
             <a:r>
@@ -4483,7 +4482,7 @@
 第 </a:t>
             </a:r>
             <a:r>
-              <a:rPr lang="en-US" altLang="ja-JP"/>
+              <a:rPr lang="en-US" altLang="ja-JP" dirty="0"/>
               <a:t>4 </a:t>
             </a:r>
             <a:r>
@@ -4492,7 +4491,7 @@
 第 </a:t>
             </a:r>
             <a:r>
-              <a:rPr lang="en-US" altLang="ja-JP"/>
+              <a:rPr lang="en-US" altLang="ja-JP" dirty="0"/>
               <a:t>5 </a:t>
             </a:r>
             <a:r>
@@ -4810,7 +4809,7 @@
             <a:fld id="{48A87A34-81AB-432B-8DAE-1953F412C126}" type="datetimeFigureOut">
               <a:rPr lang="en-US" smtClean="0"/>
               <a:pPr/>
-              <a:t>11/13/18</a:t>
+              <a:t>11/10/19</a:t>
             </a:fld>
             <a:endParaRPr lang="en-US" dirty="0"/>
           </a:p>
@@ -5068,7 +5067,7 @@
           <a:p>
             <a:fld id="{48A87A34-81AB-432B-8DAE-1953F412C126}" type="datetimeFigureOut">
               <a:rPr lang="en-US" smtClean="0"/>
-              <a:t>11/13/18</a:t>
+              <a:t>11/10/19</a:t>
             </a:fld>
             <a:endParaRPr lang="en-US" dirty="0"/>
           </a:p>
@@ -5537,7 +5536,7 @@
           <a:p>
             <a:fld id="{48A87A34-81AB-432B-8DAE-1953F412C126}" type="datetimeFigureOut">
               <a:rPr lang="en-US" smtClean="0"/>
-              <a:t>11/13/18</a:t>
+              <a:t>11/10/19</a:t>
             </a:fld>
             <a:endParaRPr lang="en-US" dirty="0"/>
           </a:p>
@@ -5655,7 +5654,7 @@
           <a:p>
             <a:fld id="{48A87A34-81AB-432B-8DAE-1953F412C126}" type="datetimeFigureOut">
               <a:rPr lang="en-US" smtClean="0"/>
-              <a:t>11/13/18</a:t>
+              <a:t>11/10/19</a:t>
             </a:fld>
             <a:endParaRPr lang="en-US" dirty="0"/>
           </a:p>
@@ -5750,7 +5749,7 @@
           <a:p>
             <a:fld id="{48A87A34-81AB-432B-8DAE-1953F412C126}" type="datetimeFigureOut">
               <a:rPr lang="en-US" smtClean="0"/>
-              <a:t>11/13/18</a:t>
+              <a:t>11/10/19</a:t>
             </a:fld>
             <a:endParaRPr lang="en-US" dirty="0"/>
           </a:p>
@@ -6044,7 +6043,7 @@
           <a:p>
             <a:fld id="{48A87A34-81AB-432B-8DAE-1953F412C126}" type="datetimeFigureOut">
               <a:rPr lang="en-US" smtClean="0"/>
-              <a:t>11/13/18</a:t>
+              <a:t>11/10/19</a:t>
             </a:fld>
             <a:endParaRPr lang="en-US" dirty="0"/>
           </a:p>
@@ -6338,7 +6337,7 @@
           <a:p>
             <a:fld id="{48A87A34-81AB-432B-8DAE-1953F412C126}" type="datetimeFigureOut">
               <a:rPr lang="en-US" smtClean="0"/>
-              <a:t>11/13/18</a:t>
+              <a:t>11/10/19</a:t>
             </a:fld>
             <a:endParaRPr lang="en-US" dirty="0"/>
           </a:p>
@@ -6516,7 +6515,7 @@
 第 </a:t>
             </a:r>
             <a:r>
-              <a:rPr lang="en-US" altLang="ja-JP"/>
+              <a:rPr lang="en-US" altLang="ja-JP" dirty="0"/>
               <a:t>2 </a:t>
             </a:r>
             <a:r>
@@ -6525,7 +6524,7 @@
 第 </a:t>
             </a:r>
             <a:r>
-              <a:rPr lang="en-US" altLang="ja-JP"/>
+              <a:rPr lang="en-US" altLang="ja-JP" dirty="0"/>
               <a:t>3 </a:t>
             </a:r>
             <a:r>
@@ -6534,7 +6533,7 @@
 第 </a:t>
             </a:r>
             <a:r>
-              <a:rPr lang="en-US" altLang="ja-JP"/>
+              <a:rPr lang="en-US" altLang="ja-JP" dirty="0"/>
               <a:t>4 </a:t>
             </a:r>
             <a:r>
@@ -6543,7 +6542,7 @@
 第 </a:t>
             </a:r>
             <a:r>
-              <a:rPr lang="en-US" altLang="ja-JP"/>
+              <a:rPr lang="en-US" altLang="ja-JP" dirty="0"/>
               <a:t>5 </a:t>
             </a:r>
             <a:r>
@@ -6590,7 +6589,7 @@
             <a:fld id="{48A87A34-81AB-432B-8DAE-1953F412C126}" type="datetimeFigureOut">
               <a:rPr lang="en-US" smtClean="0"/>
               <a:pPr/>
-              <a:t>11/13/18</a:t>
+              <a:t>11/10/19</a:t>
             </a:fld>
             <a:endParaRPr lang="en-US" dirty="0"/>
           </a:p>
@@ -6736,8 +6735,8 @@
           <a:solidFill>
             <a:schemeClr val="tx1"/>
           </a:solidFill>
-          <a:latin typeface="+mn-lt"/>
-          <a:ea typeface="+mn-ea"/>
+          <a:latin typeface="MS PGothic" panose="020B0600070205080204" pitchFamily="34" charset="-128"/>
+          <a:ea typeface="MS PGothic" panose="020B0600070205080204" pitchFamily="34" charset="-128"/>
           <a:cs typeface="+mn-cs"/>
         </a:defRPr>
       </a:lvl1pPr>
@@ -7028,7 +7027,7 @@
             <a:pPr algn="ctr"/>
             <a:r>
               <a:rPr kumimoji="1" lang="ja-JP" altLang="en-US" sz="5400"/>
-              <a:t>グラフ分野総合演習第</a:t>
+              <a:t>総合演習第</a:t>
             </a:r>
             <a:r>
               <a:rPr lang="en-US" altLang="ja-JP" sz="5400" dirty="0"/>
@@ -7098,1133 +7097,6 @@
       </p:grpSpPr>
       <p:sp>
         <p:nvSpPr>
-          <p:cNvPr id="2" name="タイトル 1"/>
-          <p:cNvSpPr>
-            <a:spLocks noGrp="1"/>
-          </p:cNvSpPr>
-          <p:nvPr>
-            <p:ph type="title"/>
-          </p:nvPr>
-        </p:nvSpPr>
-        <p:spPr/>
-        <p:txBody>
-          <a:bodyPr/>
-          <a:lstStyle/>
-          <a:p>
-            <a:r>
-              <a:rPr kumimoji="1" lang="ja-JP" altLang="en-US"/>
-              <a:t>グラフサンプリング</a:t>
-            </a:r>
-            <a:endParaRPr kumimoji="1" lang="ja-JP" altLang="en-US" dirty="0"/>
-          </a:p>
-        </p:txBody>
-      </p:sp>
-      <p:pic>
-        <p:nvPicPr>
-          <p:cNvPr id="4" name="コンテンツ プレースホルダー 3"/>
-          <p:cNvPicPr>
-            <a:picLocks noGrp="1" noChangeAspect="1"/>
-          </p:cNvPicPr>
-          <p:nvPr>
-            <p:ph idx="1"/>
-          </p:nvPr>
-        </p:nvPicPr>
-        <p:blipFill>
-          <a:blip r:embed="rId2">
-            <a:extLst>
-              <a:ext uri="{28A0092B-C50C-407E-A947-70E740481C1C}">
-                <a14:useLocalDpi xmlns:a14="http://schemas.microsoft.com/office/drawing/2010/main" val="0"/>
-              </a:ext>
-            </a:extLst>
-          </a:blip>
-          <a:stretch>
-            <a:fillRect/>
-          </a:stretch>
-        </p:blipFill>
-        <p:spPr>
-          <a:xfrm>
-            <a:off x="1100749" y="2721838"/>
-            <a:ext cx="565116" cy="720000"/>
-          </a:xfrm>
-        </p:spPr>
-      </p:pic>
-      <p:pic>
-        <p:nvPicPr>
-          <p:cNvPr id="5" name="コンテンツ プレースホルダー 3"/>
-          <p:cNvPicPr>
-            <a:picLocks noChangeAspect="1"/>
-          </p:cNvPicPr>
-          <p:nvPr/>
-        </p:nvPicPr>
-        <p:blipFill>
-          <a:blip r:embed="rId2">
-            <a:extLst>
-              <a:ext uri="{28A0092B-C50C-407E-A947-70E740481C1C}">
-                <a14:useLocalDpi xmlns:a14="http://schemas.microsoft.com/office/drawing/2010/main" val="0"/>
-              </a:ext>
-            </a:extLst>
-          </a:blip>
-          <a:stretch>
-            <a:fillRect/>
-          </a:stretch>
-        </p:blipFill>
-        <p:spPr>
-          <a:xfrm>
-            <a:off x="2458005" y="4094715"/>
-            <a:ext cx="565116" cy="720000"/>
-          </a:xfrm>
-          <a:prstGeom prst="rect">
-            <a:avLst/>
-          </a:prstGeom>
-        </p:spPr>
-      </p:pic>
-      <p:pic>
-        <p:nvPicPr>
-          <p:cNvPr id="6" name="コンテンツ プレースホルダー 3"/>
-          <p:cNvPicPr>
-            <a:picLocks noChangeAspect="1"/>
-          </p:cNvPicPr>
-          <p:nvPr/>
-        </p:nvPicPr>
-        <p:blipFill>
-          <a:blip r:embed="rId2">
-            <a:extLst>
-              <a:ext uri="{28A0092B-C50C-407E-A947-70E740481C1C}">
-                <a14:useLocalDpi xmlns:a14="http://schemas.microsoft.com/office/drawing/2010/main" val="0"/>
-              </a:ext>
-            </a:extLst>
-          </a:blip>
-          <a:stretch>
-            <a:fillRect/>
-          </a:stretch>
-        </p:blipFill>
-        <p:spPr>
-          <a:xfrm>
-            <a:off x="729270" y="4333176"/>
-            <a:ext cx="565116" cy="720000"/>
-          </a:xfrm>
-          <a:prstGeom prst="rect">
-            <a:avLst/>
-          </a:prstGeom>
-        </p:spPr>
-      </p:pic>
-      <p:pic>
-        <p:nvPicPr>
-          <p:cNvPr id="7" name="コンテンツ プレースホルダー 3"/>
-          <p:cNvPicPr>
-            <a:picLocks noChangeAspect="1"/>
-          </p:cNvPicPr>
-          <p:nvPr/>
-        </p:nvPicPr>
-        <p:blipFill>
-          <a:blip r:embed="rId2">
-            <a:extLst>
-              <a:ext uri="{28A0092B-C50C-407E-A947-70E740481C1C}">
-                <a14:useLocalDpi xmlns:a14="http://schemas.microsoft.com/office/drawing/2010/main" val="0"/>
-              </a:ext>
-            </a:extLst>
-          </a:blip>
-          <a:stretch>
-            <a:fillRect/>
-          </a:stretch>
-        </p:blipFill>
-        <p:spPr>
-          <a:xfrm>
-            <a:off x="2665089" y="2359529"/>
-            <a:ext cx="565116" cy="720000"/>
-          </a:xfrm>
-          <a:prstGeom prst="rect">
-            <a:avLst/>
-          </a:prstGeom>
-        </p:spPr>
-      </p:pic>
-      <p:cxnSp>
-        <p:nvCxnSpPr>
-          <p:cNvPr id="9" name="直線コネクタ 8"/>
-          <p:cNvCxnSpPr>
-            <a:stCxn id="4" idx="3"/>
-            <a:endCxn id="7" idx="1"/>
-          </p:cNvCxnSpPr>
-          <p:nvPr/>
-        </p:nvCxnSpPr>
-        <p:spPr>
-          <a:xfrm flipV="1">
-            <a:off x="1665865" y="2719529"/>
-            <a:ext cx="999224" cy="362309"/>
-          </a:xfrm>
-          <a:prstGeom prst="line">
-            <a:avLst/>
-          </a:prstGeom>
-          <a:ln w="38100"/>
-        </p:spPr>
-        <p:style>
-          <a:lnRef idx="1">
-            <a:schemeClr val="accent1"/>
-          </a:lnRef>
-          <a:fillRef idx="0">
-            <a:schemeClr val="accent1"/>
-          </a:fillRef>
-          <a:effectRef idx="0">
-            <a:schemeClr val="accent1"/>
-          </a:effectRef>
-          <a:fontRef idx="minor">
-            <a:schemeClr val="tx1"/>
-          </a:fontRef>
-        </p:style>
-      </p:cxnSp>
-      <p:cxnSp>
-        <p:nvCxnSpPr>
-          <p:cNvPr id="12" name="直線コネクタ 11"/>
-          <p:cNvCxnSpPr>
-            <a:stCxn id="5" idx="0"/>
-            <a:endCxn id="7" idx="2"/>
-          </p:cNvCxnSpPr>
-          <p:nvPr/>
-        </p:nvCxnSpPr>
-        <p:spPr>
-          <a:xfrm flipV="1">
-            <a:off x="2740563" y="3079529"/>
-            <a:ext cx="207084" cy="1015186"/>
-          </a:xfrm>
-          <a:prstGeom prst="line">
-            <a:avLst/>
-          </a:prstGeom>
-          <a:ln w="38100"/>
-        </p:spPr>
-        <p:style>
-          <a:lnRef idx="1">
-            <a:schemeClr val="accent1"/>
-          </a:lnRef>
-          <a:fillRef idx="0">
-            <a:schemeClr val="accent1"/>
-          </a:fillRef>
-          <a:effectRef idx="0">
-            <a:schemeClr val="accent1"/>
-          </a:effectRef>
-          <a:fontRef idx="minor">
-            <a:schemeClr val="tx1"/>
-          </a:fontRef>
-        </p:style>
-      </p:cxnSp>
-      <p:cxnSp>
-        <p:nvCxnSpPr>
-          <p:cNvPr id="13" name="直線コネクタ 12"/>
-          <p:cNvCxnSpPr>
-            <a:stCxn id="4" idx="2"/>
-            <a:endCxn id="6" idx="0"/>
-          </p:cNvCxnSpPr>
-          <p:nvPr/>
-        </p:nvCxnSpPr>
-        <p:spPr>
-          <a:xfrm flipH="1">
-            <a:off x="1011828" y="3441838"/>
-            <a:ext cx="371479" cy="891338"/>
-          </a:xfrm>
-          <a:prstGeom prst="line">
-            <a:avLst/>
-          </a:prstGeom>
-          <a:ln w="38100"/>
-        </p:spPr>
-        <p:style>
-          <a:lnRef idx="1">
-            <a:schemeClr val="accent1"/>
-          </a:lnRef>
-          <a:fillRef idx="0">
-            <a:schemeClr val="accent1"/>
-          </a:fillRef>
-          <a:effectRef idx="0">
-            <a:schemeClr val="accent1"/>
-          </a:effectRef>
-          <a:fontRef idx="minor">
-            <a:schemeClr val="tx1"/>
-          </a:fontRef>
-        </p:style>
-      </p:cxnSp>
-      <p:cxnSp>
-        <p:nvCxnSpPr>
-          <p:cNvPr id="16" name="直線コネクタ 15"/>
-          <p:cNvCxnSpPr>
-            <a:stCxn id="4" idx="2"/>
-            <a:endCxn id="5" idx="0"/>
-          </p:cNvCxnSpPr>
-          <p:nvPr/>
-        </p:nvCxnSpPr>
-        <p:spPr>
-          <a:xfrm>
-            <a:off x="1383307" y="3441838"/>
-            <a:ext cx="1357256" cy="652877"/>
-          </a:xfrm>
-          <a:prstGeom prst="line">
-            <a:avLst/>
-          </a:prstGeom>
-          <a:ln w="38100"/>
-        </p:spPr>
-        <p:style>
-          <a:lnRef idx="1">
-            <a:schemeClr val="accent1"/>
-          </a:lnRef>
-          <a:fillRef idx="0">
-            <a:schemeClr val="accent1"/>
-          </a:fillRef>
-          <a:effectRef idx="0">
-            <a:schemeClr val="accent1"/>
-          </a:effectRef>
-          <a:fontRef idx="minor">
-            <a:schemeClr val="tx1"/>
-          </a:fontRef>
-        </p:style>
-      </p:cxnSp>
-      <p:cxnSp>
-        <p:nvCxnSpPr>
-          <p:cNvPr id="21" name="直線コネクタ 20"/>
-          <p:cNvCxnSpPr>
-            <a:stCxn id="5" idx="1"/>
-            <a:endCxn id="6" idx="3"/>
-          </p:cNvCxnSpPr>
-          <p:nvPr/>
-        </p:nvCxnSpPr>
-        <p:spPr>
-          <a:xfrm flipH="1">
-            <a:off x="1294386" y="4454715"/>
-            <a:ext cx="1163619" cy="238461"/>
-          </a:xfrm>
-          <a:prstGeom prst="line">
-            <a:avLst/>
-          </a:prstGeom>
-          <a:ln w="38100"/>
-        </p:spPr>
-        <p:style>
-          <a:lnRef idx="1">
-            <a:schemeClr val="accent1"/>
-          </a:lnRef>
-          <a:fillRef idx="0">
-            <a:schemeClr val="accent1"/>
-          </a:fillRef>
-          <a:effectRef idx="0">
-            <a:schemeClr val="accent1"/>
-          </a:effectRef>
-          <a:fontRef idx="minor">
-            <a:schemeClr val="tx1"/>
-          </a:fontRef>
-        </p:style>
-      </p:cxnSp>
-      <p:sp>
-        <p:nvSpPr>
-          <p:cNvPr id="24" name="楕円 23"/>
-          <p:cNvSpPr>
-            <a:spLocks noChangeAspect="1"/>
-          </p:cNvSpPr>
-          <p:nvPr/>
-        </p:nvSpPr>
-        <p:spPr>
-          <a:xfrm rot="897167">
-            <a:off x="4865137" y="3044130"/>
-            <a:ext cx="720000" cy="720000"/>
-          </a:xfrm>
-          <a:prstGeom prst="ellipse">
-            <a:avLst/>
-          </a:prstGeom>
-          <a:noFill/>
-          <a:ln w="38100">
-            <a:solidFill>
-              <a:srgbClr val="0070C0"/>
-            </a:solidFill>
-          </a:ln>
-        </p:spPr>
-        <p:style>
-          <a:lnRef idx="2">
-            <a:schemeClr val="accent1">
-              <a:shade val="50000"/>
-            </a:schemeClr>
-          </a:lnRef>
-          <a:fillRef idx="1">
-            <a:schemeClr val="accent1"/>
-          </a:fillRef>
-          <a:effectRef idx="0">
-            <a:schemeClr val="accent1"/>
-          </a:effectRef>
-          <a:fontRef idx="minor">
-            <a:schemeClr val="lt1"/>
-          </a:fontRef>
-        </p:style>
-        <p:txBody>
-          <a:bodyPr rtlCol="0" anchor="ctr"/>
-          <a:lstStyle/>
-          <a:p>
-            <a:pPr algn="ctr"/>
-            <a:endParaRPr kumimoji="1" lang="ja-JP" altLang="en-US"/>
-          </a:p>
-        </p:txBody>
-      </p:sp>
-      <p:sp>
-        <p:nvSpPr>
-          <p:cNvPr id="25" name="楕円 24"/>
-          <p:cNvSpPr>
-            <a:spLocks noChangeAspect="1"/>
-          </p:cNvSpPr>
-          <p:nvPr/>
-        </p:nvSpPr>
-        <p:spPr>
-          <a:xfrm>
-            <a:off x="6539262" y="2361838"/>
-            <a:ext cx="720000" cy="720000"/>
-          </a:xfrm>
-          <a:prstGeom prst="ellipse">
-            <a:avLst/>
-          </a:prstGeom>
-          <a:noFill/>
-          <a:ln w="38100">
-            <a:solidFill>
-              <a:srgbClr val="0070C0"/>
-            </a:solidFill>
-          </a:ln>
-        </p:spPr>
-        <p:style>
-          <a:lnRef idx="2">
-            <a:schemeClr val="accent1">
-              <a:shade val="50000"/>
-            </a:schemeClr>
-          </a:lnRef>
-          <a:fillRef idx="1">
-            <a:schemeClr val="accent1"/>
-          </a:fillRef>
-          <a:effectRef idx="0">
-            <a:schemeClr val="accent1"/>
-          </a:effectRef>
-          <a:fontRef idx="minor">
-            <a:schemeClr val="lt1"/>
-          </a:fontRef>
-        </p:style>
-        <p:txBody>
-          <a:bodyPr rtlCol="0" anchor="ctr"/>
-          <a:lstStyle/>
-          <a:p>
-            <a:pPr algn="ctr"/>
-            <a:endParaRPr kumimoji="1" lang="ja-JP" altLang="en-US"/>
-          </a:p>
-        </p:txBody>
-      </p:sp>
-      <p:sp>
-        <p:nvSpPr>
-          <p:cNvPr id="26" name="楕円 25"/>
-          <p:cNvSpPr>
-            <a:spLocks noChangeAspect="1"/>
-          </p:cNvSpPr>
-          <p:nvPr/>
-        </p:nvSpPr>
-        <p:spPr>
-          <a:xfrm rot="1990010">
-            <a:off x="6438876" y="3891280"/>
-            <a:ext cx="720000" cy="720000"/>
-          </a:xfrm>
-          <a:prstGeom prst="ellipse">
-            <a:avLst/>
-          </a:prstGeom>
-          <a:noFill/>
-          <a:ln w="38100">
-            <a:solidFill>
-              <a:srgbClr val="0070C0"/>
-            </a:solidFill>
-          </a:ln>
-        </p:spPr>
-        <p:style>
-          <a:lnRef idx="2">
-            <a:schemeClr val="accent1">
-              <a:shade val="50000"/>
-            </a:schemeClr>
-          </a:lnRef>
-          <a:fillRef idx="1">
-            <a:schemeClr val="accent1"/>
-          </a:fillRef>
-          <a:effectRef idx="0">
-            <a:schemeClr val="accent1"/>
-          </a:effectRef>
-          <a:fontRef idx="minor">
-            <a:schemeClr val="lt1"/>
-          </a:fontRef>
-        </p:style>
-        <p:txBody>
-          <a:bodyPr rtlCol="0" anchor="ctr"/>
-          <a:lstStyle/>
-          <a:p>
-            <a:pPr algn="ctr"/>
-            <a:endParaRPr kumimoji="1" lang="ja-JP" altLang="en-US"/>
-          </a:p>
-        </p:txBody>
-      </p:sp>
-      <p:sp>
-        <p:nvSpPr>
-          <p:cNvPr id="27" name="楕円 26"/>
-          <p:cNvSpPr>
-            <a:spLocks noChangeAspect="1"/>
-          </p:cNvSpPr>
-          <p:nvPr/>
-        </p:nvSpPr>
-        <p:spPr>
-          <a:xfrm>
-            <a:off x="4587461" y="4466042"/>
-            <a:ext cx="720000" cy="720000"/>
-          </a:xfrm>
-          <a:prstGeom prst="ellipse">
-            <a:avLst/>
-          </a:prstGeom>
-          <a:noFill/>
-          <a:ln w="38100">
-            <a:solidFill>
-              <a:srgbClr val="0070C0"/>
-            </a:solidFill>
-          </a:ln>
-        </p:spPr>
-        <p:style>
-          <a:lnRef idx="2">
-            <a:schemeClr val="accent1">
-              <a:shade val="50000"/>
-            </a:schemeClr>
-          </a:lnRef>
-          <a:fillRef idx="1">
-            <a:schemeClr val="accent1"/>
-          </a:fillRef>
-          <a:effectRef idx="0">
-            <a:schemeClr val="accent1"/>
-          </a:effectRef>
-          <a:fontRef idx="minor">
-            <a:schemeClr val="lt1"/>
-          </a:fontRef>
-        </p:style>
-        <p:txBody>
-          <a:bodyPr rtlCol="0" anchor="ctr"/>
-          <a:lstStyle/>
-          <a:p>
-            <a:pPr algn="ctr"/>
-            <a:endParaRPr kumimoji="1" lang="ja-JP" altLang="en-US"/>
-          </a:p>
-        </p:txBody>
-      </p:sp>
-      <p:cxnSp>
-        <p:nvCxnSpPr>
-          <p:cNvPr id="28" name="直線コネクタ 27"/>
-          <p:cNvCxnSpPr>
-            <a:stCxn id="27" idx="0"/>
-            <a:endCxn id="24" idx="4"/>
-          </p:cNvCxnSpPr>
-          <p:nvPr/>
-        </p:nvCxnSpPr>
-        <p:spPr>
-          <a:xfrm flipV="1">
-            <a:off x="4947461" y="3751940"/>
-            <a:ext cx="184788" cy="714102"/>
-          </a:xfrm>
-          <a:prstGeom prst="line">
-            <a:avLst/>
-          </a:prstGeom>
-          <a:ln w="38100"/>
-        </p:spPr>
-        <p:style>
-          <a:lnRef idx="1">
-            <a:schemeClr val="accent1"/>
-          </a:lnRef>
-          <a:fillRef idx="0">
-            <a:schemeClr val="accent1"/>
-          </a:fillRef>
-          <a:effectRef idx="0">
-            <a:schemeClr val="accent1"/>
-          </a:effectRef>
-          <a:fontRef idx="minor">
-            <a:schemeClr val="tx1"/>
-          </a:fontRef>
-        </p:style>
-      </p:cxnSp>
-      <p:cxnSp>
-        <p:nvCxnSpPr>
-          <p:cNvPr id="34" name="直線コネクタ 33"/>
-          <p:cNvCxnSpPr>
-            <a:stCxn id="25" idx="2"/>
-            <a:endCxn id="24" idx="7"/>
-          </p:cNvCxnSpPr>
-          <p:nvPr/>
-        </p:nvCxnSpPr>
-        <p:spPr>
-          <a:xfrm flipH="1">
-            <a:off x="5536757" y="2721838"/>
-            <a:ext cx="1002505" cy="502035"/>
-          </a:xfrm>
-          <a:prstGeom prst="line">
-            <a:avLst/>
-          </a:prstGeom>
-          <a:ln w="38100"/>
-        </p:spPr>
-        <p:style>
-          <a:lnRef idx="1">
-            <a:schemeClr val="accent1"/>
-          </a:lnRef>
-          <a:fillRef idx="0">
-            <a:schemeClr val="accent1"/>
-          </a:fillRef>
-          <a:effectRef idx="0">
-            <a:schemeClr val="accent1"/>
-          </a:effectRef>
-          <a:fontRef idx="minor">
-            <a:schemeClr val="tx1"/>
-          </a:fontRef>
-        </p:style>
-      </p:cxnSp>
-      <p:cxnSp>
-        <p:nvCxnSpPr>
-          <p:cNvPr id="40" name="直線コネクタ 39"/>
-          <p:cNvCxnSpPr>
-            <a:stCxn id="26" idx="2"/>
-            <a:endCxn id="24" idx="6"/>
-          </p:cNvCxnSpPr>
-          <p:nvPr/>
-        </p:nvCxnSpPr>
-        <p:spPr>
-          <a:xfrm flipH="1" flipV="1">
-            <a:off x="5572947" y="3497018"/>
-            <a:ext cx="924580" cy="557314"/>
-          </a:xfrm>
-          <a:prstGeom prst="line">
-            <a:avLst/>
-          </a:prstGeom>
-          <a:ln w="38100"/>
-        </p:spPr>
-        <p:style>
-          <a:lnRef idx="1">
-            <a:schemeClr val="accent1"/>
-          </a:lnRef>
-          <a:fillRef idx="0">
-            <a:schemeClr val="accent1"/>
-          </a:fillRef>
-          <a:effectRef idx="0">
-            <a:schemeClr val="accent1"/>
-          </a:effectRef>
-          <a:fontRef idx="minor">
-            <a:schemeClr val="tx1"/>
-          </a:fontRef>
-        </p:style>
-      </p:cxnSp>
-      <p:cxnSp>
-        <p:nvCxnSpPr>
-          <p:cNvPr id="43" name="直線コネクタ 42"/>
-          <p:cNvCxnSpPr>
-            <a:stCxn id="26" idx="4"/>
-            <a:endCxn id="27" idx="6"/>
-          </p:cNvCxnSpPr>
-          <p:nvPr/>
-        </p:nvCxnSpPr>
-        <p:spPr>
-          <a:xfrm flipH="1">
-            <a:off x="5307461" y="4552629"/>
-            <a:ext cx="1294467" cy="273413"/>
-          </a:xfrm>
-          <a:prstGeom prst="line">
-            <a:avLst/>
-          </a:prstGeom>
-          <a:ln w="38100"/>
-        </p:spPr>
-        <p:style>
-          <a:lnRef idx="1">
-            <a:schemeClr val="accent1"/>
-          </a:lnRef>
-          <a:fillRef idx="0">
-            <a:schemeClr val="accent1"/>
-          </a:fillRef>
-          <a:effectRef idx="0">
-            <a:schemeClr val="accent1"/>
-          </a:effectRef>
-          <a:fontRef idx="minor">
-            <a:schemeClr val="tx1"/>
-          </a:fontRef>
-        </p:style>
-      </p:cxnSp>
-      <p:cxnSp>
-        <p:nvCxnSpPr>
-          <p:cNvPr id="48" name="直線コネクタ 47"/>
-          <p:cNvCxnSpPr>
-            <a:stCxn id="26" idx="1"/>
-            <a:endCxn id="25" idx="4"/>
-          </p:cNvCxnSpPr>
-          <p:nvPr/>
-        </p:nvCxnSpPr>
-        <p:spPr>
-          <a:xfrm flipV="1">
-            <a:off x="6725054" y="3081838"/>
-            <a:ext cx="174208" cy="817093"/>
-          </a:xfrm>
-          <a:prstGeom prst="line">
-            <a:avLst/>
-          </a:prstGeom>
-          <a:ln w="38100"/>
-        </p:spPr>
-        <p:style>
-          <a:lnRef idx="1">
-            <a:schemeClr val="accent1"/>
-          </a:lnRef>
-          <a:fillRef idx="0">
-            <a:schemeClr val="accent1"/>
-          </a:fillRef>
-          <a:effectRef idx="0">
-            <a:schemeClr val="accent1"/>
-          </a:effectRef>
-          <a:fontRef idx="minor">
-            <a:schemeClr val="tx1"/>
-          </a:fontRef>
-        </p:style>
-      </p:cxnSp>
-      <p:sp>
-        <p:nvSpPr>
-          <p:cNvPr id="61" name="テキスト ボックス 60"/>
-          <p:cNvSpPr txBox="1"/>
-          <p:nvPr/>
-        </p:nvSpPr>
-        <p:spPr>
-          <a:xfrm>
-            <a:off x="267213" y="1749072"/>
-            <a:ext cx="3589444" cy="523220"/>
-          </a:xfrm>
-          <a:prstGeom prst="rect">
-            <a:avLst/>
-          </a:prstGeom>
-          <a:noFill/>
-        </p:spPr>
-        <p:txBody>
-          <a:bodyPr wrap="none" rtlCol="0">
-            <a:spAutoFit/>
-          </a:bodyPr>
-          <a:lstStyle/>
-          <a:p>
-            <a:r>
-              <a:rPr kumimoji="1" lang="ja-JP" altLang="en-US" sz="2800" dirty="0"/>
-              <a:t>ソーシャルネットワーク</a:t>
-            </a:r>
-          </a:p>
-        </p:txBody>
-      </p:sp>
-      <p:sp>
-        <p:nvSpPr>
-          <p:cNvPr id="62" name="テキスト ボックス 61"/>
-          <p:cNvSpPr txBox="1"/>
-          <p:nvPr/>
-        </p:nvSpPr>
-        <p:spPr>
-          <a:xfrm>
-            <a:off x="4784438" y="1749072"/>
-            <a:ext cx="2728632" cy="523220"/>
-          </a:xfrm>
-          <a:prstGeom prst="rect">
-            <a:avLst/>
-          </a:prstGeom>
-          <a:noFill/>
-        </p:spPr>
-        <p:txBody>
-          <a:bodyPr wrap="none" rtlCol="0">
-            <a:spAutoFit/>
-          </a:bodyPr>
-          <a:lstStyle/>
-          <a:p>
-            <a:r>
-              <a:rPr kumimoji="1" lang="ja-JP" altLang="en-US" sz="2800" dirty="0"/>
-              <a:t>ソーシャルグラフ</a:t>
-            </a:r>
-          </a:p>
-        </p:txBody>
-      </p:sp>
-      <p:sp>
-        <p:nvSpPr>
-          <p:cNvPr id="63" name="左右矢印 62"/>
-          <p:cNvSpPr/>
-          <p:nvPr/>
-        </p:nvSpPr>
-        <p:spPr>
-          <a:xfrm>
-            <a:off x="7922964" y="3533359"/>
-            <a:ext cx="1440000" cy="484632"/>
-          </a:xfrm>
-          <a:prstGeom prst="leftRightArrow">
-            <a:avLst/>
-          </a:prstGeom>
-          <a:solidFill>
-            <a:schemeClr val="tx1"/>
-          </a:solidFill>
-          <a:ln>
-            <a:solidFill>
-              <a:schemeClr val="tx1"/>
-            </a:solidFill>
-          </a:ln>
-        </p:spPr>
-        <p:style>
-          <a:lnRef idx="2">
-            <a:schemeClr val="accent1">
-              <a:shade val="50000"/>
-            </a:schemeClr>
-          </a:lnRef>
-          <a:fillRef idx="1">
-            <a:schemeClr val="accent1"/>
-          </a:fillRef>
-          <a:effectRef idx="0">
-            <a:schemeClr val="accent1"/>
-          </a:effectRef>
-          <a:fontRef idx="minor">
-            <a:schemeClr val="lt1"/>
-          </a:fontRef>
-        </p:style>
-        <p:txBody>
-          <a:bodyPr rtlCol="0" anchor="ctr"/>
-          <a:lstStyle/>
-          <a:p>
-            <a:pPr algn="ctr"/>
-            <a:endParaRPr kumimoji="1" lang="ja-JP" altLang="en-US"/>
-          </a:p>
-        </p:txBody>
-      </p:sp>
-      <p:sp>
-        <p:nvSpPr>
-          <p:cNvPr id="64" name="テキスト ボックス 63"/>
-          <p:cNvSpPr txBox="1"/>
-          <p:nvPr/>
-        </p:nvSpPr>
-        <p:spPr>
-          <a:xfrm>
-            <a:off x="8230832" y="2886846"/>
-            <a:ext cx="824265" cy="584775"/>
-          </a:xfrm>
-          <a:prstGeom prst="rect">
-            <a:avLst/>
-          </a:prstGeom>
-          <a:noFill/>
-        </p:spPr>
-        <p:txBody>
-          <a:bodyPr wrap="none" rtlCol="0">
-            <a:spAutoFit/>
-          </a:bodyPr>
-          <a:lstStyle/>
-          <a:p>
-            <a:r>
-              <a:rPr kumimoji="1" lang="en-US" altLang="ja-JP" sz="3200" dirty="0">
-                <a:latin typeface="+mn-ea"/>
-              </a:rPr>
-              <a:t>API</a:t>
-            </a:r>
-            <a:endParaRPr kumimoji="1" lang="ja-JP" altLang="en-US" sz="3200" dirty="0">
-              <a:latin typeface="+mn-ea"/>
-            </a:endParaRPr>
-          </a:p>
-        </p:txBody>
-      </p:sp>
-      <p:pic>
-        <p:nvPicPr>
-          <p:cNvPr id="65" name="図 64"/>
-          <p:cNvPicPr>
-            <a:picLocks noChangeAspect="1"/>
-          </p:cNvPicPr>
-          <p:nvPr/>
-        </p:nvPicPr>
-        <p:blipFill>
-          <a:blip r:embed="rId3">
-            <a:extLst>
-              <a:ext uri="{28A0092B-C50C-407E-A947-70E740481C1C}">
-                <a14:useLocalDpi xmlns:a14="http://schemas.microsoft.com/office/drawing/2010/main" val="0"/>
-              </a:ext>
-            </a:extLst>
-          </a:blip>
-          <a:stretch>
-            <a:fillRect/>
-          </a:stretch>
-        </p:blipFill>
-        <p:spPr>
-          <a:xfrm>
-            <a:off x="9988755" y="2413317"/>
-            <a:ext cx="1732500" cy="2520000"/>
-          </a:xfrm>
-          <a:prstGeom prst="rect">
-            <a:avLst/>
-          </a:prstGeom>
-        </p:spPr>
-      </p:pic>
-      <p:sp>
-        <p:nvSpPr>
-          <p:cNvPr id="66" name="テキスト ボックス 65"/>
-          <p:cNvSpPr txBox="1"/>
-          <p:nvPr/>
-        </p:nvSpPr>
-        <p:spPr>
-          <a:xfrm>
-            <a:off x="9655798" y="1749072"/>
-            <a:ext cx="2398413" cy="523220"/>
-          </a:xfrm>
-          <a:prstGeom prst="rect">
-            <a:avLst/>
-          </a:prstGeom>
-          <a:noFill/>
-        </p:spPr>
-        <p:txBody>
-          <a:bodyPr wrap="none" rtlCol="0">
-            <a:spAutoFit/>
-          </a:bodyPr>
-          <a:lstStyle/>
-          <a:p>
-            <a:r>
-              <a:rPr kumimoji="1" lang="ja-JP" altLang="en-US" sz="2800" dirty="0"/>
-              <a:t>サードパーティ</a:t>
-            </a:r>
-          </a:p>
-        </p:txBody>
-      </p:sp>
-      <p:sp>
-        <p:nvSpPr>
-          <p:cNvPr id="68" name="テキスト ボックス 67"/>
-          <p:cNvSpPr txBox="1"/>
-          <p:nvPr/>
-        </p:nvSpPr>
-        <p:spPr>
-          <a:xfrm>
-            <a:off x="63594" y="5549225"/>
-            <a:ext cx="12170319" cy="954107"/>
-          </a:xfrm>
-          <a:prstGeom prst="rect">
-            <a:avLst/>
-          </a:prstGeom>
-          <a:noFill/>
-        </p:spPr>
-        <p:txBody>
-          <a:bodyPr wrap="none" rtlCol="0">
-            <a:spAutoFit/>
-          </a:bodyPr>
-          <a:lstStyle/>
-          <a:p>
-            <a:pPr marL="457200" indent="-457200">
-              <a:buFont typeface="Arial" panose="020B0604020202020204" pitchFamily="34" charset="0"/>
-              <a:buChar char="•"/>
-            </a:pPr>
-            <a:r>
-              <a:rPr kumimoji="1" lang="ja-JP" altLang="en-US" sz="2800"/>
-              <a:t>サードパーティはソーシャルグラフのデータ取得に制限がある．</a:t>
-            </a:r>
-            <a:endParaRPr kumimoji="1" lang="en-US" altLang="ja-JP" sz="2800" dirty="0"/>
-          </a:p>
-          <a:p>
-            <a:pPr marL="457200" indent="-457200">
-              <a:buFont typeface="Arial" panose="020B0604020202020204" pitchFamily="34" charset="0"/>
-              <a:buChar char="•"/>
-            </a:pPr>
-            <a:r>
-              <a:rPr kumimoji="1" lang="ja-JP" altLang="en-US" sz="2800"/>
-              <a:t>一部だけサンプリングして，グラフの特徴を推定しよう！</a:t>
-            </a:r>
-            <a:r>
-              <a:rPr kumimoji="1" lang="ja-JP" altLang="en-US" sz="2800">
-                <a:solidFill>
-                  <a:srgbClr val="FF0000"/>
-                </a:solidFill>
-              </a:rPr>
-              <a:t>（グラフサンプリング）</a:t>
-            </a:r>
-            <a:endParaRPr kumimoji="1" lang="en-US" altLang="ja-JP" sz="2800" b="1" dirty="0">
-              <a:solidFill>
-                <a:srgbClr val="FF0000"/>
-              </a:solidFill>
-            </a:endParaRPr>
-          </a:p>
-        </p:txBody>
-      </p:sp>
-      <p:sp>
-        <p:nvSpPr>
-          <p:cNvPr id="69" name="楕円 68"/>
-          <p:cNvSpPr/>
-          <p:nvPr/>
-        </p:nvSpPr>
-        <p:spPr>
-          <a:xfrm>
-            <a:off x="8193251" y="1924431"/>
-            <a:ext cx="914400" cy="914400"/>
-          </a:xfrm>
-          <a:prstGeom prst="ellipse">
-            <a:avLst/>
-          </a:prstGeom>
-          <a:noFill/>
-          <a:ln w="76200">
-            <a:solidFill>
-              <a:srgbClr val="FF0000"/>
-            </a:solidFill>
-          </a:ln>
-        </p:spPr>
-        <p:style>
-          <a:lnRef idx="2">
-            <a:schemeClr val="accent1">
-              <a:shade val="50000"/>
-            </a:schemeClr>
-          </a:lnRef>
-          <a:fillRef idx="1">
-            <a:schemeClr val="accent1"/>
-          </a:fillRef>
-          <a:effectRef idx="0">
-            <a:schemeClr val="accent1"/>
-          </a:effectRef>
-          <a:fontRef idx="minor">
-            <a:schemeClr val="lt1"/>
-          </a:fontRef>
-        </p:style>
-        <p:txBody>
-          <a:bodyPr rtlCol="0" anchor="ctr"/>
-          <a:lstStyle/>
-          <a:p>
-            <a:pPr algn="ctr"/>
-            <a:endParaRPr kumimoji="1" lang="ja-JP" altLang="en-US" sz="1100" dirty="0">
-              <a:solidFill>
-                <a:schemeClr val="tx1"/>
-              </a:solidFill>
-            </a:endParaRPr>
-          </a:p>
-        </p:txBody>
-      </p:sp>
-      <p:sp>
-        <p:nvSpPr>
-          <p:cNvPr id="71" name="テキスト ボックス 70"/>
-          <p:cNvSpPr txBox="1"/>
-          <p:nvPr/>
-        </p:nvSpPr>
-        <p:spPr>
-          <a:xfrm>
-            <a:off x="8159430" y="2058465"/>
-            <a:ext cx="958917" cy="646331"/>
-          </a:xfrm>
-          <a:prstGeom prst="rect">
-            <a:avLst/>
-          </a:prstGeom>
-          <a:noFill/>
-        </p:spPr>
-        <p:txBody>
-          <a:bodyPr wrap="none" rtlCol="0">
-            <a:spAutoFit/>
-          </a:bodyPr>
-          <a:lstStyle/>
-          <a:p>
-            <a:r>
-              <a:rPr kumimoji="1" lang="en-US" altLang="ja-JP" sz="3600" b="1" dirty="0"/>
-              <a:t>100</a:t>
-            </a:r>
-            <a:endParaRPr kumimoji="1" lang="ja-JP" altLang="en-US" sz="3600" b="1" dirty="0"/>
-          </a:p>
-        </p:txBody>
-      </p:sp>
-      <p:sp>
-        <p:nvSpPr>
-          <p:cNvPr id="72" name="テキスト ボックス 71"/>
-          <p:cNvSpPr txBox="1"/>
-          <p:nvPr/>
-        </p:nvSpPr>
-        <p:spPr>
-          <a:xfrm>
-            <a:off x="7649674" y="1493452"/>
-            <a:ext cx="1978427" cy="400110"/>
-          </a:xfrm>
-          <a:prstGeom prst="rect">
-            <a:avLst/>
-          </a:prstGeom>
-          <a:noFill/>
-        </p:spPr>
-        <p:txBody>
-          <a:bodyPr wrap="none" rtlCol="0">
-            <a:spAutoFit/>
-          </a:bodyPr>
-          <a:lstStyle/>
-          <a:p>
-            <a:r>
-              <a:rPr kumimoji="1" lang="ja-JP" altLang="en-US" sz="2000" dirty="0"/>
-              <a:t>リクエスト数制限</a:t>
-            </a:r>
-          </a:p>
-        </p:txBody>
-      </p:sp>
-      <p:sp>
-        <p:nvSpPr>
-          <p:cNvPr id="73" name="テキスト ボックス 72"/>
-          <p:cNvSpPr txBox="1"/>
-          <p:nvPr/>
-        </p:nvSpPr>
-        <p:spPr>
-          <a:xfrm>
-            <a:off x="3971349" y="3079529"/>
-            <a:ext cx="917239" cy="461665"/>
-          </a:xfrm>
-          <a:prstGeom prst="rect">
-            <a:avLst/>
-          </a:prstGeom>
-          <a:noFill/>
-        </p:spPr>
-        <p:txBody>
-          <a:bodyPr wrap="none" rtlCol="0">
-            <a:spAutoFit/>
-          </a:bodyPr>
-          <a:lstStyle/>
-          <a:p>
-            <a:r>
-              <a:rPr kumimoji="1" lang="ja-JP" altLang="en-US" sz="2400" dirty="0"/>
-              <a:t>ノード</a:t>
-            </a:r>
-          </a:p>
-        </p:txBody>
-      </p:sp>
-      <p:sp>
-        <p:nvSpPr>
-          <p:cNvPr id="74" name="テキスト ボックス 73"/>
-          <p:cNvSpPr txBox="1"/>
-          <p:nvPr/>
-        </p:nvSpPr>
-        <p:spPr>
-          <a:xfrm>
-            <a:off x="4086485" y="3845587"/>
-            <a:ext cx="963725" cy="461665"/>
-          </a:xfrm>
-          <a:prstGeom prst="rect">
-            <a:avLst/>
-          </a:prstGeom>
-          <a:noFill/>
-        </p:spPr>
-        <p:txBody>
-          <a:bodyPr wrap="none" rtlCol="0">
-            <a:spAutoFit/>
-          </a:bodyPr>
-          <a:lstStyle/>
-          <a:p>
-            <a:r>
-              <a:rPr kumimoji="1" lang="ja-JP" altLang="en-US" sz="2400" dirty="0"/>
-              <a:t>エッジ</a:t>
-            </a:r>
-          </a:p>
-        </p:txBody>
-      </p:sp>
-    </p:spTree>
-    <p:extLst>
-      <p:ext uri="{BB962C8B-B14F-4D97-AF65-F5344CB8AC3E}">
-        <p14:creationId xmlns:p14="http://schemas.microsoft.com/office/powerpoint/2010/main" val="2934066686"/>
-      </p:ext>
-    </p:extLst>
-  </p:cSld>
-  <p:clrMapOvr>
-    <a:masterClrMapping/>
-  </p:clrMapOvr>
-</p:sld>
-</file>
-
-<file path=ppt/slides/slide11.xml><?xml version="1.0" encoding="utf-8"?>
-<p:sld xmlns:a="http://schemas.openxmlformats.org/drawingml/2006/main" xmlns:r="http://schemas.openxmlformats.org/officeDocument/2006/relationships" xmlns:p="http://schemas.openxmlformats.org/presentationml/2006/main">
-  <p:cSld>
-    <p:spTree>
-      <p:nvGrpSpPr>
-        <p:cNvPr id="1" name=""/>
-        <p:cNvGrpSpPr/>
-        <p:nvPr/>
-      </p:nvGrpSpPr>
-      <p:grpSpPr>
-        <a:xfrm>
-          <a:off x="0" y="0"/>
-          <a:ext cx="0" cy="0"/>
-          <a:chOff x="0" y="0"/>
-          <a:chExt cx="0" cy="0"/>
-        </a:xfrm>
-      </p:grpSpPr>
-      <p:sp>
-        <p:nvSpPr>
           <p:cNvPr id="2" name="タイトル 1">
             <a:extLst>
               <a:ext uri="{FF2B5EF4-FFF2-40B4-BE49-F238E27FC236}">
@@ -8368,7 +7240,7 @@
 </p:sld>
 </file>
 
-<file path=ppt/slides/slide12.xml><?xml version="1.0" encoding="utf-8"?>
+<file path=ppt/slides/slide11.xml><?xml version="1.0" encoding="utf-8"?>
 <p:sld xmlns:a="http://schemas.openxmlformats.org/drawingml/2006/main" xmlns:r="http://schemas.openxmlformats.org/officeDocument/2006/relationships" xmlns:p="http://schemas.openxmlformats.org/presentationml/2006/main">
   <p:cSld>
     <p:spTree>
@@ -9854,7 +8726,7 @@
 </p:sld>
 </file>
 
-<file path=ppt/slides/slide13.xml><?xml version="1.0" encoding="utf-8"?>
+<file path=ppt/slides/slide12.xml><?xml version="1.0" encoding="utf-8"?>
 <p:sld xmlns:a="http://schemas.openxmlformats.org/drawingml/2006/main" xmlns:r="http://schemas.openxmlformats.org/officeDocument/2006/relationships" xmlns:p="http://schemas.openxmlformats.org/presentationml/2006/main">
   <p:cSld>
     <p:spTree>
@@ -10047,7 +8919,7 @@
 </p:sld>
 </file>
 
-<file path=ppt/slides/slide14.xml><?xml version="1.0" encoding="utf-8"?>
+<file path=ppt/slides/slide13.xml><?xml version="1.0" encoding="utf-8"?>
 <p:sld xmlns:a="http://schemas.openxmlformats.org/drawingml/2006/main" xmlns:r="http://schemas.openxmlformats.org/officeDocument/2006/relationships" xmlns:p="http://schemas.openxmlformats.org/presentationml/2006/main">
   <p:cSld>
     <p:spTree>
@@ -10317,6 +9189,278 @@
 </p:sld>
 </file>
 
+<file path=ppt/slides/slide14.xml><?xml version="1.0" encoding="utf-8"?>
+<p:sld xmlns:a="http://schemas.openxmlformats.org/drawingml/2006/main" xmlns:r="http://schemas.openxmlformats.org/officeDocument/2006/relationships" xmlns:p="http://schemas.openxmlformats.org/presentationml/2006/main">
+  <p:cSld>
+    <p:spTree>
+      <p:nvGrpSpPr>
+        <p:cNvPr id="1" name=""/>
+        <p:cNvGrpSpPr/>
+        <p:nvPr/>
+      </p:nvGrpSpPr>
+      <p:grpSpPr>
+        <a:xfrm>
+          <a:off x="0" y="0"/>
+          <a:ext cx="0" cy="0"/>
+          <a:chOff x="0" y="0"/>
+          <a:chExt cx="0" cy="0"/>
+        </a:xfrm>
+      </p:grpSpPr>
+      <p:sp>
+        <p:nvSpPr>
+          <p:cNvPr id="2" name="タイトル 1">
+            <a:extLst>
+              <a:ext uri="{FF2B5EF4-FFF2-40B4-BE49-F238E27FC236}">
+                <a16:creationId xmlns:a16="http://schemas.microsoft.com/office/drawing/2014/main" id="{E7404957-97CD-E247-9AD1-739CD02D4370}"/>
+              </a:ext>
+            </a:extLst>
+          </p:cNvPr>
+          <p:cNvSpPr>
+            <a:spLocks noGrp="1"/>
+          </p:cNvSpPr>
+          <p:nvPr>
+            <p:ph type="title"/>
+          </p:nvPr>
+        </p:nvSpPr>
+        <p:spPr/>
+        <p:txBody>
+          <a:bodyPr/>
+          <a:lstStyle/>
+          <a:p>
+            <a:r>
+              <a:rPr kumimoji="1" lang="ja-JP" altLang="en-US"/>
+              <a:t>スケジュール</a:t>
+            </a:r>
+          </a:p>
+        </p:txBody>
+      </p:sp>
+      <p:sp>
+        <p:nvSpPr>
+          <p:cNvPr id="3" name="コンテンツ プレースホルダー 2">
+            <a:extLst>
+              <a:ext uri="{FF2B5EF4-FFF2-40B4-BE49-F238E27FC236}">
+                <a16:creationId xmlns:a16="http://schemas.microsoft.com/office/drawing/2014/main" id="{AD202CB6-0CB7-F040-A472-9A2D848198FA}"/>
+              </a:ext>
+            </a:extLst>
+          </p:cNvPr>
+          <p:cNvSpPr>
+            <a:spLocks noGrp="1"/>
+          </p:cNvSpPr>
+          <p:nvPr>
+            <p:ph idx="1"/>
+          </p:nvPr>
+        </p:nvSpPr>
+        <p:spPr/>
+        <p:txBody>
+          <a:bodyPr>
+            <a:normAutofit/>
+          </a:bodyPr>
+          <a:lstStyle/>
+          <a:p>
+            <a:r>
+              <a:rPr kumimoji="1" lang="ja-JP" altLang="en-US"/>
+              <a:t>第</a:t>
+            </a:r>
+            <a:r>
+              <a:rPr kumimoji="1" lang="en-US" altLang="ja-JP" dirty="0"/>
+              <a:t>1</a:t>
+            </a:r>
+            <a:r>
+              <a:rPr kumimoji="1" lang="ja-JP" altLang="en-US"/>
+              <a:t>回</a:t>
+            </a:r>
+            <a:r>
+              <a:rPr kumimoji="1" lang="en-US" altLang="ja-JP" dirty="0"/>
+              <a:t> (11/12)</a:t>
+            </a:r>
+            <a:endParaRPr lang="en-US" altLang="ja-JP" sz="2800" dirty="0"/>
+          </a:p>
+          <a:p>
+            <a:pPr lvl="1"/>
+            <a:r>
+              <a:rPr lang="ja-JP" altLang="en-US" sz="2400">
+                <a:latin typeface="MS PGothic" panose="020B0600070205080204" pitchFamily="34" charset="-128"/>
+                <a:ea typeface="MS PGothic" panose="020B0600070205080204" pitchFamily="34" charset="-128"/>
+              </a:rPr>
+              <a:t>導入と環境構築</a:t>
+            </a:r>
+            <a:endParaRPr lang="en-US" altLang="ja-JP" sz="2400" dirty="0">
+              <a:latin typeface="MS PGothic" panose="020B0600070205080204" pitchFamily="34" charset="-128"/>
+              <a:ea typeface="MS PGothic" panose="020B0600070205080204" pitchFamily="34" charset="-128"/>
+            </a:endParaRPr>
+          </a:p>
+          <a:p>
+            <a:pPr lvl="1"/>
+            <a:endParaRPr lang="en-US" altLang="ja-JP" sz="2400" dirty="0">
+              <a:latin typeface="MS PGothic" panose="020B0600070205080204" pitchFamily="34" charset="-128"/>
+              <a:ea typeface="MS PGothic" panose="020B0600070205080204" pitchFamily="34" charset="-128"/>
+            </a:endParaRPr>
+          </a:p>
+          <a:p>
+            <a:r>
+              <a:rPr lang="ja-JP" altLang="en-US" sz="2800"/>
+              <a:t>第</a:t>
+            </a:r>
+            <a:r>
+              <a:rPr lang="en-US" altLang="ja-JP" sz="2800" dirty="0"/>
+              <a:t>2</a:t>
+            </a:r>
+            <a:r>
+              <a:rPr lang="ja-JP" altLang="en-US" sz="2800"/>
+              <a:t>回</a:t>
+            </a:r>
+            <a:r>
+              <a:rPr lang="en-US" altLang="ja-JP" sz="2800" dirty="0"/>
+              <a:t>〜</a:t>
+            </a:r>
+            <a:r>
+              <a:rPr lang="ja-JP" altLang="en-US" sz="2800"/>
+              <a:t>第</a:t>
+            </a:r>
+            <a:r>
+              <a:rPr lang="en-US" altLang="ja-JP" sz="2800" dirty="0"/>
+              <a:t>5</a:t>
+            </a:r>
+            <a:r>
+              <a:rPr lang="ja-JP" altLang="en-US" sz="2800"/>
+              <a:t>回</a:t>
+            </a:r>
+            <a:r>
+              <a:rPr lang="en-US" altLang="ja-JP" sz="2800" dirty="0"/>
+              <a:t> (11/19, 11/26, 12/3, 12/10)</a:t>
+            </a:r>
+          </a:p>
+          <a:p>
+            <a:pPr lvl="1"/>
+            <a:r>
+              <a:rPr kumimoji="1" lang="ja-JP" altLang="en-US" sz="2400">
+                <a:latin typeface="MS PGothic" panose="020B0600070205080204" pitchFamily="34" charset="-128"/>
+                <a:ea typeface="MS PGothic" panose="020B0600070205080204" pitchFamily="34" charset="-128"/>
+              </a:rPr>
+              <a:t>輪講：</a:t>
+            </a:r>
+            <a:r>
+              <a:rPr kumimoji="1" lang="en-US" altLang="ja-JP" sz="2400" dirty="0">
+                <a:latin typeface="MS PGothic" panose="020B0600070205080204" pitchFamily="34" charset="-128"/>
+                <a:ea typeface="MS PGothic" panose="020B0600070205080204" pitchFamily="34" charset="-128"/>
+              </a:rPr>
+              <a:t> </a:t>
+            </a:r>
+            <a:r>
+              <a:rPr lang="en" altLang="ja-JP" sz="2400" dirty="0">
+                <a:latin typeface="MS PGothic" panose="020B0600070205080204" pitchFamily="34" charset="-128"/>
+                <a:ea typeface="MS PGothic" panose="020B0600070205080204" pitchFamily="34" charset="-128"/>
+              </a:rPr>
+              <a:t>Walking in Facebook: A Case Study of Unbiased Sampling of OSNs</a:t>
+            </a:r>
+            <a:endParaRPr kumimoji="1" lang="en-US" altLang="ja-JP" sz="2400" dirty="0">
+              <a:latin typeface="MS PGothic" panose="020B0600070205080204" pitchFamily="34" charset="-128"/>
+              <a:ea typeface="MS PGothic" panose="020B0600070205080204" pitchFamily="34" charset="-128"/>
+            </a:endParaRPr>
+          </a:p>
+          <a:p>
+            <a:pPr lvl="1"/>
+            <a:endParaRPr lang="en-US" altLang="ja-JP" dirty="0">
+              <a:latin typeface="MS PGothic" panose="020B0600070205080204" pitchFamily="34" charset="-128"/>
+              <a:ea typeface="MS PGothic" panose="020B0600070205080204" pitchFamily="34" charset="-128"/>
+            </a:endParaRPr>
+          </a:p>
+          <a:p>
+            <a:r>
+              <a:rPr lang="ja-JP" altLang="en-US"/>
+              <a:t>第</a:t>
+            </a:r>
+            <a:r>
+              <a:rPr lang="en-US" altLang="ja-JP" dirty="0"/>
+              <a:t>6</a:t>
+            </a:r>
+            <a:r>
+              <a:rPr lang="ja-JP" altLang="en-US"/>
+              <a:t>回</a:t>
+            </a:r>
+            <a:r>
+              <a:rPr lang="en-US" altLang="ja-JP" dirty="0"/>
+              <a:t> (12/17)</a:t>
+            </a:r>
+          </a:p>
+          <a:p>
+            <a:pPr lvl="1"/>
+            <a:r>
+              <a:rPr lang="ja-JP" altLang="en-US" sz="2400">
+                <a:latin typeface="MS PGothic" panose="020B0600070205080204" pitchFamily="34" charset="-128"/>
+                <a:ea typeface="MS PGothic" panose="020B0600070205080204" pitchFamily="34" charset="-128"/>
+              </a:rPr>
+              <a:t>質問，最終レポート作成の目処を立てる．</a:t>
+            </a:r>
+            <a:endParaRPr lang="en-US" altLang="ja-JP" sz="2400" dirty="0">
+              <a:latin typeface="MS PGothic" panose="020B0600070205080204" pitchFamily="34" charset="-128"/>
+              <a:ea typeface="MS PGothic" panose="020B0600070205080204" pitchFamily="34" charset="-128"/>
+            </a:endParaRPr>
+          </a:p>
+          <a:p>
+            <a:pPr lvl="1"/>
+            <a:endParaRPr lang="en-US" altLang="ja-JP" dirty="0">
+              <a:latin typeface="MS PGothic" panose="020B0600070205080204" pitchFamily="34" charset="-128"/>
+              <a:ea typeface="MS PGothic" panose="020B0600070205080204" pitchFamily="34" charset="-128"/>
+            </a:endParaRPr>
+          </a:p>
+          <a:p>
+            <a:r>
+              <a:rPr lang="ja-JP" altLang="en-US"/>
+              <a:t>最終レポート</a:t>
+            </a:r>
+            <a:endParaRPr lang="en-US" altLang="ja-JP" dirty="0"/>
+          </a:p>
+          <a:p>
+            <a:pPr lvl="1"/>
+            <a:r>
+              <a:rPr lang="ja-JP" altLang="en-US" sz="2400">
+                <a:latin typeface="MS PGothic" panose="020B0600070205080204" pitchFamily="34" charset="-128"/>
+                <a:ea typeface="MS PGothic" panose="020B0600070205080204" pitchFamily="34" charset="-128"/>
+              </a:rPr>
+              <a:t>第一稿提出</a:t>
+            </a:r>
+            <a:r>
+              <a:rPr lang="en-US" altLang="ja-JP" sz="2400" dirty="0">
+                <a:latin typeface="MS PGothic" panose="020B0600070205080204" pitchFamily="34" charset="-128"/>
+                <a:ea typeface="MS PGothic" panose="020B0600070205080204" pitchFamily="34" charset="-128"/>
+              </a:rPr>
+              <a:t>: 12/20, </a:t>
+            </a:r>
+            <a:r>
+              <a:rPr lang="ja-JP" altLang="en-US" sz="2400">
+                <a:latin typeface="MS PGothic" panose="020B0600070205080204" pitchFamily="34" charset="-128"/>
+                <a:ea typeface="MS PGothic" panose="020B0600070205080204" pitchFamily="34" charset="-128"/>
+              </a:rPr>
+              <a:t>最終提出</a:t>
+            </a:r>
+            <a:r>
+              <a:rPr lang="en-US" altLang="ja-JP" sz="2400" dirty="0">
+                <a:latin typeface="MS PGothic" panose="020B0600070205080204" pitchFamily="34" charset="-128"/>
+                <a:ea typeface="MS PGothic" panose="020B0600070205080204" pitchFamily="34" charset="-128"/>
+              </a:rPr>
+              <a:t>: 12/31</a:t>
+            </a:r>
+          </a:p>
+          <a:p>
+            <a:pPr lvl="1"/>
+            <a:endParaRPr kumimoji="1" lang="ja-JP" altLang="en-US"/>
+          </a:p>
+        </p:txBody>
+      </p:sp>
+    </p:spTree>
+    <p:extLst>
+      <p:ext uri="{BB962C8B-B14F-4D97-AF65-F5344CB8AC3E}">
+        <p14:creationId xmlns:p14="http://schemas.microsoft.com/office/powerpoint/2010/main" val="323252154"/>
+      </p:ext>
+    </p:extLst>
+  </p:cSld>
+  <p:clrMapOvr>
+    <a:masterClrMapping/>
+  </p:clrMapOvr>
+</p:sld>
+</file>
+
 <file path=ppt/slides/slide15.xml><?xml version="1.0" encoding="utf-8"?>
 <p:sld xmlns:a="http://schemas.openxmlformats.org/drawingml/2006/main" xmlns:r="http://schemas.openxmlformats.org/officeDocument/2006/relationships" xmlns:p="http://schemas.openxmlformats.org/presentationml/2006/main">
   <p:cSld>
@@ -10394,16 +9538,23 @@
             </a:r>
             <a:r>
               <a:rPr lang="en-US" altLang="ja-JP" sz="3600" dirty="0"/>
-              <a:t> (https://</a:t>
-            </a:r>
-            <a:r>
-              <a:rPr lang="en-US" altLang="ja-JP" sz="3600" dirty="0" err="1"/>
-              <a:t>nakajilab.slack.com</a:t>
-            </a:r>
-            <a:r>
-              <a:rPr lang="en-US" altLang="ja-JP" sz="3600" dirty="0"/>
-              <a:t>/)</a:t>
-            </a:r>
+              <a:t> (</a:t>
+            </a:r>
+            <a:r>
+              <a:rPr lang="en" altLang="ja-JP" dirty="0">
+                <a:hlinkClick r:id="rId2"/>
+              </a:rPr>
+              <a:t>trial-shudolab-2019.slack.com</a:t>
+            </a:r>
+            <a:r>
+              <a:rPr lang="en" altLang="ja-JP" dirty="0"/>
+              <a:t>)</a:t>
+            </a:r>
+            <a:endParaRPr lang="en-US" altLang="ja-JP" sz="3600" dirty="0"/>
+          </a:p>
+          <a:p>
+            <a:pPr lvl="1"/>
+            <a:endParaRPr kumimoji="1" lang="en-US" altLang="ja-JP" sz="2400" dirty="0"/>
           </a:p>
           <a:p>
             <a:pPr lvl="1"/>
@@ -10414,6 +9565,10 @@
             <a:endParaRPr kumimoji="1" lang="en-US" altLang="ja-JP" sz="2400" dirty="0"/>
           </a:p>
           <a:p>
+            <a:pPr lvl="1"/>
+            <a:endParaRPr kumimoji="1" lang="en-US" altLang="ja-JP" sz="2400" dirty="0"/>
+          </a:p>
+          <a:p>
             <a:r>
               <a:rPr kumimoji="1" lang="en-US" altLang="ja-JP" sz="3600" dirty="0" err="1"/>
               <a:t>Github</a:t>
@@ -10423,10 +9578,10 @@
               <a:t> (</a:t>
             </a:r>
             <a:r>
-              <a:rPr lang="en-US" altLang="ja-JP" sz="3600" dirty="0">
-                <a:hlinkClick r:id="rId2"/>
+              <a:rPr lang="en" altLang="ja-JP" sz="3600" dirty="0">
+                <a:hlinkClick r:id="rId3"/>
               </a:rPr>
-              <a:t>https://github.com/kazuibasou/trial_shudolab</a:t>
+              <a:t>https://github.com/kazuibasou/trial_shudolab_2019</a:t>
             </a:r>
             <a:r>
               <a:rPr lang="en-US" altLang="ja-JP" sz="3600" dirty="0"/>
@@ -10435,9 +9590,13 @@
           </a:p>
           <a:p>
             <a:pPr lvl="1"/>
+            <a:endParaRPr lang="en-US" altLang="ja-JP" sz="2400" dirty="0"/>
+          </a:p>
+          <a:p>
+            <a:pPr lvl="1"/>
             <a:r>
               <a:rPr lang="ja-JP" altLang="en-US" sz="2400"/>
-              <a:t>授業の資料とかアップします．</a:t>
+              <a:t>授業や課題レポートの概要，スライドがあります．</a:t>
             </a:r>
             <a:endParaRPr lang="en-US" altLang="ja-JP" sz="2400" dirty="0"/>
           </a:p>
@@ -10448,54 +9607,32 @@
           <a:p>
             <a:r>
               <a:rPr lang="ja-JP" altLang="en-US" sz="3600"/>
-              <a:t>火曜</a:t>
+              <a:t>輪講第</a:t>
             </a:r>
             <a:r>
               <a:rPr lang="en-US" altLang="ja-JP" sz="3600" dirty="0"/>
-              <a:t>15:05-16:35</a:t>
-            </a:r>
-          </a:p>
-          <a:p>
+              <a:t>3</a:t>
+            </a:r>
             <a:r>
               <a:rPr lang="ja-JP" altLang="en-US" sz="3600"/>
-              <a:t>日程：</a:t>
+              <a:t>回</a:t>
             </a:r>
             <a:r>
               <a:rPr lang="en-US" altLang="ja-JP" sz="3600" dirty="0"/>
-              <a:t>11/13, 11/20, 11/27, 12/4, 12/18</a:t>
-            </a:r>
-          </a:p>
-          <a:p>
+              <a:t>〜</a:t>
+            </a:r>
             <a:r>
               <a:rPr lang="ja-JP" altLang="en-US" sz="3600"/>
-              <a:t>輪講担当決め</a:t>
-            </a:r>
-            <a:endParaRPr lang="en-US" altLang="ja-JP" sz="3600" dirty="0"/>
-          </a:p>
-          <a:p>
-            <a:pPr lvl="1"/>
-            <a:r>
-              <a:rPr lang="en-US" altLang="ja-JP" sz="2400" dirty="0"/>
-              <a:t>4</a:t>
-            </a:r>
-            <a:r>
-              <a:rPr lang="ja-JP" altLang="en-US" sz="2400"/>
-              <a:t>章</a:t>
-            </a:r>
-            <a:r>
-              <a:rPr lang="en-US" altLang="ja-JP" sz="2400" dirty="0"/>
-              <a:t> or 5</a:t>
-            </a:r>
-            <a:r>
-              <a:rPr lang="ja-JP" altLang="en-US" sz="2400"/>
-              <a:t>章</a:t>
-            </a:r>
-            <a:endParaRPr lang="en-US" altLang="ja-JP" sz="2400" dirty="0"/>
-          </a:p>
-          <a:p>
-            <a:endParaRPr lang="en-US" altLang="ja-JP" dirty="0"/>
-          </a:p>
-          <a:p>
+              <a:t>第</a:t>
+            </a:r>
+            <a:r>
+              <a:rPr lang="en-US" altLang="ja-JP" sz="3600" dirty="0"/>
+              <a:t>5</a:t>
+            </a:r>
+            <a:r>
+              <a:rPr lang="ja-JP" altLang="en-US" sz="3600"/>
+              <a:t>回の担当決め</a:t>
+            </a:r>
             <a:endParaRPr lang="en-US" altLang="ja-JP" dirty="0"/>
           </a:p>
           <a:p>
@@ -10584,245 +9721,141 @@
         <p:spPr/>
         <p:txBody>
           <a:bodyPr>
-            <a:normAutofit fontScale="92500" lnSpcReduction="10000"/>
+            <a:normAutofit/>
           </a:bodyPr>
           <a:lstStyle/>
           <a:p>
-            <a:pPr marL="0" indent="0">
-              <a:buNone/>
+            <a:pPr marL="514350" indent="-514350">
+              <a:buFont typeface="+mj-lt"/>
+              <a:buAutoNum type="arabicPeriod"/>
             </a:pPr>
             <a:r>
-              <a:rPr lang="en-US" altLang="ja-JP" dirty="0"/>
-              <a:t>①</a:t>
-            </a:r>
-            <a:r>
               <a:rPr kumimoji="1" lang="ja-JP" altLang="en-US"/>
-              <a:t>環境構築</a:t>
-            </a:r>
+              <a:t>環境構築．</a:t>
+            </a:r>
+            <a:endParaRPr lang="en-US" altLang="ja-JP" dirty="0"/>
+          </a:p>
+          <a:p>
+            <a:pPr marL="514350" indent="-514350">
+              <a:buFont typeface="+mj-lt"/>
+              <a:buAutoNum type="arabicPeriod"/>
+            </a:pPr>
             <a:endParaRPr kumimoji="1" lang="en-US" altLang="ja-JP" dirty="0"/>
           </a:p>
           <a:p>
             <a:pPr lvl="1"/>
             <a:r>
-              <a:rPr lang="en-US" altLang="ja-JP" dirty="0"/>
+              <a:rPr lang="en-US" altLang="ja-JP" sz="2400" dirty="0">
+                <a:latin typeface="Arial" panose="020B0604020202020204" pitchFamily="34" charset="0"/>
+                <a:cs typeface="Arial" panose="020B0604020202020204" pitchFamily="34" charset="0"/>
+              </a:rPr>
               <a:t>Python</a:t>
             </a:r>
           </a:p>
           <a:p>
             <a:pPr lvl="2"/>
             <a:r>
-              <a:rPr lang="en-US" altLang="ja-JP" dirty="0" err="1"/>
+              <a:rPr lang="en-US" altLang="ja-JP" sz="2000" dirty="0" err="1">
+                <a:latin typeface="Arial" panose="020B0604020202020204" pitchFamily="34" charset="0"/>
+                <a:cs typeface="Arial" panose="020B0604020202020204" pitchFamily="34" charset="0"/>
+              </a:rPr>
               <a:t>Pycharm</a:t>
             </a:r>
             <a:r>
-              <a:rPr lang="en-US" altLang="ja-JP" dirty="0"/>
+              <a:rPr lang="en-US" altLang="ja-JP" sz="2000" dirty="0">
+                <a:latin typeface="Arial" panose="020B0604020202020204" pitchFamily="34" charset="0"/>
+                <a:cs typeface="Arial" panose="020B0604020202020204" pitchFamily="34" charset="0"/>
+              </a:rPr>
               <a:t> (</a:t>
             </a:r>
             <a:r>
-              <a:rPr lang="ja-JP" altLang="en-US"/>
+              <a:rPr lang="ja-JP" altLang="en-US" sz="2000">
+                <a:latin typeface="Arial" panose="020B0604020202020204" pitchFamily="34" charset="0"/>
+                <a:cs typeface="Arial" panose="020B0604020202020204" pitchFamily="34" charset="0"/>
+              </a:rPr>
               <a:t>統合開発環境</a:t>
             </a:r>
             <a:r>
-              <a:rPr lang="en-US" altLang="ja-JP" dirty="0"/>
+              <a:rPr lang="en-US" altLang="ja-JP" sz="2000" dirty="0">
+                <a:latin typeface="Arial" panose="020B0604020202020204" pitchFamily="34" charset="0"/>
+                <a:cs typeface="Arial" panose="020B0604020202020204" pitchFamily="34" charset="0"/>
+              </a:rPr>
               <a:t>)</a:t>
             </a:r>
           </a:p>
           <a:p>
             <a:pPr lvl="2"/>
             <a:r>
-              <a:rPr kumimoji="1" lang="en-US" altLang="ja-JP" dirty="0" err="1"/>
+              <a:rPr kumimoji="1" lang="en-US" altLang="ja-JP" sz="2000" dirty="0" err="1">
+                <a:latin typeface="Arial" panose="020B0604020202020204" pitchFamily="34" charset="0"/>
+                <a:cs typeface="Arial" panose="020B0604020202020204" pitchFamily="34" charset="0"/>
+              </a:rPr>
               <a:t>NetworkX</a:t>
             </a:r>
-            <a:r>
-              <a:rPr kumimoji="1" lang="en-US" altLang="ja-JP" dirty="0"/>
-              <a:t>, matplotlib, </a:t>
-            </a:r>
-            <a:r>
-              <a:rPr kumimoji="1" lang="en-US" altLang="ja-JP" dirty="0" err="1"/>
-              <a:t>numpy</a:t>
-            </a:r>
-            <a:r>
-              <a:rPr kumimoji="1" lang="ja-JP" altLang="en-US"/>
-              <a:t> </a:t>
-            </a:r>
-            <a:r>
-              <a:rPr kumimoji="1" lang="en-US" altLang="ja-JP" dirty="0"/>
-              <a:t>(</a:t>
-            </a:r>
-            <a:r>
-              <a:rPr kumimoji="1" lang="ja-JP" altLang="en-US"/>
-              <a:t>ライブラリ</a:t>
-            </a:r>
-            <a:r>
-              <a:rPr kumimoji="1" lang="en-US" altLang="ja-JP" dirty="0"/>
-              <a:t>)</a:t>
-            </a:r>
+            <a:endParaRPr kumimoji="1" lang="en-US" altLang="ja-JP" sz="2000" dirty="0">
+              <a:latin typeface="Arial" panose="020B0604020202020204" pitchFamily="34" charset="0"/>
+              <a:cs typeface="Arial" panose="020B0604020202020204" pitchFamily="34" charset="0"/>
+            </a:endParaRPr>
           </a:p>
           <a:p>
             <a:pPr lvl="2"/>
             <a:r>
-              <a:rPr kumimoji="1" lang="en-US" altLang="ja-JP" dirty="0" err="1"/>
-              <a:t>NetworkX</a:t>
-            </a:r>
-            <a:r>
-              <a:rPr kumimoji="1" lang="ja-JP" altLang="en-US"/>
-              <a:t>でアルゴリズムの検証，</a:t>
-            </a:r>
-            <a:r>
-              <a:rPr kumimoji="1" lang="en-US" altLang="ja-JP" dirty="0"/>
-              <a:t>matplotlib</a:t>
-            </a:r>
-            <a:r>
-              <a:rPr kumimoji="1" lang="ja-JP" altLang="en-US"/>
-              <a:t>は図の作成</a:t>
-            </a:r>
-            <a:r>
-              <a:rPr kumimoji="1" lang="en-US" altLang="ja-JP" dirty="0"/>
-              <a:t>, </a:t>
-            </a:r>
-            <a:r>
-              <a:rPr kumimoji="1" lang="en-US" altLang="ja-JP" dirty="0" err="1"/>
-              <a:t>numpy</a:t>
-            </a:r>
-            <a:r>
-              <a:rPr kumimoji="1" lang="ja-JP" altLang="en-US"/>
-              <a:t>はあると便利な配列がある．</a:t>
-            </a:r>
-            <a:endParaRPr kumimoji="1" lang="en-US" altLang="ja-JP" dirty="0"/>
+              <a:rPr kumimoji="1" lang="en-US" altLang="ja-JP" sz="2000" dirty="0">
+                <a:latin typeface="Arial" panose="020B0604020202020204" pitchFamily="34" charset="0"/>
+                <a:cs typeface="Arial" panose="020B0604020202020204" pitchFamily="34" charset="0"/>
+              </a:rPr>
+              <a:t>Matplotlib</a:t>
+            </a:r>
           </a:p>
           <a:p>
             <a:pPr lvl="2"/>
+            <a:r>
+              <a:rPr lang="en-US" altLang="ja-JP" sz="2000" dirty="0" err="1">
+                <a:latin typeface="Arial" panose="020B0604020202020204" pitchFamily="34" charset="0"/>
+                <a:cs typeface="Arial" panose="020B0604020202020204" pitchFamily="34" charset="0"/>
+              </a:rPr>
+              <a:t>Numpy</a:t>
+            </a:r>
+            <a:endParaRPr lang="en-US" altLang="ja-JP" sz="2000" dirty="0">
+              <a:latin typeface="Arial" panose="020B0604020202020204" pitchFamily="34" charset="0"/>
+              <a:cs typeface="Arial" panose="020B0604020202020204" pitchFamily="34" charset="0"/>
+            </a:endParaRPr>
+          </a:p>
+          <a:p>
+            <a:pPr lvl="2"/>
+            <a:endParaRPr kumimoji="1" lang="en-US" altLang="ja-JP" dirty="0">
+              <a:latin typeface="Arial" panose="020B0604020202020204" pitchFamily="34" charset="0"/>
+              <a:cs typeface="Arial" panose="020B0604020202020204" pitchFamily="34" charset="0"/>
+            </a:endParaRPr>
+          </a:p>
+          <a:p>
+            <a:pPr marL="514350" indent="-514350">
+              <a:buFont typeface="+mj-lt"/>
+              <a:buAutoNum type="arabicPeriod"/>
+            </a:pPr>
+            <a:r>
+              <a:rPr lang="ja-JP" altLang="en-US"/>
+              <a:t>輪講の担当範囲のスライド作り．</a:t>
+            </a:r>
             <a:endParaRPr lang="en-US" altLang="ja-JP" dirty="0"/>
           </a:p>
           <a:p>
-            <a:pPr lvl="1"/>
-            <a:r>
-              <a:rPr lang="en-US" altLang="ja-JP" dirty="0"/>
-              <a:t>C++</a:t>
-            </a:r>
-          </a:p>
-          <a:p>
-            <a:pPr lvl="2"/>
-            <a:r>
-              <a:rPr lang="ja-JP" altLang="en-US"/>
-              <a:t>こちらがメイン．アルゴリズムはこちらで実装してください．</a:t>
-            </a:r>
+            <a:pPr marL="514350" indent="-514350">
+              <a:buFont typeface="+mj-lt"/>
+              <a:buAutoNum type="arabicPeriod"/>
+            </a:pPr>
             <a:endParaRPr lang="en-US" altLang="ja-JP" dirty="0"/>
           </a:p>
           <a:p>
-            <a:pPr lvl="2"/>
-            <a:r>
-              <a:rPr lang="ja-JP" altLang="en-US"/>
-              <a:t>実行</a:t>
+            <a:pPr marL="514350" indent="-514350">
+              <a:buFont typeface="+mj-lt"/>
+              <a:buAutoNum type="arabicPeriod"/>
+            </a:pPr>
+            <a:r>
+              <a:rPr lang="ja-JP" altLang="en-US"/>
+              <a:t>練習課題を進める．</a:t>
             </a:r>
             <a:endParaRPr lang="en-US" altLang="ja-JP" dirty="0"/>
-          </a:p>
-          <a:p>
-            <a:pPr marL="1371600" lvl="3" indent="0">
-              <a:buNone/>
-            </a:pPr>
-            <a:r>
-              <a:rPr lang="en-US" altLang="ja-JP" dirty="0"/>
-              <a:t>g++ -</a:t>
-            </a:r>
-            <a:r>
-              <a:rPr lang="en-US" altLang="ja-JP" dirty="0" err="1"/>
-              <a:t>std</a:t>
-            </a:r>
-            <a:r>
-              <a:rPr lang="en-US" altLang="ja-JP" dirty="0"/>
-              <a:t>=</a:t>
-            </a:r>
-            <a:r>
-              <a:rPr lang="en-US" altLang="ja-JP" dirty="0" err="1"/>
-              <a:t>c++</a:t>
-            </a:r>
-            <a:r>
-              <a:rPr lang="en-US" altLang="ja-JP" dirty="0"/>
-              <a:t>11 </a:t>
-            </a:r>
-            <a:r>
-              <a:rPr lang="en-US" altLang="ja-JP" dirty="0" err="1"/>
-              <a:t>main.cpp</a:t>
-            </a:r>
-            <a:endParaRPr lang="en-US" altLang="ja-JP" dirty="0"/>
-          </a:p>
-          <a:p>
-            <a:pPr marL="1371600" lvl="3" indent="0">
-              <a:buNone/>
-            </a:pPr>
-            <a:r>
-              <a:rPr lang="en-US" altLang="ja-JP" dirty="0"/>
-              <a:t>./</a:t>
-            </a:r>
-            <a:r>
-              <a:rPr lang="en-US" altLang="ja-JP" dirty="0" err="1"/>
-              <a:t>a.out</a:t>
-            </a:r>
-            <a:endParaRPr lang="en-US" altLang="ja-JP" dirty="0"/>
-          </a:p>
-          <a:p>
-            <a:pPr lvl="2"/>
-            <a:endParaRPr kumimoji="1" lang="en-US" altLang="ja-JP" dirty="0"/>
-          </a:p>
-          <a:p>
-            <a:pPr lvl="1"/>
-            <a:r>
-              <a:rPr lang="en-US" altLang="ja-JP" dirty="0" err="1"/>
-              <a:t>Github</a:t>
-            </a:r>
-            <a:r>
-              <a:rPr lang="ja-JP" altLang="en-US"/>
-              <a:t>にそれぞれの言語の</a:t>
-            </a:r>
-            <a:r>
-              <a:rPr lang="en-US" altLang="ja-JP" dirty="0"/>
-              <a:t>Hello world</a:t>
-            </a:r>
-            <a:r>
-              <a:rPr lang="ja-JP" altLang="en-US"/>
-              <a:t>プログラム作ったので動くかチェックしてください．</a:t>
-            </a:r>
-            <a:endParaRPr lang="en-US" altLang="ja-JP" dirty="0"/>
-          </a:p>
-          <a:p>
-            <a:pPr lvl="1"/>
-            <a:endParaRPr kumimoji="1" lang="en-US" altLang="ja-JP" dirty="0"/>
-          </a:p>
-          <a:p>
-            <a:pPr marL="0" indent="0">
-              <a:buNone/>
-            </a:pPr>
-            <a:r>
-              <a:rPr lang="ja-JP" altLang="en-US"/>
-              <a:t>②輪講の担当範囲の資料作り</a:t>
-            </a:r>
-            <a:endParaRPr lang="en-US" altLang="ja-JP" dirty="0"/>
-          </a:p>
-          <a:p>
-            <a:pPr marL="0" indent="0">
-              <a:buNone/>
-            </a:pPr>
-            <a:r>
-              <a:rPr lang="en-US" altLang="ja-JP" dirty="0"/>
-              <a:t>③Python, C++</a:t>
-            </a:r>
-            <a:r>
-              <a:rPr lang="ja-JP" altLang="en-US"/>
-              <a:t>に慣れる　</a:t>
-            </a:r>
-            <a:r>
-              <a:rPr lang="en-US" altLang="ja-JP" dirty="0"/>
-              <a:t>(</a:t>
-            </a:r>
-            <a:r>
-              <a:rPr lang="ja-JP" altLang="en-US"/>
-              <a:t>来週からたくさん実装してもらいます</a:t>
-            </a:r>
-            <a:r>
-              <a:rPr lang="en-US" altLang="ja-JP" dirty="0"/>
-              <a:t>)</a:t>
-            </a:r>
           </a:p>
         </p:txBody>
       </p:sp>
@@ -10830,266 +9863,6 @@
     <p:extLst>
       <p:ext uri="{BB962C8B-B14F-4D97-AF65-F5344CB8AC3E}">
         <p14:creationId xmlns:p14="http://schemas.microsoft.com/office/powerpoint/2010/main" val="2556741227"/>
-      </p:ext>
-    </p:extLst>
-  </p:cSld>
-  <p:clrMapOvr>
-    <a:masterClrMapping/>
-  </p:clrMapOvr>
-</p:sld>
-</file>
-
-<file path=ppt/slides/slide17.xml><?xml version="1.0" encoding="utf-8"?>
-<p:sld xmlns:a="http://schemas.openxmlformats.org/drawingml/2006/main" xmlns:r="http://schemas.openxmlformats.org/officeDocument/2006/relationships" xmlns:p="http://schemas.openxmlformats.org/presentationml/2006/main">
-  <p:cSld>
-    <p:spTree>
-      <p:nvGrpSpPr>
-        <p:cNvPr id="1" name=""/>
-        <p:cNvGrpSpPr/>
-        <p:nvPr/>
-      </p:nvGrpSpPr>
-      <p:grpSpPr>
-        <a:xfrm>
-          <a:off x="0" y="0"/>
-          <a:ext cx="0" cy="0"/>
-          <a:chOff x="0" y="0"/>
-          <a:chExt cx="0" cy="0"/>
-        </a:xfrm>
-      </p:grpSpPr>
-      <p:sp>
-        <p:nvSpPr>
-          <p:cNvPr id="2" name="タイトル 1">
-            <a:extLst>
-              <a:ext uri="{FF2B5EF4-FFF2-40B4-BE49-F238E27FC236}">
-                <a16:creationId xmlns:a16="http://schemas.microsoft.com/office/drawing/2014/main" id="{CAE96249-6E69-CE40-BDEC-09C964ECAF37}"/>
-              </a:ext>
-            </a:extLst>
-          </p:cNvPr>
-          <p:cNvSpPr>
-            <a:spLocks noGrp="1"/>
-          </p:cNvSpPr>
-          <p:nvPr>
-            <p:ph type="title"/>
-          </p:nvPr>
-        </p:nvSpPr>
-        <p:spPr/>
-        <p:txBody>
-          <a:bodyPr/>
-          <a:lstStyle/>
-          <a:p>
-            <a:r>
-              <a:rPr kumimoji="1" lang="ja-JP" altLang="en-US"/>
-              <a:t>グラフの読み込みの雛形</a:t>
-            </a:r>
-          </a:p>
-        </p:txBody>
-      </p:sp>
-      <p:sp>
-        <p:nvSpPr>
-          <p:cNvPr id="3" name="コンテンツ プレースホルダー 2">
-            <a:extLst>
-              <a:ext uri="{FF2B5EF4-FFF2-40B4-BE49-F238E27FC236}">
-                <a16:creationId xmlns:a16="http://schemas.microsoft.com/office/drawing/2014/main" id="{8DCE06EF-2533-9740-AB8E-C48D5B3E5A14}"/>
-              </a:ext>
-            </a:extLst>
-          </p:cNvPr>
-          <p:cNvSpPr>
-            <a:spLocks noGrp="1"/>
-          </p:cNvSpPr>
-          <p:nvPr>
-            <p:ph idx="1"/>
-          </p:nvPr>
-        </p:nvSpPr>
-        <p:spPr/>
-        <p:txBody>
-          <a:bodyPr>
-            <a:normAutofit fontScale="85000" lnSpcReduction="20000"/>
-          </a:bodyPr>
-          <a:lstStyle/>
-          <a:p>
-            <a:r>
-              <a:rPr kumimoji="1" lang="ja-JP" altLang="en-US"/>
-              <a:t>エッジテキストの形式</a:t>
-            </a:r>
-            <a:endParaRPr kumimoji="1" lang="en-US" altLang="ja-JP" dirty="0"/>
-          </a:p>
-          <a:p>
-            <a:pPr marL="457200" lvl="1" indent="0">
-              <a:buNone/>
-            </a:pPr>
-            <a:r>
-              <a:rPr lang="en-US" altLang="ja-JP" dirty="0"/>
-              <a:t>1 2</a:t>
-            </a:r>
-          </a:p>
-          <a:p>
-            <a:pPr marL="457200" lvl="1" indent="0">
-              <a:buNone/>
-            </a:pPr>
-            <a:r>
-              <a:rPr lang="en-US" altLang="ja-JP" dirty="0"/>
-              <a:t>1 3</a:t>
-            </a:r>
-          </a:p>
-          <a:p>
-            <a:pPr marL="457200" lvl="1" indent="0">
-              <a:buNone/>
-            </a:pPr>
-            <a:r>
-              <a:rPr lang="en-US" altLang="ja-JP" dirty="0"/>
-              <a:t>1 4</a:t>
-            </a:r>
-          </a:p>
-          <a:p>
-            <a:pPr marL="457200" lvl="1" indent="0">
-              <a:buNone/>
-            </a:pPr>
-            <a:endParaRPr kumimoji="1" lang="en-US" altLang="ja-JP" dirty="0"/>
-          </a:p>
-          <a:p>
-            <a:r>
-              <a:rPr lang="ja-JP" altLang="en-US"/>
-              <a:t>グラフのクラス定義</a:t>
-            </a:r>
-            <a:endParaRPr lang="en-US" altLang="ja-JP" dirty="0"/>
-          </a:p>
-          <a:p>
-            <a:pPr lvl="1"/>
-            <a:r>
-              <a:rPr lang="ja-JP" altLang="en-US"/>
-              <a:t>ノード数，エッジ数，隣接ノードリストの二次元配列</a:t>
-            </a:r>
-            <a:endParaRPr lang="en-US" altLang="ja-JP" dirty="0"/>
-          </a:p>
-          <a:p>
-            <a:pPr lvl="1"/>
-            <a:endParaRPr lang="en-US" altLang="ja-JP" dirty="0"/>
-          </a:p>
-          <a:p>
-            <a:r>
-              <a:rPr lang="ja-JP" altLang="en-US"/>
-              <a:t>エッジテキストを読み込んで隣接ノードリストを作る．</a:t>
-            </a:r>
-            <a:endParaRPr lang="en-US" altLang="ja-JP" dirty="0"/>
-          </a:p>
-          <a:p>
-            <a:endParaRPr lang="en-US" altLang="ja-JP" dirty="0"/>
-          </a:p>
-          <a:p>
-            <a:r>
-              <a:rPr lang="ja-JP" altLang="en-US"/>
-              <a:t>問題</a:t>
-            </a:r>
-            <a:endParaRPr lang="en-US" altLang="ja-JP" dirty="0"/>
-          </a:p>
-          <a:p>
-            <a:pPr lvl="1"/>
-            <a:r>
-              <a:rPr lang="ja-JP" altLang="en-US"/>
-              <a:t>テキストファイルを読み込む関数は？</a:t>
-            </a:r>
-            <a:endParaRPr lang="en-US" altLang="ja-JP" dirty="0"/>
-          </a:p>
-          <a:p>
-            <a:pPr lvl="1"/>
-            <a:r>
-              <a:rPr lang="ja-JP" altLang="en-US"/>
-              <a:t>コマンドライン引数</a:t>
-            </a:r>
-            <a:r>
-              <a:rPr lang="en-US" altLang="ja-JP" dirty="0"/>
-              <a:t> (</a:t>
-            </a:r>
-            <a:r>
-              <a:rPr lang="ja-JP" altLang="en-US"/>
-              <a:t>ターミナルで受け取る引数</a:t>
-            </a:r>
-            <a:r>
-              <a:rPr lang="en-US" altLang="ja-JP" dirty="0"/>
-              <a:t>)</a:t>
-            </a:r>
-          </a:p>
-          <a:p>
-            <a:pPr lvl="1"/>
-            <a:r>
-              <a:rPr lang="ja-JP" altLang="en-US"/>
-              <a:t>ノード数，エッジ数をどの時点で読み込むか？</a:t>
-            </a:r>
-            <a:endParaRPr lang="en-US" altLang="ja-JP" dirty="0"/>
-          </a:p>
-          <a:p>
-            <a:pPr lvl="1"/>
-            <a:r>
-              <a:rPr lang="ja-JP" altLang="en-US"/>
-              <a:t>わからないことあったら</a:t>
-            </a:r>
-            <a:r>
-              <a:rPr lang="en-US" altLang="ja-JP" dirty="0"/>
-              <a:t>slack</a:t>
-            </a:r>
-            <a:r>
-              <a:rPr lang="ja-JP" altLang="en-US"/>
-              <a:t>へ．</a:t>
-            </a:r>
-            <a:endParaRPr lang="en-US" altLang="ja-JP" dirty="0"/>
-          </a:p>
-          <a:p>
-            <a:pPr marL="457200" lvl="1" indent="0">
-              <a:buNone/>
-            </a:pPr>
-            <a:endParaRPr kumimoji="1" lang="en-US" altLang="ja-JP" dirty="0"/>
-          </a:p>
-          <a:p>
-            <a:pPr marL="457200" lvl="1" indent="0">
-              <a:buNone/>
-            </a:pPr>
-            <a:r>
-              <a:rPr lang="en-US" altLang="ja-JP" dirty="0"/>
-              <a:t>	</a:t>
-            </a:r>
-            <a:endParaRPr kumimoji="1" lang="en-US" altLang="ja-JP" dirty="0"/>
-          </a:p>
-        </p:txBody>
-      </p:sp>
-      <p:sp>
-        <p:nvSpPr>
-          <p:cNvPr id="4" name="テキスト ボックス 3">
-            <a:extLst>
-              <a:ext uri="{FF2B5EF4-FFF2-40B4-BE49-F238E27FC236}">
-                <a16:creationId xmlns:a16="http://schemas.microsoft.com/office/drawing/2014/main" id="{1F6CE4F2-0563-9D4E-9802-5DB597F2657C}"/>
-              </a:ext>
-            </a:extLst>
-          </p:cNvPr>
-          <p:cNvSpPr txBox="1"/>
-          <p:nvPr/>
-        </p:nvSpPr>
-        <p:spPr>
-          <a:xfrm>
-            <a:off x="1800518" y="2337847"/>
-            <a:ext cx="5202065" cy="369332"/>
-          </a:xfrm>
-          <a:prstGeom prst="rect">
-            <a:avLst/>
-          </a:prstGeom>
-          <a:noFill/>
-        </p:spPr>
-        <p:txBody>
-          <a:bodyPr wrap="none" rtlCol="0">
-            <a:spAutoFit/>
-          </a:bodyPr>
-          <a:lstStyle/>
-          <a:p>
-            <a:r>
-              <a:rPr kumimoji="1" lang="ja-JP" altLang="en-US"/>
-              <a:t>各行にエッジがある．半角スペースで区切ってある．</a:t>
-            </a:r>
-          </a:p>
-        </p:txBody>
-      </p:sp>
-    </p:spTree>
-    <p:extLst>
-      <p:ext uri="{BB962C8B-B14F-4D97-AF65-F5344CB8AC3E}">
-        <p14:creationId xmlns:p14="http://schemas.microsoft.com/office/powerpoint/2010/main" val="1637301663"/>
       </p:ext>
     </p:extLst>
   </p:cSld>
@@ -11215,133 +9988,107 @@
           <a:p>
             <a:pPr lvl="1"/>
             <a:r>
-              <a:rPr kumimoji="1" lang="ja-JP" altLang="en-US" sz="3200"/>
+              <a:rPr kumimoji="1" lang="ja-JP" altLang="en-US" sz="3200">
+                <a:latin typeface="MS PGothic" panose="020B0600070205080204" pitchFamily="34" charset="-128"/>
+                <a:ea typeface="MS PGothic" panose="020B0600070205080204" pitchFamily="34" charset="-128"/>
+              </a:rPr>
               <a:t>陸上競技</a:t>
             </a:r>
-            <a:r>
-              <a:rPr kumimoji="1" lang="en-US" altLang="ja-JP" sz="3200" dirty="0"/>
-              <a:t> (</a:t>
-            </a:r>
-            <a:r>
-              <a:rPr kumimoji="1" lang="ja-JP" altLang="en-US" sz="3200"/>
-              <a:t>ガチ</a:t>
-            </a:r>
-            <a:r>
-              <a:rPr kumimoji="1" lang="en-US" altLang="ja-JP" sz="3200" dirty="0"/>
-              <a:t>)</a:t>
-            </a:r>
-            <a:r>
-              <a:rPr kumimoji="1" lang="ja-JP" altLang="en-US" sz="3200"/>
-              <a:t>：小</a:t>
-            </a:r>
-            <a:r>
-              <a:rPr kumimoji="1" lang="en-US" altLang="ja-JP" sz="3200" dirty="0"/>
-              <a:t>4 ~ </a:t>
-            </a:r>
-            <a:r>
-              <a:rPr kumimoji="1" lang="ja-JP" altLang="en-US" sz="3200"/>
-              <a:t>現在</a:t>
-            </a:r>
-            <a:endParaRPr kumimoji="1" lang="en-US" altLang="ja-JP" sz="3200" dirty="0"/>
+            <a:endParaRPr kumimoji="1" lang="en-US" altLang="ja-JP" sz="3200" dirty="0">
+              <a:latin typeface="MS PGothic" panose="020B0600070205080204" pitchFamily="34" charset="-128"/>
+              <a:ea typeface="MS PGothic" panose="020B0600070205080204" pitchFamily="34" charset="-128"/>
+            </a:endParaRPr>
+          </a:p>
+          <a:p>
+            <a:pPr lvl="2"/>
+            <a:r>
+              <a:rPr kumimoji="1" lang="ja-JP" altLang="en-US" sz="3000">
+                <a:latin typeface="MS PGothic" panose="020B0600070205080204" pitchFamily="34" charset="-128"/>
+                <a:ea typeface="MS PGothic" panose="020B0600070205080204" pitchFamily="34" charset="-128"/>
+              </a:rPr>
+              <a:t>最近はちゃんとやれてない．</a:t>
+            </a:r>
+            <a:endParaRPr kumimoji="1" lang="en-US" altLang="ja-JP" sz="3000" dirty="0">
+              <a:latin typeface="MS PGothic" panose="020B0600070205080204" pitchFamily="34" charset="-128"/>
+              <a:ea typeface="MS PGothic" panose="020B0600070205080204" pitchFamily="34" charset="-128"/>
+            </a:endParaRPr>
           </a:p>
           <a:p>
             <a:pPr lvl="1"/>
             <a:r>
               <a:rPr lang="en-US" altLang="ja-JP" sz="3200" dirty="0">
-                <a:latin typeface="+mn-ea"/>
+                <a:latin typeface="MS PGothic" panose="020B0600070205080204" pitchFamily="34" charset="-128"/>
+                <a:ea typeface="MS PGothic" panose="020B0600070205080204" pitchFamily="34" charset="-128"/>
               </a:rPr>
               <a:t>YouTube</a:t>
             </a:r>
             <a:r>
               <a:rPr lang="ja-JP" altLang="en-US" sz="3200">
-                <a:latin typeface="+mn-ea"/>
+                <a:latin typeface="MS PGothic" panose="020B0600070205080204" pitchFamily="34" charset="-128"/>
+                <a:ea typeface="MS PGothic" panose="020B0600070205080204" pitchFamily="34" charset="-128"/>
               </a:rPr>
-              <a:t>鑑賞：</a:t>
-            </a:r>
-            <a:r>
-              <a:rPr lang="ja-JP" altLang="en-US" sz="3200" b="1">
-                <a:latin typeface="+mn-ea"/>
+              <a:t>鑑賞</a:t>
+            </a:r>
+            <a:endParaRPr lang="en-US" altLang="ja-JP" sz="3200" b="1" dirty="0">
+              <a:latin typeface="MS PGothic" panose="020B0600070205080204" pitchFamily="34" charset="-128"/>
+              <a:ea typeface="MS PGothic" panose="020B0600070205080204" pitchFamily="34" charset="-128"/>
+            </a:endParaRPr>
+          </a:p>
+          <a:p>
+            <a:pPr lvl="1"/>
+            <a:r>
+              <a:rPr kumimoji="1" lang="ja-JP" altLang="en-US" sz="3200">
+                <a:latin typeface="MS PGothic" panose="020B0600070205080204" pitchFamily="34" charset="-128"/>
+                <a:ea typeface="MS PGothic" panose="020B0600070205080204" pitchFamily="34" charset="-128"/>
               </a:rPr>
-              <a:t>おるたな</a:t>
-            </a:r>
-            <a:endParaRPr lang="en-US" altLang="ja-JP" sz="3200" b="1" dirty="0">
-              <a:latin typeface="+mn-ea"/>
+              <a:t>漫才鑑賞</a:t>
+            </a:r>
+            <a:endParaRPr kumimoji="1" lang="en-US" altLang="ja-JP" sz="3200" dirty="0">
+              <a:latin typeface="MS PGothic" panose="020B0600070205080204" pitchFamily="34" charset="-128"/>
+              <a:ea typeface="MS PGothic" panose="020B0600070205080204" pitchFamily="34" charset="-128"/>
             </a:endParaRPr>
           </a:p>
           <a:p>
             <a:pPr lvl="1"/>
             <a:r>
               <a:rPr kumimoji="1" lang="ja-JP" altLang="en-US" sz="3200">
-                <a:latin typeface="+mn-ea"/>
+                <a:latin typeface="MS PGothic" panose="020B0600070205080204" pitchFamily="34" charset="-128"/>
+                <a:ea typeface="MS PGothic" panose="020B0600070205080204" pitchFamily="34" charset="-128"/>
               </a:rPr>
-              <a:t>お笑い</a:t>
-            </a:r>
-            <a:r>
-              <a:rPr kumimoji="1" lang="en-US" altLang="ja-JP" sz="3200" dirty="0">
-                <a:latin typeface="+mn-ea"/>
-              </a:rPr>
-              <a:t>: </a:t>
-            </a:r>
-            <a:r>
-              <a:rPr kumimoji="1" lang="ja-JP" altLang="en-US" sz="3200">
-                <a:latin typeface="+mn-ea"/>
-              </a:rPr>
-              <a:t>漫才が好き</a:t>
+              <a:t>ラーメン</a:t>
             </a:r>
             <a:endParaRPr kumimoji="1" lang="en-US" altLang="ja-JP" sz="3200" dirty="0">
-              <a:latin typeface="+mn-ea"/>
-            </a:endParaRPr>
-          </a:p>
-          <a:p>
-            <a:pPr lvl="1"/>
-            <a:r>
-              <a:rPr lang="ja-JP" altLang="en-US" sz="3200">
-                <a:latin typeface="+mn-ea"/>
-              </a:rPr>
-              <a:t>グルメ</a:t>
-            </a:r>
-            <a:endParaRPr kumimoji="1" lang="en-US" altLang="ja-JP" sz="3200" dirty="0">
-              <a:latin typeface="+mn-ea"/>
-            </a:endParaRPr>
-          </a:p>
-          <a:p>
-            <a:pPr lvl="1"/>
-            <a:r>
-              <a:rPr kumimoji="1" lang="ja-JP" altLang="en-US" sz="3200">
-                <a:latin typeface="+mn-ea"/>
-              </a:rPr>
-              <a:t>究極の朝ご飯</a:t>
-            </a:r>
-            <a:endParaRPr kumimoji="1" lang="en-US" altLang="ja-JP" sz="3200" dirty="0">
-              <a:latin typeface="+mn-ea"/>
+              <a:latin typeface="MS PGothic" panose="020B0600070205080204" pitchFamily="34" charset="-128"/>
+              <a:ea typeface="MS PGothic" panose="020B0600070205080204" pitchFamily="34" charset="-128"/>
             </a:endParaRPr>
           </a:p>
           <a:p>
             <a:pPr lvl="1"/>
             <a:endParaRPr lang="en-US" altLang="ja-JP" sz="3200" dirty="0">
-              <a:latin typeface="+mn-ea"/>
+              <a:latin typeface="MS PGothic" panose="020B0600070205080204" pitchFamily="34" charset="-128"/>
+              <a:ea typeface="MS PGothic" panose="020B0600070205080204" pitchFamily="34" charset="-128"/>
             </a:endParaRPr>
           </a:p>
           <a:p>
             <a:r>
-              <a:rPr kumimoji="1" lang="ja-JP" altLang="en-US">
-                <a:latin typeface="+mn-ea"/>
-              </a:rPr>
+              <a:rPr kumimoji="1" lang="ja-JP" altLang="en-US"/>
               <a:t>研究分野</a:t>
             </a:r>
-            <a:endParaRPr kumimoji="1" lang="en-US" altLang="ja-JP" dirty="0">
-              <a:latin typeface="+mn-ea"/>
-            </a:endParaRPr>
+            <a:endParaRPr kumimoji="1" lang="en-US" altLang="ja-JP" dirty="0"/>
           </a:p>
           <a:p>
             <a:pPr lvl="1"/>
             <a:r>
               <a:rPr lang="ja-JP" altLang="en-US" sz="3200">
-                <a:latin typeface="+mn-ea"/>
+                <a:latin typeface="MS PGothic" panose="020B0600070205080204" pitchFamily="34" charset="-128"/>
+                <a:ea typeface="MS PGothic" panose="020B0600070205080204" pitchFamily="34" charset="-128"/>
               </a:rPr>
               <a:t>グラフサンプリング</a:t>
             </a:r>
-            <a:endParaRPr kumimoji="1" lang="en-US" altLang="ja-JP" sz="3200" dirty="0"/>
+            <a:endParaRPr kumimoji="1" lang="en-US" altLang="ja-JP" sz="3200" dirty="0">
+              <a:latin typeface="MS PGothic" panose="020B0600070205080204" pitchFamily="34" charset="-128"/>
+              <a:ea typeface="MS PGothic" panose="020B0600070205080204" pitchFamily="34" charset="-128"/>
+            </a:endParaRPr>
           </a:p>
           <a:p>
             <a:endParaRPr lang="en-US" altLang="ja-JP" dirty="0"/>
@@ -11384,10 +10131,10 @@
       </p:pic>
       <p:sp>
         <p:nvSpPr>
-          <p:cNvPr id="20" name="テキスト ボックス 19">
+          <p:cNvPr id="3" name="テキスト ボックス 2">
             <a:extLst>
               <a:ext uri="{FF2B5EF4-FFF2-40B4-BE49-F238E27FC236}">
-                <a16:creationId xmlns:a16="http://schemas.microsoft.com/office/drawing/2014/main" id="{1521D638-E99C-504C-90C9-02EE2D27BEDA}"/>
+                <a16:creationId xmlns:a16="http://schemas.microsoft.com/office/drawing/2014/main" id="{FC989BFE-6BAA-8449-8345-1A0D5C266441}"/>
               </a:ext>
             </a:extLst>
           </p:cNvPr>
@@ -11396,8 +10143,8 @@
         </p:nvSpPr>
         <p:spPr>
           <a:xfrm>
-            <a:off x="6319880" y="6488668"/>
-            <a:ext cx="5872120" cy="369332"/>
+            <a:off x="8324097" y="5950207"/>
+            <a:ext cx="2236510" cy="461665"/>
           </a:xfrm>
           <a:prstGeom prst="rect">
             <a:avLst/>
@@ -11411,38 +10158,9 @@
           <a:lstStyle/>
           <a:p>
             <a:r>
-              <a:rPr kumimoji="1" lang="en" altLang="ja-JP" dirty="0">
-                <a:latin typeface="+mn-ea"/>
-              </a:rPr>
-              <a:t>https://</a:t>
-            </a:r>
-            <a:r>
-              <a:rPr kumimoji="1" lang="en" altLang="ja-JP" dirty="0" err="1">
-                <a:latin typeface="+mn-ea"/>
-              </a:rPr>
-              <a:t>tabelog.com</a:t>
-            </a:r>
-            <a:r>
-              <a:rPr kumimoji="1" lang="en" altLang="ja-JP" dirty="0">
-                <a:latin typeface="+mn-ea"/>
-              </a:rPr>
-              <a:t>/</a:t>
-            </a:r>
-            <a:r>
-              <a:rPr kumimoji="1" lang="en" altLang="ja-JP" dirty="0" err="1">
-                <a:latin typeface="+mn-ea"/>
-              </a:rPr>
-              <a:t>shizuoka</a:t>
-            </a:r>
-            <a:r>
-              <a:rPr kumimoji="1" lang="en" altLang="ja-JP" dirty="0">
-                <a:latin typeface="+mn-ea"/>
-              </a:rPr>
-              <a:t>/A2205/A220501/22000481/</a:t>
-            </a:r>
-            <a:endParaRPr kumimoji="1" lang="ja-JP" altLang="en-US">
-              <a:latin typeface="+mn-ea"/>
-            </a:endParaRPr>
+              <a:rPr kumimoji="1" lang="ja-JP" altLang="en-US" sz="2400"/>
+              <a:t>松福　沼津本店</a:t>
+            </a:r>
           </a:p>
         </p:txBody>
       </p:sp>
@@ -11498,9 +10216,10 @@
           <a:lstStyle/>
           <a:p>
             <a:r>
-              <a:rPr kumimoji="1" lang="ja-JP" altLang="en-US"/>
-              <a:t>目標</a:t>
-            </a:r>
+              <a:rPr lang="ja-JP" altLang="en-US"/>
+              <a:t>目的・目標</a:t>
+            </a:r>
+            <a:endParaRPr kumimoji="1" lang="ja-JP" altLang="en-US"/>
           </a:p>
         </p:txBody>
       </p:sp>
@@ -11523,100 +10242,180 @@
         <p:spPr/>
         <p:txBody>
           <a:bodyPr>
-            <a:normAutofit lnSpcReduction="10000"/>
+            <a:normAutofit/>
           </a:bodyPr>
           <a:lstStyle/>
           <a:p>
             <a:r>
               <a:rPr kumimoji="1" lang="ja-JP" altLang="en-US" sz="3600"/>
-              <a:t>英語の論文を読んでみよう．</a:t>
-            </a:r>
-            <a:endParaRPr kumimoji="1" lang="en-US" altLang="ja-JP" sz="3600" dirty="0"/>
-          </a:p>
-          <a:p>
-            <a:endParaRPr kumimoji="1" lang="en-US" altLang="ja-JP" sz="3600" dirty="0"/>
+              <a:t>目的</a:t>
+            </a:r>
+            <a:endParaRPr lang="en-US" altLang="ja-JP" sz="3600" dirty="0"/>
           </a:p>
           <a:p>
             <a:pPr lvl="1"/>
-            <a:r>
-              <a:rPr lang="en" altLang="ja-JP" sz="2400" dirty="0">
-                <a:latin typeface="+mn-ea"/>
+            <a:endParaRPr lang="en-US" altLang="ja-JP" dirty="0">
+              <a:latin typeface="MS PGothic" panose="020B0600070205080204" pitchFamily="34" charset="-128"/>
+              <a:ea typeface="MS PGothic" panose="020B0600070205080204" pitchFamily="34" charset="-128"/>
+            </a:endParaRPr>
+          </a:p>
+          <a:p>
+            <a:pPr lvl="1"/>
+            <a:r>
+              <a:rPr lang="ja-JP" altLang="en-US" sz="2400">
+                <a:latin typeface="MS PGothic" panose="020B0600070205080204" pitchFamily="34" charset="-128"/>
+                <a:ea typeface="MS PGothic" panose="020B0600070205080204" pitchFamily="34" charset="-128"/>
               </a:rPr>
-              <a:t>A survey and taxonomy of graph sampling.</a:t>
-            </a:r>
+              <a:t>研究のプロセスの一部を体験しよう．</a:t>
+            </a:r>
+            <a:endParaRPr lang="en-US" altLang="ja-JP" sz="2400" dirty="0">
+              <a:latin typeface="MS PGothic" panose="020B0600070205080204" pitchFamily="34" charset="-128"/>
+              <a:ea typeface="MS PGothic" panose="020B0600070205080204" pitchFamily="34" charset="-128"/>
+            </a:endParaRPr>
+          </a:p>
+          <a:p>
+            <a:pPr lvl="2"/>
+            <a:endParaRPr lang="en-US" altLang="ja-JP" sz="2000" dirty="0">
+              <a:latin typeface="MS PGothic" panose="020B0600070205080204" pitchFamily="34" charset="-128"/>
+              <a:ea typeface="MS PGothic" panose="020B0600070205080204" pitchFamily="34" charset="-128"/>
+            </a:endParaRPr>
+          </a:p>
+          <a:p>
+            <a:pPr lvl="2"/>
+            <a:r>
+              <a:rPr lang="ja-JP" altLang="en-US" sz="2000">
+                <a:latin typeface="MS PGothic" panose="020B0600070205080204" pitchFamily="34" charset="-128"/>
+                <a:ea typeface="MS PGothic" panose="020B0600070205080204" pitchFamily="34" charset="-128"/>
+              </a:rPr>
+              <a:t>現状把握</a:t>
+            </a:r>
+            <a:r>
+              <a:rPr lang="en-US" altLang="ja-JP" sz="2000" dirty="0">
+                <a:latin typeface="MS PGothic" panose="020B0600070205080204" pitchFamily="34" charset="-128"/>
+                <a:ea typeface="MS PGothic" panose="020B0600070205080204" pitchFamily="34" charset="-128"/>
+              </a:rPr>
+              <a:t> </a:t>
+            </a:r>
+            <a:r>
+              <a:rPr lang="ja-JP" altLang="en-US" sz="2000">
+                <a:latin typeface="MS PGothic" panose="020B0600070205080204" pitchFamily="34" charset="-128"/>
+                <a:ea typeface="MS PGothic" panose="020B0600070205080204" pitchFamily="34" charset="-128"/>
+              </a:rPr>
+              <a:t>→ 問題点・改善案を見出す</a:t>
+            </a:r>
+            <a:r>
+              <a:rPr lang="en-US" altLang="ja-JP" sz="2000" dirty="0">
+                <a:latin typeface="MS PGothic" panose="020B0600070205080204" pitchFamily="34" charset="-128"/>
+                <a:ea typeface="MS PGothic" panose="020B0600070205080204" pitchFamily="34" charset="-128"/>
+              </a:rPr>
+              <a:t> </a:t>
+            </a:r>
+            <a:r>
+              <a:rPr lang="ja-JP" altLang="en-US" sz="2000">
+                <a:latin typeface="MS PGothic" panose="020B0600070205080204" pitchFamily="34" charset="-128"/>
+                <a:ea typeface="MS PGothic" panose="020B0600070205080204" pitchFamily="34" charset="-128"/>
+              </a:rPr>
+              <a:t>→ 論文を書いて世に公表する．</a:t>
+            </a:r>
+            <a:endParaRPr lang="en-US" altLang="ja-JP" sz="2000" dirty="0">
+              <a:latin typeface="MS PGothic" panose="020B0600070205080204" pitchFamily="34" charset="-128"/>
+              <a:ea typeface="MS PGothic" panose="020B0600070205080204" pitchFamily="34" charset="-128"/>
+            </a:endParaRPr>
+          </a:p>
+          <a:p>
+            <a:pPr marL="457200" lvl="1" indent="0">
+              <a:buNone/>
+            </a:pPr>
+            <a:endParaRPr kumimoji="1" lang="en-US" altLang="ja-JP" dirty="0">
+              <a:latin typeface="MS PGothic" panose="020B0600070205080204" pitchFamily="34" charset="-128"/>
+              <a:ea typeface="MS PGothic" panose="020B0600070205080204" pitchFamily="34" charset="-128"/>
+            </a:endParaRPr>
+          </a:p>
+          <a:p>
+            <a:r>
+              <a:rPr lang="ja-JP" altLang="en-US" sz="3600"/>
+              <a:t>目標</a:t>
+            </a:r>
+            <a:endParaRPr lang="en-US" altLang="ja-JP" sz="3600" dirty="0"/>
           </a:p>
           <a:p>
             <a:pPr lvl="1"/>
-            <a:endParaRPr lang="en" altLang="ja-JP" sz="2400" dirty="0">
-              <a:latin typeface="+mn-ea"/>
+            <a:endParaRPr lang="en-US" altLang="ja-JP" sz="2400" dirty="0">
+              <a:latin typeface="MS PGothic" panose="020B0600070205080204" pitchFamily="34" charset="-128"/>
+              <a:ea typeface="MS PGothic" panose="020B0600070205080204" pitchFamily="34" charset="-128"/>
             </a:endParaRPr>
           </a:p>
           <a:p>
-            <a:pPr lvl="1"/>
-            <a:r>
-              <a:rPr lang="en" altLang="ja-JP" sz="2400" dirty="0">
-                <a:latin typeface="+mn-ea"/>
+            <a:pPr marL="914400" lvl="1" indent="-457200">
+              <a:buFont typeface="+mj-lt"/>
+              <a:buAutoNum type="arabicPeriod"/>
+            </a:pPr>
+            <a:r>
+              <a:rPr lang="ja-JP" altLang="en-US" sz="2400">
+                <a:latin typeface="MS PGothic" panose="020B0600070205080204" pitchFamily="34" charset="-128"/>
+                <a:ea typeface="MS PGothic" panose="020B0600070205080204" pitchFamily="34" charset="-128"/>
               </a:rPr>
-              <a:t>Estimating clustering coefficients and size of social networks via random walk.</a:t>
-            </a:r>
-          </a:p>
-          <a:p>
-            <a:pPr lvl="1"/>
-            <a:endParaRPr kumimoji="1" lang="en-US" altLang="ja-JP" dirty="0"/>
-          </a:p>
-          <a:p>
-            <a:r>
-              <a:rPr lang="ja-JP" altLang="en-US" sz="3600"/>
-              <a:t>研究を体験してみよう．</a:t>
-            </a:r>
-            <a:endParaRPr lang="en-US" altLang="ja-JP" sz="3600" dirty="0"/>
-          </a:p>
-          <a:p>
-            <a:endParaRPr lang="en-US" altLang="ja-JP" sz="3600" dirty="0"/>
-          </a:p>
-          <a:p>
-            <a:pPr lvl="1"/>
-            <a:r>
-              <a:rPr kumimoji="1" lang="ja-JP" altLang="en-US" sz="2800"/>
-              <a:t>既存手法を知る</a:t>
-            </a:r>
-            <a:r>
-              <a:rPr kumimoji="1" lang="en-US" altLang="ja-JP" sz="2800" dirty="0"/>
-              <a:t> </a:t>
-            </a:r>
-            <a:r>
-              <a:rPr kumimoji="1" lang="ja-JP" altLang="en-US" sz="2800" b="1"/>
-              <a:t>→</a:t>
-            </a:r>
-            <a:r>
-              <a:rPr kumimoji="1" lang="en-US" altLang="ja-JP" sz="2800" dirty="0"/>
-              <a:t> </a:t>
-            </a:r>
-            <a:r>
-              <a:rPr kumimoji="1" lang="ja-JP" altLang="en-US" sz="2800"/>
-              <a:t>課題の発見</a:t>
-            </a:r>
-            <a:r>
-              <a:rPr kumimoji="1" lang="en-US" altLang="ja-JP" sz="2800" dirty="0"/>
-              <a:t> </a:t>
-            </a:r>
-            <a:r>
-              <a:rPr kumimoji="1" lang="ja-JP" altLang="en-US" sz="2800"/>
-              <a:t>→ 改善手法の提案</a:t>
-            </a:r>
-            <a:endParaRPr kumimoji="1" lang="en-US" altLang="ja-JP" sz="2800" dirty="0"/>
-          </a:p>
-          <a:p>
-            <a:pPr lvl="1"/>
-            <a:endParaRPr lang="en-US" altLang="ja-JP" sz="2800" dirty="0"/>
-          </a:p>
-          <a:p>
-            <a:pPr lvl="1"/>
-            <a:r>
-              <a:rPr kumimoji="1" lang="ja-JP" altLang="en-US" sz="2800"/>
-              <a:t>たくさん議論しよう！！</a:t>
-            </a:r>
-            <a:endParaRPr kumimoji="1" lang="en-US" altLang="ja-JP" sz="2800" dirty="0"/>
+              <a:t>グラフサンプリングの英語論文を読み</a:t>
+            </a:r>
+            <a:r>
+              <a:rPr lang="en-US" altLang="ja-JP" sz="2400" dirty="0">
+                <a:latin typeface="MS PGothic" panose="020B0600070205080204" pitchFamily="34" charset="-128"/>
+                <a:ea typeface="MS PGothic" panose="020B0600070205080204" pitchFamily="34" charset="-128"/>
+              </a:rPr>
+              <a:t> (</a:t>
+            </a:r>
+            <a:r>
+              <a:rPr lang="ja-JP" altLang="en-US" sz="2400">
+                <a:latin typeface="MS PGothic" panose="020B0600070205080204" pitchFamily="34" charset="-128"/>
+                <a:ea typeface="MS PGothic" panose="020B0600070205080204" pitchFamily="34" charset="-128"/>
+              </a:rPr>
+              <a:t>輪講</a:t>
+            </a:r>
+            <a:r>
+              <a:rPr lang="en-US" altLang="ja-JP" sz="2400" dirty="0">
+                <a:latin typeface="MS PGothic" panose="020B0600070205080204" pitchFamily="34" charset="-128"/>
+                <a:ea typeface="MS PGothic" panose="020B0600070205080204" pitchFamily="34" charset="-128"/>
+              </a:rPr>
+              <a:t>)</a:t>
+            </a:r>
+            <a:r>
+              <a:rPr lang="ja-JP" altLang="en-US" sz="2400">
+                <a:latin typeface="MS PGothic" panose="020B0600070205080204" pitchFamily="34" charset="-128"/>
+                <a:ea typeface="MS PGothic" panose="020B0600070205080204" pitchFamily="34" charset="-128"/>
+              </a:rPr>
+              <a:t>，既存の知識・方法を理解・実装・評価する．</a:t>
+            </a:r>
+            <a:endParaRPr lang="en-US" altLang="ja-JP" sz="2400" dirty="0">
+              <a:latin typeface="MS PGothic" panose="020B0600070205080204" pitchFamily="34" charset="-128"/>
+              <a:ea typeface="MS PGothic" panose="020B0600070205080204" pitchFamily="34" charset="-128"/>
+            </a:endParaRPr>
+          </a:p>
+          <a:p>
+            <a:pPr marL="914400" lvl="1" indent="-457200">
+              <a:buFont typeface="+mj-lt"/>
+              <a:buAutoNum type="arabicPeriod"/>
+            </a:pPr>
+            <a:endParaRPr lang="en-US" altLang="ja-JP" sz="2400" dirty="0">
+              <a:latin typeface="MS PGothic" panose="020B0600070205080204" pitchFamily="34" charset="-128"/>
+              <a:ea typeface="MS PGothic" panose="020B0600070205080204" pitchFamily="34" charset="-128"/>
+            </a:endParaRPr>
+          </a:p>
+          <a:p>
+            <a:pPr marL="914400" lvl="1" indent="-457200">
+              <a:buFont typeface="+mj-lt"/>
+              <a:buAutoNum type="arabicPeriod"/>
+            </a:pPr>
+            <a:r>
+              <a:rPr lang="ja-JP" altLang="en-US" sz="2400">
+                <a:latin typeface="MS PGothic" panose="020B0600070205080204" pitchFamily="34" charset="-128"/>
+                <a:ea typeface="MS PGothic" panose="020B0600070205080204" pitchFamily="34" charset="-128"/>
+              </a:rPr>
+              <a:t>既存論文に対する改善案・新しい知見を考える．</a:t>
+            </a:r>
+            <a:endParaRPr lang="en-US" altLang="ja-JP" sz="2400" dirty="0">
+              <a:latin typeface="MS PGothic" panose="020B0600070205080204" pitchFamily="34" charset="-128"/>
+              <a:ea typeface="MS PGothic" panose="020B0600070205080204" pitchFamily="34" charset="-128"/>
+            </a:endParaRPr>
           </a:p>
           <a:p>
             <a:pPr lvl="1"/>
@@ -11663,209 +10462,6 @@
           <p:cNvPr id="2" name="タイトル 1">
             <a:extLst>
               <a:ext uri="{FF2B5EF4-FFF2-40B4-BE49-F238E27FC236}">
-                <a16:creationId xmlns:a16="http://schemas.microsoft.com/office/drawing/2014/main" id="{E7404957-97CD-E247-9AD1-739CD02D4370}"/>
-              </a:ext>
-            </a:extLst>
-          </p:cNvPr>
-          <p:cNvSpPr>
-            <a:spLocks noGrp="1"/>
-          </p:cNvSpPr>
-          <p:nvPr>
-            <p:ph type="title"/>
-          </p:nvPr>
-        </p:nvSpPr>
-        <p:spPr/>
-        <p:txBody>
-          <a:bodyPr/>
-          <a:lstStyle/>
-          <a:p>
-            <a:r>
-              <a:rPr kumimoji="1" lang="ja-JP" altLang="en-US"/>
-              <a:t>スケジュール</a:t>
-            </a:r>
-          </a:p>
-        </p:txBody>
-      </p:sp>
-      <p:sp>
-        <p:nvSpPr>
-          <p:cNvPr id="3" name="コンテンツ プレースホルダー 2">
-            <a:extLst>
-              <a:ext uri="{FF2B5EF4-FFF2-40B4-BE49-F238E27FC236}">
-                <a16:creationId xmlns:a16="http://schemas.microsoft.com/office/drawing/2014/main" id="{AD202CB6-0CB7-F040-A472-9A2D848198FA}"/>
-              </a:ext>
-            </a:extLst>
-          </p:cNvPr>
-          <p:cNvSpPr>
-            <a:spLocks noGrp="1"/>
-          </p:cNvSpPr>
-          <p:nvPr>
-            <p:ph idx="1"/>
-          </p:nvPr>
-        </p:nvSpPr>
-        <p:spPr/>
-        <p:txBody>
-          <a:bodyPr/>
-          <a:lstStyle/>
-          <a:p>
-            <a:r>
-              <a:rPr kumimoji="1" lang="ja-JP" altLang="en-US" sz="3600"/>
-              <a:t>第</a:t>
-            </a:r>
-            <a:r>
-              <a:rPr kumimoji="1" lang="en-US" altLang="ja-JP" sz="3600" dirty="0"/>
-              <a:t>1</a:t>
-            </a:r>
-            <a:r>
-              <a:rPr kumimoji="1" lang="ja-JP" altLang="en-US" sz="3600"/>
-              <a:t>回</a:t>
-            </a:r>
-            <a:endParaRPr kumimoji="1" lang="en-US" altLang="ja-JP" sz="3600" dirty="0"/>
-          </a:p>
-          <a:p>
-            <a:pPr lvl="1"/>
-            <a:r>
-              <a:rPr lang="ja-JP" altLang="en-US" sz="2400"/>
-              <a:t>複雑ネットワークとグラフサンプリング</a:t>
-            </a:r>
-            <a:endParaRPr lang="en-US" altLang="ja-JP" sz="2400" dirty="0"/>
-          </a:p>
-          <a:p>
-            <a:pPr lvl="1"/>
-            <a:r>
-              <a:rPr kumimoji="1" lang="ja-JP" altLang="en-US" sz="2400"/>
-              <a:t>輪講担当決め</a:t>
-            </a:r>
-            <a:endParaRPr kumimoji="1" lang="en-US" altLang="ja-JP" sz="2400" dirty="0"/>
-          </a:p>
-          <a:p>
-            <a:pPr lvl="1"/>
-            <a:r>
-              <a:rPr lang="ja-JP" altLang="en-US" sz="2400"/>
-              <a:t>環境構築など？</a:t>
-            </a:r>
-            <a:endParaRPr kumimoji="1" lang="en-US" altLang="ja-JP" sz="2400" dirty="0"/>
-          </a:p>
-          <a:p>
-            <a:r>
-              <a:rPr lang="ja-JP" altLang="en-US" sz="3600"/>
-              <a:t>第</a:t>
-            </a:r>
-            <a:r>
-              <a:rPr lang="en-US" altLang="ja-JP" sz="3600" dirty="0"/>
-              <a:t>2</a:t>
-            </a:r>
-            <a:r>
-              <a:rPr lang="ja-JP" altLang="en-US" sz="3600"/>
-              <a:t>回</a:t>
-            </a:r>
-            <a:endParaRPr lang="en-US" altLang="ja-JP" sz="3600" dirty="0"/>
-          </a:p>
-          <a:p>
-            <a:pPr lvl="1"/>
-            <a:r>
-              <a:rPr kumimoji="1" lang="ja-JP" altLang="en-US" sz="2400"/>
-              <a:t>輪講：</a:t>
-            </a:r>
-            <a:r>
-              <a:rPr lang="en" altLang="ja-JP" sz="2400" dirty="0">
-                <a:latin typeface="+mn-ea"/>
-              </a:rPr>
-              <a:t>A survey and taxonomy of graph sampling.</a:t>
-            </a:r>
-          </a:p>
-          <a:p>
-            <a:pPr lvl="1"/>
-            <a:endParaRPr kumimoji="1" lang="en-US" altLang="ja-JP" sz="2400" dirty="0"/>
-          </a:p>
-          <a:p>
-            <a:r>
-              <a:rPr lang="ja-JP" altLang="en-US" sz="3600"/>
-              <a:t>第</a:t>
-            </a:r>
-            <a:r>
-              <a:rPr lang="en-US" altLang="ja-JP" sz="3600" dirty="0"/>
-              <a:t>3</a:t>
-            </a:r>
-            <a:r>
-              <a:rPr lang="ja-JP" altLang="en-US" sz="3600"/>
-              <a:t>回</a:t>
-            </a:r>
-            <a:r>
-              <a:rPr lang="en-US" altLang="ja-JP" sz="3600" dirty="0"/>
-              <a:t>-</a:t>
-            </a:r>
-            <a:r>
-              <a:rPr lang="ja-JP" altLang="en-US" sz="3600"/>
-              <a:t>第</a:t>
-            </a:r>
-            <a:r>
-              <a:rPr lang="en-US" altLang="ja-JP" sz="3600" dirty="0"/>
-              <a:t>5</a:t>
-            </a:r>
-            <a:r>
-              <a:rPr lang="ja-JP" altLang="en-US" sz="3600"/>
-              <a:t>回</a:t>
-            </a:r>
-            <a:endParaRPr lang="en-US" altLang="ja-JP" sz="3600" dirty="0"/>
-          </a:p>
-          <a:p>
-            <a:pPr lvl="1"/>
-            <a:r>
-              <a:rPr kumimoji="1" lang="ja-JP" altLang="en-US" sz="2400"/>
-              <a:t>輪講：</a:t>
-            </a:r>
-            <a:r>
-              <a:rPr lang="en" altLang="ja-JP" sz="2400" dirty="0">
-                <a:latin typeface="+mn-ea"/>
-              </a:rPr>
-              <a:t>Estimating clustering coefficients and size of social networks via random walk.</a:t>
-            </a:r>
-          </a:p>
-          <a:p>
-            <a:pPr lvl="1"/>
-            <a:endParaRPr lang="en-US" altLang="ja-JP" dirty="0"/>
-          </a:p>
-          <a:p>
-            <a:pPr lvl="1"/>
-            <a:endParaRPr kumimoji="1" lang="ja-JP" altLang="en-US"/>
-          </a:p>
-        </p:txBody>
-      </p:sp>
-    </p:spTree>
-    <p:extLst>
-      <p:ext uri="{BB962C8B-B14F-4D97-AF65-F5344CB8AC3E}">
-        <p14:creationId xmlns:p14="http://schemas.microsoft.com/office/powerpoint/2010/main" val="323252154"/>
-      </p:ext>
-    </p:extLst>
-  </p:cSld>
-  <p:clrMapOvr>
-    <a:masterClrMapping/>
-  </p:clrMapOvr>
-</p:sld>
-</file>
-
-<file path=ppt/slides/slide5.xml><?xml version="1.0" encoding="utf-8"?>
-<p:sld xmlns:a="http://schemas.openxmlformats.org/drawingml/2006/main" xmlns:r="http://schemas.openxmlformats.org/officeDocument/2006/relationships" xmlns:p="http://schemas.openxmlformats.org/presentationml/2006/main">
-  <p:cSld>
-    <p:spTree>
-      <p:nvGrpSpPr>
-        <p:cNvPr id="1" name=""/>
-        <p:cNvGrpSpPr/>
-        <p:nvPr/>
-      </p:nvGrpSpPr>
-      <p:grpSpPr>
-        <a:xfrm>
-          <a:off x="0" y="0"/>
-          <a:ext cx="0" cy="0"/>
-          <a:chOff x="0" y="0"/>
-          <a:chExt cx="0" cy="0"/>
-        </a:xfrm>
-      </p:grpSpPr>
-      <p:sp>
-        <p:nvSpPr>
-          <p:cNvPr id="2" name="タイトル 1">
-            <a:extLst>
-              <a:ext uri="{FF2B5EF4-FFF2-40B4-BE49-F238E27FC236}">
                 <a16:creationId xmlns:a16="http://schemas.microsoft.com/office/drawing/2014/main" id="{A9BCDA13-468A-044F-801B-D896D44F8D60}"/>
               </a:ext>
             </a:extLst>
@@ -11884,7 +10480,7 @@
           <a:p>
             <a:r>
               <a:rPr kumimoji="1" lang="ja-JP" altLang="en-US"/>
-              <a:t>複雑ネットワーク</a:t>
+              <a:t>グラフと複雑ネットワーク</a:t>
             </a:r>
           </a:p>
         </p:txBody>
@@ -12016,7 +10612,7 @@
 </p:sld>
 </file>
 
-<file path=ppt/slides/slide6.xml><?xml version="1.0" encoding="utf-8"?>
+<file path=ppt/slides/slide5.xml><?xml version="1.0" encoding="utf-8"?>
 <p:sld xmlns:a="http://schemas.openxmlformats.org/drawingml/2006/main" xmlns:r="http://schemas.openxmlformats.org/officeDocument/2006/relationships" xmlns:p="http://schemas.openxmlformats.org/presentationml/2006/main">
   <p:cSld>
     <p:spTree>
@@ -12235,7 +10831,7 @@
 </p:sld>
 </file>
 
-<file path=ppt/slides/slide7.xml><?xml version="1.0" encoding="utf-8"?>
+<file path=ppt/slides/slide6.xml><?xml version="1.0" encoding="utf-8"?>
 <p:sld xmlns:a="http://schemas.openxmlformats.org/drawingml/2006/main" xmlns:r="http://schemas.openxmlformats.org/officeDocument/2006/relationships" xmlns:p="http://schemas.openxmlformats.org/presentationml/2006/main">
   <p:cSld>
     <p:spTree>
@@ -12433,7 +11029,7 @@
 </p:sld>
 </file>
 
-<file path=ppt/slides/slide8.xml><?xml version="1.0" encoding="utf-8"?>
+<file path=ppt/slides/slide7.xml><?xml version="1.0" encoding="utf-8"?>
 <p:sld xmlns:a="http://schemas.openxmlformats.org/drawingml/2006/main" xmlns:r="http://schemas.openxmlformats.org/officeDocument/2006/relationships" xmlns:p="http://schemas.openxmlformats.org/presentationml/2006/main">
   <p:cSld>
     <p:spTree>
@@ -12572,62 +11168,6 @@
           </a:p>
         </p:txBody>
       </p:sp>
-      <p:sp>
-        <p:nvSpPr>
-          <p:cNvPr id="4" name="テキスト ボックス 3">
-            <a:extLst>
-              <a:ext uri="{FF2B5EF4-FFF2-40B4-BE49-F238E27FC236}">
-                <a16:creationId xmlns:a16="http://schemas.microsoft.com/office/drawing/2014/main" id="{12655F06-CC8A-504D-BDB9-3B1BFDA3E15F}"/>
-              </a:ext>
-            </a:extLst>
-          </p:cNvPr>
-          <p:cNvSpPr txBox="1"/>
-          <p:nvPr/>
-        </p:nvSpPr>
-        <p:spPr>
-          <a:xfrm>
-            <a:off x="67968" y="6550223"/>
-            <a:ext cx="12216806" cy="307777"/>
-          </a:xfrm>
-          <a:prstGeom prst="rect">
-            <a:avLst/>
-          </a:prstGeom>
-          <a:noFill/>
-        </p:spPr>
-        <p:txBody>
-          <a:bodyPr wrap="none" rtlCol="0">
-            <a:spAutoFit/>
-          </a:bodyPr>
-          <a:lstStyle/>
-          <a:p>
-            <a:r>
-              <a:rPr kumimoji="1" lang="ja-JP" altLang="en-US" sz="1400"/>
-              <a:t>読むと面白い</a:t>
-            </a:r>
-            <a:r>
-              <a:rPr kumimoji="1" lang="en-US" altLang="ja-JP" sz="1400" dirty="0"/>
-              <a:t> </a:t>
-            </a:r>
-            <a:r>
-              <a:rPr kumimoji="1" lang="ja-JP" altLang="en-US" sz="1400"/>
-              <a:t>→ </a:t>
-            </a:r>
-            <a:r>
-              <a:rPr kumimoji="1" lang="en" altLang="ja-JP" sz="1400" dirty="0"/>
-              <a:t>https://</a:t>
-            </a:r>
-            <a:r>
-              <a:rPr kumimoji="1" lang="en" altLang="ja-JP" sz="1400" dirty="0" err="1"/>
-              <a:t>ja.wikipedia.org</a:t>
-            </a:r>
-            <a:r>
-              <a:rPr kumimoji="1" lang="en" altLang="ja-JP" sz="1400" dirty="0"/>
-              <a:t>/wiki/%E8%A4%87%E9%9B%91%E3%83%8D%E3%83%83%E3%83%88%E3%83%AF%E3%83%BC%E3%82%AF</a:t>
-            </a:r>
-            <a:endParaRPr kumimoji="1" lang="ja-JP" altLang="en-US" sz="1400"/>
-          </a:p>
-        </p:txBody>
-      </p:sp>
     </p:spTree>
     <p:extLst>
       <p:ext uri="{BB962C8B-B14F-4D97-AF65-F5344CB8AC3E}">
@@ -12641,7 +11181,7 @@
 </p:sld>
 </file>
 
-<file path=ppt/slides/slide9.xml><?xml version="1.0" encoding="utf-8"?>
+<file path=ppt/slides/slide8.xml><?xml version="1.0" encoding="utf-8"?>
 <p:sld xmlns:a="http://schemas.openxmlformats.org/drawingml/2006/main" xmlns:r="http://schemas.openxmlformats.org/officeDocument/2006/relationships" xmlns:p="http://schemas.openxmlformats.org/presentationml/2006/main">
   <p:cSld>
     <p:spTree>
@@ -12795,6 +11335,1133 @@
     <p:extLst>
       <p:ext uri="{BB962C8B-B14F-4D97-AF65-F5344CB8AC3E}">
         <p14:creationId xmlns:p14="http://schemas.microsoft.com/office/powerpoint/2010/main" val="1386451898"/>
+      </p:ext>
+    </p:extLst>
+  </p:cSld>
+  <p:clrMapOvr>
+    <a:masterClrMapping/>
+  </p:clrMapOvr>
+</p:sld>
+</file>
+
+<file path=ppt/slides/slide9.xml><?xml version="1.0" encoding="utf-8"?>
+<p:sld xmlns:a="http://schemas.openxmlformats.org/drawingml/2006/main" xmlns:r="http://schemas.openxmlformats.org/officeDocument/2006/relationships" xmlns:p="http://schemas.openxmlformats.org/presentationml/2006/main">
+  <p:cSld>
+    <p:spTree>
+      <p:nvGrpSpPr>
+        <p:cNvPr id="1" name=""/>
+        <p:cNvGrpSpPr/>
+        <p:nvPr/>
+      </p:nvGrpSpPr>
+      <p:grpSpPr>
+        <a:xfrm>
+          <a:off x="0" y="0"/>
+          <a:ext cx="0" cy="0"/>
+          <a:chOff x="0" y="0"/>
+          <a:chExt cx="0" cy="0"/>
+        </a:xfrm>
+      </p:grpSpPr>
+      <p:sp>
+        <p:nvSpPr>
+          <p:cNvPr id="2" name="タイトル 1"/>
+          <p:cNvSpPr>
+            <a:spLocks noGrp="1"/>
+          </p:cNvSpPr>
+          <p:nvPr>
+            <p:ph type="title"/>
+          </p:nvPr>
+        </p:nvSpPr>
+        <p:spPr/>
+        <p:txBody>
+          <a:bodyPr/>
+          <a:lstStyle/>
+          <a:p>
+            <a:r>
+              <a:rPr kumimoji="1" lang="ja-JP" altLang="en-US"/>
+              <a:t>グラフサンプリング</a:t>
+            </a:r>
+            <a:endParaRPr kumimoji="1" lang="ja-JP" altLang="en-US" dirty="0"/>
+          </a:p>
+        </p:txBody>
+      </p:sp>
+      <p:pic>
+        <p:nvPicPr>
+          <p:cNvPr id="4" name="コンテンツ プレースホルダー 3"/>
+          <p:cNvPicPr>
+            <a:picLocks noGrp="1" noChangeAspect="1"/>
+          </p:cNvPicPr>
+          <p:nvPr>
+            <p:ph idx="1"/>
+          </p:nvPr>
+        </p:nvPicPr>
+        <p:blipFill>
+          <a:blip r:embed="rId2">
+            <a:extLst>
+              <a:ext uri="{28A0092B-C50C-407E-A947-70E740481C1C}">
+                <a14:useLocalDpi xmlns:a14="http://schemas.microsoft.com/office/drawing/2010/main" val="0"/>
+              </a:ext>
+            </a:extLst>
+          </a:blip>
+          <a:stretch>
+            <a:fillRect/>
+          </a:stretch>
+        </p:blipFill>
+        <p:spPr>
+          <a:xfrm>
+            <a:off x="1100749" y="2721838"/>
+            <a:ext cx="565116" cy="720000"/>
+          </a:xfrm>
+        </p:spPr>
+      </p:pic>
+      <p:pic>
+        <p:nvPicPr>
+          <p:cNvPr id="5" name="コンテンツ プレースホルダー 3"/>
+          <p:cNvPicPr>
+            <a:picLocks noChangeAspect="1"/>
+          </p:cNvPicPr>
+          <p:nvPr/>
+        </p:nvPicPr>
+        <p:blipFill>
+          <a:blip r:embed="rId2">
+            <a:extLst>
+              <a:ext uri="{28A0092B-C50C-407E-A947-70E740481C1C}">
+                <a14:useLocalDpi xmlns:a14="http://schemas.microsoft.com/office/drawing/2010/main" val="0"/>
+              </a:ext>
+            </a:extLst>
+          </a:blip>
+          <a:stretch>
+            <a:fillRect/>
+          </a:stretch>
+        </p:blipFill>
+        <p:spPr>
+          <a:xfrm>
+            <a:off x="2458005" y="4094715"/>
+            <a:ext cx="565116" cy="720000"/>
+          </a:xfrm>
+          <a:prstGeom prst="rect">
+            <a:avLst/>
+          </a:prstGeom>
+        </p:spPr>
+      </p:pic>
+      <p:pic>
+        <p:nvPicPr>
+          <p:cNvPr id="6" name="コンテンツ プレースホルダー 3"/>
+          <p:cNvPicPr>
+            <a:picLocks noChangeAspect="1"/>
+          </p:cNvPicPr>
+          <p:nvPr/>
+        </p:nvPicPr>
+        <p:blipFill>
+          <a:blip r:embed="rId2">
+            <a:extLst>
+              <a:ext uri="{28A0092B-C50C-407E-A947-70E740481C1C}">
+                <a14:useLocalDpi xmlns:a14="http://schemas.microsoft.com/office/drawing/2010/main" val="0"/>
+              </a:ext>
+            </a:extLst>
+          </a:blip>
+          <a:stretch>
+            <a:fillRect/>
+          </a:stretch>
+        </p:blipFill>
+        <p:spPr>
+          <a:xfrm>
+            <a:off x="729270" y="4333176"/>
+            <a:ext cx="565116" cy="720000"/>
+          </a:xfrm>
+          <a:prstGeom prst="rect">
+            <a:avLst/>
+          </a:prstGeom>
+        </p:spPr>
+      </p:pic>
+      <p:pic>
+        <p:nvPicPr>
+          <p:cNvPr id="7" name="コンテンツ プレースホルダー 3"/>
+          <p:cNvPicPr>
+            <a:picLocks noChangeAspect="1"/>
+          </p:cNvPicPr>
+          <p:nvPr/>
+        </p:nvPicPr>
+        <p:blipFill>
+          <a:blip r:embed="rId2">
+            <a:extLst>
+              <a:ext uri="{28A0092B-C50C-407E-A947-70E740481C1C}">
+                <a14:useLocalDpi xmlns:a14="http://schemas.microsoft.com/office/drawing/2010/main" val="0"/>
+              </a:ext>
+            </a:extLst>
+          </a:blip>
+          <a:stretch>
+            <a:fillRect/>
+          </a:stretch>
+        </p:blipFill>
+        <p:spPr>
+          <a:xfrm>
+            <a:off x="2665089" y="2359529"/>
+            <a:ext cx="565116" cy="720000"/>
+          </a:xfrm>
+          <a:prstGeom prst="rect">
+            <a:avLst/>
+          </a:prstGeom>
+        </p:spPr>
+      </p:pic>
+      <p:cxnSp>
+        <p:nvCxnSpPr>
+          <p:cNvPr id="9" name="直線コネクタ 8"/>
+          <p:cNvCxnSpPr>
+            <a:stCxn id="4" idx="3"/>
+            <a:endCxn id="7" idx="1"/>
+          </p:cNvCxnSpPr>
+          <p:nvPr/>
+        </p:nvCxnSpPr>
+        <p:spPr>
+          <a:xfrm flipV="1">
+            <a:off x="1665865" y="2719529"/>
+            <a:ext cx="999224" cy="362309"/>
+          </a:xfrm>
+          <a:prstGeom prst="line">
+            <a:avLst/>
+          </a:prstGeom>
+          <a:ln w="38100"/>
+        </p:spPr>
+        <p:style>
+          <a:lnRef idx="1">
+            <a:schemeClr val="accent1"/>
+          </a:lnRef>
+          <a:fillRef idx="0">
+            <a:schemeClr val="accent1"/>
+          </a:fillRef>
+          <a:effectRef idx="0">
+            <a:schemeClr val="accent1"/>
+          </a:effectRef>
+          <a:fontRef idx="minor">
+            <a:schemeClr val="tx1"/>
+          </a:fontRef>
+        </p:style>
+      </p:cxnSp>
+      <p:cxnSp>
+        <p:nvCxnSpPr>
+          <p:cNvPr id="12" name="直線コネクタ 11"/>
+          <p:cNvCxnSpPr>
+            <a:stCxn id="5" idx="0"/>
+            <a:endCxn id="7" idx="2"/>
+          </p:cNvCxnSpPr>
+          <p:nvPr/>
+        </p:nvCxnSpPr>
+        <p:spPr>
+          <a:xfrm flipV="1">
+            <a:off x="2740563" y="3079529"/>
+            <a:ext cx="207084" cy="1015186"/>
+          </a:xfrm>
+          <a:prstGeom prst="line">
+            <a:avLst/>
+          </a:prstGeom>
+          <a:ln w="38100"/>
+        </p:spPr>
+        <p:style>
+          <a:lnRef idx="1">
+            <a:schemeClr val="accent1"/>
+          </a:lnRef>
+          <a:fillRef idx="0">
+            <a:schemeClr val="accent1"/>
+          </a:fillRef>
+          <a:effectRef idx="0">
+            <a:schemeClr val="accent1"/>
+          </a:effectRef>
+          <a:fontRef idx="minor">
+            <a:schemeClr val="tx1"/>
+          </a:fontRef>
+        </p:style>
+      </p:cxnSp>
+      <p:cxnSp>
+        <p:nvCxnSpPr>
+          <p:cNvPr id="13" name="直線コネクタ 12"/>
+          <p:cNvCxnSpPr>
+            <a:stCxn id="4" idx="2"/>
+            <a:endCxn id="6" idx="0"/>
+          </p:cNvCxnSpPr>
+          <p:nvPr/>
+        </p:nvCxnSpPr>
+        <p:spPr>
+          <a:xfrm flipH="1">
+            <a:off x="1011828" y="3441838"/>
+            <a:ext cx="371479" cy="891338"/>
+          </a:xfrm>
+          <a:prstGeom prst="line">
+            <a:avLst/>
+          </a:prstGeom>
+          <a:ln w="38100"/>
+        </p:spPr>
+        <p:style>
+          <a:lnRef idx="1">
+            <a:schemeClr val="accent1"/>
+          </a:lnRef>
+          <a:fillRef idx="0">
+            <a:schemeClr val="accent1"/>
+          </a:fillRef>
+          <a:effectRef idx="0">
+            <a:schemeClr val="accent1"/>
+          </a:effectRef>
+          <a:fontRef idx="minor">
+            <a:schemeClr val="tx1"/>
+          </a:fontRef>
+        </p:style>
+      </p:cxnSp>
+      <p:cxnSp>
+        <p:nvCxnSpPr>
+          <p:cNvPr id="16" name="直線コネクタ 15"/>
+          <p:cNvCxnSpPr>
+            <a:stCxn id="4" idx="2"/>
+            <a:endCxn id="5" idx="0"/>
+          </p:cNvCxnSpPr>
+          <p:nvPr/>
+        </p:nvCxnSpPr>
+        <p:spPr>
+          <a:xfrm>
+            <a:off x="1383307" y="3441838"/>
+            <a:ext cx="1357256" cy="652877"/>
+          </a:xfrm>
+          <a:prstGeom prst="line">
+            <a:avLst/>
+          </a:prstGeom>
+          <a:ln w="38100"/>
+        </p:spPr>
+        <p:style>
+          <a:lnRef idx="1">
+            <a:schemeClr val="accent1"/>
+          </a:lnRef>
+          <a:fillRef idx="0">
+            <a:schemeClr val="accent1"/>
+          </a:fillRef>
+          <a:effectRef idx="0">
+            <a:schemeClr val="accent1"/>
+          </a:effectRef>
+          <a:fontRef idx="minor">
+            <a:schemeClr val="tx1"/>
+          </a:fontRef>
+        </p:style>
+      </p:cxnSp>
+      <p:cxnSp>
+        <p:nvCxnSpPr>
+          <p:cNvPr id="21" name="直線コネクタ 20"/>
+          <p:cNvCxnSpPr>
+            <a:stCxn id="5" idx="1"/>
+            <a:endCxn id="6" idx="3"/>
+          </p:cNvCxnSpPr>
+          <p:nvPr/>
+        </p:nvCxnSpPr>
+        <p:spPr>
+          <a:xfrm flipH="1">
+            <a:off x="1294386" y="4454715"/>
+            <a:ext cx="1163619" cy="238461"/>
+          </a:xfrm>
+          <a:prstGeom prst="line">
+            <a:avLst/>
+          </a:prstGeom>
+          <a:ln w="38100"/>
+        </p:spPr>
+        <p:style>
+          <a:lnRef idx="1">
+            <a:schemeClr val="accent1"/>
+          </a:lnRef>
+          <a:fillRef idx="0">
+            <a:schemeClr val="accent1"/>
+          </a:fillRef>
+          <a:effectRef idx="0">
+            <a:schemeClr val="accent1"/>
+          </a:effectRef>
+          <a:fontRef idx="minor">
+            <a:schemeClr val="tx1"/>
+          </a:fontRef>
+        </p:style>
+      </p:cxnSp>
+      <p:sp>
+        <p:nvSpPr>
+          <p:cNvPr id="24" name="楕円 23"/>
+          <p:cNvSpPr>
+            <a:spLocks noChangeAspect="1"/>
+          </p:cNvSpPr>
+          <p:nvPr/>
+        </p:nvSpPr>
+        <p:spPr>
+          <a:xfrm rot="897167">
+            <a:off x="4865137" y="3044130"/>
+            <a:ext cx="720000" cy="720000"/>
+          </a:xfrm>
+          <a:prstGeom prst="ellipse">
+            <a:avLst/>
+          </a:prstGeom>
+          <a:noFill/>
+          <a:ln w="38100">
+            <a:solidFill>
+              <a:srgbClr val="0070C0"/>
+            </a:solidFill>
+          </a:ln>
+        </p:spPr>
+        <p:style>
+          <a:lnRef idx="2">
+            <a:schemeClr val="accent1">
+              <a:shade val="50000"/>
+            </a:schemeClr>
+          </a:lnRef>
+          <a:fillRef idx="1">
+            <a:schemeClr val="accent1"/>
+          </a:fillRef>
+          <a:effectRef idx="0">
+            <a:schemeClr val="accent1"/>
+          </a:effectRef>
+          <a:fontRef idx="minor">
+            <a:schemeClr val="lt1"/>
+          </a:fontRef>
+        </p:style>
+        <p:txBody>
+          <a:bodyPr rtlCol="0" anchor="ctr"/>
+          <a:lstStyle/>
+          <a:p>
+            <a:pPr algn="ctr"/>
+            <a:endParaRPr kumimoji="1" lang="ja-JP" altLang="en-US"/>
+          </a:p>
+        </p:txBody>
+      </p:sp>
+      <p:sp>
+        <p:nvSpPr>
+          <p:cNvPr id="25" name="楕円 24"/>
+          <p:cNvSpPr>
+            <a:spLocks noChangeAspect="1"/>
+          </p:cNvSpPr>
+          <p:nvPr/>
+        </p:nvSpPr>
+        <p:spPr>
+          <a:xfrm>
+            <a:off x="6539262" y="2361838"/>
+            <a:ext cx="720000" cy="720000"/>
+          </a:xfrm>
+          <a:prstGeom prst="ellipse">
+            <a:avLst/>
+          </a:prstGeom>
+          <a:noFill/>
+          <a:ln w="38100">
+            <a:solidFill>
+              <a:srgbClr val="0070C0"/>
+            </a:solidFill>
+          </a:ln>
+        </p:spPr>
+        <p:style>
+          <a:lnRef idx="2">
+            <a:schemeClr val="accent1">
+              <a:shade val="50000"/>
+            </a:schemeClr>
+          </a:lnRef>
+          <a:fillRef idx="1">
+            <a:schemeClr val="accent1"/>
+          </a:fillRef>
+          <a:effectRef idx="0">
+            <a:schemeClr val="accent1"/>
+          </a:effectRef>
+          <a:fontRef idx="minor">
+            <a:schemeClr val="lt1"/>
+          </a:fontRef>
+        </p:style>
+        <p:txBody>
+          <a:bodyPr rtlCol="0" anchor="ctr"/>
+          <a:lstStyle/>
+          <a:p>
+            <a:pPr algn="ctr"/>
+            <a:endParaRPr kumimoji="1" lang="ja-JP" altLang="en-US"/>
+          </a:p>
+        </p:txBody>
+      </p:sp>
+      <p:sp>
+        <p:nvSpPr>
+          <p:cNvPr id="26" name="楕円 25"/>
+          <p:cNvSpPr>
+            <a:spLocks noChangeAspect="1"/>
+          </p:cNvSpPr>
+          <p:nvPr/>
+        </p:nvSpPr>
+        <p:spPr>
+          <a:xfrm rot="1990010">
+            <a:off x="6438876" y="3891280"/>
+            <a:ext cx="720000" cy="720000"/>
+          </a:xfrm>
+          <a:prstGeom prst="ellipse">
+            <a:avLst/>
+          </a:prstGeom>
+          <a:noFill/>
+          <a:ln w="38100">
+            <a:solidFill>
+              <a:srgbClr val="0070C0"/>
+            </a:solidFill>
+          </a:ln>
+        </p:spPr>
+        <p:style>
+          <a:lnRef idx="2">
+            <a:schemeClr val="accent1">
+              <a:shade val="50000"/>
+            </a:schemeClr>
+          </a:lnRef>
+          <a:fillRef idx="1">
+            <a:schemeClr val="accent1"/>
+          </a:fillRef>
+          <a:effectRef idx="0">
+            <a:schemeClr val="accent1"/>
+          </a:effectRef>
+          <a:fontRef idx="minor">
+            <a:schemeClr val="lt1"/>
+          </a:fontRef>
+        </p:style>
+        <p:txBody>
+          <a:bodyPr rtlCol="0" anchor="ctr"/>
+          <a:lstStyle/>
+          <a:p>
+            <a:pPr algn="ctr"/>
+            <a:endParaRPr kumimoji="1" lang="ja-JP" altLang="en-US"/>
+          </a:p>
+        </p:txBody>
+      </p:sp>
+      <p:sp>
+        <p:nvSpPr>
+          <p:cNvPr id="27" name="楕円 26"/>
+          <p:cNvSpPr>
+            <a:spLocks noChangeAspect="1"/>
+          </p:cNvSpPr>
+          <p:nvPr/>
+        </p:nvSpPr>
+        <p:spPr>
+          <a:xfrm>
+            <a:off x="4587461" y="4466042"/>
+            <a:ext cx="720000" cy="720000"/>
+          </a:xfrm>
+          <a:prstGeom prst="ellipse">
+            <a:avLst/>
+          </a:prstGeom>
+          <a:noFill/>
+          <a:ln w="38100">
+            <a:solidFill>
+              <a:srgbClr val="0070C0"/>
+            </a:solidFill>
+          </a:ln>
+        </p:spPr>
+        <p:style>
+          <a:lnRef idx="2">
+            <a:schemeClr val="accent1">
+              <a:shade val="50000"/>
+            </a:schemeClr>
+          </a:lnRef>
+          <a:fillRef idx="1">
+            <a:schemeClr val="accent1"/>
+          </a:fillRef>
+          <a:effectRef idx="0">
+            <a:schemeClr val="accent1"/>
+          </a:effectRef>
+          <a:fontRef idx="minor">
+            <a:schemeClr val="lt1"/>
+          </a:fontRef>
+        </p:style>
+        <p:txBody>
+          <a:bodyPr rtlCol="0" anchor="ctr"/>
+          <a:lstStyle/>
+          <a:p>
+            <a:pPr algn="ctr"/>
+            <a:endParaRPr kumimoji="1" lang="ja-JP" altLang="en-US"/>
+          </a:p>
+        </p:txBody>
+      </p:sp>
+      <p:cxnSp>
+        <p:nvCxnSpPr>
+          <p:cNvPr id="28" name="直線コネクタ 27"/>
+          <p:cNvCxnSpPr>
+            <a:stCxn id="27" idx="0"/>
+            <a:endCxn id="24" idx="4"/>
+          </p:cNvCxnSpPr>
+          <p:nvPr/>
+        </p:nvCxnSpPr>
+        <p:spPr>
+          <a:xfrm flipV="1">
+            <a:off x="4947461" y="3751940"/>
+            <a:ext cx="184788" cy="714102"/>
+          </a:xfrm>
+          <a:prstGeom prst="line">
+            <a:avLst/>
+          </a:prstGeom>
+          <a:ln w="38100"/>
+        </p:spPr>
+        <p:style>
+          <a:lnRef idx="1">
+            <a:schemeClr val="accent1"/>
+          </a:lnRef>
+          <a:fillRef idx="0">
+            <a:schemeClr val="accent1"/>
+          </a:fillRef>
+          <a:effectRef idx="0">
+            <a:schemeClr val="accent1"/>
+          </a:effectRef>
+          <a:fontRef idx="minor">
+            <a:schemeClr val="tx1"/>
+          </a:fontRef>
+        </p:style>
+      </p:cxnSp>
+      <p:cxnSp>
+        <p:nvCxnSpPr>
+          <p:cNvPr id="34" name="直線コネクタ 33"/>
+          <p:cNvCxnSpPr>
+            <a:stCxn id="25" idx="2"/>
+            <a:endCxn id="24" idx="7"/>
+          </p:cNvCxnSpPr>
+          <p:nvPr/>
+        </p:nvCxnSpPr>
+        <p:spPr>
+          <a:xfrm flipH="1">
+            <a:off x="5536757" y="2721838"/>
+            <a:ext cx="1002505" cy="502035"/>
+          </a:xfrm>
+          <a:prstGeom prst="line">
+            <a:avLst/>
+          </a:prstGeom>
+          <a:ln w="38100"/>
+        </p:spPr>
+        <p:style>
+          <a:lnRef idx="1">
+            <a:schemeClr val="accent1"/>
+          </a:lnRef>
+          <a:fillRef idx="0">
+            <a:schemeClr val="accent1"/>
+          </a:fillRef>
+          <a:effectRef idx="0">
+            <a:schemeClr val="accent1"/>
+          </a:effectRef>
+          <a:fontRef idx="minor">
+            <a:schemeClr val="tx1"/>
+          </a:fontRef>
+        </p:style>
+      </p:cxnSp>
+      <p:cxnSp>
+        <p:nvCxnSpPr>
+          <p:cNvPr id="40" name="直線コネクタ 39"/>
+          <p:cNvCxnSpPr>
+            <a:stCxn id="26" idx="2"/>
+            <a:endCxn id="24" idx="6"/>
+          </p:cNvCxnSpPr>
+          <p:nvPr/>
+        </p:nvCxnSpPr>
+        <p:spPr>
+          <a:xfrm flipH="1" flipV="1">
+            <a:off x="5572947" y="3497018"/>
+            <a:ext cx="924580" cy="557314"/>
+          </a:xfrm>
+          <a:prstGeom prst="line">
+            <a:avLst/>
+          </a:prstGeom>
+          <a:ln w="38100"/>
+        </p:spPr>
+        <p:style>
+          <a:lnRef idx="1">
+            <a:schemeClr val="accent1"/>
+          </a:lnRef>
+          <a:fillRef idx="0">
+            <a:schemeClr val="accent1"/>
+          </a:fillRef>
+          <a:effectRef idx="0">
+            <a:schemeClr val="accent1"/>
+          </a:effectRef>
+          <a:fontRef idx="minor">
+            <a:schemeClr val="tx1"/>
+          </a:fontRef>
+        </p:style>
+      </p:cxnSp>
+      <p:cxnSp>
+        <p:nvCxnSpPr>
+          <p:cNvPr id="43" name="直線コネクタ 42"/>
+          <p:cNvCxnSpPr>
+            <a:stCxn id="26" idx="4"/>
+            <a:endCxn id="27" idx="6"/>
+          </p:cNvCxnSpPr>
+          <p:nvPr/>
+        </p:nvCxnSpPr>
+        <p:spPr>
+          <a:xfrm flipH="1">
+            <a:off x="5307461" y="4552629"/>
+            <a:ext cx="1294467" cy="273413"/>
+          </a:xfrm>
+          <a:prstGeom prst="line">
+            <a:avLst/>
+          </a:prstGeom>
+          <a:ln w="38100"/>
+        </p:spPr>
+        <p:style>
+          <a:lnRef idx="1">
+            <a:schemeClr val="accent1"/>
+          </a:lnRef>
+          <a:fillRef idx="0">
+            <a:schemeClr val="accent1"/>
+          </a:fillRef>
+          <a:effectRef idx="0">
+            <a:schemeClr val="accent1"/>
+          </a:effectRef>
+          <a:fontRef idx="minor">
+            <a:schemeClr val="tx1"/>
+          </a:fontRef>
+        </p:style>
+      </p:cxnSp>
+      <p:cxnSp>
+        <p:nvCxnSpPr>
+          <p:cNvPr id="48" name="直線コネクタ 47"/>
+          <p:cNvCxnSpPr>
+            <a:stCxn id="26" idx="1"/>
+            <a:endCxn id="25" idx="4"/>
+          </p:cNvCxnSpPr>
+          <p:nvPr/>
+        </p:nvCxnSpPr>
+        <p:spPr>
+          <a:xfrm flipV="1">
+            <a:off x="6725054" y="3081838"/>
+            <a:ext cx="174208" cy="817093"/>
+          </a:xfrm>
+          <a:prstGeom prst="line">
+            <a:avLst/>
+          </a:prstGeom>
+          <a:ln w="38100"/>
+        </p:spPr>
+        <p:style>
+          <a:lnRef idx="1">
+            <a:schemeClr val="accent1"/>
+          </a:lnRef>
+          <a:fillRef idx="0">
+            <a:schemeClr val="accent1"/>
+          </a:fillRef>
+          <a:effectRef idx="0">
+            <a:schemeClr val="accent1"/>
+          </a:effectRef>
+          <a:fontRef idx="minor">
+            <a:schemeClr val="tx1"/>
+          </a:fontRef>
+        </p:style>
+      </p:cxnSp>
+      <p:sp>
+        <p:nvSpPr>
+          <p:cNvPr id="61" name="テキスト ボックス 60"/>
+          <p:cNvSpPr txBox="1"/>
+          <p:nvPr/>
+        </p:nvSpPr>
+        <p:spPr>
+          <a:xfrm>
+            <a:off x="267213" y="1749072"/>
+            <a:ext cx="3589444" cy="523220"/>
+          </a:xfrm>
+          <a:prstGeom prst="rect">
+            <a:avLst/>
+          </a:prstGeom>
+          <a:noFill/>
+        </p:spPr>
+        <p:txBody>
+          <a:bodyPr wrap="none" rtlCol="0">
+            <a:spAutoFit/>
+          </a:bodyPr>
+          <a:lstStyle/>
+          <a:p>
+            <a:r>
+              <a:rPr kumimoji="1" lang="ja-JP" altLang="en-US" sz="2800" dirty="0"/>
+              <a:t>ソーシャルネットワーク</a:t>
+            </a:r>
+          </a:p>
+        </p:txBody>
+      </p:sp>
+      <p:sp>
+        <p:nvSpPr>
+          <p:cNvPr id="62" name="テキスト ボックス 61"/>
+          <p:cNvSpPr txBox="1"/>
+          <p:nvPr/>
+        </p:nvSpPr>
+        <p:spPr>
+          <a:xfrm>
+            <a:off x="4784438" y="1749072"/>
+            <a:ext cx="2728632" cy="523220"/>
+          </a:xfrm>
+          <a:prstGeom prst="rect">
+            <a:avLst/>
+          </a:prstGeom>
+          <a:noFill/>
+        </p:spPr>
+        <p:txBody>
+          <a:bodyPr wrap="none" rtlCol="0">
+            <a:spAutoFit/>
+          </a:bodyPr>
+          <a:lstStyle/>
+          <a:p>
+            <a:r>
+              <a:rPr kumimoji="1" lang="ja-JP" altLang="en-US" sz="2800" dirty="0"/>
+              <a:t>ソーシャルグラフ</a:t>
+            </a:r>
+          </a:p>
+        </p:txBody>
+      </p:sp>
+      <p:sp>
+        <p:nvSpPr>
+          <p:cNvPr id="63" name="左右矢印 62"/>
+          <p:cNvSpPr/>
+          <p:nvPr/>
+        </p:nvSpPr>
+        <p:spPr>
+          <a:xfrm>
+            <a:off x="7922964" y="3533359"/>
+            <a:ext cx="1440000" cy="484632"/>
+          </a:xfrm>
+          <a:prstGeom prst="leftRightArrow">
+            <a:avLst/>
+          </a:prstGeom>
+          <a:solidFill>
+            <a:schemeClr val="tx1"/>
+          </a:solidFill>
+          <a:ln>
+            <a:solidFill>
+              <a:schemeClr val="tx1"/>
+            </a:solidFill>
+          </a:ln>
+        </p:spPr>
+        <p:style>
+          <a:lnRef idx="2">
+            <a:schemeClr val="accent1">
+              <a:shade val="50000"/>
+            </a:schemeClr>
+          </a:lnRef>
+          <a:fillRef idx="1">
+            <a:schemeClr val="accent1"/>
+          </a:fillRef>
+          <a:effectRef idx="0">
+            <a:schemeClr val="accent1"/>
+          </a:effectRef>
+          <a:fontRef idx="minor">
+            <a:schemeClr val="lt1"/>
+          </a:fontRef>
+        </p:style>
+        <p:txBody>
+          <a:bodyPr rtlCol="0" anchor="ctr"/>
+          <a:lstStyle/>
+          <a:p>
+            <a:pPr algn="ctr"/>
+            <a:endParaRPr kumimoji="1" lang="ja-JP" altLang="en-US"/>
+          </a:p>
+        </p:txBody>
+      </p:sp>
+      <p:sp>
+        <p:nvSpPr>
+          <p:cNvPr id="64" name="テキスト ボックス 63"/>
+          <p:cNvSpPr txBox="1"/>
+          <p:nvPr/>
+        </p:nvSpPr>
+        <p:spPr>
+          <a:xfrm>
+            <a:off x="8230832" y="2886846"/>
+            <a:ext cx="824265" cy="584775"/>
+          </a:xfrm>
+          <a:prstGeom prst="rect">
+            <a:avLst/>
+          </a:prstGeom>
+          <a:noFill/>
+        </p:spPr>
+        <p:txBody>
+          <a:bodyPr wrap="none" rtlCol="0">
+            <a:spAutoFit/>
+          </a:bodyPr>
+          <a:lstStyle/>
+          <a:p>
+            <a:r>
+              <a:rPr kumimoji="1" lang="en-US" altLang="ja-JP" sz="3200" dirty="0">
+                <a:latin typeface="+mn-ea"/>
+              </a:rPr>
+              <a:t>API</a:t>
+            </a:r>
+            <a:endParaRPr kumimoji="1" lang="ja-JP" altLang="en-US" sz="3200" dirty="0">
+              <a:latin typeface="+mn-ea"/>
+            </a:endParaRPr>
+          </a:p>
+        </p:txBody>
+      </p:sp>
+      <p:pic>
+        <p:nvPicPr>
+          <p:cNvPr id="65" name="図 64"/>
+          <p:cNvPicPr>
+            <a:picLocks noChangeAspect="1"/>
+          </p:cNvPicPr>
+          <p:nvPr/>
+        </p:nvPicPr>
+        <p:blipFill>
+          <a:blip r:embed="rId3">
+            <a:extLst>
+              <a:ext uri="{28A0092B-C50C-407E-A947-70E740481C1C}">
+                <a14:useLocalDpi xmlns:a14="http://schemas.microsoft.com/office/drawing/2010/main" val="0"/>
+              </a:ext>
+            </a:extLst>
+          </a:blip>
+          <a:stretch>
+            <a:fillRect/>
+          </a:stretch>
+        </p:blipFill>
+        <p:spPr>
+          <a:xfrm>
+            <a:off x="9988755" y="2413317"/>
+            <a:ext cx="1732500" cy="2520000"/>
+          </a:xfrm>
+          <a:prstGeom prst="rect">
+            <a:avLst/>
+          </a:prstGeom>
+        </p:spPr>
+      </p:pic>
+      <p:sp>
+        <p:nvSpPr>
+          <p:cNvPr id="66" name="テキスト ボックス 65"/>
+          <p:cNvSpPr txBox="1"/>
+          <p:nvPr/>
+        </p:nvSpPr>
+        <p:spPr>
+          <a:xfrm>
+            <a:off x="9655798" y="1749072"/>
+            <a:ext cx="2398413" cy="523220"/>
+          </a:xfrm>
+          <a:prstGeom prst="rect">
+            <a:avLst/>
+          </a:prstGeom>
+          <a:noFill/>
+        </p:spPr>
+        <p:txBody>
+          <a:bodyPr wrap="none" rtlCol="0">
+            <a:spAutoFit/>
+          </a:bodyPr>
+          <a:lstStyle/>
+          <a:p>
+            <a:r>
+              <a:rPr kumimoji="1" lang="ja-JP" altLang="en-US" sz="2800" dirty="0"/>
+              <a:t>サードパーティ</a:t>
+            </a:r>
+          </a:p>
+        </p:txBody>
+      </p:sp>
+      <p:sp>
+        <p:nvSpPr>
+          <p:cNvPr id="68" name="テキスト ボックス 67"/>
+          <p:cNvSpPr txBox="1"/>
+          <p:nvPr/>
+        </p:nvSpPr>
+        <p:spPr>
+          <a:xfrm>
+            <a:off x="63594" y="5549225"/>
+            <a:ext cx="12170319" cy="954107"/>
+          </a:xfrm>
+          <a:prstGeom prst="rect">
+            <a:avLst/>
+          </a:prstGeom>
+          <a:noFill/>
+        </p:spPr>
+        <p:txBody>
+          <a:bodyPr wrap="none" rtlCol="0">
+            <a:spAutoFit/>
+          </a:bodyPr>
+          <a:lstStyle/>
+          <a:p>
+            <a:pPr marL="457200" indent="-457200">
+              <a:buFont typeface="Arial" panose="020B0604020202020204" pitchFamily="34" charset="0"/>
+              <a:buChar char="•"/>
+            </a:pPr>
+            <a:r>
+              <a:rPr kumimoji="1" lang="ja-JP" altLang="en-US" sz="2800"/>
+              <a:t>サードパーティはソーシャルグラフのデータ取得に制限がある．</a:t>
+            </a:r>
+            <a:endParaRPr kumimoji="1" lang="en-US" altLang="ja-JP" sz="2800" dirty="0"/>
+          </a:p>
+          <a:p>
+            <a:pPr marL="457200" indent="-457200">
+              <a:buFont typeface="Arial" panose="020B0604020202020204" pitchFamily="34" charset="0"/>
+              <a:buChar char="•"/>
+            </a:pPr>
+            <a:r>
+              <a:rPr kumimoji="1" lang="ja-JP" altLang="en-US" sz="2800"/>
+              <a:t>一部だけサンプリングして，グラフの特徴を推定しよう！</a:t>
+            </a:r>
+            <a:r>
+              <a:rPr kumimoji="1" lang="ja-JP" altLang="en-US" sz="2800">
+                <a:solidFill>
+                  <a:srgbClr val="FF0000"/>
+                </a:solidFill>
+              </a:rPr>
+              <a:t>（グラフサンプリング）</a:t>
+            </a:r>
+            <a:endParaRPr kumimoji="1" lang="en-US" altLang="ja-JP" sz="2800" b="1" dirty="0">
+              <a:solidFill>
+                <a:srgbClr val="FF0000"/>
+              </a:solidFill>
+            </a:endParaRPr>
+          </a:p>
+        </p:txBody>
+      </p:sp>
+      <p:sp>
+        <p:nvSpPr>
+          <p:cNvPr id="69" name="楕円 68"/>
+          <p:cNvSpPr/>
+          <p:nvPr/>
+        </p:nvSpPr>
+        <p:spPr>
+          <a:xfrm>
+            <a:off x="8193251" y="1924431"/>
+            <a:ext cx="914400" cy="914400"/>
+          </a:xfrm>
+          <a:prstGeom prst="ellipse">
+            <a:avLst/>
+          </a:prstGeom>
+          <a:noFill/>
+          <a:ln w="76200">
+            <a:solidFill>
+              <a:srgbClr val="FF0000"/>
+            </a:solidFill>
+          </a:ln>
+        </p:spPr>
+        <p:style>
+          <a:lnRef idx="2">
+            <a:schemeClr val="accent1">
+              <a:shade val="50000"/>
+            </a:schemeClr>
+          </a:lnRef>
+          <a:fillRef idx="1">
+            <a:schemeClr val="accent1"/>
+          </a:fillRef>
+          <a:effectRef idx="0">
+            <a:schemeClr val="accent1"/>
+          </a:effectRef>
+          <a:fontRef idx="minor">
+            <a:schemeClr val="lt1"/>
+          </a:fontRef>
+        </p:style>
+        <p:txBody>
+          <a:bodyPr rtlCol="0" anchor="ctr"/>
+          <a:lstStyle/>
+          <a:p>
+            <a:pPr algn="ctr"/>
+            <a:endParaRPr kumimoji="1" lang="ja-JP" altLang="en-US" sz="1100" dirty="0">
+              <a:solidFill>
+                <a:schemeClr val="tx1"/>
+              </a:solidFill>
+            </a:endParaRPr>
+          </a:p>
+        </p:txBody>
+      </p:sp>
+      <p:sp>
+        <p:nvSpPr>
+          <p:cNvPr id="71" name="テキスト ボックス 70"/>
+          <p:cNvSpPr txBox="1"/>
+          <p:nvPr/>
+        </p:nvSpPr>
+        <p:spPr>
+          <a:xfrm>
+            <a:off x="8159430" y="2058465"/>
+            <a:ext cx="958917" cy="646331"/>
+          </a:xfrm>
+          <a:prstGeom prst="rect">
+            <a:avLst/>
+          </a:prstGeom>
+          <a:noFill/>
+        </p:spPr>
+        <p:txBody>
+          <a:bodyPr wrap="none" rtlCol="0">
+            <a:spAutoFit/>
+          </a:bodyPr>
+          <a:lstStyle/>
+          <a:p>
+            <a:r>
+              <a:rPr kumimoji="1" lang="en-US" altLang="ja-JP" sz="3600" b="1" dirty="0"/>
+              <a:t>100</a:t>
+            </a:r>
+            <a:endParaRPr kumimoji="1" lang="ja-JP" altLang="en-US" sz="3600" b="1" dirty="0"/>
+          </a:p>
+        </p:txBody>
+      </p:sp>
+      <p:sp>
+        <p:nvSpPr>
+          <p:cNvPr id="72" name="テキスト ボックス 71"/>
+          <p:cNvSpPr txBox="1"/>
+          <p:nvPr/>
+        </p:nvSpPr>
+        <p:spPr>
+          <a:xfrm>
+            <a:off x="7649674" y="1493452"/>
+            <a:ext cx="1978427" cy="400110"/>
+          </a:xfrm>
+          <a:prstGeom prst="rect">
+            <a:avLst/>
+          </a:prstGeom>
+          <a:noFill/>
+        </p:spPr>
+        <p:txBody>
+          <a:bodyPr wrap="none" rtlCol="0">
+            <a:spAutoFit/>
+          </a:bodyPr>
+          <a:lstStyle/>
+          <a:p>
+            <a:r>
+              <a:rPr kumimoji="1" lang="ja-JP" altLang="en-US" sz="2000" dirty="0"/>
+              <a:t>リクエスト数制限</a:t>
+            </a:r>
+          </a:p>
+        </p:txBody>
+      </p:sp>
+      <p:sp>
+        <p:nvSpPr>
+          <p:cNvPr id="73" name="テキスト ボックス 72"/>
+          <p:cNvSpPr txBox="1"/>
+          <p:nvPr/>
+        </p:nvSpPr>
+        <p:spPr>
+          <a:xfrm>
+            <a:off x="3971349" y="3079529"/>
+            <a:ext cx="917239" cy="461665"/>
+          </a:xfrm>
+          <a:prstGeom prst="rect">
+            <a:avLst/>
+          </a:prstGeom>
+          <a:noFill/>
+        </p:spPr>
+        <p:txBody>
+          <a:bodyPr wrap="none" rtlCol="0">
+            <a:spAutoFit/>
+          </a:bodyPr>
+          <a:lstStyle/>
+          <a:p>
+            <a:r>
+              <a:rPr kumimoji="1" lang="ja-JP" altLang="en-US" sz="2400" dirty="0"/>
+              <a:t>ノード</a:t>
+            </a:r>
+          </a:p>
+        </p:txBody>
+      </p:sp>
+      <p:sp>
+        <p:nvSpPr>
+          <p:cNvPr id="74" name="テキスト ボックス 73"/>
+          <p:cNvSpPr txBox="1"/>
+          <p:nvPr/>
+        </p:nvSpPr>
+        <p:spPr>
+          <a:xfrm>
+            <a:off x="4086485" y="3845587"/>
+            <a:ext cx="963725" cy="461665"/>
+          </a:xfrm>
+          <a:prstGeom prst="rect">
+            <a:avLst/>
+          </a:prstGeom>
+          <a:noFill/>
+        </p:spPr>
+        <p:txBody>
+          <a:bodyPr wrap="none" rtlCol="0">
+            <a:spAutoFit/>
+          </a:bodyPr>
+          <a:lstStyle/>
+          <a:p>
+            <a:r>
+              <a:rPr kumimoji="1" lang="ja-JP" altLang="en-US" sz="2400" dirty="0"/>
+              <a:t>エッジ</a:t>
+            </a:r>
+          </a:p>
+        </p:txBody>
+      </p:sp>
+    </p:spTree>
+    <p:extLst>
+      <p:ext uri="{BB962C8B-B14F-4D97-AF65-F5344CB8AC3E}">
+        <p14:creationId xmlns:p14="http://schemas.microsoft.com/office/powerpoint/2010/main" val="2934066686"/>
       </p:ext>
     </p:extLst>
   </p:cSld>

--- a/第1回スライド.pptx
+++ b/第1回スライド.pptx
@@ -5,25 +5,22 @@
     <p:sldMasterId id="2147483669" r:id="rId1"/>
   </p:sldMasterIdLst>
   <p:notesMasterIdLst>
-    <p:notesMasterId r:id="rId18"/>
+    <p:notesMasterId r:id="rId15"/>
   </p:notesMasterIdLst>
   <p:sldIdLst>
     <p:sldId id="256" r:id="rId2"/>
     <p:sldId id="257" r:id="rId3"/>
     <p:sldId id="258" r:id="rId4"/>
-    <p:sldId id="260" r:id="rId5"/>
-    <p:sldId id="261" r:id="rId6"/>
-    <p:sldId id="262" r:id="rId7"/>
-    <p:sldId id="263" r:id="rId8"/>
-    <p:sldId id="264" r:id="rId9"/>
-    <p:sldId id="266" r:id="rId10"/>
-    <p:sldId id="270" r:id="rId11"/>
-    <p:sldId id="271" r:id="rId12"/>
-    <p:sldId id="272" r:id="rId13"/>
-    <p:sldId id="267" r:id="rId14"/>
-    <p:sldId id="259" r:id="rId15"/>
-    <p:sldId id="268" r:id="rId16"/>
-    <p:sldId id="269" r:id="rId17"/>
+    <p:sldId id="259" r:id="rId5"/>
+    <p:sldId id="270" r:id="rId6"/>
+    <p:sldId id="271" r:id="rId7"/>
+    <p:sldId id="272" r:id="rId8"/>
+    <p:sldId id="273" r:id="rId9"/>
+    <p:sldId id="274" r:id="rId10"/>
+    <p:sldId id="275" r:id="rId11"/>
+    <p:sldId id="276" r:id="rId12"/>
+    <p:sldId id="268" r:id="rId13"/>
+    <p:sldId id="269" r:id="rId14"/>
   </p:sldIdLst>
   <p:sldSz cx="12192000" cy="6858000"/>
   <p:notesSz cx="6858000" cy="9144000"/>
@@ -7100,7 +7097,7 @@
           <p:cNvPr id="2" name="タイトル 1">
             <a:extLst>
               <a:ext uri="{FF2B5EF4-FFF2-40B4-BE49-F238E27FC236}">
-                <a16:creationId xmlns:a16="http://schemas.microsoft.com/office/drawing/2014/main" id="{26D3D6E7-07C4-A04D-BEAF-8E932C215A40}"/>
+                <a16:creationId xmlns:a16="http://schemas.microsoft.com/office/drawing/2014/main" id="{62E3B959-5C59-8844-BDD3-D9DB64BE1E97}"/>
               </a:ext>
             </a:extLst>
           </p:cNvPr>
@@ -7113,14 +7110,12 @@
         </p:nvSpPr>
         <p:spPr/>
         <p:txBody>
-          <a:bodyPr>
-            <a:normAutofit/>
-          </a:bodyPr>
+          <a:bodyPr/>
           <a:lstStyle/>
           <a:p>
             <a:r>
-              <a:rPr kumimoji="1" lang="ja-JP" altLang="en-US" sz="3200"/>
-              <a:t>グラフサンプリングが有益なシチュエーション</a:t>
+              <a:rPr kumimoji="1" lang="ja-JP" altLang="en-US"/>
+              <a:t>グラフサンプリング</a:t>
             </a:r>
           </a:p>
         </p:txBody>
@@ -7130,7 +7125,7 @@
           <p:cNvPr id="3" name="コンテンツ プレースホルダー 2">
             <a:extLst>
               <a:ext uri="{FF2B5EF4-FFF2-40B4-BE49-F238E27FC236}">
-                <a16:creationId xmlns:a16="http://schemas.microsoft.com/office/drawing/2014/main" id="{201B725F-CADF-6E48-BF90-046AC8E8F348}"/>
+                <a16:creationId xmlns:a16="http://schemas.microsoft.com/office/drawing/2014/main" id="{AF0E8796-7E01-BD4B-8E6C-770492810999}"/>
               </a:ext>
             </a:extLst>
           </p:cNvPr>
@@ -7148,89 +7143,188 @@
           <a:p>
             <a:r>
               <a:rPr kumimoji="1" lang="ja-JP" altLang="en-US"/>
-              <a:t>データの欠如</a:t>
-            </a:r>
-            <a:endParaRPr kumimoji="1" lang="en-US" altLang="ja-JP" dirty="0"/>
+              <a:t>様々なオンラインソーシャルネットワークの構造解析</a:t>
+            </a:r>
+            <a:endParaRPr lang="en-US" altLang="ja-JP" dirty="0"/>
           </a:p>
           <a:p>
             <a:pPr lvl="1"/>
-            <a:r>
-              <a:rPr lang="en-US" altLang="ja-JP" dirty="0"/>
-              <a:t>SNS</a:t>
-            </a:r>
-            <a:r>
-              <a:rPr lang="ja-JP" altLang="en-US"/>
-              <a:t>では全ユーザのデータを取得できない．</a:t>
-            </a:r>
-            <a:endParaRPr kumimoji="1" lang="en-US" altLang="ja-JP" dirty="0"/>
-          </a:p>
-          <a:p>
-            <a:r>
-              <a:rPr lang="ja-JP" altLang="en-US"/>
-              <a:t>隠れた人の調査</a:t>
-            </a:r>
             <a:endParaRPr lang="en-US" altLang="ja-JP" dirty="0"/>
           </a:p>
           <a:p>
             <a:pPr lvl="1"/>
             <a:r>
-              <a:rPr kumimoji="1" lang="ja-JP" altLang="en-US"/>
-              <a:t>薬物乱用者の検査</a:t>
-            </a:r>
-            <a:endParaRPr kumimoji="1" lang="en-US" altLang="ja-JP" dirty="0"/>
+              <a:rPr lang="en-US" altLang="ja-JP" sz="2400" dirty="0" err="1">
+                <a:latin typeface="Arial" panose="020B0604020202020204" pitchFamily="34" charset="0"/>
+                <a:cs typeface="Arial" panose="020B0604020202020204" pitchFamily="34" charset="0"/>
+              </a:rPr>
+              <a:t>Cyworld</a:t>
+            </a:r>
+            <a:r>
+              <a:rPr lang="en-US" altLang="ja-JP" sz="2400" dirty="0">
+                <a:latin typeface="Arial" panose="020B0604020202020204" pitchFamily="34" charset="0"/>
+                <a:cs typeface="Arial" panose="020B0604020202020204" pitchFamily="34" charset="0"/>
+              </a:rPr>
+              <a:t>, Myspace, Orkut, LiveJournal, Yahoo! 360, Facebook, Twitter, …</a:t>
+            </a:r>
           </a:p>
           <a:p>
             <a:pPr lvl="1"/>
-            <a:r>
-              <a:rPr lang="ja-JP" altLang="en-US"/>
-              <a:t>適当な人から初めて聞き取り調査を行う．</a:t>
-            </a:r>
-            <a:endParaRPr lang="en-US" altLang="ja-JP" dirty="0"/>
-          </a:p>
-          <a:p>
-            <a:r>
-              <a:rPr kumimoji="1" lang="ja-JP" altLang="en-US"/>
-              <a:t>テストコストの削減</a:t>
-            </a:r>
-            <a:endParaRPr kumimoji="1" lang="en-US" altLang="ja-JP" dirty="0"/>
+            <a:endParaRPr lang="en-US" altLang="ja-JP" sz="2400" dirty="0">
+              <a:latin typeface="Arial" panose="020B0604020202020204" pitchFamily="34" charset="0"/>
+              <a:cs typeface="Arial" panose="020B0604020202020204" pitchFamily="34" charset="0"/>
+            </a:endParaRPr>
           </a:p>
           <a:p>
             <a:pPr lvl="1"/>
             <a:r>
-              <a:rPr lang="ja-JP" altLang="en-US"/>
-              <a:t>タンパク質相互ネットワークのエッジ間の検査を全て行うのは困難．</a:t>
-            </a:r>
-            <a:endParaRPr lang="en-US" altLang="ja-JP" dirty="0"/>
+              <a:rPr lang="ja-JP" altLang="en-US" sz="2400">
+                <a:latin typeface="Arial" panose="020B0604020202020204" pitchFamily="34" charset="0"/>
+                <a:cs typeface="Arial" panose="020B0604020202020204" pitchFamily="34" charset="0"/>
+              </a:rPr>
+              <a:t>先人の主張の答え合わせや新しい構造的特徴の発見．</a:t>
+            </a:r>
+            <a:endParaRPr lang="en-US" altLang="ja-JP" sz="2400" dirty="0">
+              <a:latin typeface="Arial" panose="020B0604020202020204" pitchFamily="34" charset="0"/>
+              <a:cs typeface="Arial" panose="020B0604020202020204" pitchFamily="34" charset="0"/>
+            </a:endParaRPr>
           </a:p>
           <a:p>
             <a:pPr lvl="1"/>
-            <a:endParaRPr kumimoji="1" lang="en-US" altLang="ja-JP" dirty="0"/>
-          </a:p>
-          <a:p>
-            <a:r>
-              <a:rPr lang="ja-JP" altLang="en-US"/>
-              <a:t>可視化への応用</a:t>
-            </a:r>
-            <a:endParaRPr lang="en-US" altLang="ja-JP" dirty="0"/>
+            <a:endParaRPr lang="en-US" altLang="ja-JP" sz="2400" dirty="0">
+              <a:latin typeface="Arial" panose="020B0604020202020204" pitchFamily="34" charset="0"/>
+              <a:cs typeface="Arial" panose="020B0604020202020204" pitchFamily="34" charset="0"/>
+            </a:endParaRPr>
           </a:p>
           <a:p>
             <a:pPr lvl="1"/>
             <a:r>
-              <a:rPr lang="ja-JP" altLang="en-US"/>
-              <a:t>巨大なグラフは全部を表示するには厳しいので，代表的な部分を表示したい．</a:t>
-            </a:r>
-            <a:endParaRPr lang="en-US" altLang="ja-JP" dirty="0"/>
+              <a:rPr lang="ja-JP" altLang="en-US" sz="2400">
+                <a:latin typeface="Arial" panose="020B0604020202020204" pitchFamily="34" charset="0"/>
+                <a:cs typeface="Arial" panose="020B0604020202020204" pitchFamily="34" charset="0"/>
+              </a:rPr>
+              <a:t>一般的で有効な解析手法</a:t>
+            </a:r>
+            <a:r>
+              <a:rPr lang="en-US" altLang="ja-JP" sz="2400" dirty="0">
+                <a:latin typeface="Arial" panose="020B0604020202020204" pitchFamily="34" charset="0"/>
+                <a:cs typeface="Arial" panose="020B0604020202020204" pitchFamily="34" charset="0"/>
+              </a:rPr>
+              <a:t> </a:t>
+            </a:r>
+            <a:r>
+              <a:rPr lang="ja-JP" altLang="en-US" sz="2400">
+                <a:latin typeface="Arial" panose="020B0604020202020204" pitchFamily="34" charset="0"/>
+                <a:cs typeface="Arial" panose="020B0604020202020204" pitchFamily="34" charset="0"/>
+              </a:rPr>
+              <a:t>→</a:t>
+            </a:r>
+            <a:r>
+              <a:rPr lang="en-US" altLang="ja-JP" sz="2400" dirty="0">
+                <a:latin typeface="Arial" panose="020B0604020202020204" pitchFamily="34" charset="0"/>
+                <a:cs typeface="Arial" panose="020B0604020202020204" pitchFamily="34" charset="0"/>
+              </a:rPr>
+              <a:t> </a:t>
+            </a:r>
+            <a:r>
+              <a:rPr lang="ja-JP" altLang="en-US" sz="2400" b="1" u="sng">
+                <a:latin typeface="Arial" panose="020B0604020202020204" pitchFamily="34" charset="0"/>
+                <a:cs typeface="Arial" panose="020B0604020202020204" pitchFamily="34" charset="0"/>
+              </a:rPr>
+              <a:t>グラフサンプリング</a:t>
+            </a:r>
+            <a:endParaRPr lang="en-US" altLang="ja-JP" sz="2400" b="1" u="sng" dirty="0">
+              <a:latin typeface="Arial" panose="020B0604020202020204" pitchFamily="34" charset="0"/>
+              <a:cs typeface="Arial" panose="020B0604020202020204" pitchFamily="34" charset="0"/>
+            </a:endParaRPr>
+          </a:p>
+          <a:p>
+            <a:pPr lvl="2"/>
+            <a:endParaRPr lang="en-US" altLang="ja-JP" sz="2000" b="1" u="sng" dirty="0">
+              <a:latin typeface="Arial" panose="020B0604020202020204" pitchFamily="34" charset="0"/>
+              <a:cs typeface="Arial" panose="020B0604020202020204" pitchFamily="34" charset="0"/>
+            </a:endParaRPr>
+          </a:p>
+          <a:p>
+            <a:pPr lvl="2"/>
+            <a:r>
+              <a:rPr lang="ja-JP" altLang="en-US" sz="2000">
+                <a:latin typeface="Arial" panose="020B0604020202020204" pitchFamily="34" charset="0"/>
+                <a:cs typeface="Arial" panose="020B0604020202020204" pitchFamily="34" charset="0"/>
+              </a:rPr>
+              <a:t>全データを取ってきて厳密に解析することはほぼ不可能．</a:t>
+            </a:r>
+            <a:endParaRPr lang="en-US" altLang="ja-JP" sz="2000" dirty="0">
+              <a:latin typeface="Arial" panose="020B0604020202020204" pitchFamily="34" charset="0"/>
+              <a:cs typeface="Arial" panose="020B0604020202020204" pitchFamily="34" charset="0"/>
+            </a:endParaRPr>
+          </a:p>
+          <a:p>
+            <a:pPr lvl="3"/>
+            <a:endParaRPr lang="en-US" altLang="ja-JP" sz="1800" dirty="0">
+              <a:latin typeface="Arial" panose="020B0604020202020204" pitchFamily="34" charset="0"/>
+              <a:cs typeface="Arial" panose="020B0604020202020204" pitchFamily="34" charset="0"/>
+            </a:endParaRPr>
+          </a:p>
+          <a:p>
+            <a:pPr lvl="3"/>
+            <a:r>
+              <a:rPr lang="ja-JP" altLang="en-US" sz="1800">
+                <a:latin typeface="Arial" panose="020B0604020202020204" pitchFamily="34" charset="0"/>
+                <a:cs typeface="Arial" panose="020B0604020202020204" pitchFamily="34" charset="0"/>
+              </a:rPr>
+              <a:t>膨大なデータ量，セキュリティやプライバシへの懸念，データ欠如，．．．</a:t>
+            </a:r>
+            <a:endParaRPr lang="en-US" altLang="ja-JP" sz="1800" dirty="0">
+              <a:latin typeface="Arial" panose="020B0604020202020204" pitchFamily="34" charset="0"/>
+              <a:cs typeface="Arial" panose="020B0604020202020204" pitchFamily="34" charset="0"/>
+            </a:endParaRPr>
+          </a:p>
+          <a:p>
+            <a:pPr lvl="3"/>
+            <a:endParaRPr lang="en-US" altLang="ja-JP" sz="1800" dirty="0">
+              <a:latin typeface="Arial" panose="020B0604020202020204" pitchFamily="34" charset="0"/>
+              <a:cs typeface="Arial" panose="020B0604020202020204" pitchFamily="34" charset="0"/>
+            </a:endParaRPr>
+          </a:p>
+          <a:p>
+            <a:pPr lvl="2"/>
+            <a:r>
+              <a:rPr lang="ja-JP" altLang="en-US" sz="2000" u="sng">
+                <a:latin typeface="Arial" panose="020B0604020202020204" pitchFamily="34" charset="0"/>
+                <a:cs typeface="Arial" panose="020B0604020202020204" pitchFamily="34" charset="0"/>
+              </a:rPr>
+              <a:t>一部のグラフデータをサンプリングして，サンプルから全体の統計量を推定する．</a:t>
+            </a:r>
+            <a:endParaRPr lang="en-US" altLang="ja-JP" sz="2000" u="sng" dirty="0">
+              <a:latin typeface="Arial" panose="020B0604020202020204" pitchFamily="34" charset="0"/>
+              <a:cs typeface="Arial" panose="020B0604020202020204" pitchFamily="34" charset="0"/>
+            </a:endParaRPr>
           </a:p>
           <a:p>
             <a:pPr lvl="1"/>
-            <a:endParaRPr kumimoji="1" lang="en-US" altLang="ja-JP" dirty="0"/>
+            <a:endParaRPr lang="en-US" altLang="ja-JP" sz="2400" dirty="0">
+              <a:latin typeface="Arial" panose="020B0604020202020204" pitchFamily="34" charset="0"/>
+              <a:cs typeface="Arial" panose="020B0604020202020204" pitchFamily="34" charset="0"/>
+            </a:endParaRPr>
+          </a:p>
+          <a:p>
+            <a:pPr lvl="1"/>
+            <a:endParaRPr lang="en-US" altLang="ja-JP" sz="2400" dirty="0">
+              <a:latin typeface="Arial" panose="020B0604020202020204" pitchFamily="34" charset="0"/>
+              <a:cs typeface="Arial" panose="020B0604020202020204" pitchFamily="34" charset="0"/>
+            </a:endParaRPr>
+          </a:p>
+          <a:p>
+            <a:pPr lvl="1"/>
+            <a:endParaRPr kumimoji="1" lang="ja-JP" altLang="en-US"/>
           </a:p>
         </p:txBody>
       </p:sp>
     </p:spTree>
     <p:extLst>
       <p:ext uri="{BB962C8B-B14F-4D97-AF65-F5344CB8AC3E}">
-        <p14:creationId xmlns:p14="http://schemas.microsoft.com/office/powerpoint/2010/main" val="1421690392"/>
+        <p14:creationId xmlns:p14="http://schemas.microsoft.com/office/powerpoint/2010/main" val="763506831"/>
       </p:ext>
     </p:extLst>
   </p:cSld>
@@ -7262,7 +7356,7 @@
           <p:cNvPr id="2" name="タイトル 1">
             <a:extLst>
               <a:ext uri="{FF2B5EF4-FFF2-40B4-BE49-F238E27FC236}">
-                <a16:creationId xmlns:a16="http://schemas.microsoft.com/office/drawing/2014/main" id="{23154631-B51E-AE45-AC1E-B5607D6B017D}"/>
+                <a16:creationId xmlns:a16="http://schemas.microsoft.com/office/drawing/2014/main" id="{0A2DB4AD-1D95-F04D-8DC2-34BA08859622}"/>
               </a:ext>
             </a:extLst>
           </p:cNvPr>
@@ -7280,1443 +7374,40 @@
           <a:p>
             <a:r>
               <a:rPr kumimoji="1" lang="ja-JP" altLang="en-US"/>
-              <a:t>グラフ</a:t>
-            </a:r>
-          </a:p>
-        </p:txBody>
-      </p:sp>
-      <mc:AlternateContent xmlns:mc="http://schemas.openxmlformats.org/markup-compatibility/2006" xmlns:a14="http://schemas.microsoft.com/office/drawing/2010/main">
-        <mc:Choice Requires="a14">
-          <p:sp>
-            <p:nvSpPr>
-              <p:cNvPr id="3" name="コンテンツ プレースホルダー 2">
-                <a:extLst>
-                  <a:ext uri="{FF2B5EF4-FFF2-40B4-BE49-F238E27FC236}">
-                    <a16:creationId xmlns:a16="http://schemas.microsoft.com/office/drawing/2014/main" id="{B0F8EF71-E0FC-1846-89BC-A867F30B37C4}"/>
-                  </a:ext>
-                </a:extLst>
-              </p:cNvPr>
-              <p:cNvSpPr>
-                <a:spLocks noGrp="1"/>
-              </p:cNvSpPr>
-              <p:nvPr>
-                <p:ph idx="1"/>
-              </p:nvPr>
-            </p:nvSpPr>
-            <p:spPr/>
-            <p:txBody>
-              <a:bodyPr>
-                <a:normAutofit fontScale="77500" lnSpcReduction="20000"/>
-              </a:bodyPr>
-              <a:lstStyle/>
-              <a:p>
-                <a14:m>
-                  <m:oMath xmlns:m="http://schemas.openxmlformats.org/officeDocument/2006/math">
-                    <m:r>
-                      <a:rPr kumimoji="1" lang="en-US" altLang="ja-JP" sz="3900" b="0" i="1" smtClean="0">
-                        <a:latin typeface="Cambria Math" panose="02040503050406030204" pitchFamily="18" charset="0"/>
-                      </a:rPr>
-                      <m:t>𝐺</m:t>
-                    </m:r>
-                    <m:r>
-                      <a:rPr kumimoji="1" lang="en-US" altLang="ja-JP" sz="3900" b="0" i="1" smtClean="0">
-                        <a:latin typeface="Cambria Math" panose="02040503050406030204" pitchFamily="18" charset="0"/>
-                      </a:rPr>
-                      <m:t>=</m:t>
-                    </m:r>
-                    <m:d>
-                      <m:dPr>
-                        <m:ctrlPr>
-                          <a:rPr kumimoji="1" lang="en-US" altLang="ja-JP" sz="3900" b="0" i="1" smtClean="0">
-                            <a:latin typeface="Cambria Math" panose="02040503050406030204" pitchFamily="18" charset="0"/>
-                          </a:rPr>
-                        </m:ctrlPr>
-                      </m:dPr>
-                      <m:e>
-                        <m:r>
-                          <a:rPr kumimoji="1" lang="en-US" altLang="ja-JP" sz="3900" b="0" i="1" smtClean="0">
-                            <a:latin typeface="Cambria Math" panose="02040503050406030204" pitchFamily="18" charset="0"/>
-                          </a:rPr>
-                          <m:t>𝑉</m:t>
-                        </m:r>
-                        <m:r>
-                          <a:rPr kumimoji="1" lang="en-US" altLang="ja-JP" sz="3900" b="0" i="1" smtClean="0">
-                            <a:latin typeface="Cambria Math" panose="02040503050406030204" pitchFamily="18" charset="0"/>
-                          </a:rPr>
-                          <m:t>,</m:t>
-                        </m:r>
-                        <m:r>
-                          <a:rPr kumimoji="1" lang="en-US" altLang="ja-JP" sz="3900" b="0" i="1" smtClean="0">
-                            <a:latin typeface="Cambria Math" panose="02040503050406030204" pitchFamily="18" charset="0"/>
-                          </a:rPr>
-                          <m:t>𝐸</m:t>
-                        </m:r>
-                      </m:e>
-                    </m:d>
-                  </m:oMath>
-                </a14:m>
-                <a:endParaRPr kumimoji="1" lang="en-US" altLang="ja-JP" sz="3900" b="0" dirty="0"/>
-              </a:p>
-              <a:p>
-                <a:pPr lvl="1"/>
-                <a14:m>
-                  <m:oMath xmlns:m="http://schemas.openxmlformats.org/officeDocument/2006/math">
-                    <m:r>
-                      <a:rPr kumimoji="1" lang="en-US" altLang="ja-JP" sz="2600" b="0" i="1" smtClean="0">
-                        <a:latin typeface="Cambria Math" panose="02040503050406030204" pitchFamily="18" charset="0"/>
-                      </a:rPr>
-                      <m:t>𝑉</m:t>
-                    </m:r>
-                    <m:r>
-                      <a:rPr kumimoji="1" lang="en-US" altLang="ja-JP" sz="2600" b="0" i="1" smtClean="0">
-                        <a:latin typeface="Cambria Math" panose="02040503050406030204" pitchFamily="18" charset="0"/>
-                      </a:rPr>
-                      <m:t>:</m:t>
-                    </m:r>
-                    <m:r>
-                      <a:rPr kumimoji="1" lang="ja-JP" altLang="en-US" sz="2600" b="0" i="1" smtClean="0">
-                        <a:latin typeface="Cambria Math" panose="02040503050406030204" pitchFamily="18" charset="0"/>
-                      </a:rPr>
-                      <m:t> </m:t>
-                    </m:r>
-                    <m:r>
-                      <a:rPr lang="ja-JP" altLang="en-US" sz="2600" i="1">
-                        <a:latin typeface="Cambria Math" panose="02040503050406030204" pitchFamily="18" charset="0"/>
-                      </a:rPr>
-                      <m:t>ノード集合</m:t>
-                    </m:r>
-                    <m:r>
-                      <a:rPr lang="ja-JP" altLang="en-US" sz="2600" i="1" smtClean="0">
-                        <a:latin typeface="Cambria Math" panose="02040503050406030204" pitchFamily="18" charset="0"/>
-                      </a:rPr>
-                      <m:t>，</m:t>
-                    </m:r>
-                    <m:r>
-                      <a:rPr lang="en-US" altLang="ja-JP" sz="2600" b="0" i="1" smtClean="0">
-                        <a:latin typeface="Cambria Math" panose="02040503050406030204" pitchFamily="18" charset="0"/>
-                      </a:rPr>
-                      <m:t>𝐸</m:t>
-                    </m:r>
-                    <m:r>
-                      <a:rPr lang="en-US" altLang="ja-JP" sz="2600" b="0" i="1" smtClean="0">
-                        <a:latin typeface="Cambria Math" panose="02040503050406030204" pitchFamily="18" charset="0"/>
-                      </a:rPr>
-                      <m:t>: </m:t>
-                    </m:r>
-                    <m:r>
-                      <a:rPr lang="ja-JP" altLang="en-US" sz="2600" i="1">
-                        <a:latin typeface="Cambria Math" panose="02040503050406030204" pitchFamily="18" charset="0"/>
-                      </a:rPr>
-                      <m:t>エッジ集合</m:t>
-                    </m:r>
-                  </m:oMath>
-                </a14:m>
-                <a:endParaRPr lang="en-US" altLang="ja-JP" sz="2600" dirty="0"/>
-              </a:p>
-              <a:p>
-                <a:pPr lvl="1"/>
-                <a:r>
-                  <a:rPr kumimoji="1" lang="ja-JP" altLang="en-US" sz="2600" b="0"/>
-                  <a:t>右の例：　</a:t>
-                </a:r>
-                <a14:m>
-                  <m:oMath xmlns:m="http://schemas.openxmlformats.org/officeDocument/2006/math">
-                    <m:r>
-                      <a:rPr kumimoji="1" lang="en-US" altLang="ja-JP" sz="2600" b="0" i="1" smtClean="0">
-                        <a:latin typeface="Cambria Math" panose="02040503050406030204" pitchFamily="18" charset="0"/>
-                      </a:rPr>
-                      <m:t>𝑉</m:t>
-                    </m:r>
-                    <m:r>
-                      <a:rPr kumimoji="1" lang="en-US" altLang="ja-JP" sz="2600" b="0" i="1" smtClean="0">
-                        <a:latin typeface="Cambria Math" panose="02040503050406030204" pitchFamily="18" charset="0"/>
-                      </a:rPr>
-                      <m:t>=</m:t>
-                    </m:r>
-                    <m:d>
-                      <m:dPr>
-                        <m:begChr m:val="{"/>
-                        <m:endChr m:val="}"/>
-                        <m:ctrlPr>
-                          <a:rPr kumimoji="1" lang="en-US" altLang="ja-JP" sz="2600" b="0" i="1" smtClean="0">
-                            <a:latin typeface="Cambria Math" panose="02040503050406030204" pitchFamily="18" charset="0"/>
-                          </a:rPr>
-                        </m:ctrlPr>
-                      </m:dPr>
-                      <m:e>
-                        <m:r>
-                          <a:rPr kumimoji="1" lang="en-US" altLang="ja-JP" sz="2600" b="0" i="1" smtClean="0">
-                            <a:latin typeface="Cambria Math" panose="02040503050406030204" pitchFamily="18" charset="0"/>
-                          </a:rPr>
-                          <m:t>𝐴</m:t>
-                        </m:r>
-                        <m:r>
-                          <a:rPr kumimoji="1" lang="en-US" altLang="ja-JP" sz="2600" b="0" i="1" smtClean="0">
-                            <a:latin typeface="Cambria Math" panose="02040503050406030204" pitchFamily="18" charset="0"/>
-                          </a:rPr>
-                          <m:t>,</m:t>
-                        </m:r>
-                        <m:r>
-                          <a:rPr kumimoji="1" lang="en-US" altLang="ja-JP" sz="2600" b="0" i="1" smtClean="0">
-                            <a:latin typeface="Cambria Math" panose="02040503050406030204" pitchFamily="18" charset="0"/>
-                          </a:rPr>
-                          <m:t>𝐵</m:t>
-                        </m:r>
-                        <m:r>
-                          <a:rPr kumimoji="1" lang="en-US" altLang="ja-JP" sz="2600" b="0" i="1" smtClean="0">
-                            <a:latin typeface="Cambria Math" panose="02040503050406030204" pitchFamily="18" charset="0"/>
-                          </a:rPr>
-                          <m:t>,</m:t>
-                        </m:r>
-                        <m:r>
-                          <a:rPr kumimoji="1" lang="en-US" altLang="ja-JP" sz="2600" b="0" i="1" smtClean="0">
-                            <a:latin typeface="Cambria Math" panose="02040503050406030204" pitchFamily="18" charset="0"/>
-                          </a:rPr>
-                          <m:t>𝐶</m:t>
-                        </m:r>
-                        <m:r>
-                          <a:rPr kumimoji="1" lang="en-US" altLang="ja-JP" sz="2600" b="0" i="1" smtClean="0">
-                            <a:latin typeface="Cambria Math" panose="02040503050406030204" pitchFamily="18" charset="0"/>
-                          </a:rPr>
-                          <m:t>,</m:t>
-                        </m:r>
-                        <m:r>
-                          <a:rPr kumimoji="1" lang="en-US" altLang="ja-JP" sz="2600" b="0" i="1" smtClean="0">
-                            <a:latin typeface="Cambria Math" panose="02040503050406030204" pitchFamily="18" charset="0"/>
-                          </a:rPr>
-                          <m:t>𝐷</m:t>
-                        </m:r>
-                      </m:e>
-                    </m:d>
-                    <m:r>
-                      <a:rPr kumimoji="1" lang="en-US" altLang="ja-JP" sz="2600" b="0" i="1" smtClean="0">
-                        <a:latin typeface="Cambria Math" panose="02040503050406030204" pitchFamily="18" charset="0"/>
-                      </a:rPr>
-                      <m:t>, </m:t>
-                    </m:r>
-                    <m:r>
-                      <a:rPr kumimoji="1" lang="en-US" altLang="ja-JP" sz="2600" b="0" i="1" smtClean="0">
-                        <a:latin typeface="Cambria Math" panose="02040503050406030204" pitchFamily="18" charset="0"/>
-                      </a:rPr>
-                      <m:t>𝐸</m:t>
-                    </m:r>
-                    <m:r>
-                      <a:rPr kumimoji="1" lang="en-US" altLang="ja-JP" sz="2600" b="0" i="1" smtClean="0">
-                        <a:latin typeface="Cambria Math" panose="02040503050406030204" pitchFamily="18" charset="0"/>
-                      </a:rPr>
-                      <m:t>={</m:t>
-                    </m:r>
-                    <m:d>
-                      <m:dPr>
-                        <m:ctrlPr>
-                          <a:rPr kumimoji="1" lang="en-US" altLang="ja-JP" sz="2600" b="0" i="1" smtClean="0">
-                            <a:latin typeface="Cambria Math" panose="02040503050406030204" pitchFamily="18" charset="0"/>
-                          </a:rPr>
-                        </m:ctrlPr>
-                      </m:dPr>
-                      <m:e>
-                        <m:r>
-                          <a:rPr kumimoji="1" lang="en-US" altLang="ja-JP" sz="2600" b="0" i="1" smtClean="0">
-                            <a:latin typeface="Cambria Math" panose="02040503050406030204" pitchFamily="18" charset="0"/>
-                          </a:rPr>
-                          <m:t>𝐴</m:t>
-                        </m:r>
-                        <m:r>
-                          <a:rPr kumimoji="1" lang="en-US" altLang="ja-JP" sz="2600" b="0" i="1" smtClean="0">
-                            <a:latin typeface="Cambria Math" panose="02040503050406030204" pitchFamily="18" charset="0"/>
-                          </a:rPr>
-                          <m:t>,</m:t>
-                        </m:r>
-                        <m:r>
-                          <a:rPr kumimoji="1" lang="en-US" altLang="ja-JP" sz="2600" b="0" i="1" smtClean="0">
-                            <a:latin typeface="Cambria Math" panose="02040503050406030204" pitchFamily="18" charset="0"/>
-                          </a:rPr>
-                          <m:t>𝐵</m:t>
-                        </m:r>
-                      </m:e>
-                    </m:d>
-                    <m:r>
-                      <a:rPr kumimoji="1" lang="en-US" altLang="ja-JP" sz="2600" b="0" i="1" smtClean="0">
-                        <a:latin typeface="Cambria Math" panose="02040503050406030204" pitchFamily="18" charset="0"/>
-                      </a:rPr>
-                      <m:t>, </m:t>
-                    </m:r>
-                    <m:d>
-                      <m:dPr>
-                        <m:ctrlPr>
-                          <a:rPr kumimoji="1" lang="en-US" altLang="ja-JP" sz="2600" b="0" i="1" smtClean="0">
-                            <a:latin typeface="Cambria Math" panose="02040503050406030204" pitchFamily="18" charset="0"/>
-                          </a:rPr>
-                        </m:ctrlPr>
-                      </m:dPr>
-                      <m:e>
-                        <m:r>
-                          <a:rPr kumimoji="1" lang="en-US" altLang="ja-JP" sz="2600" b="0" i="1" smtClean="0">
-                            <a:latin typeface="Cambria Math" panose="02040503050406030204" pitchFamily="18" charset="0"/>
-                          </a:rPr>
-                          <m:t>𝐴</m:t>
-                        </m:r>
-                        <m:r>
-                          <a:rPr kumimoji="1" lang="en-US" altLang="ja-JP" sz="2600" b="0" i="1" smtClean="0">
-                            <a:latin typeface="Cambria Math" panose="02040503050406030204" pitchFamily="18" charset="0"/>
-                          </a:rPr>
-                          <m:t>,</m:t>
-                        </m:r>
-                        <m:r>
-                          <a:rPr kumimoji="1" lang="en-US" altLang="ja-JP" sz="2600" b="0" i="1" smtClean="0">
-                            <a:latin typeface="Cambria Math" panose="02040503050406030204" pitchFamily="18" charset="0"/>
-                          </a:rPr>
-                          <m:t>𝐶</m:t>
-                        </m:r>
-                      </m:e>
-                    </m:d>
-                    <m:r>
-                      <a:rPr kumimoji="1" lang="en-US" altLang="ja-JP" sz="2600" b="0" i="1" smtClean="0">
-                        <a:latin typeface="Cambria Math" panose="02040503050406030204" pitchFamily="18" charset="0"/>
-                      </a:rPr>
-                      <m:t>,</m:t>
-                    </m:r>
-                    <m:d>
-                      <m:dPr>
-                        <m:ctrlPr>
-                          <a:rPr kumimoji="1" lang="en-US" altLang="ja-JP" sz="2600" b="0" i="1" smtClean="0">
-                            <a:latin typeface="Cambria Math" panose="02040503050406030204" pitchFamily="18" charset="0"/>
-                          </a:rPr>
-                        </m:ctrlPr>
-                      </m:dPr>
-                      <m:e>
-                        <m:r>
-                          <a:rPr kumimoji="1" lang="en-US" altLang="ja-JP" sz="2600" b="0" i="1" smtClean="0">
-                            <a:latin typeface="Cambria Math" panose="02040503050406030204" pitchFamily="18" charset="0"/>
-                          </a:rPr>
-                          <m:t>𝐵</m:t>
-                        </m:r>
-                        <m:r>
-                          <a:rPr kumimoji="1" lang="en-US" altLang="ja-JP" sz="2600" b="0" i="1" smtClean="0">
-                            <a:latin typeface="Cambria Math" panose="02040503050406030204" pitchFamily="18" charset="0"/>
-                          </a:rPr>
-                          <m:t>,</m:t>
-                        </m:r>
-                        <m:r>
-                          <a:rPr kumimoji="1" lang="en-US" altLang="ja-JP" sz="2600" b="0" i="1" smtClean="0">
-                            <a:latin typeface="Cambria Math" panose="02040503050406030204" pitchFamily="18" charset="0"/>
-                          </a:rPr>
-                          <m:t>𝐶</m:t>
-                        </m:r>
-                      </m:e>
-                    </m:d>
-                    <m:r>
-                      <a:rPr kumimoji="1" lang="en-US" altLang="ja-JP" sz="2600" b="0" i="1" smtClean="0">
-                        <a:latin typeface="Cambria Math" panose="02040503050406030204" pitchFamily="18" charset="0"/>
-                      </a:rPr>
-                      <m:t>,</m:t>
-                    </m:r>
-                    <m:d>
-                      <m:dPr>
-                        <m:ctrlPr>
-                          <a:rPr kumimoji="1" lang="en-US" altLang="ja-JP" sz="2600" b="0" i="1" smtClean="0">
-                            <a:latin typeface="Cambria Math" panose="02040503050406030204" pitchFamily="18" charset="0"/>
-                          </a:rPr>
-                        </m:ctrlPr>
-                      </m:dPr>
-                      <m:e>
-                        <m:r>
-                          <a:rPr kumimoji="1" lang="en-US" altLang="ja-JP" sz="2600" b="0" i="1" smtClean="0">
-                            <a:latin typeface="Cambria Math" panose="02040503050406030204" pitchFamily="18" charset="0"/>
-                          </a:rPr>
-                          <m:t>𝐵</m:t>
-                        </m:r>
-                        <m:r>
-                          <a:rPr kumimoji="1" lang="en-US" altLang="ja-JP" sz="2600" b="0" i="1" smtClean="0">
-                            <a:latin typeface="Cambria Math" panose="02040503050406030204" pitchFamily="18" charset="0"/>
-                          </a:rPr>
-                          <m:t>,</m:t>
-                        </m:r>
-                        <m:r>
-                          <a:rPr kumimoji="1" lang="en-US" altLang="ja-JP" sz="2600" b="0" i="1" smtClean="0">
-                            <a:latin typeface="Cambria Math" panose="02040503050406030204" pitchFamily="18" charset="0"/>
-                          </a:rPr>
-                          <m:t>𝐷</m:t>
-                        </m:r>
-                      </m:e>
-                    </m:d>
-                    <m:r>
-                      <a:rPr kumimoji="1" lang="en-US" altLang="ja-JP" sz="2600" b="0" i="1" smtClean="0">
-                        <a:latin typeface="Cambria Math" panose="02040503050406030204" pitchFamily="18" charset="0"/>
-                      </a:rPr>
-                      <m:t>}</m:t>
-                    </m:r>
-                  </m:oMath>
-                </a14:m>
-                <a:endParaRPr kumimoji="1" lang="en-US" altLang="ja-JP" sz="2600" dirty="0"/>
-              </a:p>
-              <a:p>
-                <a:r>
-                  <a:rPr kumimoji="1" lang="ja-JP" altLang="en-US" sz="3900" u="sng"/>
-                  <a:t>無向グラフ，辺に重みが無いことを仮定．</a:t>
-                </a:r>
-                <a:endParaRPr lang="en-US" altLang="ja-JP" sz="3900" b="0" i="1" dirty="0">
-                  <a:latin typeface="Cambria Math" panose="02040503050406030204" pitchFamily="18" charset="0"/>
-                </a:endParaRPr>
-              </a:p>
-              <a:p>
-                <a14:m>
-                  <m:oMath xmlns:m="http://schemas.openxmlformats.org/officeDocument/2006/math">
-                    <m:d>
-                      <m:dPr>
-                        <m:begChr m:val="|"/>
-                        <m:endChr m:val="|"/>
-                        <m:ctrlPr>
-                          <a:rPr lang="en-US" altLang="ja-JP" sz="3900" b="0" i="1" smtClean="0">
-                            <a:latin typeface="Cambria Math" panose="02040503050406030204" pitchFamily="18" charset="0"/>
-                          </a:rPr>
-                        </m:ctrlPr>
-                      </m:dPr>
-                      <m:e>
-                        <m:r>
-                          <a:rPr lang="en-US" altLang="ja-JP" sz="3900" b="0" i="1" smtClean="0">
-                            <a:latin typeface="Cambria Math" panose="02040503050406030204" pitchFamily="18" charset="0"/>
-                          </a:rPr>
-                          <m:t>𝑉</m:t>
-                        </m:r>
-                      </m:e>
-                    </m:d>
-                    <m:r>
-                      <a:rPr lang="en-US" altLang="ja-JP" sz="3900" b="0" i="1" smtClean="0">
-                        <a:latin typeface="Cambria Math" panose="02040503050406030204" pitchFamily="18" charset="0"/>
-                      </a:rPr>
-                      <m:t>=</m:t>
-                    </m:r>
-                    <m:r>
-                      <a:rPr lang="en-US" altLang="ja-JP" sz="3900" b="0" i="1" smtClean="0">
-                        <a:latin typeface="Cambria Math" panose="02040503050406030204" pitchFamily="18" charset="0"/>
-                      </a:rPr>
-                      <m:t>𝑛</m:t>
-                    </m:r>
-                    <m:r>
-                      <a:rPr lang="en-US" altLang="ja-JP" sz="3900" b="0" i="1" smtClean="0">
-                        <a:latin typeface="Cambria Math" panose="02040503050406030204" pitchFamily="18" charset="0"/>
-                      </a:rPr>
-                      <m:t>, </m:t>
-                    </m:r>
-                    <m:d>
-                      <m:dPr>
-                        <m:begChr m:val="|"/>
-                        <m:endChr m:val="|"/>
-                        <m:ctrlPr>
-                          <a:rPr lang="en-US" altLang="ja-JP" sz="3900" b="0" i="1" smtClean="0">
-                            <a:latin typeface="Cambria Math" panose="02040503050406030204" pitchFamily="18" charset="0"/>
-                          </a:rPr>
-                        </m:ctrlPr>
-                      </m:dPr>
-                      <m:e>
-                        <m:r>
-                          <a:rPr lang="en-US" altLang="ja-JP" sz="3900" b="0" i="1" smtClean="0">
-                            <a:latin typeface="Cambria Math" panose="02040503050406030204" pitchFamily="18" charset="0"/>
-                          </a:rPr>
-                          <m:t>𝐸</m:t>
-                        </m:r>
-                      </m:e>
-                    </m:d>
-                    <m:r>
-                      <a:rPr lang="en-US" altLang="ja-JP" sz="3900" b="0" i="1" smtClean="0">
-                        <a:latin typeface="Cambria Math" panose="02040503050406030204" pitchFamily="18" charset="0"/>
-                      </a:rPr>
-                      <m:t>=</m:t>
-                    </m:r>
-                    <m:r>
-                      <a:rPr lang="en-US" altLang="ja-JP" sz="3900" b="0" i="1" smtClean="0">
-                        <a:latin typeface="Cambria Math" panose="02040503050406030204" pitchFamily="18" charset="0"/>
-                      </a:rPr>
-                      <m:t>𝑚</m:t>
-                    </m:r>
-                    <m:r>
-                      <a:rPr lang="en-US" altLang="ja-JP" sz="3900" b="0" i="1" smtClean="0">
-                        <a:latin typeface="Cambria Math" panose="02040503050406030204" pitchFamily="18" charset="0"/>
-                      </a:rPr>
-                      <m:t>, </m:t>
-                    </m:r>
-                    <m:r>
-                      <a:rPr lang="en-US" altLang="ja-JP" sz="3900" b="0" i="1" smtClean="0">
-                        <a:latin typeface="Cambria Math" panose="02040503050406030204" pitchFamily="18" charset="0"/>
-                      </a:rPr>
-                      <m:t>𝑉</m:t>
-                    </m:r>
-                    <m:r>
-                      <a:rPr lang="en-US" altLang="ja-JP" sz="3900" b="0" i="1" smtClean="0">
-                        <a:latin typeface="Cambria Math" panose="02040503050406030204" pitchFamily="18" charset="0"/>
-                      </a:rPr>
-                      <m:t>={</m:t>
-                    </m:r>
-                    <m:sSub>
-                      <m:sSubPr>
-                        <m:ctrlPr>
-                          <a:rPr lang="en-US" altLang="ja-JP" sz="3900" b="0" i="1" smtClean="0">
-                            <a:latin typeface="Cambria Math" panose="02040503050406030204" pitchFamily="18" charset="0"/>
-                          </a:rPr>
-                        </m:ctrlPr>
-                      </m:sSubPr>
-                      <m:e>
-                        <m:r>
-                          <a:rPr lang="en-US" altLang="ja-JP" sz="3900" b="0" i="1" smtClean="0">
-                            <a:latin typeface="Cambria Math" panose="02040503050406030204" pitchFamily="18" charset="0"/>
-                          </a:rPr>
-                          <m:t>𝑣</m:t>
-                        </m:r>
-                      </m:e>
-                      <m:sub>
-                        <m:r>
-                          <a:rPr lang="en-US" altLang="ja-JP" sz="3900" b="0" i="1" smtClean="0">
-                            <a:latin typeface="Cambria Math" panose="02040503050406030204" pitchFamily="18" charset="0"/>
-                          </a:rPr>
-                          <m:t>1</m:t>
-                        </m:r>
-                      </m:sub>
-                    </m:sSub>
-                    <m:r>
-                      <a:rPr lang="en-US" altLang="ja-JP" sz="3900" b="0" i="1" smtClean="0">
-                        <a:latin typeface="Cambria Math" panose="02040503050406030204" pitchFamily="18" charset="0"/>
-                      </a:rPr>
-                      <m:t>,</m:t>
-                    </m:r>
-                    <m:sSub>
-                      <m:sSubPr>
-                        <m:ctrlPr>
-                          <a:rPr lang="en-US" altLang="ja-JP" sz="3900" b="0" i="1" smtClean="0">
-                            <a:latin typeface="Cambria Math" panose="02040503050406030204" pitchFamily="18" charset="0"/>
-                          </a:rPr>
-                        </m:ctrlPr>
-                      </m:sSubPr>
-                      <m:e>
-                        <m:r>
-                          <a:rPr lang="en-US" altLang="ja-JP" sz="3900" b="0" i="1" smtClean="0">
-                            <a:latin typeface="Cambria Math" panose="02040503050406030204" pitchFamily="18" charset="0"/>
-                          </a:rPr>
-                          <m:t>𝑣</m:t>
-                        </m:r>
-                      </m:e>
-                      <m:sub>
-                        <m:r>
-                          <a:rPr lang="en-US" altLang="ja-JP" sz="3900" b="0" i="1" smtClean="0">
-                            <a:latin typeface="Cambria Math" panose="02040503050406030204" pitchFamily="18" charset="0"/>
-                          </a:rPr>
-                          <m:t>2</m:t>
-                        </m:r>
-                      </m:sub>
-                    </m:sSub>
-                    <m:r>
-                      <a:rPr lang="en-US" altLang="ja-JP" sz="3900" b="0" i="1" smtClean="0">
-                        <a:latin typeface="Cambria Math" panose="02040503050406030204" pitchFamily="18" charset="0"/>
-                      </a:rPr>
-                      <m:t>,…,</m:t>
-                    </m:r>
-                    <m:sSub>
-                      <m:sSubPr>
-                        <m:ctrlPr>
-                          <a:rPr lang="en-US" altLang="ja-JP" sz="3900" b="0" i="1" smtClean="0">
-                            <a:latin typeface="Cambria Math" panose="02040503050406030204" pitchFamily="18" charset="0"/>
-                          </a:rPr>
-                        </m:ctrlPr>
-                      </m:sSubPr>
-                      <m:e>
-                        <m:r>
-                          <a:rPr lang="en-US" altLang="ja-JP" sz="3900" b="0" i="1" smtClean="0">
-                            <a:latin typeface="Cambria Math" panose="02040503050406030204" pitchFamily="18" charset="0"/>
-                          </a:rPr>
-                          <m:t>𝑣</m:t>
-                        </m:r>
-                      </m:e>
-                      <m:sub>
-                        <m:r>
-                          <a:rPr lang="en-US" altLang="ja-JP" sz="3900" b="0" i="1" smtClean="0">
-                            <a:latin typeface="Cambria Math" panose="02040503050406030204" pitchFamily="18" charset="0"/>
-                          </a:rPr>
-                          <m:t>𝑛</m:t>
-                        </m:r>
-                      </m:sub>
-                    </m:sSub>
-                    <m:r>
-                      <a:rPr lang="en-US" altLang="ja-JP" sz="3900" b="0" i="1" smtClean="0">
-                        <a:latin typeface="Cambria Math" panose="02040503050406030204" pitchFamily="18" charset="0"/>
-                      </a:rPr>
-                      <m:t>}</m:t>
-                    </m:r>
-                  </m:oMath>
-                </a14:m>
-                <a:endParaRPr lang="en-US" altLang="ja-JP" sz="3900" dirty="0"/>
-              </a:p>
-              <a:p>
-                <a14:m>
-                  <m:oMath xmlns:m="http://schemas.openxmlformats.org/officeDocument/2006/math">
-                    <m:sSub>
-                      <m:sSubPr>
-                        <m:ctrlPr>
-                          <a:rPr kumimoji="1" lang="en-US" altLang="ja-JP" sz="3500" i="1" smtClean="0">
-                            <a:latin typeface="Cambria Math" panose="02040503050406030204" pitchFamily="18" charset="0"/>
-                          </a:rPr>
-                        </m:ctrlPr>
-                      </m:sSubPr>
-                      <m:e>
-                        <m:r>
-                          <a:rPr kumimoji="1" lang="en-US" altLang="ja-JP" sz="3500" b="0" i="1" smtClean="0">
-                            <a:latin typeface="Cambria Math" panose="02040503050406030204" pitchFamily="18" charset="0"/>
-                          </a:rPr>
-                          <m:t>𝑣</m:t>
-                        </m:r>
-                      </m:e>
-                      <m:sub>
-                        <m:r>
-                          <a:rPr kumimoji="1" lang="en-US" altLang="ja-JP" sz="3500" b="0" i="1" smtClean="0">
-                            <a:latin typeface="Cambria Math" panose="02040503050406030204" pitchFamily="18" charset="0"/>
-                          </a:rPr>
-                          <m:t>𝑖</m:t>
-                        </m:r>
-                      </m:sub>
-                    </m:sSub>
-                  </m:oMath>
-                </a14:m>
-                <a:r>
-                  <a:rPr kumimoji="1" lang="ja-JP" altLang="en-US" sz="3500"/>
-                  <a:t>の隣接ノード集合</a:t>
-                </a:r>
-                <a14:m>
-                  <m:oMath xmlns:m="http://schemas.openxmlformats.org/officeDocument/2006/math">
-                    <m:r>
-                      <a:rPr kumimoji="1" lang="en-US" altLang="ja-JP" sz="3500" b="0" i="1" smtClean="0">
-                        <a:latin typeface="Cambria Math" panose="02040503050406030204" pitchFamily="18" charset="0"/>
-                      </a:rPr>
-                      <m:t>𝑁</m:t>
-                    </m:r>
-                    <m:d>
-                      <m:dPr>
-                        <m:ctrlPr>
-                          <a:rPr kumimoji="1" lang="en-US" altLang="ja-JP" sz="3500" b="0" i="1" smtClean="0">
-                            <a:latin typeface="Cambria Math" panose="02040503050406030204" pitchFamily="18" charset="0"/>
-                          </a:rPr>
-                        </m:ctrlPr>
-                      </m:dPr>
-                      <m:e>
-                        <m:r>
-                          <a:rPr kumimoji="1" lang="en-US" altLang="ja-JP" sz="3500" b="0" i="1" smtClean="0">
-                            <a:latin typeface="Cambria Math" panose="02040503050406030204" pitchFamily="18" charset="0"/>
-                          </a:rPr>
-                          <m:t>𝑖</m:t>
-                        </m:r>
-                      </m:e>
-                    </m:d>
-                    <m:r>
-                      <a:rPr kumimoji="1" lang="en-US" altLang="ja-JP" sz="3500" b="0" i="1" smtClean="0">
-                        <a:latin typeface="Cambria Math" panose="02040503050406030204" pitchFamily="18" charset="0"/>
-                      </a:rPr>
-                      <m:t>={</m:t>
-                    </m:r>
-                    <m:sSub>
-                      <m:sSubPr>
-                        <m:ctrlPr>
-                          <a:rPr kumimoji="1" lang="en-US" altLang="ja-JP" sz="3500" b="0" i="1" smtClean="0">
-                            <a:latin typeface="Cambria Math" panose="02040503050406030204" pitchFamily="18" charset="0"/>
-                          </a:rPr>
-                        </m:ctrlPr>
-                      </m:sSubPr>
-                      <m:e>
-                        <m:r>
-                          <a:rPr kumimoji="1" lang="en-US" altLang="ja-JP" sz="3500" b="0" i="1" smtClean="0">
-                            <a:latin typeface="Cambria Math" panose="02040503050406030204" pitchFamily="18" charset="0"/>
-                          </a:rPr>
-                          <m:t>𝑣</m:t>
-                        </m:r>
-                      </m:e>
-                      <m:sub>
-                        <m:r>
-                          <a:rPr kumimoji="1" lang="en-US" altLang="ja-JP" sz="3500" b="0" i="1" smtClean="0">
-                            <a:latin typeface="Cambria Math" panose="02040503050406030204" pitchFamily="18" charset="0"/>
-                          </a:rPr>
-                          <m:t>𝑗</m:t>
-                        </m:r>
-                      </m:sub>
-                    </m:sSub>
-                    <m:r>
-                      <a:rPr kumimoji="1" lang="en-US" altLang="ja-JP" sz="3500" b="0" i="1" smtClean="0">
-                        <a:latin typeface="Cambria Math" panose="02040503050406030204" pitchFamily="18" charset="0"/>
-                      </a:rPr>
-                      <m:t>|(</m:t>
-                    </m:r>
-                    <m:sSub>
-                      <m:sSubPr>
-                        <m:ctrlPr>
-                          <a:rPr lang="en-US" altLang="ja-JP" sz="3500" i="1">
-                            <a:latin typeface="Cambria Math" panose="02040503050406030204" pitchFamily="18" charset="0"/>
-                          </a:rPr>
-                        </m:ctrlPr>
-                      </m:sSubPr>
-                      <m:e>
-                        <m:r>
-                          <a:rPr lang="en-US" altLang="ja-JP" sz="3500" i="1">
-                            <a:latin typeface="Cambria Math" panose="02040503050406030204" pitchFamily="18" charset="0"/>
-                          </a:rPr>
-                          <m:t>𝑣</m:t>
-                        </m:r>
-                      </m:e>
-                      <m:sub>
-                        <m:r>
-                          <a:rPr lang="en-US" altLang="ja-JP" sz="3500" b="0" i="1" smtClean="0">
-                            <a:latin typeface="Cambria Math" panose="02040503050406030204" pitchFamily="18" charset="0"/>
-                          </a:rPr>
-                          <m:t>𝑖</m:t>
-                        </m:r>
-                      </m:sub>
-                    </m:sSub>
-                    <m:r>
-                      <a:rPr kumimoji="1" lang="en-US" altLang="ja-JP" sz="3500" b="0" i="1" smtClean="0">
-                        <a:latin typeface="Cambria Math" panose="02040503050406030204" pitchFamily="18" charset="0"/>
-                      </a:rPr>
-                      <m:t>,</m:t>
-                    </m:r>
-                    <m:sSub>
-                      <m:sSubPr>
-                        <m:ctrlPr>
-                          <a:rPr lang="en-US" altLang="ja-JP" sz="3500" i="1">
-                            <a:latin typeface="Cambria Math" panose="02040503050406030204" pitchFamily="18" charset="0"/>
-                          </a:rPr>
-                        </m:ctrlPr>
-                      </m:sSubPr>
-                      <m:e>
-                        <m:r>
-                          <a:rPr lang="en-US" altLang="ja-JP" sz="3500" i="1">
-                            <a:latin typeface="Cambria Math" panose="02040503050406030204" pitchFamily="18" charset="0"/>
-                          </a:rPr>
-                          <m:t>𝑣</m:t>
-                        </m:r>
-                      </m:e>
-                      <m:sub>
-                        <m:r>
-                          <a:rPr lang="en-US" altLang="ja-JP" sz="3500" i="1">
-                            <a:latin typeface="Cambria Math" panose="02040503050406030204" pitchFamily="18" charset="0"/>
-                          </a:rPr>
-                          <m:t>𝑗</m:t>
-                        </m:r>
-                      </m:sub>
-                    </m:sSub>
-                    <m:r>
-                      <a:rPr kumimoji="1" lang="en-US" altLang="ja-JP" sz="3500" b="0" i="1" smtClean="0">
-                        <a:latin typeface="Cambria Math" panose="02040503050406030204" pitchFamily="18" charset="0"/>
-                      </a:rPr>
-                      <m:t>)</m:t>
-                    </m:r>
-                    <m:r>
-                      <a:rPr kumimoji="1" lang="en-US" altLang="ja-JP" sz="3500" b="0" i="1" smtClean="0">
-                        <a:latin typeface="Cambria Math" panose="02040503050406030204" pitchFamily="18" charset="0"/>
-                        <a:ea typeface="Cambria Math" panose="02040503050406030204" pitchFamily="18" charset="0"/>
-                      </a:rPr>
-                      <m:t>∈</m:t>
-                    </m:r>
-                    <m:r>
-                      <a:rPr kumimoji="1" lang="en-US" altLang="ja-JP" sz="3500" b="0" i="1" smtClean="0">
-                        <a:latin typeface="Cambria Math" panose="02040503050406030204" pitchFamily="18" charset="0"/>
-                        <a:ea typeface="Cambria Math" panose="02040503050406030204" pitchFamily="18" charset="0"/>
-                      </a:rPr>
-                      <m:t>𝐸</m:t>
-                    </m:r>
-                    <m:r>
-                      <a:rPr kumimoji="1" lang="en-US" altLang="ja-JP" sz="3500" b="0" i="1" smtClean="0">
-                        <a:latin typeface="Cambria Math" panose="02040503050406030204" pitchFamily="18" charset="0"/>
-                        <a:ea typeface="Cambria Math" panose="02040503050406030204" pitchFamily="18" charset="0"/>
-                      </a:rPr>
-                      <m:t>,</m:t>
-                    </m:r>
-                    <m:sSub>
-                      <m:sSubPr>
-                        <m:ctrlPr>
-                          <a:rPr lang="en-US" altLang="ja-JP" sz="3500" i="1">
-                            <a:latin typeface="Cambria Math" panose="02040503050406030204" pitchFamily="18" charset="0"/>
-                          </a:rPr>
-                        </m:ctrlPr>
-                      </m:sSubPr>
-                      <m:e>
-                        <m:r>
-                          <a:rPr lang="en-US" altLang="ja-JP" sz="3500" i="1">
-                            <a:latin typeface="Cambria Math" panose="02040503050406030204" pitchFamily="18" charset="0"/>
-                          </a:rPr>
-                          <m:t>𝑣</m:t>
-                        </m:r>
-                      </m:e>
-                      <m:sub>
-                        <m:r>
-                          <a:rPr lang="en-US" altLang="ja-JP" sz="3500" i="1">
-                            <a:latin typeface="Cambria Math" panose="02040503050406030204" pitchFamily="18" charset="0"/>
-                          </a:rPr>
-                          <m:t>𝑗</m:t>
-                        </m:r>
-                      </m:sub>
-                    </m:sSub>
-                    <m:r>
-                      <a:rPr kumimoji="1" lang="en-US" altLang="ja-JP" sz="3500" b="0" i="1" smtClean="0">
-                        <a:latin typeface="Cambria Math" panose="02040503050406030204" pitchFamily="18" charset="0"/>
-                        <a:ea typeface="Cambria Math" panose="02040503050406030204" pitchFamily="18" charset="0"/>
-                      </a:rPr>
-                      <m:t>∈</m:t>
-                    </m:r>
-                    <m:r>
-                      <a:rPr kumimoji="1" lang="en-US" altLang="ja-JP" sz="3500" b="0" i="1" smtClean="0">
-                        <a:latin typeface="Cambria Math" panose="02040503050406030204" pitchFamily="18" charset="0"/>
-                        <a:ea typeface="Cambria Math" panose="02040503050406030204" pitchFamily="18" charset="0"/>
-                      </a:rPr>
-                      <m:t>𝑉</m:t>
-                    </m:r>
-                    <m:r>
-                      <a:rPr kumimoji="1" lang="en-US" altLang="ja-JP" sz="3500" b="0" i="1" smtClean="0">
-                        <a:latin typeface="Cambria Math" panose="02040503050406030204" pitchFamily="18" charset="0"/>
-                      </a:rPr>
-                      <m:t>}</m:t>
-                    </m:r>
-                  </m:oMath>
-                </a14:m>
-                <a:endParaRPr kumimoji="1" lang="en-US" altLang="ja-JP" sz="3500" dirty="0"/>
-              </a:p>
-              <a:p>
-                <a14:m>
-                  <m:oMath xmlns:m="http://schemas.openxmlformats.org/officeDocument/2006/math">
-                    <m:sSub>
-                      <m:sSubPr>
-                        <m:ctrlPr>
-                          <a:rPr lang="en-US" altLang="ja-JP" sz="3500" i="1">
-                            <a:latin typeface="Cambria Math" panose="02040503050406030204" pitchFamily="18" charset="0"/>
-                          </a:rPr>
-                        </m:ctrlPr>
-                      </m:sSubPr>
-                      <m:e>
-                        <m:r>
-                          <a:rPr lang="en-US" altLang="ja-JP" sz="3500" i="1">
-                            <a:latin typeface="Cambria Math" panose="02040503050406030204" pitchFamily="18" charset="0"/>
-                          </a:rPr>
-                          <m:t>𝑣</m:t>
-                        </m:r>
-                      </m:e>
-                      <m:sub>
-                        <m:r>
-                          <a:rPr lang="en-US" altLang="ja-JP" sz="3500" b="0" i="1" smtClean="0">
-                            <a:latin typeface="Cambria Math" panose="02040503050406030204" pitchFamily="18" charset="0"/>
-                          </a:rPr>
-                          <m:t>𝑖</m:t>
-                        </m:r>
-                      </m:sub>
-                    </m:sSub>
-                  </m:oMath>
-                </a14:m>
-                <a:r>
-                  <a:rPr kumimoji="1" lang="ja-JP" altLang="en-US" sz="3500"/>
-                  <a:t>の次数</a:t>
-                </a:r>
-                <a14:m>
-                  <m:oMath xmlns:m="http://schemas.openxmlformats.org/officeDocument/2006/math">
-                    <m:sSub>
-                      <m:sSubPr>
-                        <m:ctrlPr>
-                          <a:rPr kumimoji="1" lang="en-US" altLang="ja-JP" sz="3500" i="1" smtClean="0">
-                            <a:latin typeface="Cambria Math" panose="02040503050406030204" pitchFamily="18" charset="0"/>
-                          </a:rPr>
-                        </m:ctrlPr>
-                      </m:sSubPr>
-                      <m:e>
-                        <m:r>
-                          <a:rPr kumimoji="1" lang="en-US" altLang="ja-JP" sz="3500" b="0" i="1" smtClean="0">
-                            <a:latin typeface="Cambria Math" panose="02040503050406030204" pitchFamily="18" charset="0"/>
-                          </a:rPr>
-                          <m:t>𝑑</m:t>
-                        </m:r>
-                      </m:e>
-                      <m:sub>
-                        <m:r>
-                          <a:rPr kumimoji="1" lang="en-US" altLang="ja-JP" sz="3500" b="0" i="1" smtClean="0">
-                            <a:latin typeface="Cambria Math" panose="02040503050406030204" pitchFamily="18" charset="0"/>
-                          </a:rPr>
-                          <m:t>𝑖</m:t>
-                        </m:r>
-                      </m:sub>
-                    </m:sSub>
-                    <m:r>
-                      <a:rPr kumimoji="1" lang="en-US" altLang="ja-JP" sz="3500" b="0" i="1" smtClean="0">
-                        <a:latin typeface="Cambria Math" panose="02040503050406030204" pitchFamily="18" charset="0"/>
-                      </a:rPr>
-                      <m:t>=|</m:t>
-                    </m:r>
-                    <m:r>
-                      <a:rPr kumimoji="1" lang="en-US" altLang="ja-JP" sz="3500" b="0" i="1" smtClean="0">
-                        <a:latin typeface="Cambria Math" panose="02040503050406030204" pitchFamily="18" charset="0"/>
-                      </a:rPr>
-                      <m:t>𝑁</m:t>
-                    </m:r>
-                    <m:r>
-                      <a:rPr kumimoji="1" lang="en-US" altLang="ja-JP" sz="3500" b="0" i="1" smtClean="0">
-                        <a:latin typeface="Cambria Math" panose="02040503050406030204" pitchFamily="18" charset="0"/>
-                      </a:rPr>
-                      <m:t>(</m:t>
-                    </m:r>
-                    <m:r>
-                      <a:rPr kumimoji="1" lang="en-US" altLang="ja-JP" sz="3500" b="0" i="1" smtClean="0">
-                        <a:latin typeface="Cambria Math" panose="02040503050406030204" pitchFamily="18" charset="0"/>
-                      </a:rPr>
-                      <m:t>𝑖</m:t>
-                    </m:r>
-                    <m:r>
-                      <a:rPr kumimoji="1" lang="en-US" altLang="ja-JP" sz="3500" b="0" i="1" smtClean="0">
-                        <a:latin typeface="Cambria Math" panose="02040503050406030204" pitchFamily="18" charset="0"/>
-                      </a:rPr>
-                      <m:t>)|</m:t>
-                    </m:r>
-                  </m:oMath>
-                </a14:m>
-                <a:endParaRPr kumimoji="1" lang="en-US" altLang="ja-JP" sz="3500" dirty="0"/>
-              </a:p>
-              <a:p>
-                <a14:m>
-                  <m:oMath xmlns:m="http://schemas.openxmlformats.org/officeDocument/2006/math">
-                    <m:sSub>
-                      <m:sSubPr>
-                        <m:ctrlPr>
-                          <a:rPr lang="en-US" altLang="ja-JP" sz="3900" i="1">
-                            <a:latin typeface="Cambria Math" panose="02040503050406030204" pitchFamily="18" charset="0"/>
-                          </a:rPr>
-                        </m:ctrlPr>
-                      </m:sSubPr>
-                      <m:e>
-                        <m:r>
-                          <a:rPr lang="en-US" altLang="ja-JP" sz="3900" i="1">
-                            <a:latin typeface="Cambria Math" panose="02040503050406030204" pitchFamily="18" charset="0"/>
-                          </a:rPr>
-                          <m:t>𝐺</m:t>
-                        </m:r>
-                      </m:e>
-                      <m:sub>
-                        <m:r>
-                          <a:rPr lang="en-US" altLang="ja-JP" sz="3900" i="1">
-                            <a:latin typeface="Cambria Math" panose="02040503050406030204" pitchFamily="18" charset="0"/>
-                          </a:rPr>
-                          <m:t>𝑠</m:t>
-                        </m:r>
-                      </m:sub>
-                    </m:sSub>
-                    <m:r>
-                      <a:rPr lang="en-US" altLang="ja-JP" sz="3900" i="1">
-                        <a:latin typeface="Cambria Math" panose="02040503050406030204" pitchFamily="18" charset="0"/>
-                      </a:rPr>
-                      <m:t>=</m:t>
-                    </m:r>
-                    <m:d>
-                      <m:dPr>
-                        <m:ctrlPr>
-                          <a:rPr lang="en-US" altLang="ja-JP" sz="3900" i="1">
-                            <a:latin typeface="Cambria Math" panose="02040503050406030204" pitchFamily="18" charset="0"/>
-                          </a:rPr>
-                        </m:ctrlPr>
-                      </m:dPr>
-                      <m:e>
-                        <m:sSub>
-                          <m:sSubPr>
-                            <m:ctrlPr>
-                              <a:rPr lang="en-US" altLang="ja-JP" sz="3900" i="1">
-                                <a:latin typeface="Cambria Math" panose="02040503050406030204" pitchFamily="18" charset="0"/>
-                              </a:rPr>
-                            </m:ctrlPr>
-                          </m:sSubPr>
-                          <m:e>
-                            <m:r>
-                              <a:rPr lang="en-US" altLang="ja-JP" sz="3900" i="1">
-                                <a:latin typeface="Cambria Math" panose="02040503050406030204" pitchFamily="18" charset="0"/>
-                              </a:rPr>
-                              <m:t>𝑉</m:t>
-                            </m:r>
-                          </m:e>
-                          <m:sub>
-                            <m:r>
-                              <a:rPr lang="en-US" altLang="ja-JP" sz="3900" i="1">
-                                <a:latin typeface="Cambria Math" panose="02040503050406030204" pitchFamily="18" charset="0"/>
-                              </a:rPr>
-                              <m:t>𝑠</m:t>
-                            </m:r>
-                          </m:sub>
-                        </m:sSub>
-                        <m:r>
-                          <a:rPr lang="en-US" altLang="ja-JP" sz="3900" i="1">
-                            <a:latin typeface="Cambria Math" panose="02040503050406030204" pitchFamily="18" charset="0"/>
-                          </a:rPr>
-                          <m:t>,</m:t>
-                        </m:r>
-                        <m:sSub>
-                          <m:sSubPr>
-                            <m:ctrlPr>
-                              <a:rPr lang="en-US" altLang="ja-JP" sz="3900" i="1">
-                                <a:latin typeface="Cambria Math" panose="02040503050406030204" pitchFamily="18" charset="0"/>
-                              </a:rPr>
-                            </m:ctrlPr>
-                          </m:sSubPr>
-                          <m:e>
-                            <m:r>
-                              <a:rPr lang="en-US" altLang="ja-JP" sz="3900" i="1">
-                                <a:latin typeface="Cambria Math" panose="02040503050406030204" pitchFamily="18" charset="0"/>
-                              </a:rPr>
-                              <m:t>𝐸</m:t>
-                            </m:r>
-                          </m:e>
-                          <m:sub>
-                            <m:r>
-                              <a:rPr lang="en-US" altLang="ja-JP" sz="3900" i="1">
-                                <a:latin typeface="Cambria Math" panose="02040503050406030204" pitchFamily="18" charset="0"/>
-                              </a:rPr>
-                              <m:t>𝑠</m:t>
-                            </m:r>
-                          </m:sub>
-                        </m:sSub>
-                      </m:e>
-                    </m:d>
-                  </m:oMath>
-                </a14:m>
-                <a:endParaRPr lang="en-US" altLang="ja-JP" sz="3900" dirty="0"/>
-              </a:p>
-              <a:p>
-                <a:pPr marL="914400" lvl="1" indent="-457200">
-                  <a:buFont typeface="+mj-lt"/>
-                  <a:buAutoNum type="arabicPeriod"/>
-                </a:pPr>
-                <a14:m>
-                  <m:oMath xmlns:m="http://schemas.openxmlformats.org/officeDocument/2006/math">
-                    <m:sSub>
-                      <m:sSubPr>
-                        <m:ctrlPr>
-                          <a:rPr lang="en-US" altLang="ja-JP" sz="2600" i="1">
-                            <a:latin typeface="Cambria Math" panose="02040503050406030204" pitchFamily="18" charset="0"/>
-                          </a:rPr>
-                        </m:ctrlPr>
-                      </m:sSubPr>
-                      <m:e>
-                        <m:r>
-                          <a:rPr lang="en-US" altLang="ja-JP" sz="2600" i="1">
-                            <a:latin typeface="Cambria Math" panose="02040503050406030204" pitchFamily="18" charset="0"/>
-                          </a:rPr>
-                          <m:t>𝑉</m:t>
-                        </m:r>
-                      </m:e>
-                      <m:sub>
-                        <m:r>
-                          <a:rPr lang="en-US" altLang="ja-JP" sz="2600" i="1">
-                            <a:latin typeface="Cambria Math" panose="02040503050406030204" pitchFamily="18" charset="0"/>
-                          </a:rPr>
-                          <m:t>𝑠</m:t>
-                        </m:r>
-                      </m:sub>
-                    </m:sSub>
-                    <m:r>
-                      <a:rPr lang="en-US" altLang="ja-JP" sz="2600" i="1">
-                        <a:latin typeface="Cambria Math" panose="02040503050406030204" pitchFamily="18" charset="0"/>
-                      </a:rPr>
-                      <m:t> </m:t>
-                    </m:r>
-                    <m:r>
-                      <a:rPr lang="en-US" altLang="ja-JP" sz="2600" i="1">
-                        <a:latin typeface="Cambria Math" panose="02040503050406030204" pitchFamily="18" charset="0"/>
-                        <a:ea typeface="Cambria Math" panose="02040503050406030204" pitchFamily="18" charset="0"/>
-                      </a:rPr>
-                      <m:t>∈</m:t>
-                    </m:r>
-                    <m:r>
-                      <a:rPr lang="en-US" altLang="ja-JP" sz="2600" i="1">
-                        <a:latin typeface="Cambria Math" panose="02040503050406030204" pitchFamily="18" charset="0"/>
-                        <a:ea typeface="Cambria Math" panose="02040503050406030204" pitchFamily="18" charset="0"/>
-                      </a:rPr>
-                      <m:t>𝑉</m:t>
-                    </m:r>
-                  </m:oMath>
-                </a14:m>
-                <a:endParaRPr lang="en-US" altLang="ja-JP" sz="2600" dirty="0">
-                  <a:ea typeface="Cambria Math" panose="02040503050406030204" pitchFamily="18" charset="0"/>
-                </a:endParaRPr>
-              </a:p>
-              <a:p>
-                <a:pPr marL="914400" lvl="1" indent="-457200">
-                  <a:buFont typeface="+mj-lt"/>
-                  <a:buAutoNum type="arabicPeriod"/>
-                </a:pPr>
-                <a14:m>
-                  <m:oMath xmlns:m="http://schemas.openxmlformats.org/officeDocument/2006/math">
-                    <m:sSub>
-                      <m:sSubPr>
-                        <m:ctrlPr>
-                          <a:rPr lang="en-US" altLang="ja-JP" sz="2600" i="1">
-                            <a:latin typeface="Cambria Math" panose="02040503050406030204" pitchFamily="18" charset="0"/>
-                          </a:rPr>
-                        </m:ctrlPr>
-                      </m:sSubPr>
-                      <m:e>
-                        <m:r>
-                          <a:rPr lang="en-US" altLang="ja-JP" sz="2600" i="1">
-                            <a:latin typeface="Cambria Math" panose="02040503050406030204" pitchFamily="18" charset="0"/>
-                          </a:rPr>
-                          <m:t>𝐸</m:t>
-                        </m:r>
-                      </m:e>
-                      <m:sub>
-                        <m:r>
-                          <a:rPr lang="en-US" altLang="ja-JP" sz="2600" i="1">
-                            <a:latin typeface="Cambria Math" panose="02040503050406030204" pitchFamily="18" charset="0"/>
-                          </a:rPr>
-                          <m:t>𝑠</m:t>
-                        </m:r>
-                      </m:sub>
-                    </m:sSub>
-                    <m:r>
-                      <a:rPr lang="en-US" altLang="ja-JP" sz="2600" i="1">
-                        <a:latin typeface="Cambria Math" panose="02040503050406030204" pitchFamily="18" charset="0"/>
-                      </a:rPr>
-                      <m:t> </m:t>
-                    </m:r>
-                    <m:r>
-                      <a:rPr lang="en-US" altLang="ja-JP" sz="2600" i="1">
-                        <a:latin typeface="Cambria Math" panose="02040503050406030204" pitchFamily="18" charset="0"/>
-                        <a:ea typeface="Cambria Math" panose="02040503050406030204" pitchFamily="18" charset="0"/>
-                      </a:rPr>
-                      <m:t>∈</m:t>
-                    </m:r>
-                    <m:r>
-                      <a:rPr lang="en-US" altLang="ja-JP" sz="2600" i="1">
-                        <a:latin typeface="Cambria Math" panose="02040503050406030204" pitchFamily="18" charset="0"/>
-                        <a:ea typeface="Cambria Math" panose="02040503050406030204" pitchFamily="18" charset="0"/>
-                      </a:rPr>
-                      <m:t>𝐸</m:t>
-                    </m:r>
-                  </m:oMath>
-                </a14:m>
-                <a:endParaRPr lang="en-US" altLang="ja-JP" sz="2600" dirty="0">
-                  <a:ea typeface="Cambria Math" panose="02040503050406030204" pitchFamily="18" charset="0"/>
-                </a:endParaRPr>
-              </a:p>
-              <a:p>
-                <a:pPr marL="914400" lvl="1" indent="-457200">
-                  <a:buFont typeface="+mj-lt"/>
-                  <a:buAutoNum type="arabicPeriod"/>
-                </a:pPr>
-                <a14:m>
-                  <m:oMath xmlns:m="http://schemas.openxmlformats.org/officeDocument/2006/math">
-                    <m:sSub>
-                      <m:sSubPr>
-                        <m:ctrlPr>
-                          <a:rPr lang="en-US" altLang="ja-JP" sz="2600" i="1">
-                            <a:latin typeface="Cambria Math" panose="02040503050406030204" pitchFamily="18" charset="0"/>
-                          </a:rPr>
-                        </m:ctrlPr>
-                      </m:sSubPr>
-                      <m:e>
-                        <m:r>
-                          <a:rPr lang="en-US" altLang="ja-JP" sz="2600" i="1">
-                            <a:latin typeface="Cambria Math" panose="02040503050406030204" pitchFamily="18" charset="0"/>
-                          </a:rPr>
-                          <m:t>𝐸</m:t>
-                        </m:r>
-                      </m:e>
-                      <m:sub>
-                        <m:r>
-                          <a:rPr lang="en-US" altLang="ja-JP" sz="2600" i="1">
-                            <a:latin typeface="Cambria Math" panose="02040503050406030204" pitchFamily="18" charset="0"/>
-                          </a:rPr>
-                          <m:t>𝑠</m:t>
-                        </m:r>
-                      </m:sub>
-                    </m:sSub>
-                    <m:r>
-                      <a:rPr lang="en-US" altLang="ja-JP" sz="2600" i="1">
-                        <a:latin typeface="Cambria Math" panose="02040503050406030204" pitchFamily="18" charset="0"/>
-                      </a:rPr>
-                      <m:t> </m:t>
-                    </m:r>
-                    <m:r>
-                      <a:rPr lang="en-US" altLang="ja-JP" sz="2600" i="1">
-                        <a:latin typeface="Cambria Math" panose="02040503050406030204" pitchFamily="18" charset="0"/>
-                        <a:ea typeface="Cambria Math" panose="02040503050406030204" pitchFamily="18" charset="0"/>
-                      </a:rPr>
-                      <m:t>⊆</m:t>
-                    </m:r>
-                    <m:d>
-                      <m:dPr>
-                        <m:begChr m:val="{"/>
-                        <m:endChr m:val="|"/>
-                        <m:ctrlPr>
-                          <a:rPr lang="en-US" altLang="ja-JP" sz="2600" i="1">
-                            <a:latin typeface="Cambria Math" panose="02040503050406030204" pitchFamily="18" charset="0"/>
-                            <a:ea typeface="Cambria Math" panose="02040503050406030204" pitchFamily="18" charset="0"/>
-                          </a:rPr>
-                        </m:ctrlPr>
-                      </m:dPr>
-                      <m:e>
-                        <m:d>
-                          <m:dPr>
-                            <m:ctrlPr>
-                              <a:rPr lang="en-US" altLang="ja-JP" sz="2600" i="1">
-                                <a:latin typeface="Cambria Math" panose="02040503050406030204" pitchFamily="18" charset="0"/>
-                                <a:ea typeface="Cambria Math" panose="02040503050406030204" pitchFamily="18" charset="0"/>
-                              </a:rPr>
-                            </m:ctrlPr>
-                          </m:dPr>
-                          <m:e>
-                            <m:r>
-                              <a:rPr lang="en-US" altLang="ja-JP" sz="2600" i="1">
-                                <a:latin typeface="Cambria Math" panose="02040503050406030204" pitchFamily="18" charset="0"/>
-                                <a:ea typeface="Cambria Math" panose="02040503050406030204" pitchFamily="18" charset="0"/>
-                              </a:rPr>
-                              <m:t>𝑣</m:t>
-                            </m:r>
-                            <m:r>
-                              <a:rPr lang="en-US" altLang="ja-JP" sz="2600" i="1">
-                                <a:latin typeface="Cambria Math" panose="02040503050406030204" pitchFamily="18" charset="0"/>
-                                <a:ea typeface="Cambria Math" panose="02040503050406030204" pitchFamily="18" charset="0"/>
-                              </a:rPr>
-                              <m:t>,</m:t>
-                            </m:r>
-                            <m:r>
-                              <a:rPr lang="en-US" altLang="ja-JP" sz="2600" i="1">
-                                <a:latin typeface="Cambria Math" panose="02040503050406030204" pitchFamily="18" charset="0"/>
-                                <a:ea typeface="Cambria Math" panose="02040503050406030204" pitchFamily="18" charset="0"/>
-                              </a:rPr>
-                              <m:t>𝑤</m:t>
-                            </m:r>
-                          </m:e>
-                        </m:d>
-                      </m:e>
-                    </m:d>
-                    <m:r>
-                      <a:rPr lang="en-US" altLang="ja-JP" sz="2600" i="1">
-                        <a:latin typeface="Cambria Math" panose="02040503050406030204" pitchFamily="18" charset="0"/>
-                        <a:ea typeface="Cambria Math" panose="02040503050406030204" pitchFamily="18" charset="0"/>
-                      </a:rPr>
-                      <m:t> </m:t>
-                    </m:r>
-                    <m:r>
-                      <a:rPr lang="en-US" altLang="ja-JP" sz="2600" i="1">
-                        <a:latin typeface="Cambria Math" panose="02040503050406030204" pitchFamily="18" charset="0"/>
-                        <a:ea typeface="Cambria Math" panose="02040503050406030204" pitchFamily="18" charset="0"/>
-                      </a:rPr>
-                      <m:t>𝑣</m:t>
-                    </m:r>
-                    <m:r>
-                      <a:rPr lang="en-US" altLang="ja-JP" sz="2600" i="1">
-                        <a:latin typeface="Cambria Math" panose="02040503050406030204" pitchFamily="18" charset="0"/>
-                        <a:ea typeface="Cambria Math" panose="02040503050406030204" pitchFamily="18" charset="0"/>
-                      </a:rPr>
-                      <m:t> ∈</m:t>
-                    </m:r>
-                    <m:sSub>
-                      <m:sSubPr>
-                        <m:ctrlPr>
-                          <a:rPr lang="en-US" altLang="ja-JP" sz="2600" i="1">
-                            <a:latin typeface="Cambria Math" panose="02040503050406030204" pitchFamily="18" charset="0"/>
-                          </a:rPr>
-                        </m:ctrlPr>
-                      </m:sSubPr>
-                      <m:e>
-                        <m:r>
-                          <a:rPr lang="en-US" altLang="ja-JP" sz="2600" i="1">
-                            <a:latin typeface="Cambria Math" panose="02040503050406030204" pitchFamily="18" charset="0"/>
-                          </a:rPr>
-                          <m:t>𝑉</m:t>
-                        </m:r>
-                      </m:e>
-                      <m:sub>
-                        <m:r>
-                          <a:rPr lang="en-US" altLang="ja-JP" sz="2600" i="1">
-                            <a:latin typeface="Cambria Math" panose="02040503050406030204" pitchFamily="18" charset="0"/>
-                          </a:rPr>
-                          <m:t>𝑠</m:t>
-                        </m:r>
-                      </m:sub>
-                    </m:sSub>
-                    <m:r>
-                      <a:rPr lang="en-US" altLang="ja-JP" sz="2600" i="1">
-                        <a:latin typeface="Cambria Math" panose="02040503050406030204" pitchFamily="18" charset="0"/>
-                      </a:rPr>
-                      <m:t>,  </m:t>
-                    </m:r>
-                    <m:r>
-                      <a:rPr lang="en-US" altLang="ja-JP" sz="2600" i="1">
-                        <a:latin typeface="Cambria Math" panose="02040503050406030204" pitchFamily="18" charset="0"/>
-                      </a:rPr>
-                      <m:t>𝑤</m:t>
-                    </m:r>
-                    <m:r>
-                      <a:rPr lang="en-US" altLang="ja-JP" sz="2600" i="1">
-                        <a:latin typeface="Cambria Math" panose="02040503050406030204" pitchFamily="18" charset="0"/>
-                      </a:rPr>
-                      <m:t> ∈</m:t>
-                    </m:r>
-                    <m:sSub>
-                      <m:sSubPr>
-                        <m:ctrlPr>
-                          <a:rPr lang="en-US" altLang="ja-JP" sz="2600" i="1">
-                            <a:latin typeface="Cambria Math" panose="02040503050406030204" pitchFamily="18" charset="0"/>
-                          </a:rPr>
-                        </m:ctrlPr>
-                      </m:sSubPr>
-                      <m:e>
-                        <m:r>
-                          <a:rPr lang="en-US" altLang="ja-JP" sz="2600" i="1">
-                            <a:latin typeface="Cambria Math" panose="02040503050406030204" pitchFamily="18" charset="0"/>
-                          </a:rPr>
-                          <m:t>𝑉</m:t>
-                        </m:r>
-                      </m:e>
-                      <m:sub>
-                        <m:r>
-                          <a:rPr lang="en-US" altLang="ja-JP" sz="2600" i="1">
-                            <a:latin typeface="Cambria Math" panose="02040503050406030204" pitchFamily="18" charset="0"/>
-                          </a:rPr>
-                          <m:t>𝑠</m:t>
-                        </m:r>
-                      </m:sub>
-                    </m:sSub>
-                    <m:r>
-                      <a:rPr lang="en-US" altLang="ja-JP" sz="2600" i="1">
-                        <a:latin typeface="Cambria Math" panose="02040503050406030204" pitchFamily="18" charset="0"/>
-                        <a:ea typeface="Cambria Math" panose="02040503050406030204" pitchFamily="18" charset="0"/>
-                      </a:rPr>
-                      <m:t>}</m:t>
-                    </m:r>
-                  </m:oMath>
-                </a14:m>
-                <a:endParaRPr lang="en-US" altLang="ja-JP" sz="2600" dirty="0"/>
-              </a:p>
-              <a:p>
-                <a:pPr marL="914400" lvl="1" indent="-457200">
-                  <a:buFont typeface="+mj-lt"/>
-                  <a:buAutoNum type="arabicPeriod"/>
-                </a:pPr>
-                <a:endParaRPr lang="en-US" altLang="ja-JP" sz="2600" dirty="0"/>
-              </a:p>
-              <a:p>
-                <a:pPr lvl="1"/>
-                <a:r>
-                  <a:rPr lang="ja-JP" altLang="en-US" sz="2600"/>
-                  <a:t>サンプルから生成されるグラフ</a:t>
-                </a:r>
-                <a14:m>
-                  <m:oMath xmlns:m="http://schemas.openxmlformats.org/officeDocument/2006/math">
-                    <m:sSub>
-                      <m:sSubPr>
-                        <m:ctrlPr>
-                          <a:rPr lang="en-US" altLang="ja-JP" sz="2600" i="1">
-                            <a:latin typeface="Cambria Math" panose="02040503050406030204" pitchFamily="18" charset="0"/>
-                          </a:rPr>
-                        </m:ctrlPr>
-                      </m:sSubPr>
-                      <m:e>
-                        <m:r>
-                          <a:rPr lang="en-US" altLang="ja-JP" sz="2600" i="1">
-                            <a:latin typeface="Cambria Math" panose="02040503050406030204" pitchFamily="18" charset="0"/>
-                          </a:rPr>
-                          <m:t>𝐺</m:t>
-                        </m:r>
-                      </m:e>
-                      <m:sub>
-                        <m:r>
-                          <a:rPr lang="en-US" altLang="ja-JP" sz="2600" i="1">
-                            <a:latin typeface="Cambria Math" panose="02040503050406030204" pitchFamily="18" charset="0"/>
-                          </a:rPr>
-                          <m:t>𝑠</m:t>
-                        </m:r>
-                      </m:sub>
-                    </m:sSub>
-                  </m:oMath>
-                </a14:m>
-                <a:r>
-                  <a:rPr lang="ja-JP" altLang="en-US" sz="2600"/>
-                  <a:t>は</a:t>
-                </a:r>
-                <a:r>
-                  <a:rPr lang="en-US" altLang="ja-JP" sz="2600" dirty="0"/>
-                  <a:t>1~3</a:t>
-                </a:r>
-                <a:r>
-                  <a:rPr lang="ja-JP" altLang="en-US" sz="2600"/>
-                  <a:t>を満たす．</a:t>
-                </a:r>
-                <a:endParaRPr lang="en-US" altLang="ja-JP" sz="2600" dirty="0"/>
-              </a:p>
-              <a:p>
-                <a:endParaRPr kumimoji="1" lang="ja-JP" altLang="en-US" sz="2800"/>
-              </a:p>
-            </p:txBody>
-          </p:sp>
-        </mc:Choice>
-        <mc:Fallback xmlns="">
-          <p:sp>
-            <p:nvSpPr>
-              <p:cNvPr id="3" name="コンテンツ プレースホルダー 2">
-                <a:extLst>
-                  <a:ext uri="{FF2B5EF4-FFF2-40B4-BE49-F238E27FC236}">
-                    <a16:creationId xmlns:a16="http://schemas.microsoft.com/office/drawing/2014/main" id="{B0F8EF71-E0FC-1846-89BC-A867F30B37C4}"/>
-                  </a:ext>
-                </a:extLst>
-              </p:cNvPr>
-              <p:cNvSpPr>
-                <a:spLocks noGrp="1" noRot="1" noChangeAspect="1" noMove="1" noResize="1" noEditPoints="1" noAdjustHandles="1" noChangeArrowheads="1" noChangeShapeType="1" noTextEdit="1"/>
-              </p:cNvSpPr>
-              <p:nvPr>
-                <p:ph idx="1"/>
-              </p:nvPr>
-            </p:nvSpPr>
-            <p:spPr>
-              <a:blipFill>
-                <a:blip r:embed="rId2"/>
-                <a:stretch>
-                  <a:fillRect l="-1042" t="-1463"/>
-                </a:stretch>
-              </a:blipFill>
-            </p:spPr>
-            <p:txBody>
-              <a:bodyPr/>
-              <a:lstStyle/>
-              <a:p>
-                <a:r>
-                  <a:rPr lang="ja-JP" altLang="en-US">
-                    <a:noFill/>
-                  </a:rPr>
-                  <a:t> </a:t>
-                </a:r>
-              </a:p>
-            </p:txBody>
-          </p:sp>
-        </mc:Fallback>
-      </mc:AlternateContent>
-      <p:pic>
-        <p:nvPicPr>
-          <p:cNvPr id="4" name="図 3">
+              <a:t>グラフサンプリング</a:t>
+            </a:r>
+          </a:p>
+        </p:txBody>
+      </p:sp>
+      <p:sp>
+        <p:nvSpPr>
+          <p:cNvPr id="6" name="コンテンツ プレースホルダー 5">
             <a:extLst>
               <a:ext uri="{FF2B5EF4-FFF2-40B4-BE49-F238E27FC236}">
-                <a16:creationId xmlns:a16="http://schemas.microsoft.com/office/drawing/2014/main" id="{28E3FB26-36BF-C541-A494-20F30B2DEA49}"/>
+                <a16:creationId xmlns:a16="http://schemas.microsoft.com/office/drawing/2014/main" id="{1B193BB4-7851-8940-B253-EFA4984D20A1}"/>
               </a:ext>
             </a:extLst>
           </p:cNvPr>
-          <p:cNvPicPr>
-            <a:picLocks noChangeAspect="1"/>
-          </p:cNvPicPr>
-          <p:nvPr/>
-        </p:nvPicPr>
-        <p:blipFill>
-          <a:blip r:embed="rId3"/>
-          <a:stretch>
-            <a:fillRect/>
-          </a:stretch>
-        </p:blipFill>
-        <p:spPr>
-          <a:xfrm>
-            <a:off x="8699500" y="3060700"/>
-            <a:ext cx="3492500" cy="3797300"/>
-          </a:xfrm>
-          <a:prstGeom prst="rect">
-            <a:avLst/>
-          </a:prstGeom>
-        </p:spPr>
-      </p:pic>
+          <p:cNvSpPr>
+            <a:spLocks noGrp="1"/>
+          </p:cNvSpPr>
+          <p:nvPr>
+            <p:ph idx="1"/>
+          </p:nvPr>
+        </p:nvSpPr>
+        <p:spPr/>
+        <p:txBody>
+          <a:bodyPr/>
+          <a:lstStyle/>
+          <a:p>
+            <a:endParaRPr kumimoji="1" lang="ja-JP" altLang="en-US"/>
+          </a:p>
+        </p:txBody>
+      </p:sp>
     </p:spTree>
     <p:extLst>
       <p:ext uri="{BB962C8B-B14F-4D97-AF65-F5344CB8AC3E}">
-        <p14:creationId xmlns:p14="http://schemas.microsoft.com/office/powerpoint/2010/main" val="3703778945"/>
+        <p14:creationId xmlns:p14="http://schemas.microsoft.com/office/powerpoint/2010/main" val="2850580030"/>
       </p:ext>
     </p:extLst>
   </p:cSld>
@@ -8748,7 +7439,7 @@
           <p:cNvPr id="2" name="タイトル 1">
             <a:extLst>
               <a:ext uri="{FF2B5EF4-FFF2-40B4-BE49-F238E27FC236}">
-                <a16:creationId xmlns:a16="http://schemas.microsoft.com/office/drawing/2014/main" id="{A54604AD-F561-294A-B279-F729DCD0F829}"/>
+                <a16:creationId xmlns:a16="http://schemas.microsoft.com/office/drawing/2014/main" id="{15C60851-70CE-3841-B4C8-C6B50807B0A5}"/>
               </a:ext>
             </a:extLst>
           </p:cNvPr>
@@ -8766,7 +7457,7 @@
           <a:p>
             <a:r>
               <a:rPr kumimoji="1" lang="ja-JP" altLang="en-US"/>
-              <a:t>サンプリング手法の分類</a:t>
+              <a:t>今日やること</a:t>
             </a:r>
           </a:p>
         </p:txBody>
@@ -8776,7 +7467,7 @@
           <p:cNvPr id="3" name="コンテンツ プレースホルダー 2">
             <a:extLst>
               <a:ext uri="{FF2B5EF4-FFF2-40B4-BE49-F238E27FC236}">
-                <a16:creationId xmlns:a16="http://schemas.microsoft.com/office/drawing/2014/main" id="{58BD9886-293E-6840-AAEE-4E3E79DF9141}"/>
+                <a16:creationId xmlns:a16="http://schemas.microsoft.com/office/drawing/2014/main" id="{625578AF-E1CC-8344-9EA5-6313F4C1ED21}"/>
               </a:ext>
             </a:extLst>
           </p:cNvPr>
@@ -8790,126 +7481,196 @@
         <p:spPr/>
         <p:txBody>
           <a:bodyPr>
-            <a:normAutofit/>
+            <a:normAutofit fontScale="92500" lnSpcReduction="20000"/>
           </a:bodyPr>
           <a:lstStyle/>
           <a:p>
             <a:r>
-              <a:rPr lang="ja-JP" altLang="en-US" sz="4000"/>
-              <a:t>ランダムサンプリング</a:t>
-            </a:r>
-            <a:endParaRPr lang="en-US" altLang="ja-JP" sz="4000" dirty="0"/>
+              <a:rPr kumimoji="1" lang="en-US" altLang="ja-JP" sz="3600" dirty="0"/>
+              <a:t>Slack</a:t>
+            </a:r>
+            <a:r>
+              <a:rPr kumimoji="1" lang="ja-JP" altLang="en-US" sz="3600"/>
+              <a:t>招待</a:t>
+            </a:r>
+            <a:r>
+              <a:rPr lang="en-US" altLang="ja-JP" sz="3600" dirty="0"/>
+              <a:t> (</a:t>
+            </a:r>
+            <a:r>
+              <a:rPr lang="en" altLang="ja-JP" dirty="0">
+                <a:hlinkClick r:id="rId2"/>
+              </a:rPr>
+              <a:t>trial-shudolab-2019.slack.com</a:t>
+            </a:r>
+            <a:r>
+              <a:rPr lang="en" altLang="ja-JP" dirty="0"/>
+              <a:t>)</a:t>
+            </a:r>
+            <a:endParaRPr lang="en-US" altLang="ja-JP" sz="3600" dirty="0"/>
           </a:p>
           <a:p>
             <a:pPr lvl="1"/>
+            <a:endParaRPr kumimoji="1" lang="en-US" altLang="ja-JP" sz="2400" dirty="0"/>
+          </a:p>
+          <a:p>
+            <a:pPr lvl="1"/>
             <a:r>
               <a:rPr kumimoji="1" lang="ja-JP" altLang="en-US" sz="2400"/>
-              <a:t>全グラフから一様にサンプリングする．</a:t>
+              <a:t>何か質問などあればこちらで．</a:t>
             </a:r>
             <a:endParaRPr kumimoji="1" lang="en-US" altLang="ja-JP" sz="2400" dirty="0"/>
           </a:p>
           <a:p>
             <a:pPr lvl="1"/>
-            <a:r>
-              <a:rPr lang="en-US" altLang="ja-JP" sz="2400" dirty="0" err="1">
-                <a:latin typeface="+mn-ea"/>
+            <a:endParaRPr kumimoji="1" lang="en-US" altLang="ja-JP" sz="2400" dirty="0"/>
+          </a:p>
+          <a:p>
+            <a:r>
+              <a:rPr kumimoji="1" lang="en-US" altLang="ja-JP" sz="3600" dirty="0" err="1"/>
+              <a:t>Github</a:t>
+            </a:r>
+            <a:r>
+              <a:rPr lang="en-US" altLang="ja-JP" sz="3600" dirty="0"/>
+              <a:t> (</a:t>
+            </a:r>
+            <a:r>
+              <a:rPr lang="en" altLang="ja-JP" sz="3600" dirty="0">
+                <a:hlinkClick r:id="rId3"/>
               </a:rPr>
-              <a:t>Hoeffding</a:t>
-            </a:r>
-            <a:r>
-              <a:rPr lang="ja-JP" altLang="en-US" sz="2400"/>
-              <a:t>の不等式を適用でき，高精度に推定可能．</a:t>
-            </a:r>
-            <a:endParaRPr lang="en-US" altLang="ja-JP" sz="2400" dirty="0"/>
-          </a:p>
-          <a:p>
-            <a:pPr lvl="1"/>
-            <a:r>
-              <a:rPr kumimoji="1" lang="ja-JP" altLang="en-US" sz="2400"/>
-              <a:t>しかし，</a:t>
-            </a:r>
-            <a:r>
-              <a:rPr kumimoji="1" lang="ja-JP" altLang="en-US" sz="2400" u="sng"/>
-              <a:t>全グラフデータや分布が既知であることが前提．</a:t>
-            </a:r>
-            <a:endParaRPr kumimoji="1" lang="en-US" altLang="ja-JP" sz="2400" u="sng" dirty="0"/>
+              <a:t>https://github.com/kazuibasou/trial_shudolab_2019</a:t>
+            </a:r>
+            <a:r>
+              <a:rPr lang="en-US" altLang="ja-JP" sz="3600" dirty="0"/>
+              <a:t>)</a:t>
+            </a:r>
           </a:p>
           <a:p>
             <a:pPr lvl="1"/>
             <a:endParaRPr lang="en-US" altLang="ja-JP" sz="2400" dirty="0"/>
           </a:p>
           <a:p>
-            <a:r>
-              <a:rPr lang="ja-JP" altLang="en-US" sz="4000"/>
-              <a:t>クローリング</a:t>
-            </a:r>
-            <a:r>
-              <a:rPr kumimoji="1" lang="ja-JP" altLang="en-US" sz="4000"/>
-              <a:t>ベースのサンプリング</a:t>
-            </a:r>
-            <a:endParaRPr kumimoji="1" lang="en-US" altLang="ja-JP" sz="4000" dirty="0"/>
-          </a:p>
-          <a:p>
             <a:pPr lvl="1"/>
             <a:r>
               <a:rPr lang="ja-JP" altLang="en-US" sz="2400"/>
-              <a:t>適当なノードから初めて，隣接ノードを辿っていき，訪れたノードやエッジをサンプリングする．</a:t>
+              <a:t>授業や課題レポートの概要，スライドがあります．</a:t>
             </a:r>
             <a:endParaRPr lang="en-US" altLang="ja-JP" sz="2400" dirty="0"/>
           </a:p>
           <a:p>
             <a:pPr lvl="1"/>
-            <a:r>
-              <a:rPr kumimoji="1" lang="ja-JP" altLang="en-US" sz="2400"/>
-              <a:t>行き先の隣接ノードの選び方はアルゴリズム次第．</a:t>
-            </a:r>
-            <a:r>
-              <a:rPr kumimoji="1" lang="en-US" altLang="ja-JP" sz="2400" dirty="0"/>
-              <a:t>(</a:t>
-            </a:r>
-            <a:r>
-              <a:rPr kumimoji="1" lang="ja-JP" altLang="en-US" sz="2400"/>
-              <a:t>具体的なアルゴリズムは</a:t>
-            </a:r>
-            <a:r>
-              <a:rPr kumimoji="1" lang="en-US" altLang="ja-JP" sz="2400" dirty="0"/>
-              <a:t>4</a:t>
-            </a:r>
-            <a:r>
-              <a:rPr kumimoji="1" lang="ja-JP" altLang="en-US" sz="2400"/>
-              <a:t>章</a:t>
-            </a:r>
-            <a:r>
-              <a:rPr kumimoji="1" lang="en-US" altLang="ja-JP" sz="2400" dirty="0"/>
-              <a:t>)</a:t>
-            </a:r>
+            <a:endParaRPr lang="en-US" altLang="ja-JP" sz="2400" dirty="0"/>
+          </a:p>
+          <a:p>
+            <a:r>
+              <a:rPr lang="ja-JP" altLang="en-US" sz="3600"/>
+              <a:t>輪講第</a:t>
+            </a:r>
+            <a:r>
+              <a:rPr lang="en-US" altLang="ja-JP" sz="3600" dirty="0"/>
+              <a:t>3</a:t>
+            </a:r>
+            <a:r>
+              <a:rPr lang="ja-JP" altLang="en-US" sz="3600"/>
+              <a:t>回</a:t>
+            </a:r>
+            <a:r>
+              <a:rPr lang="en-US" altLang="ja-JP" sz="3600" dirty="0"/>
+              <a:t>〜</a:t>
+            </a:r>
+            <a:r>
+              <a:rPr lang="ja-JP" altLang="en-US" sz="3600"/>
+              <a:t>第</a:t>
+            </a:r>
+            <a:r>
+              <a:rPr lang="en-US" altLang="ja-JP" sz="3600" dirty="0"/>
+              <a:t>5</a:t>
+            </a:r>
+            <a:r>
+              <a:rPr lang="ja-JP" altLang="en-US" sz="3600"/>
+              <a:t>回の担当決め</a:t>
+            </a:r>
+            <a:endParaRPr lang="en-US" altLang="ja-JP" sz="3600" dirty="0"/>
+          </a:p>
+          <a:p>
+            <a:endParaRPr lang="en-US" altLang="ja-JP" sz="3600" dirty="0"/>
+          </a:p>
+          <a:p>
+            <a:r>
+              <a:rPr lang="ja-JP" altLang="en-US" sz="3600"/>
+              <a:t>環境構築</a:t>
+            </a:r>
+            <a:endParaRPr lang="en-US" altLang="ja-JP" sz="3600" dirty="0"/>
           </a:p>
           <a:p>
             <a:pPr lvl="1"/>
-            <a:r>
-              <a:rPr kumimoji="1" lang="ja-JP" altLang="en-US" sz="2400"/>
-              <a:t>グラフデータが未知である場合でもある程度適用できる．</a:t>
-            </a:r>
-            <a:endParaRPr lang="en-US" altLang="ja-JP" sz="2400" dirty="0"/>
+            <a:endParaRPr lang="en-US" altLang="ja-JP" sz="2400" dirty="0">
+              <a:latin typeface="Arial" panose="020B0604020202020204" pitchFamily="34" charset="0"/>
+              <a:cs typeface="Arial" panose="020B0604020202020204" pitchFamily="34" charset="0"/>
+            </a:endParaRPr>
           </a:p>
           <a:p>
             <a:pPr lvl="1"/>
             <a:r>
-              <a:rPr kumimoji="1" lang="en-US" altLang="ja-JP" sz="2400" dirty="0"/>
-              <a:t>SNS</a:t>
-            </a:r>
-            <a:r>
-              <a:rPr lang="ja-JP" altLang="en-US" sz="2400"/>
-              <a:t>のサンプリングはクローリングベース．</a:t>
-            </a:r>
-            <a:endParaRPr kumimoji="1" lang="en-US" altLang="ja-JP" sz="2400" dirty="0"/>
+              <a:rPr lang="en-US" altLang="ja-JP" sz="2400" dirty="0">
+                <a:latin typeface="Arial" panose="020B0604020202020204" pitchFamily="34" charset="0"/>
+                <a:cs typeface="Arial" panose="020B0604020202020204" pitchFamily="34" charset="0"/>
+              </a:rPr>
+              <a:t>Python, </a:t>
+            </a:r>
+            <a:r>
+              <a:rPr lang="en-US" altLang="ja-JP" sz="2400" dirty="0" err="1">
+                <a:latin typeface="Arial" panose="020B0604020202020204" pitchFamily="34" charset="0"/>
+                <a:cs typeface="Arial" panose="020B0604020202020204" pitchFamily="34" charset="0"/>
+              </a:rPr>
+              <a:t>Pycharm</a:t>
+            </a:r>
+            <a:r>
+              <a:rPr lang="en-US" altLang="ja-JP" sz="2400" dirty="0">
+                <a:latin typeface="Arial" panose="020B0604020202020204" pitchFamily="34" charset="0"/>
+                <a:cs typeface="Arial" panose="020B0604020202020204" pitchFamily="34" charset="0"/>
+              </a:rPr>
+              <a:t>, </a:t>
+            </a:r>
+            <a:r>
+              <a:rPr lang="en-US" altLang="ja-JP" sz="2400" dirty="0" err="1">
+                <a:latin typeface="Arial" panose="020B0604020202020204" pitchFamily="34" charset="0"/>
+                <a:cs typeface="Arial" panose="020B0604020202020204" pitchFamily="34" charset="0"/>
+              </a:rPr>
+              <a:t>NetworkX</a:t>
+            </a:r>
+            <a:r>
+              <a:rPr lang="en-US" altLang="ja-JP" sz="2400" dirty="0">
+                <a:latin typeface="Arial" panose="020B0604020202020204" pitchFamily="34" charset="0"/>
+                <a:cs typeface="Arial" panose="020B0604020202020204" pitchFamily="34" charset="0"/>
+              </a:rPr>
+              <a:t>, Matplotlib, </a:t>
+            </a:r>
+            <a:r>
+              <a:rPr lang="en-US" altLang="ja-JP" sz="2400" dirty="0" err="1">
+                <a:latin typeface="Arial" panose="020B0604020202020204" pitchFamily="34" charset="0"/>
+                <a:cs typeface="Arial" panose="020B0604020202020204" pitchFamily="34" charset="0"/>
+              </a:rPr>
+              <a:t>Numpy</a:t>
+            </a:r>
+            <a:endParaRPr lang="en-US" altLang="ja-JP" sz="2400" dirty="0">
+              <a:latin typeface="Arial" panose="020B0604020202020204" pitchFamily="34" charset="0"/>
+              <a:cs typeface="Arial" panose="020B0604020202020204" pitchFamily="34" charset="0"/>
+            </a:endParaRPr>
+          </a:p>
+          <a:p>
+            <a:endParaRPr lang="en-US" altLang="ja-JP" dirty="0"/>
+          </a:p>
+          <a:p>
+            <a:pPr lvl="1"/>
+            <a:endParaRPr kumimoji="1" lang="ja-JP" altLang="en-US"/>
           </a:p>
         </p:txBody>
       </p:sp>
     </p:spTree>
     <p:extLst>
       <p:ext uri="{BB962C8B-B14F-4D97-AF65-F5344CB8AC3E}">
-        <p14:creationId xmlns:p14="http://schemas.microsoft.com/office/powerpoint/2010/main" val="4174272715"/>
+        <p14:creationId xmlns:p14="http://schemas.microsoft.com/office/powerpoint/2010/main" val="1291365998"/>
       </p:ext>
     </p:extLst>
   </p:cSld>
@@ -8941,744 +7702,6 @@
           <p:cNvPr id="2" name="タイトル 1">
             <a:extLst>
               <a:ext uri="{FF2B5EF4-FFF2-40B4-BE49-F238E27FC236}">
-                <a16:creationId xmlns:a16="http://schemas.microsoft.com/office/drawing/2014/main" id="{7E0F7225-8274-004B-AA5B-CF5D14485DD7}"/>
-              </a:ext>
-            </a:extLst>
-          </p:cNvPr>
-          <p:cNvSpPr>
-            <a:spLocks noGrp="1"/>
-          </p:cNvSpPr>
-          <p:nvPr>
-            <p:ph type="title"/>
-          </p:nvPr>
-        </p:nvSpPr>
-        <p:spPr/>
-        <p:txBody>
-          <a:bodyPr/>
-          <a:lstStyle/>
-          <a:p>
-            <a:r>
-              <a:rPr kumimoji="1" lang="ja-JP" altLang="en-US"/>
-              <a:t>グラフサンプリング</a:t>
-            </a:r>
-          </a:p>
-        </p:txBody>
-      </p:sp>
-      <p:sp>
-        <p:nvSpPr>
-          <p:cNvPr id="3" name="コンテンツ プレースホルダー 2">
-            <a:extLst>
-              <a:ext uri="{FF2B5EF4-FFF2-40B4-BE49-F238E27FC236}">
-                <a16:creationId xmlns:a16="http://schemas.microsoft.com/office/drawing/2014/main" id="{848895A2-7111-4443-B4FC-9D249D2A78E8}"/>
-              </a:ext>
-            </a:extLst>
-          </p:cNvPr>
-          <p:cNvSpPr>
-            <a:spLocks noGrp="1"/>
-          </p:cNvSpPr>
-          <p:nvPr>
-            <p:ph idx="1"/>
-          </p:nvPr>
-        </p:nvSpPr>
-        <p:spPr/>
-        <p:txBody>
-          <a:bodyPr/>
-          <a:lstStyle/>
-          <a:p>
-            <a:r>
-              <a:rPr kumimoji="1" lang="ja-JP" altLang="en-US"/>
-              <a:t>グラフの統計量はどんなものがあるの？</a:t>
-            </a:r>
-            <a:endParaRPr kumimoji="1" lang="en-US" altLang="ja-JP" dirty="0"/>
-          </a:p>
-          <a:p>
-            <a:endParaRPr kumimoji="1" lang="en-US" altLang="ja-JP" dirty="0"/>
-          </a:p>
-          <a:p>
-            <a:r>
-              <a:rPr kumimoji="1" lang="ja-JP" altLang="en-US"/>
-              <a:t>具体的にどうやってサンプリングするの？</a:t>
-            </a:r>
-            <a:endParaRPr kumimoji="1" lang="en-US" altLang="ja-JP" dirty="0"/>
-          </a:p>
-          <a:p>
-            <a:endParaRPr lang="en-US" altLang="ja-JP" dirty="0"/>
-          </a:p>
-          <a:p>
-            <a:r>
-              <a:rPr lang="ja-JP" altLang="en-US"/>
-              <a:t>具体的に統計量を推定できるアルゴリズムあるの？</a:t>
-            </a:r>
-            <a:endParaRPr lang="en-US" altLang="ja-JP" dirty="0"/>
-          </a:p>
-          <a:p>
-            <a:endParaRPr kumimoji="1" lang="en-US" altLang="ja-JP" dirty="0"/>
-          </a:p>
-          <a:p>
-            <a:endParaRPr kumimoji="1" lang="en-US" altLang="ja-JP" dirty="0"/>
-          </a:p>
-          <a:p>
-            <a:endParaRPr lang="en-US" altLang="ja-JP" dirty="0"/>
-          </a:p>
-          <a:p>
-            <a:endParaRPr kumimoji="1" lang="ja-JP" altLang="en-US"/>
-          </a:p>
-        </p:txBody>
-      </p:sp>
-      <p:sp>
-        <p:nvSpPr>
-          <p:cNvPr id="4" name="右中かっこ 3">
-            <a:extLst>
-              <a:ext uri="{FF2B5EF4-FFF2-40B4-BE49-F238E27FC236}">
-                <a16:creationId xmlns:a16="http://schemas.microsoft.com/office/drawing/2014/main" id="{0B9F1EE2-2918-F24E-B168-5217F470EF2B}"/>
-              </a:ext>
-            </a:extLst>
-          </p:cNvPr>
-          <p:cNvSpPr/>
-          <p:nvPr/>
-        </p:nvSpPr>
-        <p:spPr>
-          <a:xfrm>
-            <a:off x="7526700" y="1658154"/>
-            <a:ext cx="720000" cy="1800000"/>
-          </a:xfrm>
-          <a:prstGeom prst="rightBrace">
-            <a:avLst/>
-          </a:prstGeom>
-          <a:ln w="38100">
-            <a:solidFill>
-              <a:schemeClr val="accent1"/>
-            </a:solidFill>
-          </a:ln>
-        </p:spPr>
-        <p:style>
-          <a:lnRef idx="1">
-            <a:schemeClr val="accent1"/>
-          </a:lnRef>
-          <a:fillRef idx="0">
-            <a:schemeClr val="accent1"/>
-          </a:fillRef>
-          <a:effectRef idx="0">
-            <a:schemeClr val="accent1"/>
-          </a:effectRef>
-          <a:fontRef idx="minor">
-            <a:schemeClr val="tx1"/>
-          </a:fontRef>
-        </p:style>
-        <p:txBody>
-          <a:bodyPr rtlCol="0" anchor="ctr"/>
-          <a:lstStyle/>
-          <a:p>
-            <a:pPr algn="ctr"/>
-            <a:endParaRPr kumimoji="1" lang="ja-JP" altLang="en-US"/>
-          </a:p>
-        </p:txBody>
-      </p:sp>
-      <p:sp>
-        <p:nvSpPr>
-          <p:cNvPr id="5" name="テキスト ボックス 4">
-            <a:extLst>
-              <a:ext uri="{FF2B5EF4-FFF2-40B4-BE49-F238E27FC236}">
-                <a16:creationId xmlns:a16="http://schemas.microsoft.com/office/drawing/2014/main" id="{2657C853-93D6-214A-BCF4-0C95AD7F3CDD}"/>
-              </a:ext>
-            </a:extLst>
-          </p:cNvPr>
-          <p:cNvSpPr txBox="1"/>
-          <p:nvPr/>
-        </p:nvSpPr>
-        <p:spPr>
-          <a:xfrm>
-            <a:off x="9612743" y="2296544"/>
-            <a:ext cx="2444900" cy="523220"/>
-          </a:xfrm>
-          <a:prstGeom prst="rect">
-            <a:avLst/>
-          </a:prstGeom>
-          <a:noFill/>
-        </p:spPr>
-        <p:txBody>
-          <a:bodyPr wrap="none" rtlCol="0">
-            <a:spAutoFit/>
-          </a:bodyPr>
-          <a:lstStyle/>
-          <a:p>
-            <a:r>
-              <a:rPr kumimoji="1" lang="en-US" altLang="ja-JP" sz="2800" dirty="0"/>
-              <a:t>(</a:t>
-            </a:r>
-            <a:r>
-              <a:rPr kumimoji="1" lang="ja-JP" altLang="en-US" sz="2800"/>
-              <a:t>第</a:t>
-            </a:r>
-            <a:r>
-              <a:rPr kumimoji="1" lang="en-US" altLang="ja-JP" sz="2800" dirty="0"/>
-              <a:t>2</a:t>
-            </a:r>
-            <a:r>
-              <a:rPr kumimoji="1" lang="ja-JP" altLang="en-US" sz="2800"/>
-              <a:t>回の輪講</a:t>
-            </a:r>
-            <a:r>
-              <a:rPr kumimoji="1" lang="en-US" altLang="ja-JP" sz="2800" dirty="0"/>
-              <a:t>)</a:t>
-            </a:r>
-          </a:p>
-        </p:txBody>
-      </p:sp>
-      <p:sp>
-        <p:nvSpPr>
-          <p:cNvPr id="6" name="テキスト ボックス 5">
-            <a:extLst>
-              <a:ext uri="{FF2B5EF4-FFF2-40B4-BE49-F238E27FC236}">
-                <a16:creationId xmlns:a16="http://schemas.microsoft.com/office/drawing/2014/main" id="{44B91987-6146-6B40-A0EA-339F7A83C8E2}"/>
-              </a:ext>
-            </a:extLst>
-          </p:cNvPr>
-          <p:cNvSpPr txBox="1"/>
-          <p:nvPr/>
-        </p:nvSpPr>
-        <p:spPr>
-          <a:xfrm>
-            <a:off x="9404353" y="3919525"/>
-            <a:ext cx="2861681" cy="523220"/>
-          </a:xfrm>
-          <a:prstGeom prst="rect">
-            <a:avLst/>
-          </a:prstGeom>
-          <a:noFill/>
-        </p:spPr>
-        <p:txBody>
-          <a:bodyPr wrap="none" rtlCol="0">
-            <a:spAutoFit/>
-          </a:bodyPr>
-          <a:lstStyle/>
-          <a:p>
-            <a:r>
-              <a:rPr kumimoji="1" lang="en-US" altLang="ja-JP" sz="2800" dirty="0"/>
-              <a:t>(</a:t>
-            </a:r>
-            <a:r>
-              <a:rPr kumimoji="1" lang="ja-JP" altLang="en-US" sz="2800"/>
-              <a:t>第</a:t>
-            </a:r>
-            <a:r>
-              <a:rPr kumimoji="1" lang="en-US" altLang="ja-JP" sz="2800" dirty="0"/>
-              <a:t>3~5</a:t>
-            </a:r>
-            <a:r>
-              <a:rPr kumimoji="1" lang="ja-JP" altLang="en-US" sz="2800"/>
-              <a:t>回の輪講</a:t>
-            </a:r>
-            <a:r>
-              <a:rPr kumimoji="1" lang="en-US" altLang="ja-JP" sz="2800" dirty="0"/>
-              <a:t>)</a:t>
-            </a:r>
-          </a:p>
-        </p:txBody>
-      </p:sp>
-    </p:spTree>
-    <p:extLst>
-      <p:ext uri="{BB962C8B-B14F-4D97-AF65-F5344CB8AC3E}">
-        <p14:creationId xmlns:p14="http://schemas.microsoft.com/office/powerpoint/2010/main" val="2143142577"/>
-      </p:ext>
-    </p:extLst>
-  </p:cSld>
-  <p:clrMapOvr>
-    <a:masterClrMapping/>
-  </p:clrMapOvr>
-</p:sld>
-</file>
-
-<file path=ppt/slides/slide14.xml><?xml version="1.0" encoding="utf-8"?>
-<p:sld xmlns:a="http://schemas.openxmlformats.org/drawingml/2006/main" xmlns:r="http://schemas.openxmlformats.org/officeDocument/2006/relationships" xmlns:p="http://schemas.openxmlformats.org/presentationml/2006/main">
-  <p:cSld>
-    <p:spTree>
-      <p:nvGrpSpPr>
-        <p:cNvPr id="1" name=""/>
-        <p:cNvGrpSpPr/>
-        <p:nvPr/>
-      </p:nvGrpSpPr>
-      <p:grpSpPr>
-        <a:xfrm>
-          <a:off x="0" y="0"/>
-          <a:ext cx="0" cy="0"/>
-          <a:chOff x="0" y="0"/>
-          <a:chExt cx="0" cy="0"/>
-        </a:xfrm>
-      </p:grpSpPr>
-      <p:sp>
-        <p:nvSpPr>
-          <p:cNvPr id="2" name="タイトル 1">
-            <a:extLst>
-              <a:ext uri="{FF2B5EF4-FFF2-40B4-BE49-F238E27FC236}">
-                <a16:creationId xmlns:a16="http://schemas.microsoft.com/office/drawing/2014/main" id="{E7404957-97CD-E247-9AD1-739CD02D4370}"/>
-              </a:ext>
-            </a:extLst>
-          </p:cNvPr>
-          <p:cNvSpPr>
-            <a:spLocks noGrp="1"/>
-          </p:cNvSpPr>
-          <p:nvPr>
-            <p:ph type="title"/>
-          </p:nvPr>
-        </p:nvSpPr>
-        <p:spPr/>
-        <p:txBody>
-          <a:bodyPr/>
-          <a:lstStyle/>
-          <a:p>
-            <a:r>
-              <a:rPr kumimoji="1" lang="ja-JP" altLang="en-US"/>
-              <a:t>スケジュール</a:t>
-            </a:r>
-          </a:p>
-        </p:txBody>
-      </p:sp>
-      <p:sp>
-        <p:nvSpPr>
-          <p:cNvPr id="3" name="コンテンツ プレースホルダー 2">
-            <a:extLst>
-              <a:ext uri="{FF2B5EF4-FFF2-40B4-BE49-F238E27FC236}">
-                <a16:creationId xmlns:a16="http://schemas.microsoft.com/office/drawing/2014/main" id="{AD202CB6-0CB7-F040-A472-9A2D848198FA}"/>
-              </a:ext>
-            </a:extLst>
-          </p:cNvPr>
-          <p:cNvSpPr>
-            <a:spLocks noGrp="1"/>
-          </p:cNvSpPr>
-          <p:nvPr>
-            <p:ph idx="1"/>
-          </p:nvPr>
-        </p:nvSpPr>
-        <p:spPr/>
-        <p:txBody>
-          <a:bodyPr>
-            <a:normAutofit/>
-          </a:bodyPr>
-          <a:lstStyle/>
-          <a:p>
-            <a:r>
-              <a:rPr kumimoji="1" lang="ja-JP" altLang="en-US"/>
-              <a:t>第</a:t>
-            </a:r>
-            <a:r>
-              <a:rPr kumimoji="1" lang="en-US" altLang="ja-JP" dirty="0"/>
-              <a:t>1</a:t>
-            </a:r>
-            <a:r>
-              <a:rPr kumimoji="1" lang="ja-JP" altLang="en-US"/>
-              <a:t>回</a:t>
-            </a:r>
-            <a:r>
-              <a:rPr kumimoji="1" lang="en-US" altLang="ja-JP" dirty="0"/>
-              <a:t> (11/12)</a:t>
-            </a:r>
-            <a:endParaRPr lang="en-US" altLang="ja-JP" sz="2800" dirty="0"/>
-          </a:p>
-          <a:p>
-            <a:pPr lvl="1"/>
-            <a:r>
-              <a:rPr lang="ja-JP" altLang="en-US" sz="2400">
-                <a:latin typeface="MS PGothic" panose="020B0600070205080204" pitchFamily="34" charset="-128"/>
-                <a:ea typeface="MS PGothic" panose="020B0600070205080204" pitchFamily="34" charset="-128"/>
-              </a:rPr>
-              <a:t>導入と環境構築</a:t>
-            </a:r>
-            <a:endParaRPr lang="en-US" altLang="ja-JP" sz="2400" dirty="0">
-              <a:latin typeface="MS PGothic" panose="020B0600070205080204" pitchFamily="34" charset="-128"/>
-              <a:ea typeface="MS PGothic" panose="020B0600070205080204" pitchFamily="34" charset="-128"/>
-            </a:endParaRPr>
-          </a:p>
-          <a:p>
-            <a:pPr lvl="1"/>
-            <a:endParaRPr lang="en-US" altLang="ja-JP" sz="2400" dirty="0">
-              <a:latin typeface="MS PGothic" panose="020B0600070205080204" pitchFamily="34" charset="-128"/>
-              <a:ea typeface="MS PGothic" panose="020B0600070205080204" pitchFamily="34" charset="-128"/>
-            </a:endParaRPr>
-          </a:p>
-          <a:p>
-            <a:r>
-              <a:rPr lang="ja-JP" altLang="en-US" sz="2800"/>
-              <a:t>第</a:t>
-            </a:r>
-            <a:r>
-              <a:rPr lang="en-US" altLang="ja-JP" sz="2800" dirty="0"/>
-              <a:t>2</a:t>
-            </a:r>
-            <a:r>
-              <a:rPr lang="ja-JP" altLang="en-US" sz="2800"/>
-              <a:t>回</a:t>
-            </a:r>
-            <a:r>
-              <a:rPr lang="en-US" altLang="ja-JP" sz="2800" dirty="0"/>
-              <a:t>〜</a:t>
-            </a:r>
-            <a:r>
-              <a:rPr lang="ja-JP" altLang="en-US" sz="2800"/>
-              <a:t>第</a:t>
-            </a:r>
-            <a:r>
-              <a:rPr lang="en-US" altLang="ja-JP" sz="2800" dirty="0"/>
-              <a:t>5</a:t>
-            </a:r>
-            <a:r>
-              <a:rPr lang="ja-JP" altLang="en-US" sz="2800"/>
-              <a:t>回</a:t>
-            </a:r>
-            <a:r>
-              <a:rPr lang="en-US" altLang="ja-JP" sz="2800" dirty="0"/>
-              <a:t> (11/19, 11/26, 12/3, 12/10)</a:t>
-            </a:r>
-          </a:p>
-          <a:p>
-            <a:pPr lvl="1"/>
-            <a:r>
-              <a:rPr kumimoji="1" lang="ja-JP" altLang="en-US" sz="2400">
-                <a:latin typeface="MS PGothic" panose="020B0600070205080204" pitchFamily="34" charset="-128"/>
-                <a:ea typeface="MS PGothic" panose="020B0600070205080204" pitchFamily="34" charset="-128"/>
-              </a:rPr>
-              <a:t>輪講：</a:t>
-            </a:r>
-            <a:r>
-              <a:rPr kumimoji="1" lang="en-US" altLang="ja-JP" sz="2400" dirty="0">
-                <a:latin typeface="MS PGothic" panose="020B0600070205080204" pitchFamily="34" charset="-128"/>
-                <a:ea typeface="MS PGothic" panose="020B0600070205080204" pitchFamily="34" charset="-128"/>
-              </a:rPr>
-              <a:t> </a:t>
-            </a:r>
-            <a:r>
-              <a:rPr lang="en" altLang="ja-JP" sz="2400" dirty="0">
-                <a:latin typeface="MS PGothic" panose="020B0600070205080204" pitchFamily="34" charset="-128"/>
-                <a:ea typeface="MS PGothic" panose="020B0600070205080204" pitchFamily="34" charset="-128"/>
-              </a:rPr>
-              <a:t>Walking in Facebook: A Case Study of Unbiased Sampling of OSNs</a:t>
-            </a:r>
-            <a:endParaRPr kumimoji="1" lang="en-US" altLang="ja-JP" sz="2400" dirty="0">
-              <a:latin typeface="MS PGothic" panose="020B0600070205080204" pitchFamily="34" charset="-128"/>
-              <a:ea typeface="MS PGothic" panose="020B0600070205080204" pitchFamily="34" charset="-128"/>
-            </a:endParaRPr>
-          </a:p>
-          <a:p>
-            <a:pPr lvl="1"/>
-            <a:endParaRPr lang="en-US" altLang="ja-JP" dirty="0">
-              <a:latin typeface="MS PGothic" panose="020B0600070205080204" pitchFamily="34" charset="-128"/>
-              <a:ea typeface="MS PGothic" panose="020B0600070205080204" pitchFamily="34" charset="-128"/>
-            </a:endParaRPr>
-          </a:p>
-          <a:p>
-            <a:r>
-              <a:rPr lang="ja-JP" altLang="en-US"/>
-              <a:t>第</a:t>
-            </a:r>
-            <a:r>
-              <a:rPr lang="en-US" altLang="ja-JP" dirty="0"/>
-              <a:t>6</a:t>
-            </a:r>
-            <a:r>
-              <a:rPr lang="ja-JP" altLang="en-US"/>
-              <a:t>回</a:t>
-            </a:r>
-            <a:r>
-              <a:rPr lang="en-US" altLang="ja-JP" dirty="0"/>
-              <a:t> (12/17)</a:t>
-            </a:r>
-          </a:p>
-          <a:p>
-            <a:pPr lvl="1"/>
-            <a:r>
-              <a:rPr lang="ja-JP" altLang="en-US" sz="2400">
-                <a:latin typeface="MS PGothic" panose="020B0600070205080204" pitchFamily="34" charset="-128"/>
-                <a:ea typeface="MS PGothic" panose="020B0600070205080204" pitchFamily="34" charset="-128"/>
-              </a:rPr>
-              <a:t>質問，最終レポート作成の目処を立てる．</a:t>
-            </a:r>
-            <a:endParaRPr lang="en-US" altLang="ja-JP" sz="2400" dirty="0">
-              <a:latin typeface="MS PGothic" panose="020B0600070205080204" pitchFamily="34" charset="-128"/>
-              <a:ea typeface="MS PGothic" panose="020B0600070205080204" pitchFamily="34" charset="-128"/>
-            </a:endParaRPr>
-          </a:p>
-          <a:p>
-            <a:pPr lvl="1"/>
-            <a:endParaRPr lang="en-US" altLang="ja-JP" dirty="0">
-              <a:latin typeface="MS PGothic" panose="020B0600070205080204" pitchFamily="34" charset="-128"/>
-              <a:ea typeface="MS PGothic" panose="020B0600070205080204" pitchFamily="34" charset="-128"/>
-            </a:endParaRPr>
-          </a:p>
-          <a:p>
-            <a:r>
-              <a:rPr lang="ja-JP" altLang="en-US"/>
-              <a:t>最終レポート</a:t>
-            </a:r>
-            <a:endParaRPr lang="en-US" altLang="ja-JP" dirty="0"/>
-          </a:p>
-          <a:p>
-            <a:pPr lvl="1"/>
-            <a:r>
-              <a:rPr lang="ja-JP" altLang="en-US" sz="2400">
-                <a:latin typeface="MS PGothic" panose="020B0600070205080204" pitchFamily="34" charset="-128"/>
-                <a:ea typeface="MS PGothic" panose="020B0600070205080204" pitchFamily="34" charset="-128"/>
-              </a:rPr>
-              <a:t>第一稿提出</a:t>
-            </a:r>
-            <a:r>
-              <a:rPr lang="en-US" altLang="ja-JP" sz="2400" dirty="0">
-                <a:latin typeface="MS PGothic" panose="020B0600070205080204" pitchFamily="34" charset="-128"/>
-                <a:ea typeface="MS PGothic" panose="020B0600070205080204" pitchFamily="34" charset="-128"/>
-              </a:rPr>
-              <a:t>: 12/20, </a:t>
-            </a:r>
-            <a:r>
-              <a:rPr lang="ja-JP" altLang="en-US" sz="2400">
-                <a:latin typeface="MS PGothic" panose="020B0600070205080204" pitchFamily="34" charset="-128"/>
-                <a:ea typeface="MS PGothic" panose="020B0600070205080204" pitchFamily="34" charset="-128"/>
-              </a:rPr>
-              <a:t>最終提出</a:t>
-            </a:r>
-            <a:r>
-              <a:rPr lang="en-US" altLang="ja-JP" sz="2400" dirty="0">
-                <a:latin typeface="MS PGothic" panose="020B0600070205080204" pitchFamily="34" charset="-128"/>
-                <a:ea typeface="MS PGothic" panose="020B0600070205080204" pitchFamily="34" charset="-128"/>
-              </a:rPr>
-              <a:t>: 12/31</a:t>
-            </a:r>
-          </a:p>
-          <a:p>
-            <a:pPr lvl="1"/>
-            <a:endParaRPr kumimoji="1" lang="ja-JP" altLang="en-US"/>
-          </a:p>
-        </p:txBody>
-      </p:sp>
-    </p:spTree>
-    <p:extLst>
-      <p:ext uri="{BB962C8B-B14F-4D97-AF65-F5344CB8AC3E}">
-        <p14:creationId xmlns:p14="http://schemas.microsoft.com/office/powerpoint/2010/main" val="323252154"/>
-      </p:ext>
-    </p:extLst>
-  </p:cSld>
-  <p:clrMapOvr>
-    <a:masterClrMapping/>
-  </p:clrMapOvr>
-</p:sld>
-</file>
-
-<file path=ppt/slides/slide15.xml><?xml version="1.0" encoding="utf-8"?>
-<p:sld xmlns:a="http://schemas.openxmlformats.org/drawingml/2006/main" xmlns:r="http://schemas.openxmlformats.org/officeDocument/2006/relationships" xmlns:p="http://schemas.openxmlformats.org/presentationml/2006/main">
-  <p:cSld>
-    <p:spTree>
-      <p:nvGrpSpPr>
-        <p:cNvPr id="1" name=""/>
-        <p:cNvGrpSpPr/>
-        <p:nvPr/>
-      </p:nvGrpSpPr>
-      <p:grpSpPr>
-        <a:xfrm>
-          <a:off x="0" y="0"/>
-          <a:ext cx="0" cy="0"/>
-          <a:chOff x="0" y="0"/>
-          <a:chExt cx="0" cy="0"/>
-        </a:xfrm>
-      </p:grpSpPr>
-      <p:sp>
-        <p:nvSpPr>
-          <p:cNvPr id="2" name="タイトル 1">
-            <a:extLst>
-              <a:ext uri="{FF2B5EF4-FFF2-40B4-BE49-F238E27FC236}">
-                <a16:creationId xmlns:a16="http://schemas.microsoft.com/office/drawing/2014/main" id="{15C60851-70CE-3841-B4C8-C6B50807B0A5}"/>
-              </a:ext>
-            </a:extLst>
-          </p:cNvPr>
-          <p:cNvSpPr>
-            <a:spLocks noGrp="1"/>
-          </p:cNvSpPr>
-          <p:nvPr>
-            <p:ph type="title"/>
-          </p:nvPr>
-        </p:nvSpPr>
-        <p:spPr/>
-        <p:txBody>
-          <a:bodyPr/>
-          <a:lstStyle/>
-          <a:p>
-            <a:r>
-              <a:rPr lang="ja-JP" altLang="en-US"/>
-              <a:t>準備</a:t>
-            </a:r>
-            <a:endParaRPr kumimoji="1" lang="ja-JP" altLang="en-US"/>
-          </a:p>
-        </p:txBody>
-      </p:sp>
-      <p:sp>
-        <p:nvSpPr>
-          <p:cNvPr id="3" name="コンテンツ プレースホルダー 2">
-            <a:extLst>
-              <a:ext uri="{FF2B5EF4-FFF2-40B4-BE49-F238E27FC236}">
-                <a16:creationId xmlns:a16="http://schemas.microsoft.com/office/drawing/2014/main" id="{625578AF-E1CC-8344-9EA5-6313F4C1ED21}"/>
-              </a:ext>
-            </a:extLst>
-          </p:cNvPr>
-          <p:cNvSpPr>
-            <a:spLocks noGrp="1"/>
-          </p:cNvSpPr>
-          <p:nvPr>
-            <p:ph idx="1"/>
-          </p:nvPr>
-        </p:nvSpPr>
-        <p:spPr/>
-        <p:txBody>
-          <a:bodyPr/>
-          <a:lstStyle/>
-          <a:p>
-            <a:r>
-              <a:rPr kumimoji="1" lang="en-US" altLang="ja-JP" sz="3600" dirty="0"/>
-              <a:t>Slack</a:t>
-            </a:r>
-            <a:r>
-              <a:rPr kumimoji="1" lang="ja-JP" altLang="en-US" sz="3600"/>
-              <a:t>招待</a:t>
-            </a:r>
-            <a:r>
-              <a:rPr lang="en-US" altLang="ja-JP" sz="3600" dirty="0"/>
-              <a:t> (</a:t>
-            </a:r>
-            <a:r>
-              <a:rPr lang="en" altLang="ja-JP" dirty="0">
-                <a:hlinkClick r:id="rId2"/>
-              </a:rPr>
-              <a:t>trial-shudolab-2019.slack.com</a:t>
-            </a:r>
-            <a:r>
-              <a:rPr lang="en" altLang="ja-JP" dirty="0"/>
-              <a:t>)</a:t>
-            </a:r>
-            <a:endParaRPr lang="en-US" altLang="ja-JP" sz="3600" dirty="0"/>
-          </a:p>
-          <a:p>
-            <a:pPr lvl="1"/>
-            <a:endParaRPr kumimoji="1" lang="en-US" altLang="ja-JP" sz="2400" dirty="0"/>
-          </a:p>
-          <a:p>
-            <a:pPr lvl="1"/>
-            <a:r>
-              <a:rPr kumimoji="1" lang="ja-JP" altLang="en-US" sz="2400"/>
-              <a:t>何か質問などあればこちらで．</a:t>
-            </a:r>
-            <a:endParaRPr kumimoji="1" lang="en-US" altLang="ja-JP" sz="2400" dirty="0"/>
-          </a:p>
-          <a:p>
-            <a:pPr lvl="1"/>
-            <a:endParaRPr kumimoji="1" lang="en-US" altLang="ja-JP" sz="2400" dirty="0"/>
-          </a:p>
-          <a:p>
-            <a:r>
-              <a:rPr kumimoji="1" lang="en-US" altLang="ja-JP" sz="3600" dirty="0" err="1"/>
-              <a:t>Github</a:t>
-            </a:r>
-            <a:r>
-              <a:rPr lang="en-US" altLang="ja-JP" sz="3600" dirty="0"/>
-              <a:t> (</a:t>
-            </a:r>
-            <a:r>
-              <a:rPr lang="en" altLang="ja-JP" sz="3600" dirty="0">
-                <a:hlinkClick r:id="rId3"/>
-              </a:rPr>
-              <a:t>https://github.com/kazuibasou/trial_shudolab_2019</a:t>
-            </a:r>
-            <a:r>
-              <a:rPr lang="en-US" altLang="ja-JP" sz="3600" dirty="0"/>
-              <a:t>)</a:t>
-            </a:r>
-          </a:p>
-          <a:p>
-            <a:pPr lvl="1"/>
-            <a:endParaRPr lang="en-US" altLang="ja-JP" sz="2400" dirty="0"/>
-          </a:p>
-          <a:p>
-            <a:pPr lvl="1"/>
-            <a:r>
-              <a:rPr lang="ja-JP" altLang="en-US" sz="2400"/>
-              <a:t>授業や課題レポートの概要，スライドがあります．</a:t>
-            </a:r>
-            <a:endParaRPr lang="en-US" altLang="ja-JP" sz="2400" dirty="0"/>
-          </a:p>
-          <a:p>
-            <a:pPr lvl="1"/>
-            <a:endParaRPr lang="en-US" altLang="ja-JP" sz="2400" dirty="0"/>
-          </a:p>
-          <a:p>
-            <a:r>
-              <a:rPr lang="ja-JP" altLang="en-US" sz="3600"/>
-              <a:t>輪講第</a:t>
-            </a:r>
-            <a:r>
-              <a:rPr lang="en-US" altLang="ja-JP" sz="3600" dirty="0"/>
-              <a:t>3</a:t>
-            </a:r>
-            <a:r>
-              <a:rPr lang="ja-JP" altLang="en-US" sz="3600"/>
-              <a:t>回</a:t>
-            </a:r>
-            <a:r>
-              <a:rPr lang="en-US" altLang="ja-JP" sz="3600" dirty="0"/>
-              <a:t>〜</a:t>
-            </a:r>
-            <a:r>
-              <a:rPr lang="ja-JP" altLang="en-US" sz="3600"/>
-              <a:t>第</a:t>
-            </a:r>
-            <a:r>
-              <a:rPr lang="en-US" altLang="ja-JP" sz="3600" dirty="0"/>
-              <a:t>5</a:t>
-            </a:r>
-            <a:r>
-              <a:rPr lang="ja-JP" altLang="en-US" sz="3600"/>
-              <a:t>回の担当決め</a:t>
-            </a:r>
-            <a:endParaRPr lang="en-US" altLang="ja-JP" dirty="0"/>
-          </a:p>
-          <a:p>
-            <a:endParaRPr lang="en-US" altLang="ja-JP" dirty="0"/>
-          </a:p>
-          <a:p>
-            <a:pPr lvl="1"/>
-            <a:endParaRPr kumimoji="1" lang="ja-JP" altLang="en-US"/>
-          </a:p>
-        </p:txBody>
-      </p:sp>
-    </p:spTree>
-    <p:extLst>
-      <p:ext uri="{BB962C8B-B14F-4D97-AF65-F5344CB8AC3E}">
-        <p14:creationId xmlns:p14="http://schemas.microsoft.com/office/powerpoint/2010/main" val="1291365998"/>
-      </p:ext>
-    </p:extLst>
-  </p:cSld>
-  <p:clrMapOvr>
-    <a:masterClrMapping/>
-  </p:clrMapOvr>
-</p:sld>
-</file>
-
-<file path=ppt/slides/slide16.xml><?xml version="1.0" encoding="utf-8"?>
-<p:sld xmlns:a="http://schemas.openxmlformats.org/drawingml/2006/main" xmlns:r="http://schemas.openxmlformats.org/officeDocument/2006/relationships" xmlns:p="http://schemas.openxmlformats.org/presentationml/2006/main">
-  <p:cSld>
-    <p:spTree>
-      <p:nvGrpSpPr>
-        <p:cNvPr id="1" name=""/>
-        <p:cNvGrpSpPr/>
-        <p:nvPr/>
-      </p:nvGrpSpPr>
-      <p:grpSpPr>
-        <a:xfrm>
-          <a:off x="0" y="0"/>
-          <a:ext cx="0" cy="0"/>
-          <a:chOff x="0" y="0"/>
-          <a:chExt cx="0" cy="0"/>
-        </a:xfrm>
-      </p:grpSpPr>
-      <p:sp>
-        <p:nvSpPr>
-          <p:cNvPr id="2" name="タイトル 1">
-            <a:extLst>
-              <a:ext uri="{FF2B5EF4-FFF2-40B4-BE49-F238E27FC236}">
                 <a16:creationId xmlns:a16="http://schemas.microsoft.com/office/drawing/2014/main" id="{444B9E1E-F74A-BD44-9EE2-43011FF55963}"/>
               </a:ext>
             </a:extLst>
@@ -9731,7 +7754,7 @@
             </a:pPr>
             <a:r>
               <a:rPr kumimoji="1" lang="ja-JP" altLang="en-US"/>
-              <a:t>環境構築．</a:t>
+              <a:t>環境構築を済ませる．</a:t>
             </a:r>
             <a:endParaRPr lang="en-US" altLang="ja-JP" dirty="0"/>
           </a:p>
@@ -10462,7 +8485,7 @@
           <p:cNvPr id="2" name="タイトル 1">
             <a:extLst>
               <a:ext uri="{FF2B5EF4-FFF2-40B4-BE49-F238E27FC236}">
-                <a16:creationId xmlns:a16="http://schemas.microsoft.com/office/drawing/2014/main" id="{A9BCDA13-468A-044F-801B-D896D44F8D60}"/>
+                <a16:creationId xmlns:a16="http://schemas.microsoft.com/office/drawing/2014/main" id="{E7404957-97CD-E247-9AD1-739CD02D4370}"/>
               </a:ext>
             </a:extLst>
           </p:cNvPr>
@@ -10480,7 +8503,7 @@
           <a:p>
             <a:r>
               <a:rPr kumimoji="1" lang="ja-JP" altLang="en-US"/>
-              <a:t>グラフと複雑ネットワーク</a:t>
+              <a:t>スケジュール</a:t>
             </a:r>
           </a:p>
         </p:txBody>
@@ -10490,7 +8513,7 @@
           <p:cNvPr id="3" name="コンテンツ プレースホルダー 2">
             <a:extLst>
               <a:ext uri="{FF2B5EF4-FFF2-40B4-BE49-F238E27FC236}">
-                <a16:creationId xmlns:a16="http://schemas.microsoft.com/office/drawing/2014/main" id="{8CAD7E9F-CC75-5E46-A84A-823757C5A06C}"/>
+                <a16:creationId xmlns:a16="http://schemas.microsoft.com/office/drawing/2014/main" id="{AD202CB6-0CB7-F040-A472-9A2D848198FA}"/>
               </a:ext>
             </a:extLst>
           </p:cNvPr>
@@ -10510,99 +8533,199 @@
           <a:p>
             <a:r>
               <a:rPr kumimoji="1" lang="ja-JP" altLang="en-US"/>
-              <a:t>世の中には多くのネットワークが存在する．</a:t>
-            </a:r>
-            <a:endParaRPr kumimoji="1" lang="en-US" altLang="ja-JP" dirty="0"/>
+              <a:t>第</a:t>
+            </a:r>
+            <a:r>
+              <a:rPr kumimoji="1" lang="en-US" altLang="ja-JP" dirty="0"/>
+              <a:t>1</a:t>
+            </a:r>
+            <a:r>
+              <a:rPr kumimoji="1" lang="ja-JP" altLang="en-US"/>
+              <a:t>回</a:t>
+            </a:r>
+            <a:r>
+              <a:rPr kumimoji="1" lang="en-US" altLang="ja-JP" dirty="0"/>
+              <a:t> (11/12)</a:t>
+            </a:r>
+            <a:endParaRPr lang="en-US" altLang="ja-JP" sz="2800" dirty="0"/>
           </a:p>
           <a:p>
             <a:pPr lvl="1"/>
-            <a:endParaRPr kumimoji="1" lang="en-US" altLang="ja-JP" sz="2400" dirty="0"/>
+            <a:r>
+              <a:rPr lang="ja-JP" altLang="en-US" sz="2400">
+                <a:latin typeface="MS PGothic" panose="020B0600070205080204" pitchFamily="34" charset="-128"/>
+                <a:ea typeface="MS PGothic" panose="020B0600070205080204" pitchFamily="34" charset="-128"/>
+              </a:rPr>
+              <a:t>導入と環境構築</a:t>
+            </a:r>
+            <a:endParaRPr lang="en-US" altLang="ja-JP" sz="2400" dirty="0">
+              <a:latin typeface="MS PGothic" panose="020B0600070205080204" pitchFamily="34" charset="-128"/>
+              <a:ea typeface="MS PGothic" panose="020B0600070205080204" pitchFamily="34" charset="-128"/>
+            </a:endParaRPr>
           </a:p>
           <a:p>
             <a:pPr lvl="1"/>
-            <a:r>
-              <a:rPr kumimoji="1" lang="ja-JP" altLang="en-US" sz="2400"/>
-              <a:t>社会ネットワーク，道路網，インターネット・・・</a:t>
-            </a:r>
-            <a:endParaRPr kumimoji="1" lang="en-US" altLang="ja-JP" sz="2400" dirty="0"/>
+            <a:endParaRPr lang="en-US" altLang="ja-JP" sz="2400" dirty="0">
+              <a:latin typeface="MS PGothic" panose="020B0600070205080204" pitchFamily="34" charset="-128"/>
+              <a:ea typeface="MS PGothic" panose="020B0600070205080204" pitchFamily="34" charset="-128"/>
+            </a:endParaRPr>
+          </a:p>
+          <a:p>
+            <a:r>
+              <a:rPr lang="ja-JP" altLang="en-US" sz="2800"/>
+              <a:t>第</a:t>
+            </a:r>
+            <a:r>
+              <a:rPr lang="en-US" altLang="ja-JP" sz="2800" dirty="0"/>
+              <a:t>2</a:t>
+            </a:r>
+            <a:r>
+              <a:rPr lang="ja-JP" altLang="en-US" sz="2800"/>
+              <a:t>回</a:t>
+            </a:r>
+            <a:r>
+              <a:rPr lang="en-US" altLang="ja-JP" sz="2800" dirty="0"/>
+              <a:t>〜</a:t>
+            </a:r>
+            <a:r>
+              <a:rPr lang="ja-JP" altLang="en-US" sz="2800"/>
+              <a:t>第</a:t>
+            </a:r>
+            <a:r>
+              <a:rPr lang="en-US" altLang="ja-JP" sz="2800" dirty="0"/>
+              <a:t>5</a:t>
+            </a:r>
+            <a:r>
+              <a:rPr lang="ja-JP" altLang="en-US" sz="2800"/>
+              <a:t>回</a:t>
+            </a:r>
+            <a:r>
+              <a:rPr lang="en-US" altLang="ja-JP" sz="2800" dirty="0"/>
+              <a:t> (11/19, 11/26, 12/3, 12/10)</a:t>
+            </a:r>
           </a:p>
           <a:p>
             <a:pPr lvl="1"/>
-            <a:endParaRPr lang="en-US" altLang="ja-JP" sz="2400" dirty="0"/>
-          </a:p>
-          <a:p>
-            <a:r>
-              <a:rPr kumimoji="1" lang="ja-JP" altLang="en-US" sz="3600"/>
-              <a:t>ネットワークは点と線</a:t>
-            </a:r>
-            <a:endParaRPr kumimoji="1" lang="en-US" altLang="ja-JP" sz="3600" dirty="0"/>
+            <a:r>
+              <a:rPr kumimoji="1" lang="ja-JP" altLang="en-US" sz="2400">
+                <a:latin typeface="MS PGothic" panose="020B0600070205080204" pitchFamily="34" charset="-128"/>
+                <a:ea typeface="MS PGothic" panose="020B0600070205080204" pitchFamily="34" charset="-128"/>
+              </a:rPr>
+              <a:t>輪講：</a:t>
+            </a:r>
+            <a:r>
+              <a:rPr kumimoji="1" lang="en-US" altLang="ja-JP" sz="2400" dirty="0">
+                <a:latin typeface="MS PGothic" panose="020B0600070205080204" pitchFamily="34" charset="-128"/>
+                <a:ea typeface="MS PGothic" panose="020B0600070205080204" pitchFamily="34" charset="-128"/>
+              </a:rPr>
+              <a:t> </a:t>
+            </a:r>
+            <a:r>
+              <a:rPr lang="en" altLang="ja-JP" sz="2400" dirty="0">
+                <a:latin typeface="MS PGothic" panose="020B0600070205080204" pitchFamily="34" charset="-128"/>
+                <a:ea typeface="MS PGothic" panose="020B0600070205080204" pitchFamily="34" charset="-128"/>
+              </a:rPr>
+              <a:t>Walking in Facebook: A Case Study of Unbiased Sampling of OSNs</a:t>
+            </a:r>
+            <a:endParaRPr kumimoji="1" lang="en-US" altLang="ja-JP" sz="2400" dirty="0">
+              <a:latin typeface="MS PGothic" panose="020B0600070205080204" pitchFamily="34" charset="-128"/>
+              <a:ea typeface="MS PGothic" panose="020B0600070205080204" pitchFamily="34" charset="-128"/>
+            </a:endParaRPr>
           </a:p>
           <a:p>
             <a:pPr lvl="1"/>
-            <a:endParaRPr kumimoji="1" lang="en-US" altLang="ja-JP" sz="2400" dirty="0"/>
+            <a:endParaRPr lang="en-US" altLang="ja-JP" dirty="0">
+              <a:latin typeface="MS PGothic" panose="020B0600070205080204" pitchFamily="34" charset="-128"/>
+              <a:ea typeface="MS PGothic" panose="020B0600070205080204" pitchFamily="34" charset="-128"/>
+            </a:endParaRPr>
+          </a:p>
+          <a:p>
+            <a:r>
+              <a:rPr lang="ja-JP" altLang="en-US"/>
+              <a:t>第</a:t>
+            </a:r>
+            <a:r>
+              <a:rPr lang="en-US" altLang="ja-JP" dirty="0"/>
+              <a:t>6</a:t>
+            </a:r>
+            <a:r>
+              <a:rPr lang="ja-JP" altLang="en-US"/>
+              <a:t>回</a:t>
+            </a:r>
+            <a:r>
+              <a:rPr lang="en-US" altLang="ja-JP" dirty="0"/>
+              <a:t> (12/17)</a:t>
+            </a:r>
           </a:p>
           <a:p>
             <a:pPr lvl="1"/>
             <a:r>
-              <a:rPr kumimoji="1" lang="ja-JP" altLang="en-US" sz="2400"/>
-              <a:t>グラフで表すことが可能．</a:t>
-            </a:r>
-            <a:endParaRPr lang="en-US" altLang="ja-JP" sz="2400" dirty="0"/>
-          </a:p>
-          <a:p>
-            <a:pPr lvl="2"/>
-            <a:endParaRPr kumimoji="1" lang="en-US" altLang="ja-JP" sz="2200" dirty="0"/>
+              <a:rPr lang="ja-JP" altLang="en-US" sz="2400">
+                <a:latin typeface="MS PGothic" panose="020B0600070205080204" pitchFamily="34" charset="-128"/>
+                <a:ea typeface="MS PGothic" panose="020B0600070205080204" pitchFamily="34" charset="-128"/>
+              </a:rPr>
+              <a:t>質問，最終レポート作成の目処を立てる．</a:t>
+            </a:r>
+            <a:endParaRPr lang="en-US" altLang="ja-JP" sz="2400" dirty="0">
+              <a:latin typeface="MS PGothic" panose="020B0600070205080204" pitchFamily="34" charset="-128"/>
+              <a:ea typeface="MS PGothic" panose="020B0600070205080204" pitchFamily="34" charset="-128"/>
+            </a:endParaRPr>
           </a:p>
           <a:p>
             <a:pPr lvl="1"/>
-            <a:r>
-              <a:rPr lang="ja-JP" altLang="en-US" sz="2400"/>
-              <a:t>ノードとエッジから成るデータ構造</a:t>
-            </a:r>
-            <a:endParaRPr kumimoji="1" lang="en-US" altLang="ja-JP" sz="2400" dirty="0"/>
-          </a:p>
-          <a:p>
-            <a:pPr marL="457200" lvl="1" indent="0">
-              <a:buNone/>
-            </a:pPr>
+            <a:endParaRPr lang="en-US" altLang="ja-JP" dirty="0">
+              <a:latin typeface="MS PGothic" panose="020B0600070205080204" pitchFamily="34" charset="-128"/>
+              <a:ea typeface="MS PGothic" panose="020B0600070205080204" pitchFamily="34" charset="-128"/>
+            </a:endParaRPr>
+          </a:p>
+          <a:p>
+            <a:r>
+              <a:rPr lang="ja-JP" altLang="en-US"/>
+              <a:t>最終レポート</a:t>
+            </a:r>
             <a:endParaRPr lang="en-US" altLang="ja-JP" dirty="0"/>
           </a:p>
-        </p:txBody>
-      </p:sp>
-      <p:pic>
-        <p:nvPicPr>
-          <p:cNvPr id="13" name="図 12">
-            <a:extLst>
-              <a:ext uri="{FF2B5EF4-FFF2-40B4-BE49-F238E27FC236}">
-                <a16:creationId xmlns:a16="http://schemas.microsoft.com/office/drawing/2014/main" id="{A811A90D-D752-BA47-956D-8E1D8D65C742}"/>
-              </a:ext>
-            </a:extLst>
-          </p:cNvPr>
-          <p:cNvPicPr>
-            <a:picLocks noChangeAspect="1"/>
-          </p:cNvPicPr>
-          <p:nvPr/>
-        </p:nvPicPr>
-        <p:blipFill>
-          <a:blip r:embed="rId2"/>
-          <a:stretch>
-            <a:fillRect/>
-          </a:stretch>
-        </p:blipFill>
-        <p:spPr>
-          <a:xfrm>
-            <a:off x="5235530" y="3258000"/>
-            <a:ext cx="6956470" cy="3600000"/>
-          </a:xfrm>
-          <a:prstGeom prst="rect">
-            <a:avLst/>
-          </a:prstGeom>
-        </p:spPr>
-      </p:pic>
+          <a:p>
+            <a:pPr lvl="1"/>
+            <a:r>
+              <a:rPr lang="ja-JP" altLang="en-US" sz="2400">
+                <a:latin typeface="MS PGothic" panose="020B0600070205080204" pitchFamily="34" charset="-128"/>
+                <a:ea typeface="MS PGothic" panose="020B0600070205080204" pitchFamily="34" charset="-128"/>
+              </a:rPr>
+              <a:t>第一稿提出</a:t>
+            </a:r>
+            <a:r>
+              <a:rPr lang="en-US" altLang="ja-JP" sz="2400" dirty="0">
+                <a:latin typeface="MS PGothic" panose="020B0600070205080204" pitchFamily="34" charset="-128"/>
+                <a:ea typeface="MS PGothic" panose="020B0600070205080204" pitchFamily="34" charset="-128"/>
+              </a:rPr>
+              <a:t>: 12/20, </a:t>
+            </a:r>
+            <a:r>
+              <a:rPr lang="ja-JP" altLang="en-US" sz="2400">
+                <a:latin typeface="MS PGothic" panose="020B0600070205080204" pitchFamily="34" charset="-128"/>
+                <a:ea typeface="MS PGothic" panose="020B0600070205080204" pitchFamily="34" charset="-128"/>
+              </a:rPr>
+              <a:t>最終提出</a:t>
+            </a:r>
+            <a:r>
+              <a:rPr lang="en-US" altLang="ja-JP" sz="2400" dirty="0">
+                <a:latin typeface="MS PGothic" panose="020B0600070205080204" pitchFamily="34" charset="-128"/>
+                <a:ea typeface="MS PGothic" panose="020B0600070205080204" pitchFamily="34" charset="-128"/>
+              </a:rPr>
+              <a:t>: 12/31</a:t>
+            </a:r>
+          </a:p>
+          <a:p>
+            <a:pPr lvl="1"/>
+            <a:endParaRPr kumimoji="1" lang="ja-JP" altLang="en-US"/>
+          </a:p>
+        </p:txBody>
+      </p:sp>
     </p:spTree>
     <p:extLst>
       <p:ext uri="{BB962C8B-B14F-4D97-AF65-F5344CB8AC3E}">
-        <p14:creationId xmlns:p14="http://schemas.microsoft.com/office/powerpoint/2010/main" val="4023322909"/>
+        <p14:creationId xmlns:p14="http://schemas.microsoft.com/office/powerpoint/2010/main" val="323252154"/>
       </p:ext>
     </p:extLst>
   </p:cSld>
@@ -10634,7 +8757,7 @@
           <p:cNvPr id="2" name="タイトル 1">
             <a:extLst>
               <a:ext uri="{FF2B5EF4-FFF2-40B4-BE49-F238E27FC236}">
-                <a16:creationId xmlns:a16="http://schemas.microsoft.com/office/drawing/2014/main" id="{5FD72663-E218-B54A-84F8-14FFC1D6508A}"/>
+                <a16:creationId xmlns:a16="http://schemas.microsoft.com/office/drawing/2014/main" id="{04820F01-A293-DC48-8F25-580832C24B40}"/>
               </a:ext>
             </a:extLst>
           </p:cNvPr>
@@ -10652,7 +8775,7 @@
           <a:p>
             <a:r>
               <a:rPr kumimoji="1" lang="ja-JP" altLang="en-US"/>
-              <a:t>複雑ネットワークの研究の幕開け</a:t>
+              <a:t>複雑ネットワークとグラフ</a:t>
             </a:r>
           </a:p>
         </p:txBody>
@@ -10662,7 +8785,7 @@
           <p:cNvPr id="3" name="コンテンツ プレースホルダー 2">
             <a:extLst>
               <a:ext uri="{FF2B5EF4-FFF2-40B4-BE49-F238E27FC236}">
-                <a16:creationId xmlns:a16="http://schemas.microsoft.com/office/drawing/2014/main" id="{E20B6D46-D48E-1C4A-8266-99B7B1FD0C0F}"/>
+                <a16:creationId xmlns:a16="http://schemas.microsoft.com/office/drawing/2014/main" id="{F70A3B6E-EBDC-494E-87A2-4A65D140A11C}"/>
               </a:ext>
             </a:extLst>
           </p:cNvPr>
@@ -10680,23 +8803,9 @@
           <a:p>
             <a:r>
               <a:rPr lang="ja-JP" altLang="en-US" sz="3600"/>
-              <a:t>ワッツ・ストロガッツモデル</a:t>
-            </a:r>
-            <a:r>
-              <a:rPr lang="en-US" altLang="ja-JP" sz="3600" dirty="0"/>
-              <a:t> (1998)</a:t>
-            </a:r>
-          </a:p>
-          <a:p>
+              <a:t>世の中には多くのネットワークが存在する．</a:t>
+            </a:r>
             <a:endParaRPr lang="en-US" altLang="ja-JP" sz="3600" dirty="0"/>
-          </a:p>
-          <a:p>
-            <a:pPr lvl="1"/>
-            <a:r>
-              <a:rPr lang="ja-JP" altLang="en-US" sz="2400"/>
-              <a:t>６次の隔たり</a:t>
-            </a:r>
-            <a:endParaRPr lang="en-US" altLang="ja-JP" sz="2400" dirty="0"/>
           </a:p>
           <a:p>
             <a:pPr lvl="1"/>
@@ -10705,55 +8814,56 @@
           <a:p>
             <a:pPr lvl="1"/>
             <a:r>
-              <a:rPr lang="ja-JP" altLang="en-US" sz="2400"/>
-              <a:t>大体のネットワークの平均距離ってすげぇ短いぞ！！</a:t>
-            </a:r>
-            <a:endParaRPr lang="en-US" altLang="ja-JP" sz="2400" dirty="0"/>
-          </a:p>
-          <a:p>
-            <a:pPr lvl="2"/>
-            <a:endParaRPr lang="en-US" altLang="ja-JP" sz="2000" dirty="0"/>
-          </a:p>
-          <a:p>
-            <a:pPr lvl="2"/>
-            <a:r>
-              <a:rPr lang="ja-JP" altLang="en-US" sz="2000" b="1"/>
-              <a:t>スモールワールド性</a:t>
-            </a:r>
-            <a:endParaRPr lang="en-US" altLang="ja-JP" sz="2000" b="1" dirty="0"/>
-          </a:p>
-          <a:p>
-            <a:pPr lvl="2"/>
-            <a:endParaRPr lang="en-US" altLang="ja-JP" sz="2000" dirty="0"/>
+              <a:rPr lang="ja-JP" altLang="en-US" sz="3200"/>
+              <a:t>社会ネットワーク，道路網，インターネット・・・</a:t>
+            </a:r>
+            <a:endParaRPr lang="en-US" altLang="ja-JP" sz="3200" dirty="0"/>
+          </a:p>
+          <a:p>
+            <a:endParaRPr kumimoji="1" lang="en-US" altLang="ja-JP" dirty="0"/>
+          </a:p>
+          <a:p>
+            <a:r>
+              <a:rPr kumimoji="1" lang="ja-JP" altLang="en-US" sz="3600"/>
+              <a:t>ネットワークはグラフで表すことができる．</a:t>
+            </a:r>
+            <a:endParaRPr kumimoji="1" lang="en-US" altLang="ja-JP" sz="3600" dirty="0"/>
           </a:p>
           <a:p>
             <a:pPr lvl="1"/>
-            <a:r>
-              <a:rPr lang="ja-JP" altLang="en-US" sz="2400"/>
-              <a:t>スモールワールド性を満たすグラフモデル作ったよ！！</a:t>
-            </a:r>
-            <a:endParaRPr lang="en-US" altLang="ja-JP" sz="2400" dirty="0"/>
+            <a:endParaRPr lang="en-US" altLang="ja-JP" sz="2800" dirty="0"/>
+          </a:p>
+          <a:p>
+            <a:pPr lvl="1"/>
+            <a:r>
+              <a:rPr lang="ja-JP" altLang="en-US" sz="2800"/>
+              <a:t>グラフとは，ノードとエッジから成るデータ構造．</a:t>
+            </a:r>
+            <a:endParaRPr lang="en-US" altLang="ja-JP" sz="2800" dirty="0"/>
+          </a:p>
+          <a:p>
+            <a:pPr lvl="1"/>
+            <a:endParaRPr lang="en-US" altLang="ja-JP" sz="2800" dirty="0"/>
+          </a:p>
+          <a:p>
+            <a:pPr lvl="1"/>
+            <a:r>
+              <a:rPr lang="ja-JP" altLang="en-US" sz="2800"/>
+              <a:t>様々な統計量から構造的特徴を理解する．</a:t>
+            </a:r>
           </a:p>
           <a:p>
             <a:pPr lvl="1"/>
             <a:endParaRPr lang="en-US" altLang="ja-JP" dirty="0"/>
           </a:p>
-          <a:p>
-            <a:pPr lvl="1"/>
-            <a:endParaRPr lang="en-US" altLang="ja-JP" dirty="0"/>
-          </a:p>
-          <a:p>
-            <a:pPr lvl="1"/>
-            <a:endParaRPr kumimoji="1" lang="ja-JP" altLang="en-US"/>
-          </a:p>
         </p:txBody>
       </p:sp>
       <p:pic>
         <p:nvPicPr>
-          <p:cNvPr id="5" name="図 4">
+          <p:cNvPr id="4" name="コンテンツ プレースホルダー 3">
             <a:extLst>
               <a:ext uri="{FF2B5EF4-FFF2-40B4-BE49-F238E27FC236}">
-                <a16:creationId xmlns:a16="http://schemas.microsoft.com/office/drawing/2014/main" id="{6D5F95BC-7629-6249-85F9-A69B54466335}"/>
+                <a16:creationId xmlns:a16="http://schemas.microsoft.com/office/drawing/2014/main" id="{F5E39849-7137-D04E-8588-4AC5B398655C}"/>
               </a:ext>
             </a:extLst>
           </p:cNvPr>
@@ -10763,27 +8873,803 @@
           <p:nvPr/>
         </p:nvPicPr>
         <p:blipFill>
-          <a:blip r:embed="rId2"/>
+          <a:blip r:embed="rId2">
+            <a:extLst>
+              <a:ext uri="{28A0092B-C50C-407E-A947-70E740481C1C}">
+                <a14:useLocalDpi xmlns:a14="http://schemas.microsoft.com/office/drawing/2010/main" val="0"/>
+              </a:ext>
+            </a:extLst>
+          </a:blip>
           <a:stretch>
             <a:fillRect/>
           </a:stretch>
         </p:blipFill>
         <p:spPr>
           <a:xfrm>
-            <a:off x="8699500" y="3060700"/>
-            <a:ext cx="3492500" cy="3797300"/>
+            <a:off x="7334924" y="4646378"/>
+            <a:ext cx="423837" cy="540000"/>
           </a:xfrm>
           <a:prstGeom prst="rect">
             <a:avLst/>
           </a:prstGeom>
         </p:spPr>
       </p:pic>
-      <p:sp>
-        <p:nvSpPr>
-          <p:cNvPr id="6" name="テキスト ボックス 5">
+      <p:pic>
+        <p:nvPicPr>
+          <p:cNvPr id="5" name="コンテンツ プレースホルダー 3">
             <a:extLst>
               <a:ext uri="{FF2B5EF4-FFF2-40B4-BE49-F238E27FC236}">
-                <a16:creationId xmlns:a16="http://schemas.microsoft.com/office/drawing/2014/main" id="{6FAFF895-C312-A24C-A099-6F972707CA55}"/>
+                <a16:creationId xmlns:a16="http://schemas.microsoft.com/office/drawing/2014/main" id="{348D9260-6D29-934A-B5E9-0A4EB586F686}"/>
+              </a:ext>
+            </a:extLst>
+          </p:cNvPr>
+          <p:cNvPicPr>
+            <a:picLocks noChangeAspect="1"/>
+          </p:cNvPicPr>
+          <p:nvPr/>
+        </p:nvPicPr>
+        <p:blipFill>
+          <a:blip r:embed="rId2">
+            <a:extLst>
+              <a:ext uri="{28A0092B-C50C-407E-A947-70E740481C1C}">
+                <a14:useLocalDpi xmlns:a14="http://schemas.microsoft.com/office/drawing/2010/main" val="0"/>
+              </a:ext>
+            </a:extLst>
+          </a:blip>
+          <a:stretch>
+            <a:fillRect/>
+          </a:stretch>
+        </p:blipFill>
+        <p:spPr>
+          <a:xfrm>
+            <a:off x="8296109" y="5588465"/>
+            <a:ext cx="423837" cy="540000"/>
+          </a:xfrm>
+          <a:prstGeom prst="rect">
+            <a:avLst/>
+          </a:prstGeom>
+        </p:spPr>
+      </p:pic>
+      <p:pic>
+        <p:nvPicPr>
+          <p:cNvPr id="6" name="コンテンツ プレースホルダー 3">
+            <a:extLst>
+              <a:ext uri="{FF2B5EF4-FFF2-40B4-BE49-F238E27FC236}">
+                <a16:creationId xmlns:a16="http://schemas.microsoft.com/office/drawing/2014/main" id="{6CF7956A-985C-7F4C-A217-580AEC4E27EC}"/>
+              </a:ext>
+            </a:extLst>
+          </p:cNvPr>
+          <p:cNvPicPr>
+            <a:picLocks noChangeAspect="1"/>
+          </p:cNvPicPr>
+          <p:nvPr/>
+        </p:nvPicPr>
+        <p:blipFill>
+          <a:blip r:embed="rId2">
+            <a:extLst>
+              <a:ext uri="{28A0092B-C50C-407E-A947-70E740481C1C}">
+                <a14:useLocalDpi xmlns:a14="http://schemas.microsoft.com/office/drawing/2010/main" val="0"/>
+              </a:ext>
+            </a:extLst>
+          </a:blip>
+          <a:stretch>
+            <a:fillRect/>
+          </a:stretch>
+        </p:blipFill>
+        <p:spPr>
+          <a:xfrm>
+            <a:off x="7123005" y="5586883"/>
+            <a:ext cx="423837" cy="540000"/>
+          </a:xfrm>
+          <a:prstGeom prst="rect">
+            <a:avLst/>
+          </a:prstGeom>
+        </p:spPr>
+      </p:pic>
+      <p:pic>
+        <p:nvPicPr>
+          <p:cNvPr id="7" name="コンテンツ プレースホルダー 3">
+            <a:extLst>
+              <a:ext uri="{FF2B5EF4-FFF2-40B4-BE49-F238E27FC236}">
+                <a16:creationId xmlns:a16="http://schemas.microsoft.com/office/drawing/2014/main" id="{EA2F596E-644B-A642-9483-3297572359B8}"/>
+              </a:ext>
+            </a:extLst>
+          </p:cNvPr>
+          <p:cNvPicPr>
+            <a:picLocks noChangeAspect="1"/>
+          </p:cNvPicPr>
+          <p:nvPr/>
+        </p:nvPicPr>
+        <p:blipFill>
+          <a:blip r:embed="rId2">
+            <a:extLst>
+              <a:ext uri="{28A0092B-C50C-407E-A947-70E740481C1C}">
+                <a14:useLocalDpi xmlns:a14="http://schemas.microsoft.com/office/drawing/2010/main" val="0"/>
+              </a:ext>
+            </a:extLst>
+          </a:blip>
+          <a:stretch>
+            <a:fillRect/>
+          </a:stretch>
+        </p:blipFill>
+        <p:spPr>
+          <a:xfrm>
+            <a:off x="8489289" y="4647344"/>
+            <a:ext cx="423837" cy="540000"/>
+          </a:xfrm>
+          <a:prstGeom prst="rect">
+            <a:avLst/>
+          </a:prstGeom>
+        </p:spPr>
+      </p:pic>
+      <p:cxnSp>
+        <p:nvCxnSpPr>
+          <p:cNvPr id="8" name="直線コネクタ 7">
+            <a:extLst>
+              <a:ext uri="{FF2B5EF4-FFF2-40B4-BE49-F238E27FC236}">
+                <a16:creationId xmlns:a16="http://schemas.microsoft.com/office/drawing/2014/main" id="{7032299F-4CE4-144F-A0E3-8A0E9A3F23D5}"/>
+              </a:ext>
+            </a:extLst>
+          </p:cNvPr>
+          <p:cNvCxnSpPr>
+            <a:stCxn id="4" idx="3"/>
+            <a:endCxn id="7" idx="1"/>
+          </p:cNvCxnSpPr>
+          <p:nvPr/>
+        </p:nvCxnSpPr>
+        <p:spPr>
+          <a:xfrm>
+            <a:off x="7758761" y="4916378"/>
+            <a:ext cx="730528" cy="966"/>
+          </a:xfrm>
+          <a:prstGeom prst="line">
+            <a:avLst/>
+          </a:prstGeom>
+          <a:ln w="38100">
+            <a:solidFill>
+              <a:schemeClr val="tx1"/>
+            </a:solidFill>
+          </a:ln>
+        </p:spPr>
+        <p:style>
+          <a:lnRef idx="1">
+            <a:schemeClr val="accent1"/>
+          </a:lnRef>
+          <a:fillRef idx="0">
+            <a:schemeClr val="accent1"/>
+          </a:fillRef>
+          <a:effectRef idx="0">
+            <a:schemeClr val="accent1"/>
+          </a:effectRef>
+          <a:fontRef idx="minor">
+            <a:schemeClr val="tx1"/>
+          </a:fontRef>
+        </p:style>
+      </p:cxnSp>
+      <p:cxnSp>
+        <p:nvCxnSpPr>
+          <p:cNvPr id="9" name="直線コネクタ 8">
+            <a:extLst>
+              <a:ext uri="{FF2B5EF4-FFF2-40B4-BE49-F238E27FC236}">
+                <a16:creationId xmlns:a16="http://schemas.microsoft.com/office/drawing/2014/main" id="{50FBDFD8-D519-C244-AF3A-4CBD624CA7B4}"/>
+              </a:ext>
+            </a:extLst>
+          </p:cNvPr>
+          <p:cNvCxnSpPr>
+            <a:stCxn id="5" idx="0"/>
+            <a:endCxn id="7" idx="2"/>
+          </p:cNvCxnSpPr>
+          <p:nvPr/>
+        </p:nvCxnSpPr>
+        <p:spPr>
+          <a:xfrm flipV="1">
+            <a:off x="8508028" y="5187344"/>
+            <a:ext cx="193180" cy="401121"/>
+          </a:xfrm>
+          <a:prstGeom prst="line">
+            <a:avLst/>
+          </a:prstGeom>
+          <a:ln w="38100">
+            <a:solidFill>
+              <a:schemeClr val="tx1"/>
+            </a:solidFill>
+          </a:ln>
+        </p:spPr>
+        <p:style>
+          <a:lnRef idx="1">
+            <a:schemeClr val="accent1"/>
+          </a:lnRef>
+          <a:fillRef idx="0">
+            <a:schemeClr val="accent1"/>
+          </a:fillRef>
+          <a:effectRef idx="0">
+            <a:schemeClr val="accent1"/>
+          </a:effectRef>
+          <a:fontRef idx="minor">
+            <a:schemeClr val="tx1"/>
+          </a:fontRef>
+        </p:style>
+      </p:cxnSp>
+      <p:cxnSp>
+        <p:nvCxnSpPr>
+          <p:cNvPr id="10" name="直線コネクタ 9">
+            <a:extLst>
+              <a:ext uri="{FF2B5EF4-FFF2-40B4-BE49-F238E27FC236}">
+                <a16:creationId xmlns:a16="http://schemas.microsoft.com/office/drawing/2014/main" id="{2749D746-0F24-3A46-9E62-FD9EFEC44FF6}"/>
+              </a:ext>
+            </a:extLst>
+          </p:cNvPr>
+          <p:cNvCxnSpPr>
+            <a:stCxn id="4" idx="2"/>
+            <a:endCxn id="6" idx="0"/>
+          </p:cNvCxnSpPr>
+          <p:nvPr/>
+        </p:nvCxnSpPr>
+        <p:spPr>
+          <a:xfrm flipH="1">
+            <a:off x="7334924" y="5186378"/>
+            <a:ext cx="211919" cy="400505"/>
+          </a:xfrm>
+          <a:prstGeom prst="line">
+            <a:avLst/>
+          </a:prstGeom>
+          <a:ln w="38100">
+            <a:solidFill>
+              <a:schemeClr val="tx1"/>
+            </a:solidFill>
+          </a:ln>
+        </p:spPr>
+        <p:style>
+          <a:lnRef idx="1">
+            <a:schemeClr val="accent1"/>
+          </a:lnRef>
+          <a:fillRef idx="0">
+            <a:schemeClr val="accent1"/>
+          </a:fillRef>
+          <a:effectRef idx="0">
+            <a:schemeClr val="accent1"/>
+          </a:effectRef>
+          <a:fontRef idx="minor">
+            <a:schemeClr val="tx1"/>
+          </a:fontRef>
+        </p:style>
+      </p:cxnSp>
+      <p:cxnSp>
+        <p:nvCxnSpPr>
+          <p:cNvPr id="11" name="直線コネクタ 10">
+            <a:extLst>
+              <a:ext uri="{FF2B5EF4-FFF2-40B4-BE49-F238E27FC236}">
+                <a16:creationId xmlns:a16="http://schemas.microsoft.com/office/drawing/2014/main" id="{2CA54850-9B32-B946-87F8-E8929A83BFE3}"/>
+              </a:ext>
+            </a:extLst>
+          </p:cNvPr>
+          <p:cNvCxnSpPr>
+            <a:cxnSpLocks/>
+            <a:stCxn id="4" idx="2"/>
+            <a:endCxn id="5" idx="0"/>
+          </p:cNvCxnSpPr>
+          <p:nvPr/>
+        </p:nvCxnSpPr>
+        <p:spPr>
+          <a:xfrm>
+            <a:off x="7546843" y="5186378"/>
+            <a:ext cx="961185" cy="402087"/>
+          </a:xfrm>
+          <a:prstGeom prst="line">
+            <a:avLst/>
+          </a:prstGeom>
+          <a:ln w="38100">
+            <a:solidFill>
+              <a:schemeClr val="tx1"/>
+            </a:solidFill>
+          </a:ln>
+        </p:spPr>
+        <p:style>
+          <a:lnRef idx="1">
+            <a:schemeClr val="accent1"/>
+          </a:lnRef>
+          <a:fillRef idx="0">
+            <a:schemeClr val="accent1"/>
+          </a:fillRef>
+          <a:effectRef idx="0">
+            <a:schemeClr val="accent1"/>
+          </a:effectRef>
+          <a:fontRef idx="minor">
+            <a:schemeClr val="tx1"/>
+          </a:fontRef>
+        </p:style>
+      </p:cxnSp>
+      <p:cxnSp>
+        <p:nvCxnSpPr>
+          <p:cNvPr id="12" name="直線コネクタ 11">
+            <a:extLst>
+              <a:ext uri="{FF2B5EF4-FFF2-40B4-BE49-F238E27FC236}">
+                <a16:creationId xmlns:a16="http://schemas.microsoft.com/office/drawing/2014/main" id="{E95D9719-E5CD-8945-934A-1EBCFC5C0E69}"/>
+              </a:ext>
+            </a:extLst>
+          </p:cNvPr>
+          <p:cNvCxnSpPr>
+            <a:stCxn id="5" idx="1"/>
+            <a:endCxn id="6" idx="3"/>
+          </p:cNvCxnSpPr>
+          <p:nvPr/>
+        </p:nvCxnSpPr>
+        <p:spPr>
+          <a:xfrm flipH="1" flipV="1">
+            <a:off x="7546842" y="5856883"/>
+            <a:ext cx="749267" cy="1582"/>
+          </a:xfrm>
+          <a:prstGeom prst="line">
+            <a:avLst/>
+          </a:prstGeom>
+          <a:ln w="38100">
+            <a:solidFill>
+              <a:schemeClr val="tx1"/>
+            </a:solidFill>
+          </a:ln>
+        </p:spPr>
+        <p:style>
+          <a:lnRef idx="1">
+            <a:schemeClr val="accent1"/>
+          </a:lnRef>
+          <a:fillRef idx="0">
+            <a:schemeClr val="accent1"/>
+          </a:fillRef>
+          <a:effectRef idx="0">
+            <a:schemeClr val="accent1"/>
+          </a:effectRef>
+          <a:fontRef idx="minor">
+            <a:schemeClr val="tx1"/>
+          </a:fontRef>
+        </p:style>
+      </p:cxnSp>
+      <p:sp>
+        <p:nvSpPr>
+          <p:cNvPr id="13" name="楕円 23">
+            <a:extLst>
+              <a:ext uri="{FF2B5EF4-FFF2-40B4-BE49-F238E27FC236}">
+                <a16:creationId xmlns:a16="http://schemas.microsoft.com/office/drawing/2014/main" id="{B60450AF-826C-5249-BE63-8FAB240E3CDD}"/>
+              </a:ext>
+            </a:extLst>
+          </p:cNvPr>
+          <p:cNvSpPr>
+            <a:spLocks noChangeAspect="1"/>
+          </p:cNvSpPr>
+          <p:nvPr/>
+        </p:nvSpPr>
+        <p:spPr>
+          <a:xfrm>
+            <a:off x="10312242" y="4502762"/>
+            <a:ext cx="540000" cy="540000"/>
+          </a:xfrm>
+          <a:prstGeom prst="ellipse">
+            <a:avLst/>
+          </a:prstGeom>
+          <a:noFill/>
+          <a:ln w="38100">
+            <a:solidFill>
+              <a:srgbClr val="0070C0"/>
+            </a:solidFill>
+          </a:ln>
+        </p:spPr>
+        <p:style>
+          <a:lnRef idx="2">
+            <a:schemeClr val="accent1">
+              <a:shade val="50000"/>
+            </a:schemeClr>
+          </a:lnRef>
+          <a:fillRef idx="1">
+            <a:schemeClr val="accent1"/>
+          </a:fillRef>
+          <a:effectRef idx="0">
+            <a:schemeClr val="accent1"/>
+          </a:effectRef>
+          <a:fontRef idx="minor">
+            <a:schemeClr val="lt1"/>
+          </a:fontRef>
+        </p:style>
+        <p:txBody>
+          <a:bodyPr rtlCol="0" anchor="ctr"/>
+          <a:lstStyle/>
+          <a:p>
+            <a:pPr algn="ctr"/>
+            <a:endParaRPr kumimoji="1" lang="ja-JP" altLang="en-US"/>
+          </a:p>
+        </p:txBody>
+      </p:sp>
+      <p:sp>
+        <p:nvSpPr>
+          <p:cNvPr id="14" name="楕円 24">
+            <a:extLst>
+              <a:ext uri="{FF2B5EF4-FFF2-40B4-BE49-F238E27FC236}">
+                <a16:creationId xmlns:a16="http://schemas.microsoft.com/office/drawing/2014/main" id="{AD612DC2-AD8E-5B43-8F89-4DF970D429E4}"/>
+              </a:ext>
+            </a:extLst>
+          </p:cNvPr>
+          <p:cNvSpPr>
+            <a:spLocks noChangeAspect="1"/>
+          </p:cNvSpPr>
+          <p:nvPr/>
+        </p:nvSpPr>
+        <p:spPr>
+          <a:xfrm>
+            <a:off x="11466607" y="4502377"/>
+            <a:ext cx="540000" cy="540000"/>
+          </a:xfrm>
+          <a:prstGeom prst="ellipse">
+            <a:avLst/>
+          </a:prstGeom>
+          <a:noFill/>
+          <a:ln w="38100">
+            <a:solidFill>
+              <a:srgbClr val="0070C0"/>
+            </a:solidFill>
+          </a:ln>
+        </p:spPr>
+        <p:style>
+          <a:lnRef idx="2">
+            <a:schemeClr val="accent1">
+              <a:shade val="50000"/>
+            </a:schemeClr>
+          </a:lnRef>
+          <a:fillRef idx="1">
+            <a:schemeClr val="accent1"/>
+          </a:fillRef>
+          <a:effectRef idx="0">
+            <a:schemeClr val="accent1"/>
+          </a:effectRef>
+          <a:fontRef idx="minor">
+            <a:schemeClr val="lt1"/>
+          </a:fontRef>
+        </p:style>
+        <p:txBody>
+          <a:bodyPr rtlCol="0" anchor="ctr"/>
+          <a:lstStyle/>
+          <a:p>
+            <a:pPr algn="ctr"/>
+            <a:endParaRPr kumimoji="1" lang="ja-JP" altLang="en-US"/>
+          </a:p>
+        </p:txBody>
+      </p:sp>
+      <p:sp>
+        <p:nvSpPr>
+          <p:cNvPr id="15" name="楕円 25">
+            <a:extLst>
+              <a:ext uri="{FF2B5EF4-FFF2-40B4-BE49-F238E27FC236}">
+                <a16:creationId xmlns:a16="http://schemas.microsoft.com/office/drawing/2014/main" id="{5BBC5FFE-B0A2-7E4C-9EB9-E36909DAE16A}"/>
+              </a:ext>
+            </a:extLst>
+          </p:cNvPr>
+          <p:cNvSpPr>
+            <a:spLocks noChangeAspect="1"/>
+          </p:cNvSpPr>
+          <p:nvPr/>
+        </p:nvSpPr>
+        <p:spPr>
+          <a:xfrm>
+            <a:off x="11248949" y="5586883"/>
+            <a:ext cx="540000" cy="540000"/>
+          </a:xfrm>
+          <a:prstGeom prst="ellipse">
+            <a:avLst/>
+          </a:prstGeom>
+          <a:noFill/>
+          <a:ln w="38100">
+            <a:solidFill>
+              <a:srgbClr val="0070C0"/>
+            </a:solidFill>
+          </a:ln>
+        </p:spPr>
+        <p:style>
+          <a:lnRef idx="2">
+            <a:schemeClr val="accent1">
+              <a:shade val="50000"/>
+            </a:schemeClr>
+          </a:lnRef>
+          <a:fillRef idx="1">
+            <a:schemeClr val="accent1"/>
+          </a:fillRef>
+          <a:effectRef idx="0">
+            <a:schemeClr val="accent1"/>
+          </a:effectRef>
+          <a:fontRef idx="minor">
+            <a:schemeClr val="lt1"/>
+          </a:fontRef>
+        </p:style>
+        <p:txBody>
+          <a:bodyPr rtlCol="0" anchor="ctr"/>
+          <a:lstStyle/>
+          <a:p>
+            <a:pPr algn="ctr"/>
+            <a:endParaRPr kumimoji="1" lang="ja-JP" altLang="en-US"/>
+          </a:p>
+        </p:txBody>
+      </p:sp>
+      <p:sp>
+        <p:nvSpPr>
+          <p:cNvPr id="16" name="楕円 26">
+            <a:extLst>
+              <a:ext uri="{FF2B5EF4-FFF2-40B4-BE49-F238E27FC236}">
+                <a16:creationId xmlns:a16="http://schemas.microsoft.com/office/drawing/2014/main" id="{DEA0CA91-5C66-064C-B5E3-F519B3AC04A9}"/>
+              </a:ext>
+            </a:extLst>
+          </p:cNvPr>
+          <p:cNvSpPr>
+            <a:spLocks noChangeAspect="1"/>
+          </p:cNvSpPr>
+          <p:nvPr/>
+        </p:nvSpPr>
+        <p:spPr>
+          <a:xfrm>
+            <a:off x="10072774" y="5586877"/>
+            <a:ext cx="540000" cy="540000"/>
+          </a:xfrm>
+          <a:prstGeom prst="ellipse">
+            <a:avLst/>
+          </a:prstGeom>
+          <a:noFill/>
+          <a:ln w="38100">
+            <a:solidFill>
+              <a:srgbClr val="0070C0"/>
+            </a:solidFill>
+          </a:ln>
+        </p:spPr>
+        <p:style>
+          <a:lnRef idx="2">
+            <a:schemeClr val="accent1">
+              <a:shade val="50000"/>
+            </a:schemeClr>
+          </a:lnRef>
+          <a:fillRef idx="1">
+            <a:schemeClr val="accent1"/>
+          </a:fillRef>
+          <a:effectRef idx="0">
+            <a:schemeClr val="accent1"/>
+          </a:effectRef>
+          <a:fontRef idx="minor">
+            <a:schemeClr val="lt1"/>
+          </a:fontRef>
+        </p:style>
+        <p:txBody>
+          <a:bodyPr rtlCol="0" anchor="ctr"/>
+          <a:lstStyle/>
+          <a:p>
+            <a:pPr algn="ctr"/>
+            <a:endParaRPr kumimoji="1" lang="ja-JP" altLang="en-US"/>
+          </a:p>
+        </p:txBody>
+      </p:sp>
+      <p:cxnSp>
+        <p:nvCxnSpPr>
+          <p:cNvPr id="17" name="直線コネクタ 16">
+            <a:extLst>
+              <a:ext uri="{FF2B5EF4-FFF2-40B4-BE49-F238E27FC236}">
+                <a16:creationId xmlns:a16="http://schemas.microsoft.com/office/drawing/2014/main" id="{637C4DCC-7AEC-7044-8604-389BA34459A6}"/>
+              </a:ext>
+            </a:extLst>
+          </p:cNvPr>
+          <p:cNvCxnSpPr>
+            <a:cxnSpLocks/>
+            <a:stCxn id="16" idx="0"/>
+            <a:endCxn id="13" idx="4"/>
+          </p:cNvCxnSpPr>
+          <p:nvPr/>
+        </p:nvCxnSpPr>
+        <p:spPr>
+          <a:xfrm flipV="1">
+            <a:off x="10342774" y="5042762"/>
+            <a:ext cx="239468" cy="544115"/>
+          </a:xfrm>
+          <a:prstGeom prst="line">
+            <a:avLst/>
+          </a:prstGeom>
+          <a:ln w="38100">
+            <a:solidFill>
+              <a:schemeClr val="tx1"/>
+            </a:solidFill>
+          </a:ln>
+        </p:spPr>
+        <p:style>
+          <a:lnRef idx="1">
+            <a:schemeClr val="accent1"/>
+          </a:lnRef>
+          <a:fillRef idx="0">
+            <a:schemeClr val="accent1"/>
+          </a:fillRef>
+          <a:effectRef idx="0">
+            <a:schemeClr val="accent1"/>
+          </a:effectRef>
+          <a:fontRef idx="minor">
+            <a:schemeClr val="tx1"/>
+          </a:fontRef>
+        </p:style>
+      </p:cxnSp>
+      <p:cxnSp>
+        <p:nvCxnSpPr>
+          <p:cNvPr id="18" name="直線コネクタ 17">
+            <a:extLst>
+              <a:ext uri="{FF2B5EF4-FFF2-40B4-BE49-F238E27FC236}">
+                <a16:creationId xmlns:a16="http://schemas.microsoft.com/office/drawing/2014/main" id="{C4729263-EB19-934B-9E5E-F3891DF054CB}"/>
+              </a:ext>
+            </a:extLst>
+          </p:cNvPr>
+          <p:cNvCxnSpPr>
+            <a:cxnSpLocks/>
+            <a:stCxn id="14" idx="2"/>
+            <a:endCxn id="13" idx="6"/>
+          </p:cNvCxnSpPr>
+          <p:nvPr/>
+        </p:nvCxnSpPr>
+        <p:spPr>
+          <a:xfrm flipH="1">
+            <a:off x="10852242" y="4772377"/>
+            <a:ext cx="614365" cy="385"/>
+          </a:xfrm>
+          <a:prstGeom prst="line">
+            <a:avLst/>
+          </a:prstGeom>
+          <a:ln w="38100">
+            <a:solidFill>
+              <a:schemeClr val="tx1"/>
+            </a:solidFill>
+          </a:ln>
+        </p:spPr>
+        <p:style>
+          <a:lnRef idx="1">
+            <a:schemeClr val="accent1"/>
+          </a:lnRef>
+          <a:fillRef idx="0">
+            <a:schemeClr val="accent1"/>
+          </a:fillRef>
+          <a:effectRef idx="0">
+            <a:schemeClr val="accent1"/>
+          </a:effectRef>
+          <a:fontRef idx="minor">
+            <a:schemeClr val="tx1"/>
+          </a:fontRef>
+        </p:style>
+      </p:cxnSp>
+      <p:cxnSp>
+        <p:nvCxnSpPr>
+          <p:cNvPr id="19" name="直線コネクタ 18">
+            <a:extLst>
+              <a:ext uri="{FF2B5EF4-FFF2-40B4-BE49-F238E27FC236}">
+                <a16:creationId xmlns:a16="http://schemas.microsoft.com/office/drawing/2014/main" id="{687FD0F8-ABC3-3447-9FB7-9748C21946C4}"/>
+              </a:ext>
+            </a:extLst>
+          </p:cNvPr>
+          <p:cNvCxnSpPr>
+            <a:cxnSpLocks/>
+            <a:stCxn id="15" idx="1"/>
+            <a:endCxn id="13" idx="5"/>
+          </p:cNvCxnSpPr>
+          <p:nvPr/>
+        </p:nvCxnSpPr>
+        <p:spPr>
+          <a:xfrm flipH="1" flipV="1">
+            <a:off x="10773161" y="4963681"/>
+            <a:ext cx="554869" cy="702283"/>
+          </a:xfrm>
+          <a:prstGeom prst="line">
+            <a:avLst/>
+          </a:prstGeom>
+          <a:ln w="38100">
+            <a:solidFill>
+              <a:schemeClr val="tx1"/>
+            </a:solidFill>
+          </a:ln>
+        </p:spPr>
+        <p:style>
+          <a:lnRef idx="1">
+            <a:schemeClr val="accent1"/>
+          </a:lnRef>
+          <a:fillRef idx="0">
+            <a:schemeClr val="accent1"/>
+          </a:fillRef>
+          <a:effectRef idx="0">
+            <a:schemeClr val="accent1"/>
+          </a:effectRef>
+          <a:fontRef idx="minor">
+            <a:schemeClr val="tx1"/>
+          </a:fontRef>
+        </p:style>
+      </p:cxnSp>
+      <p:cxnSp>
+        <p:nvCxnSpPr>
+          <p:cNvPr id="20" name="直線コネクタ 19">
+            <a:extLst>
+              <a:ext uri="{FF2B5EF4-FFF2-40B4-BE49-F238E27FC236}">
+                <a16:creationId xmlns:a16="http://schemas.microsoft.com/office/drawing/2014/main" id="{B00734A4-52F6-024F-83AB-64EE8A5C6828}"/>
+              </a:ext>
+            </a:extLst>
+          </p:cNvPr>
+          <p:cNvCxnSpPr>
+            <a:cxnSpLocks/>
+            <a:stCxn id="15" idx="2"/>
+            <a:endCxn id="16" idx="6"/>
+          </p:cNvCxnSpPr>
+          <p:nvPr/>
+        </p:nvCxnSpPr>
+        <p:spPr>
+          <a:xfrm flipH="1" flipV="1">
+            <a:off x="10612774" y="5856877"/>
+            <a:ext cx="636175" cy="6"/>
+          </a:xfrm>
+          <a:prstGeom prst="line">
+            <a:avLst/>
+          </a:prstGeom>
+          <a:ln w="38100">
+            <a:solidFill>
+              <a:schemeClr val="tx1"/>
+            </a:solidFill>
+          </a:ln>
+        </p:spPr>
+        <p:style>
+          <a:lnRef idx="1">
+            <a:schemeClr val="accent1"/>
+          </a:lnRef>
+          <a:fillRef idx="0">
+            <a:schemeClr val="accent1"/>
+          </a:fillRef>
+          <a:effectRef idx="0">
+            <a:schemeClr val="accent1"/>
+          </a:effectRef>
+          <a:fontRef idx="minor">
+            <a:schemeClr val="tx1"/>
+          </a:fontRef>
+        </p:style>
+      </p:cxnSp>
+      <p:cxnSp>
+        <p:nvCxnSpPr>
+          <p:cNvPr id="21" name="直線コネクタ 20">
+            <a:extLst>
+              <a:ext uri="{FF2B5EF4-FFF2-40B4-BE49-F238E27FC236}">
+                <a16:creationId xmlns:a16="http://schemas.microsoft.com/office/drawing/2014/main" id="{3B279859-C949-C448-9424-84A7FC407085}"/>
+              </a:ext>
+            </a:extLst>
+          </p:cNvPr>
+          <p:cNvCxnSpPr>
+            <a:cxnSpLocks/>
+            <a:stCxn id="15" idx="0"/>
+            <a:endCxn id="14" idx="4"/>
+          </p:cNvCxnSpPr>
+          <p:nvPr/>
+        </p:nvCxnSpPr>
+        <p:spPr>
+          <a:xfrm flipV="1">
+            <a:off x="11518949" y="5042377"/>
+            <a:ext cx="217658" cy="544506"/>
+          </a:xfrm>
+          <a:prstGeom prst="line">
+            <a:avLst/>
+          </a:prstGeom>
+          <a:ln w="38100">
+            <a:solidFill>
+              <a:schemeClr val="tx1"/>
+            </a:solidFill>
+          </a:ln>
+        </p:spPr>
+        <p:style>
+          <a:lnRef idx="1">
+            <a:schemeClr val="accent1"/>
+          </a:lnRef>
+          <a:fillRef idx="0">
+            <a:schemeClr val="accent1"/>
+          </a:fillRef>
+          <a:effectRef idx="0">
+            <a:schemeClr val="accent1"/>
+          </a:effectRef>
+          <a:fontRef idx="minor">
+            <a:schemeClr val="tx1"/>
+          </a:fontRef>
+        </p:style>
+      </p:cxnSp>
+      <p:sp>
+        <p:nvSpPr>
+          <p:cNvPr id="22" name="テキスト ボックス 21">
+            <a:extLst>
+              <a:ext uri="{FF2B5EF4-FFF2-40B4-BE49-F238E27FC236}">
+                <a16:creationId xmlns:a16="http://schemas.microsoft.com/office/drawing/2014/main" id="{7571CC00-1F81-6E43-9253-59923E09E1F1}"/>
               </a:ext>
             </a:extLst>
           </p:cNvPr>
@@ -10792,8 +9678,8 @@
         </p:nvSpPr>
         <p:spPr>
           <a:xfrm>
-            <a:off x="9262573" y="2599035"/>
-            <a:ext cx="2366353" cy="461665"/>
+            <a:off x="7334923" y="3794010"/>
+            <a:ext cx="1529586" cy="830997"/>
           </a:xfrm>
           <a:prstGeom prst="rect">
             <a:avLst/>
@@ -10806,22 +9692,187 @@
           </a:bodyPr>
           <a:lstStyle/>
           <a:p>
+            <a:pPr algn="ctr"/>
             <a:r>
               <a:rPr kumimoji="1" lang="ja-JP" altLang="en-US" sz="2400"/>
-              <a:t>平均距離</a:t>
-            </a:r>
-            <a:r>
-              <a:rPr kumimoji="1" lang="en-US" altLang="ja-JP" sz="2400" dirty="0"/>
-              <a:t> = 1.33</a:t>
-            </a:r>
-            <a:endParaRPr kumimoji="1" lang="ja-JP" altLang="en-US" sz="2400"/>
+              <a:t>ソーシャル</a:t>
+            </a:r>
+            <a:endParaRPr kumimoji="1" lang="en-US" altLang="ja-JP" sz="2400" dirty="0"/>
+          </a:p>
+          <a:p>
+            <a:pPr algn="ctr"/>
+            <a:r>
+              <a:rPr kumimoji="1" lang="ja-JP" altLang="en-US" sz="2400"/>
+              <a:t>ネットワーク</a:t>
+            </a:r>
+            <a:endParaRPr kumimoji="1" lang="ja-JP" altLang="en-US" sz="2400" dirty="0"/>
+          </a:p>
+        </p:txBody>
+      </p:sp>
+      <p:sp>
+        <p:nvSpPr>
+          <p:cNvPr id="23" name="テキスト ボックス 22">
+            <a:extLst>
+              <a:ext uri="{FF2B5EF4-FFF2-40B4-BE49-F238E27FC236}">
+                <a16:creationId xmlns:a16="http://schemas.microsoft.com/office/drawing/2014/main" id="{77F4B05A-2AC9-B54C-82F5-08C34CE35BD4}"/>
+              </a:ext>
+            </a:extLst>
+          </p:cNvPr>
+          <p:cNvSpPr txBox="1"/>
+          <p:nvPr/>
+        </p:nvSpPr>
+        <p:spPr>
+          <a:xfrm>
+            <a:off x="10718016" y="3996467"/>
+            <a:ext cx="950901" cy="523220"/>
+          </a:xfrm>
+          <a:prstGeom prst="rect">
+            <a:avLst/>
+          </a:prstGeom>
+          <a:noFill/>
+        </p:spPr>
+        <p:txBody>
+          <a:bodyPr wrap="none" rtlCol="0">
+            <a:spAutoFit/>
+          </a:bodyPr>
+          <a:lstStyle/>
+          <a:p>
+            <a:r>
+              <a:rPr kumimoji="1" lang="ja-JP" altLang="en-US" sz="2800"/>
+              <a:t>グラフ</a:t>
+            </a:r>
+            <a:endParaRPr kumimoji="1" lang="ja-JP" altLang="en-US" sz="2800" dirty="0"/>
+          </a:p>
+        </p:txBody>
+      </p:sp>
+      <p:sp>
+        <p:nvSpPr>
+          <p:cNvPr id="24" name="テキスト ボックス 23">
+            <a:extLst>
+              <a:ext uri="{FF2B5EF4-FFF2-40B4-BE49-F238E27FC236}">
+                <a16:creationId xmlns:a16="http://schemas.microsoft.com/office/drawing/2014/main" id="{B10DCA22-237F-8849-9090-715659C0B2AF}"/>
+              </a:ext>
+            </a:extLst>
+          </p:cNvPr>
+          <p:cNvSpPr txBox="1"/>
+          <p:nvPr/>
+        </p:nvSpPr>
+        <p:spPr>
+          <a:xfrm>
+            <a:off x="9467815" y="4415270"/>
+            <a:ext cx="917239" cy="461665"/>
+          </a:xfrm>
+          <a:prstGeom prst="rect">
+            <a:avLst/>
+          </a:prstGeom>
+          <a:noFill/>
+        </p:spPr>
+        <p:txBody>
+          <a:bodyPr wrap="none" rtlCol="0">
+            <a:spAutoFit/>
+          </a:bodyPr>
+          <a:lstStyle/>
+          <a:p>
+            <a:r>
+              <a:rPr kumimoji="1" lang="ja-JP" altLang="en-US" sz="2400" dirty="0"/>
+              <a:t>ノード</a:t>
+            </a:r>
+          </a:p>
+        </p:txBody>
+      </p:sp>
+      <p:sp>
+        <p:nvSpPr>
+          <p:cNvPr id="25" name="テキスト ボックス 24">
+            <a:extLst>
+              <a:ext uri="{FF2B5EF4-FFF2-40B4-BE49-F238E27FC236}">
+                <a16:creationId xmlns:a16="http://schemas.microsoft.com/office/drawing/2014/main" id="{DDDCC113-670D-3E47-AADD-E1E23A6484A9}"/>
+              </a:ext>
+            </a:extLst>
+          </p:cNvPr>
+          <p:cNvSpPr txBox="1"/>
+          <p:nvPr/>
+        </p:nvSpPr>
+        <p:spPr>
+          <a:xfrm>
+            <a:off x="9578976" y="5059832"/>
+            <a:ext cx="963725" cy="461665"/>
+          </a:xfrm>
+          <a:prstGeom prst="rect">
+            <a:avLst/>
+          </a:prstGeom>
+          <a:noFill/>
+        </p:spPr>
+        <p:txBody>
+          <a:bodyPr wrap="none" rtlCol="0">
+            <a:spAutoFit/>
+          </a:bodyPr>
+          <a:lstStyle/>
+          <a:p>
+            <a:r>
+              <a:rPr kumimoji="1" lang="ja-JP" altLang="en-US" sz="2400" dirty="0"/>
+              <a:t>エッジ</a:t>
+            </a:r>
+          </a:p>
+        </p:txBody>
+      </p:sp>
+      <p:sp>
+        <p:nvSpPr>
+          <p:cNvPr id="61" name="右矢印 60">
+            <a:extLst>
+              <a:ext uri="{FF2B5EF4-FFF2-40B4-BE49-F238E27FC236}">
+                <a16:creationId xmlns:a16="http://schemas.microsoft.com/office/drawing/2014/main" id="{A073937F-A0EE-6240-BC07-B70376709711}"/>
+              </a:ext>
+            </a:extLst>
+          </p:cNvPr>
+          <p:cNvSpPr/>
+          <p:nvPr/>
+        </p:nvSpPr>
+        <p:spPr>
+          <a:xfrm>
+            <a:off x="9046826" y="5316877"/>
+            <a:ext cx="450000" cy="270000"/>
+          </a:xfrm>
+          <a:prstGeom prst="rightArrow">
+            <a:avLst/>
+          </a:prstGeom>
+          <a:solidFill>
+            <a:schemeClr val="tx1"/>
+          </a:solidFill>
+          <a:ln>
+            <a:solidFill>
+              <a:schemeClr val="tx1"/>
+            </a:solidFill>
+          </a:ln>
+        </p:spPr>
+        <p:style>
+          <a:lnRef idx="2">
+            <a:schemeClr val="accent1">
+              <a:shade val="50000"/>
+            </a:schemeClr>
+          </a:lnRef>
+          <a:fillRef idx="1">
+            <a:schemeClr val="accent1"/>
+          </a:fillRef>
+          <a:effectRef idx="0">
+            <a:schemeClr val="accent1"/>
+          </a:effectRef>
+          <a:fontRef idx="minor">
+            <a:schemeClr val="lt1"/>
+          </a:fontRef>
+        </p:style>
+        <p:txBody>
+          <a:bodyPr rtlCol="0" anchor="ctr"/>
+          <a:lstStyle/>
+          <a:p>
+            <a:pPr algn="ctr"/>
+            <a:endParaRPr kumimoji="1" lang="ja-JP" altLang="en-US"/>
           </a:p>
         </p:txBody>
       </p:sp>
     </p:spTree>
     <p:extLst>
       <p:ext uri="{BB962C8B-B14F-4D97-AF65-F5344CB8AC3E}">
-        <p14:creationId xmlns:p14="http://schemas.microsoft.com/office/powerpoint/2010/main" val="344757622"/>
+        <p14:creationId xmlns:p14="http://schemas.microsoft.com/office/powerpoint/2010/main" val="4069344813"/>
       </p:ext>
     </p:extLst>
   </p:cSld>
@@ -10853,7 +9904,7 @@
           <p:cNvPr id="2" name="タイトル 1">
             <a:extLst>
               <a:ext uri="{FF2B5EF4-FFF2-40B4-BE49-F238E27FC236}">
-                <a16:creationId xmlns:a16="http://schemas.microsoft.com/office/drawing/2014/main" id="{333B8F5E-75D4-344A-9517-6BA0969DE90C}"/>
+                <a16:creationId xmlns:a16="http://schemas.microsoft.com/office/drawing/2014/main" id="{3C444298-7AC8-9E42-999B-3C52E7CA69F1}"/>
               </a:ext>
             </a:extLst>
           </p:cNvPr>
@@ -10871,7 +9922,7 @@
           <a:p>
             <a:r>
               <a:rPr kumimoji="1" lang="ja-JP" altLang="en-US"/>
-              <a:t>複雑ネットワークの性質</a:t>
+              <a:t>複雑ネットワークの研究の幕開け</a:t>
             </a:r>
           </a:p>
         </p:txBody>
@@ -10881,7 +9932,7 @@
           <p:cNvPr id="3" name="コンテンツ プレースホルダー 2">
             <a:extLst>
               <a:ext uri="{FF2B5EF4-FFF2-40B4-BE49-F238E27FC236}">
-                <a16:creationId xmlns:a16="http://schemas.microsoft.com/office/drawing/2014/main" id="{DC957A47-B3AA-094D-B7DF-497AE634B38D}"/>
+                <a16:creationId xmlns:a16="http://schemas.microsoft.com/office/drawing/2014/main" id="{4BF4ADCD-AE42-9544-8CF8-F30BAE6C566D}"/>
               </a:ext>
             </a:extLst>
           </p:cNvPr>
@@ -10898,100 +9949,131 @@
           <a:lstStyle/>
           <a:p>
             <a:r>
-              <a:rPr kumimoji="1" lang="ja-JP" altLang="en-US"/>
-              <a:t>スケールフリー性</a:t>
-            </a:r>
-            <a:endParaRPr kumimoji="1" lang="en-US" altLang="ja-JP" dirty="0"/>
+              <a:rPr lang="ja-JP" altLang="en-US" sz="3600"/>
+              <a:t>ワッツ・ストロガッツモデル</a:t>
+            </a:r>
+            <a:r>
+              <a:rPr lang="en-US" altLang="ja-JP" sz="3600" dirty="0"/>
+              <a:t> (1998</a:t>
+            </a:r>
+            <a:r>
+              <a:rPr lang="ja-JP" altLang="en-US" sz="3600"/>
+              <a:t>年</a:t>
+            </a:r>
+            <a:r>
+              <a:rPr lang="en-US" altLang="ja-JP" sz="3600" dirty="0"/>
+              <a:t>)</a:t>
+            </a:r>
+          </a:p>
+          <a:p>
+            <a:endParaRPr lang="en-US" altLang="ja-JP" sz="3600" dirty="0"/>
           </a:p>
           <a:p>
             <a:pPr lvl="1"/>
             <a:r>
-              <a:rPr lang="ja-JP" altLang="en-US"/>
-              <a:t>次数：ノードに接続されているエッジの数</a:t>
-            </a:r>
-            <a:endParaRPr lang="en-US" altLang="ja-JP" dirty="0"/>
+              <a:rPr lang="ja-JP" altLang="en-US" sz="2400"/>
+              <a:t>実ネットワークに以下の</a:t>
+            </a:r>
+            <a:r>
+              <a:rPr lang="en-US" altLang="ja-JP" sz="2400" dirty="0"/>
+              <a:t>2</a:t>
+            </a:r>
+            <a:r>
+              <a:rPr lang="ja-JP" altLang="en-US" sz="2400"/>
+              <a:t>つの性質が共通することがわかった．</a:t>
+            </a:r>
+            <a:endParaRPr lang="en-US" altLang="ja-JP" sz="2400" dirty="0"/>
+          </a:p>
+          <a:p>
+            <a:pPr lvl="2"/>
+            <a:endParaRPr lang="en-US" altLang="ja-JP" sz="2200" dirty="0"/>
+          </a:p>
+          <a:p>
+            <a:pPr lvl="2"/>
+            <a:r>
+              <a:rPr lang="ja-JP" altLang="en-US" sz="2200" u="sng"/>
+              <a:t>スモールワールド性</a:t>
+            </a:r>
+            <a:endParaRPr lang="en-US" altLang="ja-JP" sz="2200" u="sng" dirty="0"/>
+          </a:p>
+          <a:p>
+            <a:pPr lvl="3"/>
+            <a:r>
+              <a:rPr lang="ja-JP" altLang="en-US" sz="2000"/>
+              <a:t>赤の他人でも数人の隣人を辿れば到達できる</a:t>
+            </a:r>
+            <a:endParaRPr lang="en-US" altLang="ja-JP" sz="2000" dirty="0"/>
+          </a:p>
+          <a:p>
+            <a:pPr lvl="2"/>
+            <a:endParaRPr lang="en-US" altLang="ja-JP" sz="2200" dirty="0"/>
+          </a:p>
+          <a:p>
+            <a:pPr lvl="2"/>
+            <a:r>
+              <a:rPr lang="ja-JP" altLang="en-US" sz="2200" u="sng"/>
+              <a:t>クラスター性</a:t>
+            </a:r>
+            <a:endParaRPr lang="en-US" altLang="ja-JP" sz="2200" u="sng" dirty="0"/>
+          </a:p>
+          <a:p>
+            <a:pPr lvl="3"/>
+            <a:r>
+              <a:rPr lang="ja-JP" altLang="en-US" sz="2000"/>
+              <a:t>友達同士は友達であることが多い．</a:t>
+            </a:r>
+            <a:endParaRPr lang="en-US" altLang="ja-JP" sz="2000" dirty="0"/>
           </a:p>
           <a:p>
             <a:pPr lvl="1"/>
-            <a:r>
-              <a:rPr lang="ja-JP" altLang="en-US"/>
-              <a:t>次数が高いノードはほんの一部で，小さいノードが大多数</a:t>
-            </a:r>
-            <a:endParaRPr lang="en-US" altLang="ja-JP" dirty="0"/>
+            <a:endParaRPr lang="en-US" altLang="ja-JP" dirty="0">
+              <a:latin typeface="MS PGothic" panose="020B0600070205080204" pitchFamily="34" charset="-128"/>
+              <a:ea typeface="MS PGothic" panose="020B0600070205080204" pitchFamily="34" charset="-128"/>
+            </a:endParaRPr>
           </a:p>
           <a:p>
             <a:pPr lvl="1"/>
             <a:r>
-              <a:rPr lang="en-US" altLang="ja-JP" dirty="0"/>
-              <a:t>WWW</a:t>
-            </a:r>
-            <a:r>
-              <a:rPr lang="ja-JP" altLang="en-US"/>
-              <a:t>，タンパク質相互ネットワーク，</a:t>
-            </a:r>
-            <a:r>
-              <a:rPr lang="en-US" altLang="ja-JP" dirty="0"/>
-              <a:t>SNS…</a:t>
-            </a:r>
+              <a:rPr lang="ja-JP" altLang="en-US" sz="2400">
+                <a:latin typeface="MS PGothic" panose="020B0600070205080204" pitchFamily="34" charset="-128"/>
+                <a:ea typeface="MS PGothic" panose="020B0600070205080204" pitchFamily="34" charset="-128"/>
+              </a:rPr>
+              <a:t>実ネットワークの性質を満たす</a:t>
+            </a:r>
+            <a:r>
+              <a:rPr lang="ja-JP" altLang="en-US" sz="2400" b="1">
+                <a:latin typeface="MS PGothic" panose="020B0600070205080204" pitchFamily="34" charset="-128"/>
+                <a:ea typeface="MS PGothic" panose="020B0600070205080204" pitchFamily="34" charset="-128"/>
+              </a:rPr>
+              <a:t>最初</a:t>
+            </a:r>
+            <a:r>
+              <a:rPr lang="ja-JP" altLang="en-US" sz="2400">
+                <a:latin typeface="MS PGothic" panose="020B0600070205080204" pitchFamily="34" charset="-128"/>
+                <a:ea typeface="MS PGothic" panose="020B0600070205080204" pitchFamily="34" charset="-128"/>
+              </a:rPr>
+              <a:t>の生成モデル</a:t>
+            </a:r>
+            <a:endParaRPr lang="en-US" altLang="ja-JP" sz="2400" dirty="0">
+              <a:latin typeface="MS PGothic" panose="020B0600070205080204" pitchFamily="34" charset="-128"/>
+              <a:ea typeface="MS PGothic" panose="020B0600070205080204" pitchFamily="34" charset="-128"/>
+            </a:endParaRPr>
           </a:p>
           <a:p>
             <a:pPr lvl="1"/>
-            <a:endParaRPr kumimoji="1" lang="en-US" altLang="ja-JP" dirty="0"/>
-          </a:p>
-          <a:p>
-            <a:r>
-              <a:rPr kumimoji="1" lang="ja-JP" altLang="en-US"/>
-              <a:t>スモールワールド性</a:t>
-            </a:r>
-            <a:endParaRPr kumimoji="1" lang="en-US" altLang="ja-JP" dirty="0"/>
-          </a:p>
-          <a:p>
-            <a:pPr lvl="1"/>
-            <a:endParaRPr lang="en-US" altLang="ja-JP" dirty="0"/>
-          </a:p>
-          <a:p>
-            <a:pPr lvl="1"/>
-            <a:r>
-              <a:rPr lang="ja-JP" altLang="en-US"/>
-              <a:t>全く知らない人でも数ステップで到達可能</a:t>
-            </a:r>
-            <a:endParaRPr lang="en-US" altLang="ja-JP" dirty="0"/>
-          </a:p>
-          <a:p>
-            <a:pPr lvl="1"/>
-            <a:endParaRPr kumimoji="1" lang="en-US" altLang="ja-JP" dirty="0"/>
-          </a:p>
-          <a:p>
-            <a:r>
-              <a:rPr lang="ja-JP" altLang="en-US"/>
-              <a:t>クラスター性</a:t>
-            </a:r>
-            <a:endParaRPr lang="en-US" altLang="ja-JP" dirty="0"/>
-          </a:p>
-          <a:p>
-            <a:pPr lvl="1"/>
-            <a:endParaRPr kumimoji="1" lang="en-US" altLang="ja-JP" dirty="0"/>
-          </a:p>
-          <a:p>
-            <a:pPr lvl="1"/>
-            <a:r>
-              <a:rPr lang="ja-JP" altLang="en-US"/>
-              <a:t>友達同士が実は友達だった！みたいなことがよくある．</a:t>
-            </a:r>
-            <a:endParaRPr kumimoji="1" lang="en-US" altLang="ja-JP" dirty="0"/>
-          </a:p>
-          <a:p>
-            <a:pPr lvl="1"/>
-            <a:endParaRPr kumimoji="1" lang="ja-JP" altLang="en-US"/>
+            <a:endParaRPr kumimoji="1" lang="en-US" altLang="ja-JP" dirty="0">
+              <a:latin typeface="MS PGothic" panose="020B0600070205080204" pitchFamily="34" charset="-128"/>
+              <a:ea typeface="MS PGothic" panose="020B0600070205080204" pitchFamily="34" charset="-128"/>
+            </a:endParaRPr>
           </a:p>
         </p:txBody>
       </p:sp>
       <p:pic>
         <p:nvPicPr>
-          <p:cNvPr id="4" name="図 3">
+          <p:cNvPr id="5" name="図 4">
             <a:extLst>
               <a:ext uri="{FF2B5EF4-FFF2-40B4-BE49-F238E27FC236}">
-                <a16:creationId xmlns:a16="http://schemas.microsoft.com/office/drawing/2014/main" id="{752F2706-2A91-F14F-AF75-ACBA687E0C47}"/>
+                <a16:creationId xmlns:a16="http://schemas.microsoft.com/office/drawing/2014/main" id="{0477DF6B-E6BC-964A-BBB3-590DAAFA9E1D}"/>
               </a:ext>
             </a:extLst>
           </p:cNvPr>
@@ -11008,8 +10090,8 @@
         </p:blipFill>
         <p:spPr>
           <a:xfrm>
-            <a:off x="8699500" y="3060700"/>
-            <a:ext cx="3492500" cy="3797300"/>
+            <a:off x="6547401" y="3905743"/>
+            <a:ext cx="5644599" cy="2700000"/>
           </a:xfrm>
           <a:prstGeom prst="rect">
             <a:avLst/>
@@ -11019,7 +10101,7 @@
     </p:spTree>
     <p:extLst>
       <p:ext uri="{BB962C8B-B14F-4D97-AF65-F5344CB8AC3E}">
-        <p14:creationId xmlns:p14="http://schemas.microsoft.com/office/powerpoint/2010/main" val="3657598272"/>
+        <p14:creationId xmlns:p14="http://schemas.microsoft.com/office/powerpoint/2010/main" val="3189284376"/>
       </p:ext>
     </p:extLst>
   </p:cSld>
@@ -11051,7 +10133,7 @@
           <p:cNvPr id="2" name="タイトル 1">
             <a:extLst>
               <a:ext uri="{FF2B5EF4-FFF2-40B4-BE49-F238E27FC236}">
-                <a16:creationId xmlns:a16="http://schemas.microsoft.com/office/drawing/2014/main" id="{F3E939DC-96C3-BC4F-89B1-8054CA7C5949}"/>
+                <a16:creationId xmlns:a16="http://schemas.microsoft.com/office/drawing/2014/main" id="{C34EE7B2-793E-074B-90A5-43B6CC0532F0}"/>
               </a:ext>
             </a:extLst>
           </p:cNvPr>
@@ -11068,9 +10150,10 @@
           <a:lstStyle/>
           <a:p>
             <a:r>
-              <a:rPr kumimoji="1" lang="ja-JP" altLang="en-US"/>
-              <a:t>代表的なグラフモデル</a:t>
-            </a:r>
+              <a:rPr lang="ja-JP" altLang="en-US"/>
+              <a:t>複雑ネットワークの研究の幕開け</a:t>
+            </a:r>
+            <a:endParaRPr kumimoji="1" lang="ja-JP" altLang="en-US"/>
           </a:p>
         </p:txBody>
       </p:sp>
@@ -11079,7 +10162,7 @@
           <p:cNvPr id="3" name="コンテンツ プレースホルダー 2">
             <a:extLst>
               <a:ext uri="{FF2B5EF4-FFF2-40B4-BE49-F238E27FC236}">
-                <a16:creationId xmlns:a16="http://schemas.microsoft.com/office/drawing/2014/main" id="{779EF5F8-8732-6445-A6A8-305411CD8370}"/>
+                <a16:creationId xmlns:a16="http://schemas.microsoft.com/office/drawing/2014/main" id="{D4FB7974-CC11-4343-9259-D8C16D4F7FA6}"/>
               </a:ext>
             </a:extLst>
           </p:cNvPr>
@@ -11096,82 +10179,109 @@
           <a:lstStyle/>
           <a:p>
             <a:r>
-              <a:rPr lang="ja-JP" altLang="en-US"/>
-              <a:t>エルデシュ・</a:t>
-            </a:r>
-            <a:r>
-              <a:rPr kumimoji="1" lang="ja-JP" altLang="en-US"/>
-              <a:t>レーニィモデル</a:t>
-            </a:r>
-            <a:r>
-              <a:rPr kumimoji="1" lang="en-US" altLang="ja-JP" dirty="0"/>
-              <a:t> (1959)</a:t>
-            </a:r>
+              <a:rPr lang="ja-JP" altLang="en-US" sz="3600"/>
+              <a:t>バラバシ・アルバートモデル</a:t>
+            </a:r>
+            <a:r>
+              <a:rPr lang="en-US" altLang="ja-JP" sz="3600" dirty="0"/>
+              <a:t> (1999</a:t>
+            </a:r>
+            <a:r>
+              <a:rPr lang="ja-JP" altLang="en-US" sz="3600"/>
+              <a:t>年</a:t>
+            </a:r>
+            <a:r>
+              <a:rPr lang="en-US" altLang="ja-JP" sz="3600" dirty="0"/>
+              <a:t>)</a:t>
+            </a:r>
+          </a:p>
+          <a:p>
+            <a:endParaRPr lang="en-US" altLang="ja-JP" sz="3600" dirty="0"/>
           </a:p>
           <a:p>
             <a:pPr lvl="1"/>
             <a:r>
-              <a:rPr lang="ja-JP" altLang="en-US"/>
-              <a:t>ランダムグラフ</a:t>
-            </a:r>
-            <a:endParaRPr lang="en-US" altLang="ja-JP" dirty="0"/>
+              <a:rPr lang="ja-JP" altLang="en-US" sz="2800"/>
+              <a:t>実ネットワークにスケールフリー性が共通することがわかった．</a:t>
+            </a:r>
+            <a:endParaRPr lang="en-US" altLang="ja-JP" sz="2800" dirty="0"/>
+          </a:p>
+          <a:p>
+            <a:pPr lvl="2"/>
+            <a:endParaRPr lang="en-US" altLang="ja-JP" sz="2400" dirty="0"/>
+          </a:p>
+          <a:p>
+            <a:pPr lvl="2"/>
+            <a:r>
+              <a:rPr lang="ja-JP" altLang="en-US" sz="2400"/>
+              <a:t>次数分布がべき分布に従う．</a:t>
+            </a:r>
+            <a:endParaRPr lang="en-US" altLang="ja-JP" sz="2400" dirty="0"/>
+          </a:p>
+          <a:p>
+            <a:pPr lvl="2"/>
+            <a:endParaRPr lang="en-US" altLang="ja-JP" sz="2400" dirty="0"/>
           </a:p>
           <a:p>
             <a:pPr lvl="1"/>
             <a:r>
-              <a:rPr kumimoji="1" lang="ja-JP" altLang="en-US"/>
-              <a:t>道路ネットワークとか．</a:t>
-            </a:r>
-            <a:endParaRPr kumimoji="1" lang="en-US" altLang="ja-JP" dirty="0"/>
-          </a:p>
-          <a:p>
-            <a:endParaRPr lang="en-US" altLang="ja-JP" dirty="0"/>
-          </a:p>
-          <a:p>
-            <a:r>
-              <a:rPr kumimoji="1" lang="ja-JP" altLang="en-US"/>
-              <a:t>ワッツ・ストロガッツモデル</a:t>
-            </a:r>
-            <a:r>
-              <a:rPr kumimoji="1" lang="en-US" altLang="ja-JP" dirty="0"/>
-              <a:t> (1998)</a:t>
-            </a:r>
+              <a:rPr lang="ja-JP" altLang="en-US" sz="2600"/>
+              <a:t>次数分布がべき則と成る生成モデル</a:t>
+            </a:r>
+            <a:endParaRPr lang="en-US" altLang="ja-JP" sz="2600" dirty="0"/>
+          </a:p>
+          <a:p>
+            <a:pPr lvl="2"/>
+            <a:endParaRPr lang="en-US" altLang="ja-JP" sz="2400" dirty="0"/>
+          </a:p>
+          <a:p>
+            <a:pPr lvl="2"/>
+            <a:r>
+              <a:rPr lang="ja-JP" altLang="en-US" sz="2400"/>
+              <a:t>次数が高いノードに優先的に枝を張る．</a:t>
+            </a:r>
+            <a:endParaRPr lang="en-US" altLang="ja-JP" sz="2400" dirty="0"/>
           </a:p>
           <a:p>
             <a:pPr lvl="1"/>
-            <a:r>
-              <a:rPr lang="ja-JP" altLang="en-US"/>
-              <a:t>スモールワールド性を満たすグラフ．</a:t>
-            </a:r>
-            <a:endParaRPr lang="en-US" altLang="ja-JP" dirty="0"/>
-          </a:p>
-          <a:p>
-            <a:pPr lvl="1"/>
-            <a:endParaRPr kumimoji="1" lang="en-US" altLang="ja-JP" dirty="0"/>
-          </a:p>
-          <a:p>
-            <a:r>
-              <a:rPr lang="ja-JP" altLang="en-US"/>
-              <a:t>バラバシ・アルバートモデル</a:t>
-            </a:r>
-            <a:r>
-              <a:rPr lang="en-US" altLang="ja-JP" dirty="0"/>
-              <a:t> (1999)</a:t>
-            </a:r>
-          </a:p>
-          <a:p>
-            <a:pPr lvl="1"/>
-            <a:r>
-              <a:rPr kumimoji="1" lang="ja-JP" altLang="en-US"/>
-              <a:t>スケールフリー性・スモールワールド性を満たすグラフ．</a:t>
-            </a:r>
-          </a:p>
-        </p:txBody>
-      </p:sp>
+            <a:endParaRPr kumimoji="1" lang="ja-JP" altLang="en-US"/>
+          </a:p>
+        </p:txBody>
+      </p:sp>
+      <p:pic>
+        <p:nvPicPr>
+          <p:cNvPr id="5" name="図 4">
+            <a:extLst>
+              <a:ext uri="{FF2B5EF4-FFF2-40B4-BE49-F238E27FC236}">
+                <a16:creationId xmlns:a16="http://schemas.microsoft.com/office/drawing/2014/main" id="{0E7C20A8-611C-AA40-8BC0-87EBA2A6E6A8}"/>
+              </a:ext>
+            </a:extLst>
+          </p:cNvPr>
+          <p:cNvPicPr>
+            <a:picLocks noChangeAspect="1"/>
+          </p:cNvPicPr>
+          <p:nvPr/>
+        </p:nvPicPr>
+        <p:blipFill>
+          <a:blip r:embed="rId2"/>
+          <a:stretch>
+            <a:fillRect/>
+          </a:stretch>
+        </p:blipFill>
+        <p:spPr>
+          <a:xfrm>
+            <a:off x="6591490" y="3604412"/>
+            <a:ext cx="5332028" cy="2160000"/>
+          </a:xfrm>
+          <a:prstGeom prst="rect">
+            <a:avLst/>
+          </a:prstGeom>
+        </p:spPr>
+      </p:pic>
     </p:spTree>
     <p:extLst>
       <p:ext uri="{BB962C8B-B14F-4D97-AF65-F5344CB8AC3E}">
-        <p14:creationId xmlns:p14="http://schemas.microsoft.com/office/powerpoint/2010/main" val="3722097100"/>
+        <p14:creationId xmlns:p14="http://schemas.microsoft.com/office/powerpoint/2010/main" val="2558019680"/>
       </p:ext>
     </p:extLst>
   </p:cSld>
@@ -11203,7 +10313,7 @@
           <p:cNvPr id="2" name="タイトル 1">
             <a:extLst>
               <a:ext uri="{FF2B5EF4-FFF2-40B4-BE49-F238E27FC236}">
-                <a16:creationId xmlns:a16="http://schemas.microsoft.com/office/drawing/2014/main" id="{BCC6EC98-0F58-5A4F-A42A-8CE2984863DB}"/>
+                <a16:creationId xmlns:a16="http://schemas.microsoft.com/office/drawing/2014/main" id="{C85B8FC2-CA9A-FC4A-92D0-0E2D2C70BD14}"/>
               </a:ext>
             </a:extLst>
           </p:cNvPr>
@@ -11221,7 +10331,7 @@
           <a:p>
             <a:r>
               <a:rPr kumimoji="1" lang="ja-JP" altLang="en-US"/>
-              <a:t>ソーシャルグラフ</a:t>
+              <a:t>複雑ネットワーク</a:t>
             </a:r>
           </a:p>
         </p:txBody>
@@ -11231,7 +10341,7 @@
           <p:cNvPr id="3" name="コンテンツ プレースホルダー 2">
             <a:extLst>
               <a:ext uri="{FF2B5EF4-FFF2-40B4-BE49-F238E27FC236}">
-                <a16:creationId xmlns:a16="http://schemas.microsoft.com/office/drawing/2014/main" id="{9CD11D91-792F-F741-ABB7-26CF0FFEAA7B}"/>
+                <a16:creationId xmlns:a16="http://schemas.microsoft.com/office/drawing/2014/main" id="{2158F920-7719-B74C-A017-8A8ACE4BFE1D}"/>
               </a:ext>
             </a:extLst>
           </p:cNvPr>
@@ -11244,97 +10354,120 @@
         </p:nvSpPr>
         <p:spPr/>
         <p:txBody>
-          <a:bodyPr>
-            <a:normAutofit/>
-          </a:bodyPr>
+          <a:bodyPr/>
           <a:lstStyle/>
           <a:p>
             <a:r>
-              <a:rPr kumimoji="1" lang="ja-JP" altLang="en-US" sz="4000"/>
-              <a:t>ソーシャルネットワークをグラフで表したもの．</a:t>
-            </a:r>
-            <a:endParaRPr kumimoji="1" lang="en-US" altLang="ja-JP" sz="4000" dirty="0"/>
-          </a:p>
-          <a:p>
-            <a:endParaRPr lang="en-US" altLang="ja-JP" sz="4000" dirty="0"/>
-          </a:p>
-          <a:p>
-            <a:r>
-              <a:rPr lang="ja-JP" altLang="en-US" sz="4000"/>
-              <a:t>解析の対象</a:t>
-            </a:r>
-            <a:endParaRPr lang="en-US" altLang="ja-JP" sz="4000" dirty="0"/>
+              <a:rPr kumimoji="1" lang="ja-JP" altLang="en-US"/>
+              <a:t>世の中の様々なネットワークの解析研究</a:t>
+            </a:r>
+            <a:endParaRPr kumimoji="1" lang="en-US" altLang="ja-JP" dirty="0"/>
           </a:p>
           <a:p>
             <a:pPr lvl="1"/>
-            <a:r>
-              <a:rPr kumimoji="1" lang="ja-JP" altLang="en-US" sz="2800"/>
-              <a:t>スケールフリー性，スモールワールド性，クラスター性は？</a:t>
-            </a:r>
-            <a:endParaRPr kumimoji="1" lang="en-US" altLang="ja-JP" sz="2800" dirty="0"/>
+            <a:endParaRPr lang="en-US" altLang="ja-JP" dirty="0"/>
           </a:p>
           <a:p>
             <a:pPr lvl="1"/>
             <a:r>
-              <a:rPr lang="ja-JP" altLang="en-US" sz="2800"/>
-              <a:t>影響力が高いノードは？</a:t>
-            </a:r>
-            <a:endParaRPr lang="en-US" altLang="ja-JP" sz="2800" dirty="0"/>
+              <a:rPr lang="en-US" altLang="ja-JP" sz="2400" dirty="0">
+                <a:latin typeface="Arial" panose="020B0604020202020204" pitchFamily="34" charset="0"/>
+                <a:cs typeface="Arial" panose="020B0604020202020204" pitchFamily="34" charset="0"/>
+              </a:rPr>
+              <a:t>Web</a:t>
+            </a:r>
+            <a:r>
+              <a:rPr lang="ja-JP" altLang="en-US" sz="2400">
+                <a:latin typeface="Arial" panose="020B0604020202020204" pitchFamily="34" charset="0"/>
+                <a:cs typeface="Arial" panose="020B0604020202020204" pitchFamily="34" charset="0"/>
+              </a:rPr>
+              <a:t>グラフ，食物連鎖ネットワーク，コンピュータネットワーク，神経ネットワーク，．．．</a:t>
+            </a:r>
+            <a:endParaRPr lang="en-US" altLang="ja-JP" sz="2400" dirty="0">
+              <a:latin typeface="Arial" panose="020B0604020202020204" pitchFamily="34" charset="0"/>
+              <a:cs typeface="Arial" panose="020B0604020202020204" pitchFamily="34" charset="0"/>
+            </a:endParaRPr>
           </a:p>
           <a:p>
             <a:pPr lvl="1"/>
-            <a:r>
-              <a:rPr lang="ja-JP" altLang="en-US" sz="2800"/>
-              <a:t>友人になると有益なユーザは？</a:t>
-            </a:r>
-            <a:endParaRPr lang="en-US" altLang="ja-JP" sz="2800" dirty="0"/>
+            <a:endParaRPr lang="en-US" altLang="ja-JP" sz="2400" dirty="0">
+              <a:latin typeface="Arial" panose="020B0604020202020204" pitchFamily="34" charset="0"/>
+              <a:cs typeface="Arial" panose="020B0604020202020204" pitchFamily="34" charset="0"/>
+            </a:endParaRPr>
           </a:p>
           <a:p>
             <a:pPr lvl="1"/>
-            <a:endParaRPr kumimoji="1" lang="en-US" altLang="ja-JP" sz="2800" dirty="0"/>
-          </a:p>
-          <a:p>
-            <a:r>
-              <a:rPr kumimoji="1" lang="ja-JP" altLang="en-US" sz="4000"/>
-              <a:t>解析，大変なんすよ</a:t>
-            </a:r>
-          </a:p>
-        </p:txBody>
-      </p:sp>
-      <p:pic>
-        <p:nvPicPr>
-          <p:cNvPr id="5" name="図 4">
-            <a:extLst>
-              <a:ext uri="{FF2B5EF4-FFF2-40B4-BE49-F238E27FC236}">
-                <a16:creationId xmlns:a16="http://schemas.microsoft.com/office/drawing/2014/main" id="{B702CC99-D06A-F14B-A578-434D4DF468FE}"/>
-              </a:ext>
-            </a:extLst>
-          </p:cNvPr>
-          <p:cNvPicPr>
-            <a:picLocks noChangeAspect="1"/>
-          </p:cNvPicPr>
-          <p:nvPr/>
-        </p:nvPicPr>
-        <p:blipFill>
-          <a:blip r:embed="rId2"/>
-          <a:stretch>
-            <a:fillRect/>
-          </a:stretch>
-        </p:blipFill>
-        <p:spPr>
-          <a:xfrm>
-            <a:off x="6974647" y="4158000"/>
-            <a:ext cx="5217353" cy="2700000"/>
-          </a:xfrm>
-          <a:prstGeom prst="rect">
-            <a:avLst/>
-          </a:prstGeom>
-        </p:spPr>
-      </p:pic>
+            <a:r>
+              <a:rPr lang="ja-JP" altLang="en-US" sz="2400">
+                <a:latin typeface="Arial" panose="020B0604020202020204" pitchFamily="34" charset="0"/>
+                <a:cs typeface="Arial" panose="020B0604020202020204" pitchFamily="34" charset="0"/>
+              </a:rPr>
+              <a:t>ネットワークの構造的頑健性，感染症伝搬の性質の解明</a:t>
+            </a:r>
+            <a:endParaRPr lang="en-US" altLang="ja-JP" sz="2400" dirty="0">
+              <a:latin typeface="Arial" panose="020B0604020202020204" pitchFamily="34" charset="0"/>
+              <a:cs typeface="Arial" panose="020B0604020202020204" pitchFamily="34" charset="0"/>
+            </a:endParaRPr>
+          </a:p>
+          <a:p>
+            <a:pPr marL="457200" lvl="1" indent="0">
+              <a:buNone/>
+            </a:pPr>
+            <a:endParaRPr lang="en-US" altLang="ja-JP" sz="2400" dirty="0">
+              <a:latin typeface="Arial" panose="020B0604020202020204" pitchFamily="34" charset="0"/>
+              <a:cs typeface="Arial" panose="020B0604020202020204" pitchFamily="34" charset="0"/>
+            </a:endParaRPr>
+          </a:p>
+          <a:p>
+            <a:pPr lvl="1"/>
+            <a:r>
+              <a:rPr lang="ja-JP" altLang="en-US" sz="2400">
+                <a:latin typeface="Arial" panose="020B0604020202020204" pitchFamily="34" charset="0"/>
+                <a:cs typeface="Arial" panose="020B0604020202020204" pitchFamily="34" charset="0"/>
+              </a:rPr>
+              <a:t>実ネットワークの性質を模倣するモデルの構築</a:t>
+            </a:r>
+            <a:endParaRPr lang="en-US" altLang="ja-JP" sz="2400" dirty="0">
+              <a:latin typeface="Arial" panose="020B0604020202020204" pitchFamily="34" charset="0"/>
+              <a:cs typeface="Arial" panose="020B0604020202020204" pitchFamily="34" charset="0"/>
+            </a:endParaRPr>
+          </a:p>
+          <a:p>
+            <a:pPr lvl="1"/>
+            <a:endParaRPr lang="en-US" altLang="ja-JP" sz="2400" dirty="0">
+              <a:latin typeface="Arial" panose="020B0604020202020204" pitchFamily="34" charset="0"/>
+              <a:cs typeface="Arial" panose="020B0604020202020204" pitchFamily="34" charset="0"/>
+            </a:endParaRPr>
+          </a:p>
+          <a:p>
+            <a:pPr lvl="1"/>
+            <a:r>
+              <a:rPr lang="ja-JP" altLang="en-US" sz="2400">
+                <a:latin typeface="Arial" panose="020B0604020202020204" pitchFamily="34" charset="0"/>
+                <a:cs typeface="Arial" panose="020B0604020202020204" pitchFamily="34" charset="0"/>
+              </a:rPr>
+              <a:t>解析アルゴリズムの高度化</a:t>
+            </a:r>
+            <a:endParaRPr lang="en-US" altLang="ja-JP" sz="2400" dirty="0">
+              <a:latin typeface="Arial" panose="020B0604020202020204" pitchFamily="34" charset="0"/>
+              <a:cs typeface="Arial" panose="020B0604020202020204" pitchFamily="34" charset="0"/>
+            </a:endParaRPr>
+          </a:p>
+          <a:p>
+            <a:pPr marL="457200" lvl="1" indent="0">
+              <a:buNone/>
+            </a:pPr>
+            <a:endParaRPr lang="en-US" altLang="ja-JP" sz="2400" dirty="0">
+              <a:latin typeface="Arial" panose="020B0604020202020204" pitchFamily="34" charset="0"/>
+              <a:cs typeface="Arial" panose="020B0604020202020204" pitchFamily="34" charset="0"/>
+            </a:endParaRPr>
+          </a:p>
+        </p:txBody>
+      </p:sp>
     </p:spTree>
     <p:extLst>
       <p:ext uri="{BB962C8B-B14F-4D97-AF65-F5344CB8AC3E}">
-        <p14:creationId xmlns:p14="http://schemas.microsoft.com/office/powerpoint/2010/main" val="1386451898"/>
+        <p14:creationId xmlns:p14="http://schemas.microsoft.com/office/powerpoint/2010/main" val="2425238025"/>
       </p:ext>
     </p:extLst>
   </p:cSld>
@@ -11363,7 +10496,13 @@
       </p:grpSpPr>
       <p:sp>
         <p:nvSpPr>
-          <p:cNvPr id="2" name="タイトル 1"/>
+          <p:cNvPr id="2" name="タイトル 1">
+            <a:extLst>
+              <a:ext uri="{FF2B5EF4-FFF2-40B4-BE49-F238E27FC236}">
+                <a16:creationId xmlns:a16="http://schemas.microsoft.com/office/drawing/2014/main" id="{6F145A6C-C47C-BA46-B6F9-30C6E77E6E92}"/>
+              </a:ext>
+            </a:extLst>
+          </p:cNvPr>
           <p:cNvSpPr>
             <a:spLocks noGrp="1"/>
           </p:cNvSpPr>
@@ -11378,1082 +10517,112 @@
           <a:p>
             <a:r>
               <a:rPr kumimoji="1" lang="ja-JP" altLang="en-US"/>
-              <a:t>グラフサンプリング</a:t>
-            </a:r>
-            <a:endParaRPr kumimoji="1" lang="ja-JP" altLang="en-US" dirty="0"/>
-          </a:p>
-        </p:txBody>
-      </p:sp>
-      <p:pic>
-        <p:nvPicPr>
-          <p:cNvPr id="4" name="コンテンツ プレースホルダー 3"/>
-          <p:cNvPicPr>
-            <a:picLocks noGrp="1" noChangeAspect="1"/>
-          </p:cNvPicPr>
-          <p:nvPr>
-            <p:ph idx="1"/>
-          </p:nvPr>
-        </p:nvPicPr>
-        <p:blipFill>
-          <a:blip r:embed="rId2">
+              <a:t>ソーシャルネットワーク解析</a:t>
+            </a:r>
+          </a:p>
+        </p:txBody>
+      </p:sp>
+      <p:sp>
+        <p:nvSpPr>
+          <p:cNvPr id="3" name="コンテンツ プレースホルダー 2">
             <a:extLst>
-              <a:ext uri="{28A0092B-C50C-407E-A947-70E740481C1C}">
-                <a14:useLocalDpi xmlns:a14="http://schemas.microsoft.com/office/drawing/2010/main" val="0"/>
+              <a:ext uri="{FF2B5EF4-FFF2-40B4-BE49-F238E27FC236}">
+                <a16:creationId xmlns:a16="http://schemas.microsoft.com/office/drawing/2014/main" id="{47B0A7C3-9738-6B4C-B3AC-F5A1C6D13C5C}"/>
               </a:ext>
             </a:extLst>
-          </a:blip>
-          <a:stretch>
-            <a:fillRect/>
-          </a:stretch>
-        </p:blipFill>
-        <p:spPr>
-          <a:xfrm>
-            <a:off x="1100749" y="2721838"/>
-            <a:ext cx="565116" cy="720000"/>
-          </a:xfrm>
-        </p:spPr>
-      </p:pic>
-      <p:pic>
-        <p:nvPicPr>
-          <p:cNvPr id="5" name="コンテンツ プレースホルダー 3"/>
-          <p:cNvPicPr>
-            <a:picLocks noChangeAspect="1"/>
-          </p:cNvPicPr>
-          <p:nvPr/>
-        </p:nvPicPr>
-        <p:blipFill>
-          <a:blip r:embed="rId2">
-            <a:extLst>
-              <a:ext uri="{28A0092B-C50C-407E-A947-70E740481C1C}">
-                <a14:useLocalDpi xmlns:a14="http://schemas.microsoft.com/office/drawing/2010/main" val="0"/>
-              </a:ext>
-            </a:extLst>
-          </a:blip>
-          <a:stretch>
-            <a:fillRect/>
-          </a:stretch>
-        </p:blipFill>
-        <p:spPr>
-          <a:xfrm>
-            <a:off x="2458005" y="4094715"/>
-            <a:ext cx="565116" cy="720000"/>
-          </a:xfrm>
-          <a:prstGeom prst="rect">
-            <a:avLst/>
-          </a:prstGeom>
-        </p:spPr>
-      </p:pic>
-      <p:pic>
-        <p:nvPicPr>
-          <p:cNvPr id="6" name="コンテンツ プレースホルダー 3"/>
-          <p:cNvPicPr>
-            <a:picLocks noChangeAspect="1"/>
-          </p:cNvPicPr>
-          <p:nvPr/>
-        </p:nvPicPr>
-        <p:blipFill>
-          <a:blip r:embed="rId2">
-            <a:extLst>
-              <a:ext uri="{28A0092B-C50C-407E-A947-70E740481C1C}">
-                <a14:useLocalDpi xmlns:a14="http://schemas.microsoft.com/office/drawing/2010/main" val="0"/>
-              </a:ext>
-            </a:extLst>
-          </a:blip>
-          <a:stretch>
-            <a:fillRect/>
-          </a:stretch>
-        </p:blipFill>
-        <p:spPr>
-          <a:xfrm>
-            <a:off x="729270" y="4333176"/>
-            <a:ext cx="565116" cy="720000"/>
-          </a:xfrm>
-          <a:prstGeom prst="rect">
-            <a:avLst/>
-          </a:prstGeom>
-        </p:spPr>
-      </p:pic>
-      <p:pic>
-        <p:nvPicPr>
-          <p:cNvPr id="7" name="コンテンツ プレースホルダー 3"/>
-          <p:cNvPicPr>
-            <a:picLocks noChangeAspect="1"/>
-          </p:cNvPicPr>
-          <p:nvPr/>
-        </p:nvPicPr>
-        <p:blipFill>
-          <a:blip r:embed="rId2">
-            <a:extLst>
-              <a:ext uri="{28A0092B-C50C-407E-A947-70E740481C1C}">
-                <a14:useLocalDpi xmlns:a14="http://schemas.microsoft.com/office/drawing/2010/main" val="0"/>
-              </a:ext>
-            </a:extLst>
-          </a:blip>
-          <a:stretch>
-            <a:fillRect/>
-          </a:stretch>
-        </p:blipFill>
-        <p:spPr>
-          <a:xfrm>
-            <a:off x="2665089" y="2359529"/>
-            <a:ext cx="565116" cy="720000"/>
-          </a:xfrm>
-          <a:prstGeom prst="rect">
-            <a:avLst/>
-          </a:prstGeom>
-        </p:spPr>
-      </p:pic>
-      <p:cxnSp>
-        <p:nvCxnSpPr>
-          <p:cNvPr id="9" name="直線コネクタ 8"/>
-          <p:cNvCxnSpPr>
-            <a:stCxn id="4" idx="3"/>
-            <a:endCxn id="7" idx="1"/>
-          </p:cNvCxnSpPr>
-          <p:nvPr/>
-        </p:nvCxnSpPr>
-        <p:spPr>
-          <a:xfrm flipV="1">
-            <a:off x="1665865" y="2719529"/>
-            <a:ext cx="999224" cy="362309"/>
-          </a:xfrm>
-          <a:prstGeom prst="line">
-            <a:avLst/>
-          </a:prstGeom>
-          <a:ln w="38100"/>
-        </p:spPr>
-        <p:style>
-          <a:lnRef idx="1">
-            <a:schemeClr val="accent1"/>
-          </a:lnRef>
-          <a:fillRef idx="0">
-            <a:schemeClr val="accent1"/>
-          </a:fillRef>
-          <a:effectRef idx="0">
-            <a:schemeClr val="accent1"/>
-          </a:effectRef>
-          <a:fontRef idx="minor">
-            <a:schemeClr val="tx1"/>
-          </a:fontRef>
-        </p:style>
-      </p:cxnSp>
-      <p:cxnSp>
-        <p:nvCxnSpPr>
-          <p:cNvPr id="12" name="直線コネクタ 11"/>
-          <p:cNvCxnSpPr>
-            <a:stCxn id="5" idx="0"/>
-            <a:endCxn id="7" idx="2"/>
-          </p:cNvCxnSpPr>
-          <p:nvPr/>
-        </p:nvCxnSpPr>
-        <p:spPr>
-          <a:xfrm flipV="1">
-            <a:off x="2740563" y="3079529"/>
-            <a:ext cx="207084" cy="1015186"/>
-          </a:xfrm>
-          <a:prstGeom prst="line">
-            <a:avLst/>
-          </a:prstGeom>
-          <a:ln w="38100"/>
-        </p:spPr>
-        <p:style>
-          <a:lnRef idx="1">
-            <a:schemeClr val="accent1"/>
-          </a:lnRef>
-          <a:fillRef idx="0">
-            <a:schemeClr val="accent1"/>
-          </a:fillRef>
-          <a:effectRef idx="0">
-            <a:schemeClr val="accent1"/>
-          </a:effectRef>
-          <a:fontRef idx="minor">
-            <a:schemeClr val="tx1"/>
-          </a:fontRef>
-        </p:style>
-      </p:cxnSp>
-      <p:cxnSp>
-        <p:nvCxnSpPr>
-          <p:cNvPr id="13" name="直線コネクタ 12"/>
-          <p:cNvCxnSpPr>
-            <a:stCxn id="4" idx="2"/>
-            <a:endCxn id="6" idx="0"/>
-          </p:cNvCxnSpPr>
-          <p:nvPr/>
-        </p:nvCxnSpPr>
-        <p:spPr>
-          <a:xfrm flipH="1">
-            <a:off x="1011828" y="3441838"/>
-            <a:ext cx="371479" cy="891338"/>
-          </a:xfrm>
-          <a:prstGeom prst="line">
-            <a:avLst/>
-          </a:prstGeom>
-          <a:ln w="38100"/>
-        </p:spPr>
-        <p:style>
-          <a:lnRef idx="1">
-            <a:schemeClr val="accent1"/>
-          </a:lnRef>
-          <a:fillRef idx="0">
-            <a:schemeClr val="accent1"/>
-          </a:fillRef>
-          <a:effectRef idx="0">
-            <a:schemeClr val="accent1"/>
-          </a:effectRef>
-          <a:fontRef idx="minor">
-            <a:schemeClr val="tx1"/>
-          </a:fontRef>
-        </p:style>
-      </p:cxnSp>
-      <p:cxnSp>
-        <p:nvCxnSpPr>
-          <p:cNvPr id="16" name="直線コネクタ 15"/>
-          <p:cNvCxnSpPr>
-            <a:stCxn id="4" idx="2"/>
-            <a:endCxn id="5" idx="0"/>
-          </p:cNvCxnSpPr>
-          <p:nvPr/>
-        </p:nvCxnSpPr>
-        <p:spPr>
-          <a:xfrm>
-            <a:off x="1383307" y="3441838"/>
-            <a:ext cx="1357256" cy="652877"/>
-          </a:xfrm>
-          <a:prstGeom prst="line">
-            <a:avLst/>
-          </a:prstGeom>
-          <a:ln w="38100"/>
-        </p:spPr>
-        <p:style>
-          <a:lnRef idx="1">
-            <a:schemeClr val="accent1"/>
-          </a:lnRef>
-          <a:fillRef idx="0">
-            <a:schemeClr val="accent1"/>
-          </a:fillRef>
-          <a:effectRef idx="0">
-            <a:schemeClr val="accent1"/>
-          </a:effectRef>
-          <a:fontRef idx="minor">
-            <a:schemeClr val="tx1"/>
-          </a:fontRef>
-        </p:style>
-      </p:cxnSp>
-      <p:cxnSp>
-        <p:nvCxnSpPr>
-          <p:cNvPr id="21" name="直線コネクタ 20"/>
-          <p:cNvCxnSpPr>
-            <a:stCxn id="5" idx="1"/>
-            <a:endCxn id="6" idx="3"/>
-          </p:cNvCxnSpPr>
-          <p:nvPr/>
-        </p:nvCxnSpPr>
-        <p:spPr>
-          <a:xfrm flipH="1">
-            <a:off x="1294386" y="4454715"/>
-            <a:ext cx="1163619" cy="238461"/>
-          </a:xfrm>
-          <a:prstGeom prst="line">
-            <a:avLst/>
-          </a:prstGeom>
-          <a:ln w="38100"/>
-        </p:spPr>
-        <p:style>
-          <a:lnRef idx="1">
-            <a:schemeClr val="accent1"/>
-          </a:lnRef>
-          <a:fillRef idx="0">
-            <a:schemeClr val="accent1"/>
-          </a:fillRef>
-          <a:effectRef idx="0">
-            <a:schemeClr val="accent1"/>
-          </a:effectRef>
-          <a:fontRef idx="minor">
-            <a:schemeClr val="tx1"/>
-          </a:fontRef>
-        </p:style>
-      </p:cxnSp>
-      <p:sp>
-        <p:nvSpPr>
-          <p:cNvPr id="24" name="楕円 23"/>
-          <p:cNvSpPr>
-            <a:spLocks noChangeAspect="1"/>
-          </p:cNvSpPr>
-          <p:nvPr/>
-        </p:nvSpPr>
-        <p:spPr>
-          <a:xfrm rot="897167">
-            <a:off x="4865137" y="3044130"/>
-            <a:ext cx="720000" cy="720000"/>
-          </a:xfrm>
-          <a:prstGeom prst="ellipse">
-            <a:avLst/>
-          </a:prstGeom>
-          <a:noFill/>
-          <a:ln w="38100">
-            <a:solidFill>
-              <a:srgbClr val="0070C0"/>
-            </a:solidFill>
-          </a:ln>
-        </p:spPr>
-        <p:style>
-          <a:lnRef idx="2">
-            <a:schemeClr val="accent1">
-              <a:shade val="50000"/>
-            </a:schemeClr>
-          </a:lnRef>
-          <a:fillRef idx="1">
-            <a:schemeClr val="accent1"/>
-          </a:fillRef>
-          <a:effectRef idx="0">
-            <a:schemeClr val="accent1"/>
-          </a:effectRef>
-          <a:fontRef idx="minor">
-            <a:schemeClr val="lt1"/>
-          </a:fontRef>
-        </p:style>
-        <p:txBody>
-          <a:bodyPr rtlCol="0" anchor="ctr"/>
-          <a:lstStyle/>
-          <a:p>
-            <a:pPr algn="ctr"/>
-            <a:endParaRPr kumimoji="1" lang="ja-JP" altLang="en-US"/>
-          </a:p>
-        </p:txBody>
-      </p:sp>
-      <p:sp>
-        <p:nvSpPr>
-          <p:cNvPr id="25" name="楕円 24"/>
-          <p:cNvSpPr>
-            <a:spLocks noChangeAspect="1"/>
-          </p:cNvSpPr>
-          <p:nvPr/>
-        </p:nvSpPr>
-        <p:spPr>
-          <a:xfrm>
-            <a:off x="6539262" y="2361838"/>
-            <a:ext cx="720000" cy="720000"/>
-          </a:xfrm>
-          <a:prstGeom prst="ellipse">
-            <a:avLst/>
-          </a:prstGeom>
-          <a:noFill/>
-          <a:ln w="38100">
-            <a:solidFill>
-              <a:srgbClr val="0070C0"/>
-            </a:solidFill>
-          </a:ln>
-        </p:spPr>
-        <p:style>
-          <a:lnRef idx="2">
-            <a:schemeClr val="accent1">
-              <a:shade val="50000"/>
-            </a:schemeClr>
-          </a:lnRef>
-          <a:fillRef idx="1">
-            <a:schemeClr val="accent1"/>
-          </a:fillRef>
-          <a:effectRef idx="0">
-            <a:schemeClr val="accent1"/>
-          </a:effectRef>
-          <a:fontRef idx="minor">
-            <a:schemeClr val="lt1"/>
-          </a:fontRef>
-        </p:style>
-        <p:txBody>
-          <a:bodyPr rtlCol="0" anchor="ctr"/>
-          <a:lstStyle/>
-          <a:p>
-            <a:pPr algn="ctr"/>
-            <a:endParaRPr kumimoji="1" lang="ja-JP" altLang="en-US"/>
-          </a:p>
-        </p:txBody>
-      </p:sp>
-      <p:sp>
-        <p:nvSpPr>
-          <p:cNvPr id="26" name="楕円 25"/>
-          <p:cNvSpPr>
-            <a:spLocks noChangeAspect="1"/>
-          </p:cNvSpPr>
-          <p:nvPr/>
-        </p:nvSpPr>
-        <p:spPr>
-          <a:xfrm rot="1990010">
-            <a:off x="6438876" y="3891280"/>
-            <a:ext cx="720000" cy="720000"/>
-          </a:xfrm>
-          <a:prstGeom prst="ellipse">
-            <a:avLst/>
-          </a:prstGeom>
-          <a:noFill/>
-          <a:ln w="38100">
-            <a:solidFill>
-              <a:srgbClr val="0070C0"/>
-            </a:solidFill>
-          </a:ln>
-        </p:spPr>
-        <p:style>
-          <a:lnRef idx="2">
-            <a:schemeClr val="accent1">
-              <a:shade val="50000"/>
-            </a:schemeClr>
-          </a:lnRef>
-          <a:fillRef idx="1">
-            <a:schemeClr val="accent1"/>
-          </a:fillRef>
-          <a:effectRef idx="0">
-            <a:schemeClr val="accent1"/>
-          </a:effectRef>
-          <a:fontRef idx="minor">
-            <a:schemeClr val="lt1"/>
-          </a:fontRef>
-        </p:style>
-        <p:txBody>
-          <a:bodyPr rtlCol="0" anchor="ctr"/>
-          <a:lstStyle/>
-          <a:p>
-            <a:pPr algn="ctr"/>
-            <a:endParaRPr kumimoji="1" lang="ja-JP" altLang="en-US"/>
-          </a:p>
-        </p:txBody>
-      </p:sp>
-      <p:sp>
-        <p:nvSpPr>
-          <p:cNvPr id="27" name="楕円 26"/>
-          <p:cNvSpPr>
-            <a:spLocks noChangeAspect="1"/>
-          </p:cNvSpPr>
-          <p:nvPr/>
-        </p:nvSpPr>
-        <p:spPr>
-          <a:xfrm>
-            <a:off x="4587461" y="4466042"/>
-            <a:ext cx="720000" cy="720000"/>
-          </a:xfrm>
-          <a:prstGeom prst="ellipse">
-            <a:avLst/>
-          </a:prstGeom>
-          <a:noFill/>
-          <a:ln w="38100">
-            <a:solidFill>
-              <a:srgbClr val="0070C0"/>
-            </a:solidFill>
-          </a:ln>
-        </p:spPr>
-        <p:style>
-          <a:lnRef idx="2">
-            <a:schemeClr val="accent1">
-              <a:shade val="50000"/>
-            </a:schemeClr>
-          </a:lnRef>
-          <a:fillRef idx="1">
-            <a:schemeClr val="accent1"/>
-          </a:fillRef>
-          <a:effectRef idx="0">
-            <a:schemeClr val="accent1"/>
-          </a:effectRef>
-          <a:fontRef idx="minor">
-            <a:schemeClr val="lt1"/>
-          </a:fontRef>
-        </p:style>
-        <p:txBody>
-          <a:bodyPr rtlCol="0" anchor="ctr"/>
-          <a:lstStyle/>
-          <a:p>
-            <a:pPr algn="ctr"/>
-            <a:endParaRPr kumimoji="1" lang="ja-JP" altLang="en-US"/>
-          </a:p>
-        </p:txBody>
-      </p:sp>
-      <p:cxnSp>
-        <p:nvCxnSpPr>
-          <p:cNvPr id="28" name="直線コネクタ 27"/>
-          <p:cNvCxnSpPr>
-            <a:stCxn id="27" idx="0"/>
-            <a:endCxn id="24" idx="4"/>
-          </p:cNvCxnSpPr>
-          <p:nvPr/>
-        </p:nvCxnSpPr>
-        <p:spPr>
-          <a:xfrm flipV="1">
-            <a:off x="4947461" y="3751940"/>
-            <a:ext cx="184788" cy="714102"/>
-          </a:xfrm>
-          <a:prstGeom prst="line">
-            <a:avLst/>
-          </a:prstGeom>
-          <a:ln w="38100"/>
-        </p:spPr>
-        <p:style>
-          <a:lnRef idx="1">
-            <a:schemeClr val="accent1"/>
-          </a:lnRef>
-          <a:fillRef idx="0">
-            <a:schemeClr val="accent1"/>
-          </a:fillRef>
-          <a:effectRef idx="0">
-            <a:schemeClr val="accent1"/>
-          </a:effectRef>
-          <a:fontRef idx="minor">
-            <a:schemeClr val="tx1"/>
-          </a:fontRef>
-        </p:style>
-      </p:cxnSp>
-      <p:cxnSp>
-        <p:nvCxnSpPr>
-          <p:cNvPr id="34" name="直線コネクタ 33"/>
-          <p:cNvCxnSpPr>
-            <a:stCxn id="25" idx="2"/>
-            <a:endCxn id="24" idx="7"/>
-          </p:cNvCxnSpPr>
-          <p:nvPr/>
-        </p:nvCxnSpPr>
-        <p:spPr>
-          <a:xfrm flipH="1">
-            <a:off x="5536757" y="2721838"/>
-            <a:ext cx="1002505" cy="502035"/>
-          </a:xfrm>
-          <a:prstGeom prst="line">
-            <a:avLst/>
-          </a:prstGeom>
-          <a:ln w="38100"/>
-        </p:spPr>
-        <p:style>
-          <a:lnRef idx="1">
-            <a:schemeClr val="accent1"/>
-          </a:lnRef>
-          <a:fillRef idx="0">
-            <a:schemeClr val="accent1"/>
-          </a:fillRef>
-          <a:effectRef idx="0">
-            <a:schemeClr val="accent1"/>
-          </a:effectRef>
-          <a:fontRef idx="minor">
-            <a:schemeClr val="tx1"/>
-          </a:fontRef>
-        </p:style>
-      </p:cxnSp>
-      <p:cxnSp>
-        <p:nvCxnSpPr>
-          <p:cNvPr id="40" name="直線コネクタ 39"/>
-          <p:cNvCxnSpPr>
-            <a:stCxn id="26" idx="2"/>
-            <a:endCxn id="24" idx="6"/>
-          </p:cNvCxnSpPr>
-          <p:nvPr/>
-        </p:nvCxnSpPr>
-        <p:spPr>
-          <a:xfrm flipH="1" flipV="1">
-            <a:off x="5572947" y="3497018"/>
-            <a:ext cx="924580" cy="557314"/>
-          </a:xfrm>
-          <a:prstGeom prst="line">
-            <a:avLst/>
-          </a:prstGeom>
-          <a:ln w="38100"/>
-        </p:spPr>
-        <p:style>
-          <a:lnRef idx="1">
-            <a:schemeClr val="accent1"/>
-          </a:lnRef>
-          <a:fillRef idx="0">
-            <a:schemeClr val="accent1"/>
-          </a:fillRef>
-          <a:effectRef idx="0">
-            <a:schemeClr val="accent1"/>
-          </a:effectRef>
-          <a:fontRef idx="minor">
-            <a:schemeClr val="tx1"/>
-          </a:fontRef>
-        </p:style>
-      </p:cxnSp>
-      <p:cxnSp>
-        <p:nvCxnSpPr>
-          <p:cNvPr id="43" name="直線コネクタ 42"/>
-          <p:cNvCxnSpPr>
-            <a:stCxn id="26" idx="4"/>
-            <a:endCxn id="27" idx="6"/>
-          </p:cNvCxnSpPr>
-          <p:nvPr/>
-        </p:nvCxnSpPr>
-        <p:spPr>
-          <a:xfrm flipH="1">
-            <a:off x="5307461" y="4552629"/>
-            <a:ext cx="1294467" cy="273413"/>
-          </a:xfrm>
-          <a:prstGeom prst="line">
-            <a:avLst/>
-          </a:prstGeom>
-          <a:ln w="38100"/>
-        </p:spPr>
-        <p:style>
-          <a:lnRef idx="1">
-            <a:schemeClr val="accent1"/>
-          </a:lnRef>
-          <a:fillRef idx="0">
-            <a:schemeClr val="accent1"/>
-          </a:fillRef>
-          <a:effectRef idx="0">
-            <a:schemeClr val="accent1"/>
-          </a:effectRef>
-          <a:fontRef idx="minor">
-            <a:schemeClr val="tx1"/>
-          </a:fontRef>
-        </p:style>
-      </p:cxnSp>
-      <p:cxnSp>
-        <p:nvCxnSpPr>
-          <p:cNvPr id="48" name="直線コネクタ 47"/>
-          <p:cNvCxnSpPr>
-            <a:stCxn id="26" idx="1"/>
-            <a:endCxn id="25" idx="4"/>
-          </p:cNvCxnSpPr>
-          <p:nvPr/>
-        </p:nvCxnSpPr>
-        <p:spPr>
-          <a:xfrm flipV="1">
-            <a:off x="6725054" y="3081838"/>
-            <a:ext cx="174208" cy="817093"/>
-          </a:xfrm>
-          <a:prstGeom prst="line">
-            <a:avLst/>
-          </a:prstGeom>
-          <a:ln w="38100"/>
-        </p:spPr>
-        <p:style>
-          <a:lnRef idx="1">
-            <a:schemeClr val="accent1"/>
-          </a:lnRef>
-          <a:fillRef idx="0">
-            <a:schemeClr val="accent1"/>
-          </a:fillRef>
-          <a:effectRef idx="0">
-            <a:schemeClr val="accent1"/>
-          </a:effectRef>
-          <a:fontRef idx="minor">
-            <a:schemeClr val="tx1"/>
-          </a:fontRef>
-        </p:style>
-      </p:cxnSp>
-      <p:sp>
-        <p:nvSpPr>
-          <p:cNvPr id="61" name="テキスト ボックス 60"/>
-          <p:cNvSpPr txBox="1"/>
-          <p:nvPr/>
-        </p:nvSpPr>
-        <p:spPr>
-          <a:xfrm>
-            <a:off x="267213" y="1749072"/>
-            <a:ext cx="3589444" cy="523220"/>
-          </a:xfrm>
-          <a:prstGeom prst="rect">
-            <a:avLst/>
-          </a:prstGeom>
-          <a:noFill/>
-        </p:spPr>
-        <p:txBody>
-          <a:bodyPr wrap="none" rtlCol="0">
-            <a:spAutoFit/>
+          </p:cNvPr>
+          <p:cNvSpPr>
+            <a:spLocks noGrp="1"/>
+          </p:cNvSpPr>
+          <p:nvPr>
+            <p:ph idx="1"/>
+          </p:nvPr>
+        </p:nvSpPr>
+        <p:spPr/>
+        <p:txBody>
+          <a:bodyPr>
+            <a:normAutofit lnSpcReduction="10000"/>
           </a:bodyPr>
           <a:lstStyle/>
           <a:p>
             <a:r>
-              <a:rPr kumimoji="1" lang="ja-JP" altLang="en-US" sz="2800" dirty="0"/>
-              <a:t>ソーシャルネットワーク</a:t>
-            </a:r>
-          </a:p>
-        </p:txBody>
-      </p:sp>
-      <p:sp>
-        <p:nvSpPr>
-          <p:cNvPr id="62" name="テキスト ボックス 61"/>
-          <p:cNvSpPr txBox="1"/>
-          <p:nvPr/>
-        </p:nvSpPr>
-        <p:spPr>
-          <a:xfrm>
-            <a:off x="4784438" y="1749072"/>
-            <a:ext cx="2728632" cy="523220"/>
-          </a:xfrm>
-          <a:prstGeom prst="rect">
-            <a:avLst/>
-          </a:prstGeom>
-          <a:noFill/>
-        </p:spPr>
-        <p:txBody>
-          <a:bodyPr wrap="none" rtlCol="0">
-            <a:spAutoFit/>
-          </a:bodyPr>
-          <a:lstStyle/>
-          <a:p>
-            <a:r>
-              <a:rPr kumimoji="1" lang="ja-JP" altLang="en-US" sz="2800" dirty="0"/>
-              <a:t>ソーシャルグラフ</a:t>
-            </a:r>
-          </a:p>
-        </p:txBody>
-      </p:sp>
-      <p:sp>
-        <p:nvSpPr>
-          <p:cNvPr id="63" name="左右矢印 62"/>
-          <p:cNvSpPr/>
-          <p:nvPr/>
-        </p:nvSpPr>
-        <p:spPr>
-          <a:xfrm>
-            <a:off x="7922964" y="3533359"/>
-            <a:ext cx="1440000" cy="484632"/>
-          </a:xfrm>
-          <a:prstGeom prst="leftRightArrow">
-            <a:avLst/>
-          </a:prstGeom>
-          <a:solidFill>
-            <a:schemeClr val="tx1"/>
-          </a:solidFill>
-          <a:ln>
-            <a:solidFill>
-              <a:schemeClr val="tx1"/>
-            </a:solidFill>
-          </a:ln>
-        </p:spPr>
-        <p:style>
-          <a:lnRef idx="2">
-            <a:schemeClr val="accent1">
-              <a:shade val="50000"/>
-            </a:schemeClr>
-          </a:lnRef>
-          <a:fillRef idx="1">
-            <a:schemeClr val="accent1"/>
-          </a:fillRef>
-          <a:effectRef idx="0">
-            <a:schemeClr val="accent1"/>
-          </a:effectRef>
-          <a:fontRef idx="minor">
-            <a:schemeClr val="lt1"/>
-          </a:fontRef>
-        </p:style>
-        <p:txBody>
-          <a:bodyPr rtlCol="0" anchor="ctr"/>
-          <a:lstStyle/>
-          <a:p>
-            <a:pPr algn="ctr"/>
-            <a:endParaRPr kumimoji="1" lang="ja-JP" altLang="en-US"/>
-          </a:p>
-        </p:txBody>
-      </p:sp>
-      <p:sp>
-        <p:nvSpPr>
-          <p:cNvPr id="64" name="テキスト ボックス 63"/>
-          <p:cNvSpPr txBox="1"/>
-          <p:nvPr/>
-        </p:nvSpPr>
-        <p:spPr>
-          <a:xfrm>
-            <a:off x="8230832" y="2886846"/>
-            <a:ext cx="824265" cy="584775"/>
-          </a:xfrm>
-          <a:prstGeom prst="rect">
-            <a:avLst/>
-          </a:prstGeom>
-          <a:noFill/>
-        </p:spPr>
-        <p:txBody>
-          <a:bodyPr wrap="none" rtlCol="0">
-            <a:spAutoFit/>
-          </a:bodyPr>
-          <a:lstStyle/>
-          <a:p>
-            <a:r>
-              <a:rPr kumimoji="1" lang="en-US" altLang="ja-JP" sz="3200" dirty="0">
-                <a:latin typeface="+mn-ea"/>
-              </a:rPr>
-              <a:t>API</a:t>
-            </a:r>
-            <a:endParaRPr kumimoji="1" lang="ja-JP" altLang="en-US" sz="3200" dirty="0">
-              <a:latin typeface="+mn-ea"/>
-            </a:endParaRPr>
-          </a:p>
-        </p:txBody>
-      </p:sp>
-      <p:pic>
-        <p:nvPicPr>
-          <p:cNvPr id="65" name="図 64"/>
-          <p:cNvPicPr>
-            <a:picLocks noChangeAspect="1"/>
-          </p:cNvPicPr>
-          <p:nvPr/>
-        </p:nvPicPr>
-        <p:blipFill>
-          <a:blip r:embed="rId3">
-            <a:extLst>
-              <a:ext uri="{28A0092B-C50C-407E-A947-70E740481C1C}">
-                <a14:useLocalDpi xmlns:a14="http://schemas.microsoft.com/office/drawing/2010/main" val="0"/>
-              </a:ext>
-            </a:extLst>
-          </a:blip>
-          <a:stretch>
-            <a:fillRect/>
-          </a:stretch>
-        </p:blipFill>
-        <p:spPr>
-          <a:xfrm>
-            <a:off x="9988755" y="2413317"/>
-            <a:ext cx="1732500" cy="2520000"/>
-          </a:xfrm>
-          <a:prstGeom prst="rect">
-            <a:avLst/>
-          </a:prstGeom>
-        </p:spPr>
-      </p:pic>
-      <p:sp>
-        <p:nvSpPr>
-          <p:cNvPr id="66" name="テキスト ボックス 65"/>
-          <p:cNvSpPr txBox="1"/>
-          <p:nvPr/>
-        </p:nvSpPr>
-        <p:spPr>
-          <a:xfrm>
-            <a:off x="9655798" y="1749072"/>
-            <a:ext cx="2398413" cy="523220"/>
-          </a:xfrm>
-          <a:prstGeom prst="rect">
-            <a:avLst/>
-          </a:prstGeom>
-          <a:noFill/>
-        </p:spPr>
-        <p:txBody>
-          <a:bodyPr wrap="none" rtlCol="0">
-            <a:spAutoFit/>
-          </a:bodyPr>
-          <a:lstStyle/>
-          <a:p>
-            <a:r>
-              <a:rPr kumimoji="1" lang="ja-JP" altLang="en-US" sz="2800" dirty="0"/>
-              <a:t>サードパーティ</a:t>
-            </a:r>
-          </a:p>
-        </p:txBody>
-      </p:sp>
-      <p:sp>
-        <p:nvSpPr>
-          <p:cNvPr id="68" name="テキスト ボックス 67"/>
-          <p:cNvSpPr txBox="1"/>
-          <p:nvPr/>
-        </p:nvSpPr>
-        <p:spPr>
-          <a:xfrm>
-            <a:off x="63594" y="5549225"/>
-            <a:ext cx="12170319" cy="954107"/>
-          </a:xfrm>
-          <a:prstGeom prst="rect">
-            <a:avLst/>
-          </a:prstGeom>
-          <a:noFill/>
-        </p:spPr>
-        <p:txBody>
-          <a:bodyPr wrap="none" rtlCol="0">
-            <a:spAutoFit/>
-          </a:bodyPr>
-          <a:lstStyle/>
-          <a:p>
-            <a:pPr marL="457200" indent="-457200">
-              <a:buFont typeface="Arial" panose="020B0604020202020204" pitchFamily="34" charset="0"/>
-              <a:buChar char="•"/>
+              <a:rPr lang="ja-JP" altLang="en-US"/>
+              <a:t>ソーシャルネットワークの高度な解析は依然として課題だった．</a:t>
+            </a:r>
+            <a:endParaRPr lang="en-US" altLang="ja-JP" dirty="0"/>
+          </a:p>
+          <a:p>
+            <a:pPr lvl="1"/>
+            <a:endParaRPr lang="en-US" altLang="ja-JP" dirty="0"/>
+          </a:p>
+          <a:p>
+            <a:pPr lvl="1"/>
+            <a:r>
+              <a:rPr lang="ja-JP" altLang="en-US" sz="2400"/>
+              <a:t>人間同士の繋がりや行動に潜む社会的構造の解明が目的．</a:t>
+            </a:r>
+            <a:endParaRPr lang="en-US" altLang="ja-JP" sz="2400" dirty="0"/>
+          </a:p>
+          <a:p>
+            <a:pPr marL="457200" lvl="1" indent="0">
+              <a:buNone/>
             </a:pPr>
-            <a:r>
-              <a:rPr kumimoji="1" lang="ja-JP" altLang="en-US" sz="2800"/>
-              <a:t>サードパーティはソーシャルグラフのデータ取得に制限がある．</a:t>
-            </a:r>
-            <a:endParaRPr kumimoji="1" lang="en-US" altLang="ja-JP" sz="2800" dirty="0"/>
-          </a:p>
-          <a:p>
-            <a:pPr marL="457200" indent="-457200">
-              <a:buFont typeface="Arial" panose="020B0604020202020204" pitchFamily="34" charset="0"/>
-              <a:buChar char="•"/>
+            <a:endParaRPr lang="en-US" altLang="ja-JP" sz="2400" dirty="0"/>
+          </a:p>
+          <a:p>
+            <a:pPr lvl="1"/>
+            <a:r>
+              <a:rPr lang="ja-JP" altLang="en-US" sz="2400"/>
+              <a:t>しかし，せいぜい数百から数千程度の実データに対する解析に限られていた．</a:t>
+            </a:r>
+            <a:endParaRPr lang="en-US" altLang="ja-JP" sz="2400" dirty="0"/>
+          </a:p>
+          <a:p>
+            <a:pPr marL="457200" lvl="1" indent="0">
+              <a:buNone/>
             </a:pPr>
-            <a:r>
-              <a:rPr kumimoji="1" lang="ja-JP" altLang="en-US" sz="2800"/>
-              <a:t>一部だけサンプリングして，グラフの特徴を推定しよう！</a:t>
-            </a:r>
-            <a:r>
-              <a:rPr kumimoji="1" lang="ja-JP" altLang="en-US" sz="2800">
-                <a:solidFill>
-                  <a:srgbClr val="FF0000"/>
-                </a:solidFill>
-              </a:rPr>
-              <a:t>（グラフサンプリング）</a:t>
-            </a:r>
-            <a:endParaRPr kumimoji="1" lang="en-US" altLang="ja-JP" sz="2800" b="1" dirty="0">
-              <a:solidFill>
-                <a:srgbClr val="FF0000"/>
-              </a:solidFill>
-            </a:endParaRPr>
-          </a:p>
-        </p:txBody>
-      </p:sp>
-      <p:sp>
-        <p:nvSpPr>
-          <p:cNvPr id="69" name="楕円 68"/>
-          <p:cNvSpPr/>
-          <p:nvPr/>
-        </p:nvSpPr>
-        <p:spPr>
-          <a:xfrm>
-            <a:off x="8193251" y="1924431"/>
-            <a:ext cx="914400" cy="914400"/>
-          </a:xfrm>
-          <a:prstGeom prst="ellipse">
-            <a:avLst/>
-          </a:prstGeom>
-          <a:noFill/>
-          <a:ln w="76200">
-            <a:solidFill>
-              <a:srgbClr val="FF0000"/>
-            </a:solidFill>
-          </a:ln>
-        </p:spPr>
-        <p:style>
-          <a:lnRef idx="2">
-            <a:schemeClr val="accent1">
-              <a:shade val="50000"/>
-            </a:schemeClr>
-          </a:lnRef>
-          <a:fillRef idx="1">
-            <a:schemeClr val="accent1"/>
-          </a:fillRef>
-          <a:effectRef idx="0">
-            <a:schemeClr val="accent1"/>
-          </a:effectRef>
-          <a:fontRef idx="minor">
-            <a:schemeClr val="lt1"/>
-          </a:fontRef>
-        </p:style>
-        <p:txBody>
-          <a:bodyPr rtlCol="0" anchor="ctr"/>
-          <a:lstStyle/>
-          <a:p>
-            <a:pPr algn="ctr"/>
-            <a:endParaRPr kumimoji="1" lang="ja-JP" altLang="en-US" sz="1100" dirty="0">
-              <a:solidFill>
-                <a:schemeClr val="tx1"/>
-              </a:solidFill>
-            </a:endParaRPr>
-          </a:p>
-        </p:txBody>
-      </p:sp>
-      <p:sp>
-        <p:nvSpPr>
-          <p:cNvPr id="71" name="テキスト ボックス 70"/>
-          <p:cNvSpPr txBox="1"/>
-          <p:nvPr/>
-        </p:nvSpPr>
-        <p:spPr>
-          <a:xfrm>
-            <a:off x="8159430" y="2058465"/>
-            <a:ext cx="958917" cy="646331"/>
-          </a:xfrm>
-          <a:prstGeom prst="rect">
-            <a:avLst/>
-          </a:prstGeom>
-          <a:noFill/>
-        </p:spPr>
-        <p:txBody>
-          <a:bodyPr wrap="none" rtlCol="0">
-            <a:spAutoFit/>
-          </a:bodyPr>
-          <a:lstStyle/>
-          <a:p>
-            <a:r>
-              <a:rPr kumimoji="1" lang="en-US" altLang="ja-JP" sz="3600" b="1" dirty="0"/>
-              <a:t>100</a:t>
-            </a:r>
-            <a:endParaRPr kumimoji="1" lang="ja-JP" altLang="en-US" sz="3600" b="1" dirty="0"/>
-          </a:p>
-        </p:txBody>
-      </p:sp>
-      <p:sp>
-        <p:nvSpPr>
-          <p:cNvPr id="72" name="テキスト ボックス 71"/>
-          <p:cNvSpPr txBox="1"/>
-          <p:nvPr/>
-        </p:nvSpPr>
-        <p:spPr>
-          <a:xfrm>
-            <a:off x="7649674" y="1493452"/>
-            <a:ext cx="1978427" cy="400110"/>
-          </a:xfrm>
-          <a:prstGeom prst="rect">
-            <a:avLst/>
-          </a:prstGeom>
-          <a:noFill/>
-        </p:spPr>
-        <p:txBody>
-          <a:bodyPr wrap="none" rtlCol="0">
-            <a:spAutoFit/>
-          </a:bodyPr>
-          <a:lstStyle/>
-          <a:p>
-            <a:r>
-              <a:rPr kumimoji="1" lang="ja-JP" altLang="en-US" sz="2000" dirty="0"/>
-              <a:t>リクエスト数制限</a:t>
-            </a:r>
-          </a:p>
-        </p:txBody>
-      </p:sp>
-      <p:sp>
-        <p:nvSpPr>
-          <p:cNvPr id="73" name="テキスト ボックス 72"/>
-          <p:cNvSpPr txBox="1"/>
-          <p:nvPr/>
-        </p:nvSpPr>
-        <p:spPr>
-          <a:xfrm>
-            <a:off x="3971349" y="3079529"/>
-            <a:ext cx="917239" cy="461665"/>
-          </a:xfrm>
-          <a:prstGeom prst="rect">
-            <a:avLst/>
-          </a:prstGeom>
-          <a:noFill/>
-        </p:spPr>
-        <p:txBody>
-          <a:bodyPr wrap="none" rtlCol="0">
-            <a:spAutoFit/>
-          </a:bodyPr>
-          <a:lstStyle/>
-          <a:p>
-            <a:r>
-              <a:rPr kumimoji="1" lang="ja-JP" altLang="en-US" sz="2400" dirty="0"/>
-              <a:t>ノード</a:t>
-            </a:r>
-          </a:p>
-        </p:txBody>
-      </p:sp>
-      <p:sp>
-        <p:nvSpPr>
-          <p:cNvPr id="74" name="テキスト ボックス 73"/>
-          <p:cNvSpPr txBox="1"/>
-          <p:nvPr/>
-        </p:nvSpPr>
-        <p:spPr>
-          <a:xfrm>
-            <a:off x="4086485" y="3845587"/>
-            <a:ext cx="963725" cy="461665"/>
-          </a:xfrm>
-          <a:prstGeom prst="rect">
-            <a:avLst/>
-          </a:prstGeom>
-          <a:noFill/>
-        </p:spPr>
-        <p:txBody>
-          <a:bodyPr wrap="none" rtlCol="0">
-            <a:spAutoFit/>
-          </a:bodyPr>
-          <a:lstStyle/>
-          <a:p>
-            <a:r>
-              <a:rPr kumimoji="1" lang="ja-JP" altLang="en-US" sz="2400" dirty="0"/>
-              <a:t>エッジ</a:t>
+            <a:endParaRPr kumimoji="1" lang="en-US" altLang="ja-JP" sz="2400" dirty="0"/>
+          </a:p>
+          <a:p>
+            <a:r>
+              <a:rPr lang="ja-JP" altLang="en-US"/>
+              <a:t>オンラインソーシャルネットワークの出現により大規模な解析が可能に．</a:t>
+            </a:r>
+            <a:endParaRPr lang="en-US" altLang="ja-JP" dirty="0"/>
+          </a:p>
+          <a:p>
+            <a:pPr lvl="1"/>
+            <a:endParaRPr kumimoji="1" lang="en-US" altLang="ja-JP" dirty="0"/>
+          </a:p>
+          <a:p>
+            <a:pPr lvl="1"/>
+            <a:r>
+              <a:rPr kumimoji="1" lang="ja-JP" altLang="en-US" sz="2400"/>
+              <a:t>隣接関係の明確化．</a:t>
+            </a:r>
+            <a:endParaRPr kumimoji="1" lang="en-US" altLang="ja-JP" sz="2400" dirty="0"/>
+          </a:p>
+          <a:p>
+            <a:pPr lvl="1"/>
+            <a:endParaRPr lang="en-US" altLang="ja-JP" sz="2400" dirty="0"/>
+          </a:p>
+          <a:p>
+            <a:pPr lvl="1"/>
+            <a:r>
+              <a:rPr kumimoji="1" lang="ja-JP" altLang="en-US" sz="2400"/>
+              <a:t>数千万，数億を超える膨大なグラフデータ．</a:t>
+            </a:r>
+            <a:endParaRPr kumimoji="1" lang="en-US" altLang="ja-JP" sz="2400" dirty="0"/>
+          </a:p>
+          <a:p>
+            <a:pPr lvl="1"/>
+            <a:endParaRPr lang="en-US" altLang="ja-JP" sz="2400" dirty="0"/>
+          </a:p>
+          <a:p>
+            <a:pPr lvl="1"/>
+            <a:r>
+              <a:rPr kumimoji="1" lang="ja-JP" altLang="en-US" sz="2400"/>
+              <a:t>データはインターネット上にある．</a:t>
             </a:r>
           </a:p>
         </p:txBody>
@@ -12461,7 +10630,7 @@
     </p:spTree>
     <p:extLst>
       <p:ext uri="{BB962C8B-B14F-4D97-AF65-F5344CB8AC3E}">
-        <p14:creationId xmlns:p14="http://schemas.microsoft.com/office/powerpoint/2010/main" val="2934066686"/>
+        <p14:creationId xmlns:p14="http://schemas.microsoft.com/office/powerpoint/2010/main" val="3345389469"/>
       </p:ext>
     </p:extLst>
   </p:cSld>

--- a/第1回スライド.pptx
+++ b/第1回スライド.pptx
@@ -7027,7 +7027,10 @@
               <a:t>総合演習第</a:t>
             </a:r>
             <a:r>
-              <a:rPr lang="en-US" altLang="ja-JP" sz="5400" dirty="0"/>
+              <a:rPr lang="en-US" altLang="ja-JP" sz="5400" dirty="0">
+                <a:latin typeface="Arial" panose="020B0604020202020204" pitchFamily="34" charset="0"/>
+                <a:cs typeface="Arial" panose="020B0604020202020204" pitchFamily="34" charset="0"/>
+              </a:rPr>
               <a:t>1</a:t>
             </a:r>
             <a:r>
@@ -7197,43 +7200,42 @@
             </a:endParaRPr>
           </a:p>
           <a:p>
-            <a:pPr lvl="1"/>
-            <a:r>
-              <a:rPr lang="ja-JP" altLang="en-US" sz="2400">
+            <a:r>
+              <a:rPr lang="ja-JP" altLang="en-US">
                 <a:latin typeface="Arial" panose="020B0604020202020204" pitchFamily="34" charset="0"/>
                 <a:cs typeface="Arial" panose="020B0604020202020204" pitchFamily="34" charset="0"/>
               </a:rPr>
               <a:t>一般的で有効な解析手法</a:t>
             </a:r>
             <a:r>
-              <a:rPr lang="en-US" altLang="ja-JP" sz="2400" dirty="0">
+              <a:rPr lang="en-US" altLang="ja-JP" dirty="0">
                 <a:latin typeface="Arial" panose="020B0604020202020204" pitchFamily="34" charset="0"/>
                 <a:cs typeface="Arial" panose="020B0604020202020204" pitchFamily="34" charset="0"/>
               </a:rPr>
               <a:t> </a:t>
             </a:r>
             <a:r>
-              <a:rPr lang="ja-JP" altLang="en-US" sz="2400">
+              <a:rPr lang="ja-JP" altLang="en-US">
                 <a:latin typeface="Arial" panose="020B0604020202020204" pitchFamily="34" charset="0"/>
                 <a:cs typeface="Arial" panose="020B0604020202020204" pitchFamily="34" charset="0"/>
               </a:rPr>
               <a:t>→</a:t>
             </a:r>
             <a:r>
-              <a:rPr lang="en-US" altLang="ja-JP" sz="2400" dirty="0">
+              <a:rPr lang="en-US" altLang="ja-JP" dirty="0">
                 <a:latin typeface="Arial" panose="020B0604020202020204" pitchFamily="34" charset="0"/>
                 <a:cs typeface="Arial" panose="020B0604020202020204" pitchFamily="34" charset="0"/>
               </a:rPr>
               <a:t> </a:t>
             </a:r>
             <a:r>
-              <a:rPr lang="ja-JP" altLang="en-US" sz="2400" b="1" u="sng">
+              <a:rPr lang="ja-JP" altLang="en-US" b="1" u="sng">
                 <a:latin typeface="Arial" panose="020B0604020202020204" pitchFamily="34" charset="0"/>
                 <a:cs typeface="Arial" panose="020B0604020202020204" pitchFamily="34" charset="0"/>
               </a:rPr>
               <a:t>グラフサンプリング</a:t>
             </a:r>
-            <a:endParaRPr lang="en-US" altLang="ja-JP" sz="2400" b="1" u="sng" dirty="0">
+            <a:endParaRPr lang="en-US" altLang="ja-JP" b="1" u="sng" dirty="0">
               <a:latin typeface="Arial" panose="020B0604020202020204" pitchFamily="34" charset="0"/>
               <a:cs typeface="Arial" panose="020B0604020202020204" pitchFamily="34" charset="0"/>
             </a:endParaRPr>
@@ -7248,55 +7250,36 @@
           <a:p>
             <a:pPr lvl="2"/>
             <a:r>
-              <a:rPr lang="ja-JP" altLang="en-US" sz="2000">
+              <a:rPr lang="ja-JP" altLang="en-US" sz="2400">
                 <a:latin typeface="Arial" panose="020B0604020202020204" pitchFamily="34" charset="0"/>
                 <a:cs typeface="Arial" panose="020B0604020202020204" pitchFamily="34" charset="0"/>
               </a:rPr>
               <a:t>全データを取ってきて厳密に解析することはほぼ不可能．</a:t>
             </a:r>
+            <a:endParaRPr lang="en-US" altLang="ja-JP" sz="2400" dirty="0">
+              <a:latin typeface="Arial" panose="020B0604020202020204" pitchFamily="34" charset="0"/>
+              <a:cs typeface="Arial" panose="020B0604020202020204" pitchFamily="34" charset="0"/>
+            </a:endParaRPr>
+          </a:p>
+          <a:p>
+            <a:pPr marL="1371600" lvl="3" indent="0">
+              <a:buNone/>
+            </a:pPr>
             <a:endParaRPr lang="en-US" altLang="ja-JP" sz="2000" dirty="0">
               <a:latin typeface="Arial" panose="020B0604020202020204" pitchFamily="34" charset="0"/>
               <a:cs typeface="Arial" panose="020B0604020202020204" pitchFamily="34" charset="0"/>
             </a:endParaRPr>
           </a:p>
           <a:p>
-            <a:pPr lvl="3"/>
-            <a:endParaRPr lang="en-US" altLang="ja-JP" sz="1800" dirty="0">
-              <a:latin typeface="Arial" panose="020B0604020202020204" pitchFamily="34" charset="0"/>
-              <a:cs typeface="Arial" panose="020B0604020202020204" pitchFamily="34" charset="0"/>
-            </a:endParaRPr>
-          </a:p>
-          <a:p>
-            <a:pPr lvl="3"/>
-            <a:r>
-              <a:rPr lang="ja-JP" altLang="en-US" sz="1800">
-                <a:latin typeface="Arial" panose="020B0604020202020204" pitchFamily="34" charset="0"/>
-                <a:cs typeface="Arial" panose="020B0604020202020204" pitchFamily="34" charset="0"/>
-              </a:rPr>
-              <a:t>膨大なデータ量，セキュリティやプライバシへの懸念，データ欠如，．．．</a:t>
-            </a:r>
-            <a:endParaRPr lang="en-US" altLang="ja-JP" sz="1800" dirty="0">
-              <a:latin typeface="Arial" panose="020B0604020202020204" pitchFamily="34" charset="0"/>
-              <a:cs typeface="Arial" panose="020B0604020202020204" pitchFamily="34" charset="0"/>
-            </a:endParaRPr>
-          </a:p>
-          <a:p>
-            <a:pPr lvl="3"/>
-            <a:endParaRPr lang="en-US" altLang="ja-JP" sz="1800" dirty="0">
-              <a:latin typeface="Arial" panose="020B0604020202020204" pitchFamily="34" charset="0"/>
-              <a:cs typeface="Arial" panose="020B0604020202020204" pitchFamily="34" charset="0"/>
-            </a:endParaRPr>
-          </a:p>
-          <a:p>
             <a:pPr lvl="2"/>
             <a:r>
-              <a:rPr lang="ja-JP" altLang="en-US" sz="2000" u="sng">
+              <a:rPr lang="ja-JP" altLang="en-US" sz="2400" u="sng">
                 <a:latin typeface="Arial" panose="020B0604020202020204" pitchFamily="34" charset="0"/>
                 <a:cs typeface="Arial" panose="020B0604020202020204" pitchFamily="34" charset="0"/>
               </a:rPr>
               <a:t>一部のグラフデータをサンプリングして，サンプルから全体の統計量を推定する．</a:t>
             </a:r>
-            <a:endParaRPr lang="en-US" altLang="ja-JP" sz="2000" u="sng" dirty="0">
+            <a:endParaRPr lang="en-US" altLang="ja-JP" sz="2400" u="sng" dirty="0">
               <a:latin typeface="Arial" panose="020B0604020202020204" pitchFamily="34" charset="0"/>
               <a:cs typeface="Arial" panose="020B0604020202020204" pitchFamily="34" charset="0"/>
             </a:endParaRPr>
@@ -7400,7 +7383,227 @@
           <a:bodyPr/>
           <a:lstStyle/>
           <a:p>
-            <a:endParaRPr kumimoji="1" lang="ja-JP" altLang="en-US"/>
+            <a:r>
+              <a:rPr lang="en-US" altLang="ja-JP" dirty="0"/>
+              <a:t>Facebook</a:t>
+            </a:r>
+            <a:r>
+              <a:rPr lang="ja-JP" altLang="en-US"/>
+              <a:t>の構造解析</a:t>
+            </a:r>
+            <a:r>
+              <a:rPr lang="en-US" altLang="ja-JP" dirty="0"/>
+              <a:t> </a:t>
+            </a:r>
+            <a:r>
+              <a:rPr lang="en-US" altLang="ja-JP" sz="2000" dirty="0"/>
+              <a:t>[</a:t>
+            </a:r>
+            <a:r>
+              <a:rPr lang="en-US" altLang="ja-JP" sz="2000" dirty="0" err="1"/>
+              <a:t>Gjoka</a:t>
+            </a:r>
+            <a:r>
+              <a:rPr lang="en-US" altLang="ja-JP" sz="2000" dirty="0"/>
+              <a:t> et al., 2010]</a:t>
+            </a:r>
+          </a:p>
+          <a:p>
+            <a:endParaRPr kumimoji="1" lang="en-US" altLang="ja-JP" dirty="0"/>
+          </a:p>
+          <a:p>
+            <a:pPr lvl="1"/>
+            <a:r>
+              <a:rPr lang="ja-JP" altLang="en-US" sz="2200"/>
+              <a:t>隣接ノードを辿る</a:t>
+            </a:r>
+            <a:r>
+              <a:rPr lang="ja-JP" altLang="en-US" sz="2200" u="sng"/>
+              <a:t>クローリング手法</a:t>
+            </a:r>
+            <a:r>
+              <a:rPr lang="ja-JP" altLang="en-US" sz="2200"/>
+              <a:t>によるグラフサンプリング</a:t>
+            </a:r>
+            <a:r>
+              <a:rPr lang="en-US" altLang="ja-JP" sz="2200" dirty="0"/>
+              <a:t>.</a:t>
+            </a:r>
+          </a:p>
+          <a:p>
+            <a:pPr lvl="1"/>
+            <a:endParaRPr lang="en-US" altLang="ja-JP" sz="2200" dirty="0"/>
+          </a:p>
+          <a:p>
+            <a:pPr lvl="1"/>
+            <a:r>
+              <a:rPr lang="ja-JP" altLang="en-US" sz="2200"/>
+              <a:t>合計サンプル率はわずか</a:t>
+            </a:r>
+            <a:r>
+              <a:rPr lang="en-US" altLang="ja-JP" sz="2200" b="1" dirty="0">
+                <a:latin typeface="Arial" panose="020B0604020202020204" pitchFamily="34" charset="0"/>
+                <a:cs typeface="Arial" panose="020B0604020202020204" pitchFamily="34" charset="0"/>
+              </a:rPr>
+              <a:t>0.9%</a:t>
+            </a:r>
+            <a:r>
+              <a:rPr lang="ja-JP" altLang="en-US" sz="2200">
+                <a:latin typeface="Arial" panose="020B0604020202020204" pitchFamily="34" charset="0"/>
+                <a:cs typeface="Arial" panose="020B0604020202020204" pitchFamily="34" charset="0"/>
+              </a:rPr>
+              <a:t>．単体では</a:t>
+            </a:r>
+            <a:r>
+              <a:rPr lang="en-US" altLang="ja-JP" sz="2200" b="1" dirty="0">
+                <a:latin typeface="Arial" panose="020B0604020202020204" pitchFamily="34" charset="0"/>
+                <a:cs typeface="Arial" panose="020B0604020202020204" pitchFamily="34" charset="0"/>
+              </a:rPr>
+              <a:t>0.03%</a:t>
+            </a:r>
+            <a:r>
+              <a:rPr lang="ja-JP" altLang="en-US" sz="2200">
+                <a:latin typeface="Arial" panose="020B0604020202020204" pitchFamily="34" charset="0"/>
+                <a:cs typeface="Arial" panose="020B0604020202020204" pitchFamily="34" charset="0"/>
+              </a:rPr>
+              <a:t>．</a:t>
+            </a:r>
+            <a:endParaRPr lang="en-US" altLang="ja-JP" sz="2200" dirty="0">
+              <a:latin typeface="Arial" panose="020B0604020202020204" pitchFamily="34" charset="0"/>
+              <a:cs typeface="Arial" panose="020B0604020202020204" pitchFamily="34" charset="0"/>
+            </a:endParaRPr>
+          </a:p>
+          <a:p>
+            <a:pPr lvl="1"/>
+            <a:endParaRPr lang="en-US" altLang="ja-JP" sz="2200" dirty="0"/>
+          </a:p>
+          <a:p>
+            <a:pPr lvl="1"/>
+            <a:r>
+              <a:rPr lang="en-US" altLang="ja-JP" sz="2200" dirty="0">
+                <a:latin typeface="Arial" panose="020B0604020202020204" pitchFamily="34" charset="0"/>
+                <a:cs typeface="Arial" panose="020B0604020202020204" pitchFamily="34" charset="0"/>
+              </a:rPr>
+              <a:t>MHRW, RWRW</a:t>
+            </a:r>
+            <a:r>
+              <a:rPr lang="ja-JP" altLang="en-US" sz="2200">
+                <a:latin typeface="Arial" panose="020B0604020202020204" pitchFamily="34" charset="0"/>
+                <a:cs typeface="Arial" panose="020B0604020202020204" pitchFamily="34" charset="0"/>
+              </a:rPr>
+              <a:t>で非常に高精度に推定できている．</a:t>
+            </a:r>
+            <a:endParaRPr lang="en-US" altLang="ja-JP" sz="2200" dirty="0">
+              <a:latin typeface="Arial" panose="020B0604020202020204" pitchFamily="34" charset="0"/>
+              <a:cs typeface="Arial" panose="020B0604020202020204" pitchFamily="34" charset="0"/>
+            </a:endParaRPr>
+          </a:p>
+          <a:p>
+            <a:pPr lvl="1"/>
+            <a:endParaRPr lang="en-US" altLang="ja-JP" sz="2200" dirty="0">
+              <a:latin typeface="Arial" panose="020B0604020202020204" pitchFamily="34" charset="0"/>
+              <a:cs typeface="Arial" panose="020B0604020202020204" pitchFamily="34" charset="0"/>
+            </a:endParaRPr>
+          </a:p>
+          <a:p>
+            <a:pPr lvl="1"/>
+            <a:r>
+              <a:rPr lang="en-US" altLang="ja-JP" sz="2200" dirty="0">
+                <a:latin typeface="Arial" panose="020B0604020202020204" pitchFamily="34" charset="0"/>
+                <a:cs typeface="Arial" panose="020B0604020202020204" pitchFamily="34" charset="0"/>
+              </a:rPr>
+              <a:t>RW, BFS</a:t>
+            </a:r>
+            <a:r>
+              <a:rPr lang="ja-JP" altLang="en-US" sz="2200">
+                <a:latin typeface="Arial" panose="020B0604020202020204" pitchFamily="34" charset="0"/>
+                <a:cs typeface="Arial" panose="020B0604020202020204" pitchFamily="34" charset="0"/>
+              </a:rPr>
+              <a:t>は推定に誤差があるよう．</a:t>
+            </a:r>
+            <a:endParaRPr lang="en-US" altLang="ja-JP" sz="2200" dirty="0">
+              <a:latin typeface="Arial" panose="020B0604020202020204" pitchFamily="34" charset="0"/>
+              <a:cs typeface="Arial" panose="020B0604020202020204" pitchFamily="34" charset="0"/>
+            </a:endParaRPr>
+          </a:p>
+          <a:p>
+            <a:pPr lvl="1"/>
+            <a:endParaRPr lang="en-US" altLang="ja-JP" sz="2200" dirty="0"/>
+          </a:p>
+          <a:p>
+            <a:pPr lvl="1"/>
+            <a:endParaRPr lang="en-US" altLang="ja-JP" sz="2200" dirty="0"/>
+          </a:p>
+          <a:p>
+            <a:pPr marL="457200" lvl="1" indent="0">
+              <a:buNone/>
+            </a:pPr>
+            <a:endParaRPr lang="en-US" altLang="ja-JP" sz="2400" dirty="0"/>
+          </a:p>
+        </p:txBody>
+      </p:sp>
+      <p:pic>
+        <p:nvPicPr>
+          <p:cNvPr id="10" name="図 9">
+            <a:extLst>
+              <a:ext uri="{FF2B5EF4-FFF2-40B4-BE49-F238E27FC236}">
+                <a16:creationId xmlns:a16="http://schemas.microsoft.com/office/drawing/2014/main" id="{E1FE24F4-DF1B-894A-93EB-A702505880F5}"/>
+              </a:ext>
+            </a:extLst>
+          </p:cNvPr>
+          <p:cNvPicPr>
+            <a:picLocks noChangeAspect="1"/>
+          </p:cNvPicPr>
+          <p:nvPr/>
+        </p:nvPicPr>
+        <p:blipFill>
+          <a:blip r:embed="rId2"/>
+          <a:stretch>
+            <a:fillRect/>
+          </a:stretch>
+        </p:blipFill>
+        <p:spPr>
+          <a:xfrm>
+            <a:off x="7440322" y="2280604"/>
+            <a:ext cx="4751678" cy="4500000"/>
+          </a:xfrm>
+          <a:prstGeom prst="rect">
+            <a:avLst/>
+          </a:prstGeom>
+        </p:spPr>
+      </p:pic>
+      <p:sp>
+        <p:nvSpPr>
+          <p:cNvPr id="11" name="テキスト ボックス 10">
+            <a:extLst>
+              <a:ext uri="{FF2B5EF4-FFF2-40B4-BE49-F238E27FC236}">
+                <a16:creationId xmlns:a16="http://schemas.microsoft.com/office/drawing/2014/main" id="{16930C6B-682B-104F-98DF-1A8F05116A13}"/>
+              </a:ext>
+            </a:extLst>
+          </p:cNvPr>
+          <p:cNvSpPr txBox="1"/>
+          <p:nvPr/>
+        </p:nvSpPr>
+        <p:spPr>
+          <a:xfrm>
+            <a:off x="8949805" y="1765433"/>
+            <a:ext cx="2282997" cy="461665"/>
+          </a:xfrm>
+          <a:prstGeom prst="rect">
+            <a:avLst/>
+          </a:prstGeom>
+          <a:noFill/>
+        </p:spPr>
+        <p:txBody>
+          <a:bodyPr wrap="none" rtlCol="0">
+            <a:spAutoFit/>
+          </a:bodyPr>
+          <a:lstStyle/>
+          <a:p>
+            <a:r>
+              <a:rPr kumimoji="1" lang="ja-JP" altLang="en-US" sz="2400"/>
+              <a:t>次数分布の推定</a:t>
+            </a:r>
           </a:p>
         </p:txBody>
       </p:sp>
@@ -7568,7 +7771,7 @@
             </a:r>
             <a:r>
               <a:rPr lang="en-US" altLang="ja-JP" sz="3600" dirty="0"/>
-              <a:t>3</a:t>
+              <a:t>2</a:t>
             </a:r>
             <a:r>
               <a:rPr lang="ja-JP" altLang="en-US" sz="3600"/>
@@ -7590,7 +7793,7 @@
               <a:rPr lang="ja-JP" altLang="en-US" sz="3600"/>
               <a:t>回の担当決め</a:t>
             </a:r>
-            <a:endParaRPr lang="en-US" altLang="ja-JP" sz="3600" dirty="0"/>
+            <a:endParaRPr lang="en-US" altLang="ja-JP" sz="2400" dirty="0"/>
           </a:p>
           <a:p>
             <a:endParaRPr lang="en-US" altLang="ja-JP" sz="3600" dirty="0"/>

--- a/第1回スライド.pptx
+++ b/第1回スライド.pptx
@@ -11,14 +11,14 @@
     <p:sldId id="256" r:id="rId2"/>
     <p:sldId id="257" r:id="rId3"/>
     <p:sldId id="258" r:id="rId4"/>
-    <p:sldId id="259" r:id="rId5"/>
-    <p:sldId id="270" r:id="rId6"/>
-    <p:sldId id="271" r:id="rId7"/>
-    <p:sldId id="272" r:id="rId8"/>
-    <p:sldId id="273" r:id="rId9"/>
-    <p:sldId id="274" r:id="rId10"/>
-    <p:sldId id="275" r:id="rId11"/>
-    <p:sldId id="276" r:id="rId12"/>
+    <p:sldId id="270" r:id="rId5"/>
+    <p:sldId id="271" r:id="rId6"/>
+    <p:sldId id="272" r:id="rId7"/>
+    <p:sldId id="273" r:id="rId8"/>
+    <p:sldId id="274" r:id="rId9"/>
+    <p:sldId id="275" r:id="rId10"/>
+    <p:sldId id="276" r:id="rId11"/>
+    <p:sldId id="259" r:id="rId12"/>
     <p:sldId id="268" r:id="rId13"/>
     <p:sldId id="269" r:id="rId14"/>
   </p:sldIdLst>
@@ -209,7 +209,7 @@
           <a:p>
             <a:fld id="{8F62E6B5-809A-E34D-B228-7E10B9ECFF85}" type="datetimeFigureOut">
               <a:rPr kumimoji="1" lang="ja-JP" altLang="en-US" smtClean="0"/>
-              <a:t>2019/11/10</a:t>
+              <a:t>2019/11/11</a:t>
             </a:fld>
             <a:endParaRPr kumimoji="1" lang="ja-JP" altLang="en-US"/>
           </a:p>
@@ -653,7 +653,7 @@
           <a:p>
             <a:fld id="{48A87A34-81AB-432B-8DAE-1953F412C126}" type="datetimeFigureOut">
               <a:rPr lang="en-US" smtClean="0"/>
-              <a:t>11/10/19</a:t>
+              <a:t>11/11/19</a:t>
             </a:fld>
             <a:endParaRPr lang="en-US" dirty="0"/>
           </a:p>
@@ -957,7 +957,7 @@
           <a:p>
             <a:fld id="{48A87A34-81AB-432B-8DAE-1953F412C126}" type="datetimeFigureOut">
               <a:rPr lang="en-US" smtClean="0"/>
-              <a:t>11/10/19</a:t>
+              <a:t>11/11/19</a:t>
             </a:fld>
             <a:endParaRPr lang="en-US" dirty="0"/>
           </a:p>
@@ -1226,7 +1226,7 @@
             <a:fld id="{48A87A34-81AB-432B-8DAE-1953F412C126}" type="datetimeFigureOut">
               <a:rPr lang="en-US" smtClean="0"/>
               <a:pPr/>
-              <a:t>11/10/19</a:t>
+              <a:t>11/11/19</a:t>
             </a:fld>
             <a:endParaRPr lang="en-US" dirty="0"/>
           </a:p>
@@ -1611,7 +1611,7 @@
             <a:fld id="{48A87A34-81AB-432B-8DAE-1953F412C126}" type="datetimeFigureOut">
               <a:rPr lang="en-US" smtClean="0"/>
               <a:pPr/>
-              <a:t>11/10/19</a:t>
+              <a:t>11/11/19</a:t>
             </a:fld>
             <a:endParaRPr lang="en-US" dirty="0"/>
           </a:p>
@@ -2122,7 +2122,7 @@
             <a:fld id="{48A87A34-81AB-432B-8DAE-1953F412C126}" type="datetimeFigureOut">
               <a:rPr lang="en-US" smtClean="0"/>
               <a:pPr/>
-              <a:t>11/10/19</a:t>
+              <a:t>11/11/19</a:t>
             </a:fld>
             <a:endParaRPr lang="en-US" dirty="0"/>
           </a:p>
@@ -2891,7 +2891,7 @@
           <a:p>
             <a:fld id="{48A87A34-81AB-432B-8DAE-1953F412C126}" type="datetimeFigureOut">
               <a:rPr lang="en-US" smtClean="0"/>
-              <a:t>11/10/19</a:t>
+              <a:t>11/11/19</a:t>
             </a:fld>
             <a:endParaRPr lang="en-US" dirty="0"/>
           </a:p>
@@ -3887,7 +3887,7 @@
           <a:p>
             <a:fld id="{48A87A34-81AB-432B-8DAE-1953F412C126}" type="datetimeFigureOut">
               <a:rPr lang="en-US" smtClean="0"/>
-              <a:t>11/10/19</a:t>
+              <a:t>11/11/19</a:t>
             </a:fld>
             <a:endParaRPr lang="en-US" dirty="0"/>
           </a:p>
@@ -4070,7 +4070,7 @@
           <a:p>
             <a:fld id="{48A87A34-81AB-432B-8DAE-1953F412C126}" type="datetimeFigureOut">
               <a:rPr lang="en-US" smtClean="0"/>
-              <a:t>11/10/19</a:t>
+              <a:t>11/11/19</a:t>
             </a:fld>
             <a:endParaRPr lang="en-US" dirty="0"/>
           </a:p>
@@ -4302,7 +4302,7 @@
             <a:fld id="{48A87A34-81AB-432B-8DAE-1953F412C126}" type="datetimeFigureOut">
               <a:rPr lang="en-US" smtClean="0"/>
               <a:pPr/>
-              <a:t>11/10/19</a:t>
+              <a:t>11/11/19</a:t>
             </a:fld>
             <a:endParaRPr lang="en-US" dirty="0"/>
           </a:p>
@@ -4806,7 +4806,7 @@
             <a:fld id="{48A87A34-81AB-432B-8DAE-1953F412C126}" type="datetimeFigureOut">
               <a:rPr lang="en-US" smtClean="0"/>
               <a:pPr/>
-              <a:t>11/10/19</a:t>
+              <a:t>11/11/19</a:t>
             </a:fld>
             <a:endParaRPr lang="en-US" dirty="0"/>
           </a:p>
@@ -5064,7 +5064,7 @@
           <a:p>
             <a:fld id="{48A87A34-81AB-432B-8DAE-1953F412C126}" type="datetimeFigureOut">
               <a:rPr lang="en-US" smtClean="0"/>
-              <a:t>11/10/19</a:t>
+              <a:t>11/11/19</a:t>
             </a:fld>
             <a:endParaRPr lang="en-US" dirty="0"/>
           </a:p>
@@ -5533,7 +5533,7 @@
           <a:p>
             <a:fld id="{48A87A34-81AB-432B-8DAE-1953F412C126}" type="datetimeFigureOut">
               <a:rPr lang="en-US" smtClean="0"/>
-              <a:t>11/10/19</a:t>
+              <a:t>11/11/19</a:t>
             </a:fld>
             <a:endParaRPr lang="en-US" dirty="0"/>
           </a:p>
@@ -5651,7 +5651,7 @@
           <a:p>
             <a:fld id="{48A87A34-81AB-432B-8DAE-1953F412C126}" type="datetimeFigureOut">
               <a:rPr lang="en-US" smtClean="0"/>
-              <a:t>11/10/19</a:t>
+              <a:t>11/11/19</a:t>
             </a:fld>
             <a:endParaRPr lang="en-US" dirty="0"/>
           </a:p>
@@ -5746,7 +5746,7 @@
           <a:p>
             <a:fld id="{48A87A34-81AB-432B-8DAE-1953F412C126}" type="datetimeFigureOut">
               <a:rPr lang="en-US" smtClean="0"/>
-              <a:t>11/10/19</a:t>
+              <a:t>11/11/19</a:t>
             </a:fld>
             <a:endParaRPr lang="en-US" dirty="0"/>
           </a:p>
@@ -6040,7 +6040,7 @@
           <a:p>
             <a:fld id="{48A87A34-81AB-432B-8DAE-1953F412C126}" type="datetimeFigureOut">
               <a:rPr lang="en-US" smtClean="0"/>
-              <a:t>11/10/19</a:t>
+              <a:t>11/11/19</a:t>
             </a:fld>
             <a:endParaRPr lang="en-US" dirty="0"/>
           </a:p>
@@ -6334,7 +6334,7 @@
           <a:p>
             <a:fld id="{48A87A34-81AB-432B-8DAE-1953F412C126}" type="datetimeFigureOut">
               <a:rPr lang="en-US" smtClean="0"/>
-              <a:t>11/10/19</a:t>
+              <a:t>11/11/19</a:t>
             </a:fld>
             <a:endParaRPr lang="en-US" dirty="0"/>
           </a:p>
@@ -6586,7 +6586,7 @@
             <a:fld id="{48A87A34-81AB-432B-8DAE-1953F412C126}" type="datetimeFigureOut">
               <a:rPr lang="en-US" smtClean="0"/>
               <a:pPr/>
-              <a:t>11/10/19</a:t>
+              <a:t>11/11/19</a:t>
             </a:fld>
             <a:endParaRPr lang="en-US" dirty="0"/>
           </a:p>
@@ -7100,7 +7100,7 @@
           <p:cNvPr id="2" name="タイトル 1">
             <a:extLst>
               <a:ext uri="{FF2B5EF4-FFF2-40B4-BE49-F238E27FC236}">
-                <a16:creationId xmlns:a16="http://schemas.microsoft.com/office/drawing/2014/main" id="{62E3B959-5C59-8844-BDD3-D9DB64BE1E97}"/>
+                <a16:creationId xmlns:a16="http://schemas.microsoft.com/office/drawing/2014/main" id="{0A2DB4AD-1D95-F04D-8DC2-34BA08859622}"/>
               </a:ext>
             </a:extLst>
           </p:cNvPr>
@@ -7125,10 +7125,10 @@
       </p:sp>
       <p:sp>
         <p:nvSpPr>
-          <p:cNvPr id="3" name="コンテンツ プレースホルダー 2">
+          <p:cNvPr id="6" name="コンテンツ プレースホルダー 5">
             <a:extLst>
               <a:ext uri="{FF2B5EF4-FFF2-40B4-BE49-F238E27FC236}">
-                <a16:creationId xmlns:a16="http://schemas.microsoft.com/office/drawing/2014/main" id="{AF0E8796-7E01-BD4B-8E6C-770492810999}"/>
+                <a16:creationId xmlns:a16="http://schemas.microsoft.com/office/drawing/2014/main" id="{1B193BB4-7851-8940-B253-EFA4984D20A1}"/>
               </a:ext>
             </a:extLst>
           </p:cNvPr>
@@ -7145,169 +7145,233 @@
           <a:lstStyle/>
           <a:p>
             <a:r>
-              <a:rPr kumimoji="1" lang="ja-JP" altLang="en-US"/>
-              <a:t>様々なオンラインソーシャルネットワークの構造解析</a:t>
-            </a:r>
-            <a:endParaRPr lang="en-US" altLang="ja-JP" dirty="0"/>
+              <a:rPr lang="en-US" altLang="ja-JP" dirty="0"/>
+              <a:t>Facebook</a:t>
+            </a:r>
+            <a:r>
+              <a:rPr lang="ja-JP" altLang="en-US"/>
+              <a:t>の構造解析</a:t>
+            </a:r>
+            <a:r>
+              <a:rPr lang="en-US" altLang="ja-JP" dirty="0"/>
+              <a:t> </a:t>
+            </a:r>
+            <a:r>
+              <a:rPr lang="en-US" altLang="ja-JP" sz="2000" dirty="0"/>
+              <a:t>[</a:t>
+            </a:r>
+            <a:r>
+              <a:rPr lang="en-US" altLang="ja-JP" sz="2000" dirty="0" err="1"/>
+              <a:t>Gjoka</a:t>
+            </a:r>
+            <a:r>
+              <a:rPr lang="en-US" altLang="ja-JP" sz="2000" dirty="0"/>
+              <a:t> et al., 2010]</a:t>
+            </a:r>
+          </a:p>
+          <a:p>
+            <a:endParaRPr kumimoji="1" lang="en-US" altLang="ja-JP" dirty="0"/>
           </a:p>
           <a:p>
             <a:pPr lvl="1"/>
-            <a:endParaRPr lang="en-US" altLang="ja-JP" dirty="0"/>
+            <a:r>
+              <a:rPr lang="ja-JP" altLang="en-US" sz="2200"/>
+              <a:t>隣接ノードを辿る</a:t>
+            </a:r>
+            <a:r>
+              <a:rPr lang="ja-JP" altLang="en-US" sz="2200" u="sng"/>
+              <a:t>クローリング手法</a:t>
+            </a:r>
+            <a:r>
+              <a:rPr lang="ja-JP" altLang="en-US" sz="2200"/>
+              <a:t>によるグラフサンプリング</a:t>
+            </a:r>
+            <a:r>
+              <a:rPr lang="en-US" altLang="ja-JP" sz="2200" dirty="0"/>
+              <a:t>.</a:t>
+            </a:r>
           </a:p>
           <a:p>
             <a:pPr lvl="1"/>
-            <a:r>
-              <a:rPr lang="en-US" altLang="ja-JP" sz="2400" dirty="0" err="1">
+            <a:endParaRPr lang="en-US" altLang="ja-JP" sz="2200" dirty="0"/>
+          </a:p>
+          <a:p>
+            <a:pPr lvl="1"/>
+            <a:r>
+              <a:rPr lang="ja-JP" altLang="en-US" sz="2200"/>
+              <a:t>合計サンプル率はわずか</a:t>
+            </a:r>
+            <a:r>
+              <a:rPr lang="en-US" altLang="ja-JP" sz="2200" b="1" dirty="0">
                 <a:latin typeface="Arial" panose="020B0604020202020204" pitchFamily="34" charset="0"/>
                 <a:cs typeface="Arial" panose="020B0604020202020204" pitchFamily="34" charset="0"/>
               </a:rPr>
-              <a:t>Cyworld</a:t>
-            </a:r>
-            <a:r>
-              <a:rPr lang="en-US" altLang="ja-JP" sz="2400" dirty="0">
+              <a:t>0.9%</a:t>
+            </a:r>
+            <a:r>
+              <a:rPr lang="ja-JP" altLang="en-US" sz="2200">
                 <a:latin typeface="Arial" panose="020B0604020202020204" pitchFamily="34" charset="0"/>
                 <a:cs typeface="Arial" panose="020B0604020202020204" pitchFamily="34" charset="0"/>
               </a:rPr>
-              <a:t>, Myspace, Orkut, LiveJournal, Yahoo! 360, Facebook, Twitter, …</a:t>
-            </a:r>
-          </a:p>
-          <a:p>
-            <a:pPr lvl="1"/>
-            <a:endParaRPr lang="en-US" altLang="ja-JP" sz="2400" dirty="0">
+              <a:t>．単体では</a:t>
+            </a:r>
+            <a:r>
+              <a:rPr lang="en-US" altLang="ja-JP" sz="2200" b="1" dirty="0">
+                <a:latin typeface="Arial" panose="020B0604020202020204" pitchFamily="34" charset="0"/>
+                <a:cs typeface="Arial" panose="020B0604020202020204" pitchFamily="34" charset="0"/>
+              </a:rPr>
+              <a:t>0.03%</a:t>
+            </a:r>
+            <a:r>
+              <a:rPr lang="ja-JP" altLang="en-US" sz="2200">
+                <a:latin typeface="Arial" panose="020B0604020202020204" pitchFamily="34" charset="0"/>
+                <a:cs typeface="Arial" panose="020B0604020202020204" pitchFamily="34" charset="0"/>
+              </a:rPr>
+              <a:t>．</a:t>
+            </a:r>
+            <a:endParaRPr lang="en-US" altLang="ja-JP" sz="2200" dirty="0">
               <a:latin typeface="Arial" panose="020B0604020202020204" pitchFamily="34" charset="0"/>
               <a:cs typeface="Arial" panose="020B0604020202020204" pitchFamily="34" charset="0"/>
             </a:endParaRPr>
           </a:p>
           <a:p>
             <a:pPr lvl="1"/>
-            <a:r>
-              <a:rPr lang="ja-JP" altLang="en-US" sz="2400">
+            <a:endParaRPr lang="en-US" altLang="ja-JP" sz="2200" dirty="0"/>
+          </a:p>
+          <a:p>
+            <a:pPr lvl="1"/>
+            <a:r>
+              <a:rPr lang="en-US" altLang="ja-JP" sz="2200" dirty="0">
                 <a:latin typeface="Arial" panose="020B0604020202020204" pitchFamily="34" charset="0"/>
                 <a:cs typeface="Arial" panose="020B0604020202020204" pitchFamily="34" charset="0"/>
               </a:rPr>
-              <a:t>先人の主張の答え合わせや新しい構造的特徴の発見．</a:t>
-            </a:r>
-            <a:endParaRPr lang="en-US" altLang="ja-JP" sz="2400" dirty="0">
+              <a:t>MHRW, RWRW</a:t>
+            </a:r>
+            <a:r>
+              <a:rPr lang="ja-JP" altLang="en-US" sz="2200">
+                <a:latin typeface="Arial" panose="020B0604020202020204" pitchFamily="34" charset="0"/>
+                <a:cs typeface="Arial" panose="020B0604020202020204" pitchFamily="34" charset="0"/>
+              </a:rPr>
+              <a:t>で非常に高精度に推定できている．</a:t>
+            </a:r>
+            <a:endParaRPr lang="en-US" altLang="ja-JP" sz="2200" dirty="0">
               <a:latin typeface="Arial" panose="020B0604020202020204" pitchFamily="34" charset="0"/>
               <a:cs typeface="Arial" panose="020B0604020202020204" pitchFamily="34" charset="0"/>
             </a:endParaRPr>
           </a:p>
           <a:p>
             <a:pPr lvl="1"/>
-            <a:endParaRPr lang="en-US" altLang="ja-JP" sz="2400" dirty="0">
+            <a:endParaRPr lang="en-US" altLang="ja-JP" sz="2200" dirty="0">
               <a:latin typeface="Arial" panose="020B0604020202020204" pitchFamily="34" charset="0"/>
               <a:cs typeface="Arial" panose="020B0604020202020204" pitchFamily="34" charset="0"/>
             </a:endParaRPr>
           </a:p>
           <a:p>
-            <a:r>
-              <a:rPr lang="ja-JP" altLang="en-US">
+            <a:pPr lvl="1"/>
+            <a:r>
+              <a:rPr lang="en-US" altLang="ja-JP" sz="2200" dirty="0">
                 <a:latin typeface="Arial" panose="020B0604020202020204" pitchFamily="34" charset="0"/>
                 <a:cs typeface="Arial" panose="020B0604020202020204" pitchFamily="34" charset="0"/>
               </a:rPr>
-              <a:t>一般的で有効な解析手法</a:t>
-            </a:r>
-            <a:r>
-              <a:rPr lang="en-US" altLang="ja-JP" dirty="0">
+              <a:t>RW, BFS</a:t>
+            </a:r>
+            <a:r>
+              <a:rPr lang="ja-JP" altLang="en-US" sz="2200">
                 <a:latin typeface="Arial" panose="020B0604020202020204" pitchFamily="34" charset="0"/>
                 <a:cs typeface="Arial" panose="020B0604020202020204" pitchFamily="34" charset="0"/>
               </a:rPr>
-              <a:t> </a:t>
-            </a:r>
-            <a:r>
-              <a:rPr lang="ja-JP" altLang="en-US">
-                <a:latin typeface="Arial" panose="020B0604020202020204" pitchFamily="34" charset="0"/>
-                <a:cs typeface="Arial" panose="020B0604020202020204" pitchFamily="34" charset="0"/>
-              </a:rPr>
-              <a:t>→</a:t>
-            </a:r>
-            <a:r>
-              <a:rPr lang="en-US" altLang="ja-JP" dirty="0">
-                <a:latin typeface="Arial" panose="020B0604020202020204" pitchFamily="34" charset="0"/>
-                <a:cs typeface="Arial" panose="020B0604020202020204" pitchFamily="34" charset="0"/>
-              </a:rPr>
-              <a:t> </a:t>
-            </a:r>
-            <a:r>
-              <a:rPr lang="ja-JP" altLang="en-US" b="1" u="sng">
-                <a:latin typeface="Arial" panose="020B0604020202020204" pitchFamily="34" charset="0"/>
-                <a:cs typeface="Arial" panose="020B0604020202020204" pitchFamily="34" charset="0"/>
-              </a:rPr>
-              <a:t>グラフサンプリング</a:t>
-            </a:r>
-            <a:endParaRPr lang="en-US" altLang="ja-JP" b="1" u="sng" dirty="0">
+              <a:t>は推定に誤差があるぽい．</a:t>
+            </a:r>
+            <a:endParaRPr lang="en-US" altLang="ja-JP" sz="2200" dirty="0">
               <a:latin typeface="Arial" panose="020B0604020202020204" pitchFamily="34" charset="0"/>
               <a:cs typeface="Arial" panose="020B0604020202020204" pitchFamily="34" charset="0"/>
             </a:endParaRPr>
           </a:p>
           <a:p>
-            <a:pPr lvl="2"/>
-            <a:endParaRPr lang="en-US" altLang="ja-JP" sz="2000" b="1" u="sng" dirty="0">
-              <a:latin typeface="Arial" panose="020B0604020202020204" pitchFamily="34" charset="0"/>
-              <a:cs typeface="Arial" panose="020B0604020202020204" pitchFamily="34" charset="0"/>
-            </a:endParaRPr>
-          </a:p>
-          <a:p>
-            <a:pPr lvl="2"/>
-            <a:r>
-              <a:rPr lang="ja-JP" altLang="en-US" sz="2400">
-                <a:latin typeface="Arial" panose="020B0604020202020204" pitchFamily="34" charset="0"/>
-                <a:cs typeface="Arial" panose="020B0604020202020204" pitchFamily="34" charset="0"/>
-              </a:rPr>
-              <a:t>全データを取ってきて厳密に解析することはほぼ不可能．</a:t>
-            </a:r>
-            <a:endParaRPr lang="en-US" altLang="ja-JP" sz="2400" dirty="0">
-              <a:latin typeface="Arial" panose="020B0604020202020204" pitchFamily="34" charset="0"/>
-              <a:cs typeface="Arial" panose="020B0604020202020204" pitchFamily="34" charset="0"/>
-            </a:endParaRPr>
-          </a:p>
-          <a:p>
-            <a:pPr marL="1371600" lvl="3" indent="0">
+            <a:pPr lvl="1"/>
+            <a:endParaRPr lang="en-US" altLang="ja-JP" sz="2200" dirty="0"/>
+          </a:p>
+          <a:p>
+            <a:pPr lvl="1"/>
+            <a:endParaRPr lang="en-US" altLang="ja-JP" sz="2200" dirty="0"/>
+          </a:p>
+          <a:p>
+            <a:pPr marL="457200" lvl="1" indent="0">
               <a:buNone/>
             </a:pPr>
-            <a:endParaRPr lang="en-US" altLang="ja-JP" sz="2000" dirty="0">
-              <a:latin typeface="Arial" panose="020B0604020202020204" pitchFamily="34" charset="0"/>
-              <a:cs typeface="Arial" panose="020B0604020202020204" pitchFamily="34" charset="0"/>
-            </a:endParaRPr>
-          </a:p>
-          <a:p>
-            <a:pPr lvl="2"/>
-            <a:r>
-              <a:rPr lang="ja-JP" altLang="en-US" sz="2400" u="sng">
-                <a:latin typeface="Arial" panose="020B0604020202020204" pitchFamily="34" charset="0"/>
-                <a:cs typeface="Arial" panose="020B0604020202020204" pitchFamily="34" charset="0"/>
-              </a:rPr>
-              <a:t>一部のグラフデータをサンプリングして，サンプルから全体の統計量を推定する．</a:t>
-            </a:r>
-            <a:endParaRPr lang="en-US" altLang="ja-JP" sz="2400" u="sng" dirty="0">
-              <a:latin typeface="Arial" panose="020B0604020202020204" pitchFamily="34" charset="0"/>
-              <a:cs typeface="Arial" panose="020B0604020202020204" pitchFamily="34" charset="0"/>
-            </a:endParaRPr>
-          </a:p>
-          <a:p>
-            <a:pPr lvl="1"/>
-            <a:endParaRPr lang="en-US" altLang="ja-JP" sz="2400" dirty="0">
-              <a:latin typeface="Arial" panose="020B0604020202020204" pitchFamily="34" charset="0"/>
-              <a:cs typeface="Arial" panose="020B0604020202020204" pitchFamily="34" charset="0"/>
-            </a:endParaRPr>
-          </a:p>
-          <a:p>
-            <a:pPr lvl="1"/>
-            <a:endParaRPr lang="en-US" altLang="ja-JP" sz="2400" dirty="0">
-              <a:latin typeface="Arial" panose="020B0604020202020204" pitchFamily="34" charset="0"/>
-              <a:cs typeface="Arial" panose="020B0604020202020204" pitchFamily="34" charset="0"/>
-            </a:endParaRPr>
-          </a:p>
-          <a:p>
-            <a:pPr lvl="1"/>
-            <a:endParaRPr kumimoji="1" lang="ja-JP" altLang="en-US"/>
+            <a:endParaRPr lang="en-US" altLang="ja-JP" sz="2400" dirty="0"/>
+          </a:p>
+        </p:txBody>
+      </p:sp>
+      <p:pic>
+        <p:nvPicPr>
+          <p:cNvPr id="10" name="図 9">
+            <a:extLst>
+              <a:ext uri="{FF2B5EF4-FFF2-40B4-BE49-F238E27FC236}">
+                <a16:creationId xmlns:a16="http://schemas.microsoft.com/office/drawing/2014/main" id="{E1FE24F4-DF1B-894A-93EB-A702505880F5}"/>
+              </a:ext>
+            </a:extLst>
+          </p:cNvPr>
+          <p:cNvPicPr>
+            <a:picLocks noChangeAspect="1"/>
+          </p:cNvPicPr>
+          <p:nvPr/>
+        </p:nvPicPr>
+        <p:blipFill>
+          <a:blip r:embed="rId2"/>
+          <a:stretch>
+            <a:fillRect/>
+          </a:stretch>
+        </p:blipFill>
+        <p:spPr>
+          <a:xfrm>
+            <a:off x="7440322" y="2280604"/>
+            <a:ext cx="4751678" cy="4500000"/>
+          </a:xfrm>
+          <a:prstGeom prst="rect">
+            <a:avLst/>
+          </a:prstGeom>
+        </p:spPr>
+      </p:pic>
+      <p:sp>
+        <p:nvSpPr>
+          <p:cNvPr id="11" name="テキスト ボックス 10">
+            <a:extLst>
+              <a:ext uri="{FF2B5EF4-FFF2-40B4-BE49-F238E27FC236}">
+                <a16:creationId xmlns:a16="http://schemas.microsoft.com/office/drawing/2014/main" id="{16930C6B-682B-104F-98DF-1A8F05116A13}"/>
+              </a:ext>
+            </a:extLst>
+          </p:cNvPr>
+          <p:cNvSpPr txBox="1"/>
+          <p:nvPr/>
+        </p:nvSpPr>
+        <p:spPr>
+          <a:xfrm>
+            <a:off x="8949805" y="1765433"/>
+            <a:ext cx="2282997" cy="461665"/>
+          </a:xfrm>
+          <a:prstGeom prst="rect">
+            <a:avLst/>
+          </a:prstGeom>
+          <a:noFill/>
+        </p:spPr>
+        <p:txBody>
+          <a:bodyPr wrap="none" rtlCol="0">
+            <a:spAutoFit/>
+          </a:bodyPr>
+          <a:lstStyle/>
+          <a:p>
+            <a:r>
+              <a:rPr kumimoji="1" lang="ja-JP" altLang="en-US" sz="2400"/>
+              <a:t>次数分布の推定</a:t>
+            </a:r>
           </a:p>
         </p:txBody>
       </p:sp>
     </p:spTree>
     <p:extLst>
       <p:ext uri="{BB962C8B-B14F-4D97-AF65-F5344CB8AC3E}">
-        <p14:creationId xmlns:p14="http://schemas.microsoft.com/office/powerpoint/2010/main" val="763506831"/>
+        <p14:creationId xmlns:p14="http://schemas.microsoft.com/office/powerpoint/2010/main" val="2850580030"/>
       </p:ext>
     </p:extLst>
   </p:cSld>
@@ -7339,7 +7403,7 @@
           <p:cNvPr id="2" name="タイトル 1">
             <a:extLst>
               <a:ext uri="{FF2B5EF4-FFF2-40B4-BE49-F238E27FC236}">
-                <a16:creationId xmlns:a16="http://schemas.microsoft.com/office/drawing/2014/main" id="{0A2DB4AD-1D95-F04D-8DC2-34BA08859622}"/>
+                <a16:creationId xmlns:a16="http://schemas.microsoft.com/office/drawing/2014/main" id="{E7404957-97CD-E247-9AD1-739CD02D4370}"/>
               </a:ext>
             </a:extLst>
           </p:cNvPr>
@@ -7357,17 +7421,17 @@
           <a:p>
             <a:r>
               <a:rPr kumimoji="1" lang="ja-JP" altLang="en-US"/>
-              <a:t>グラフサンプリング</a:t>
-            </a:r>
-          </a:p>
-        </p:txBody>
-      </p:sp>
-      <p:sp>
-        <p:nvSpPr>
-          <p:cNvPr id="6" name="コンテンツ プレースホルダー 5">
+              <a:t>スケジュール</a:t>
+            </a:r>
+          </a:p>
+        </p:txBody>
+      </p:sp>
+      <p:sp>
+        <p:nvSpPr>
+          <p:cNvPr id="3" name="コンテンツ プレースホルダー 2">
             <a:extLst>
               <a:ext uri="{FF2B5EF4-FFF2-40B4-BE49-F238E27FC236}">
-                <a16:creationId xmlns:a16="http://schemas.microsoft.com/office/drawing/2014/main" id="{1B193BB4-7851-8940-B253-EFA4984D20A1}"/>
+                <a16:creationId xmlns:a16="http://schemas.microsoft.com/office/drawing/2014/main" id="{AD202CB6-0CB7-F040-A472-9A2D848198FA}"/>
               </a:ext>
             </a:extLst>
           </p:cNvPr>
@@ -7380,237 +7444,206 @@
         </p:nvSpPr>
         <p:spPr/>
         <p:txBody>
-          <a:bodyPr/>
-          <a:lstStyle/>
-          <a:p>
-            <a:r>
-              <a:rPr lang="en-US" altLang="ja-JP" dirty="0"/>
-              <a:t>Facebook</a:t>
-            </a:r>
-            <a:r>
-              <a:rPr lang="ja-JP" altLang="en-US"/>
-              <a:t>の構造解析</a:t>
-            </a:r>
-            <a:r>
-              <a:rPr lang="en-US" altLang="ja-JP" dirty="0"/>
-              <a:t> </a:t>
-            </a:r>
-            <a:r>
-              <a:rPr lang="en-US" altLang="ja-JP" sz="2000" dirty="0"/>
-              <a:t>[</a:t>
-            </a:r>
-            <a:r>
-              <a:rPr lang="en-US" altLang="ja-JP" sz="2000" dirty="0" err="1"/>
-              <a:t>Gjoka</a:t>
-            </a:r>
-            <a:r>
-              <a:rPr lang="en-US" altLang="ja-JP" sz="2000" dirty="0"/>
-              <a:t> et al., 2010]</a:t>
-            </a:r>
-          </a:p>
-          <a:p>
-            <a:endParaRPr kumimoji="1" lang="en-US" altLang="ja-JP" dirty="0"/>
-          </a:p>
-          <a:p>
-            <a:pPr lvl="1"/>
-            <a:r>
-              <a:rPr lang="ja-JP" altLang="en-US" sz="2200"/>
-              <a:t>隣接ノードを辿る</a:t>
-            </a:r>
-            <a:r>
-              <a:rPr lang="ja-JP" altLang="en-US" sz="2200" u="sng"/>
-              <a:t>クローリング手法</a:t>
-            </a:r>
-            <a:r>
-              <a:rPr lang="ja-JP" altLang="en-US" sz="2200"/>
-              <a:t>によるグラフサンプリング</a:t>
-            </a:r>
-            <a:r>
-              <a:rPr lang="en-US" altLang="ja-JP" sz="2200" dirty="0"/>
-              <a:t>.</a:t>
-            </a:r>
-          </a:p>
-          <a:p>
-            <a:pPr lvl="1"/>
-            <a:endParaRPr lang="en-US" altLang="ja-JP" sz="2200" dirty="0"/>
-          </a:p>
-          <a:p>
-            <a:pPr lvl="1"/>
-            <a:r>
-              <a:rPr lang="ja-JP" altLang="en-US" sz="2200"/>
-              <a:t>合計サンプル率はわずか</a:t>
-            </a:r>
-            <a:r>
-              <a:rPr lang="en-US" altLang="ja-JP" sz="2200" b="1" dirty="0">
-                <a:latin typeface="Arial" panose="020B0604020202020204" pitchFamily="34" charset="0"/>
-                <a:cs typeface="Arial" panose="020B0604020202020204" pitchFamily="34" charset="0"/>
-              </a:rPr>
-              <a:t>0.9%</a:t>
-            </a:r>
-            <a:r>
-              <a:rPr lang="ja-JP" altLang="en-US" sz="2200">
-                <a:latin typeface="Arial" panose="020B0604020202020204" pitchFamily="34" charset="0"/>
-                <a:cs typeface="Arial" panose="020B0604020202020204" pitchFamily="34" charset="0"/>
-              </a:rPr>
-              <a:t>．単体では</a:t>
-            </a:r>
-            <a:r>
-              <a:rPr lang="en-US" altLang="ja-JP" sz="2200" b="1" dirty="0">
-                <a:latin typeface="Arial" panose="020B0604020202020204" pitchFamily="34" charset="0"/>
-                <a:cs typeface="Arial" panose="020B0604020202020204" pitchFamily="34" charset="0"/>
-              </a:rPr>
-              <a:t>0.03%</a:t>
-            </a:r>
-            <a:r>
-              <a:rPr lang="ja-JP" altLang="en-US" sz="2200">
-                <a:latin typeface="Arial" panose="020B0604020202020204" pitchFamily="34" charset="0"/>
-                <a:cs typeface="Arial" panose="020B0604020202020204" pitchFamily="34" charset="0"/>
-              </a:rPr>
-              <a:t>．</a:t>
-            </a:r>
-            <a:endParaRPr lang="en-US" altLang="ja-JP" sz="2200" dirty="0">
-              <a:latin typeface="Arial" panose="020B0604020202020204" pitchFamily="34" charset="0"/>
-              <a:cs typeface="Arial" panose="020B0604020202020204" pitchFamily="34" charset="0"/>
-            </a:endParaRPr>
-          </a:p>
-          <a:p>
-            <a:pPr lvl="1"/>
-            <a:endParaRPr lang="en-US" altLang="ja-JP" sz="2200" dirty="0"/>
-          </a:p>
-          <a:p>
-            <a:pPr lvl="1"/>
-            <a:r>
-              <a:rPr lang="en-US" altLang="ja-JP" sz="2200" dirty="0">
-                <a:latin typeface="Arial" panose="020B0604020202020204" pitchFamily="34" charset="0"/>
-                <a:cs typeface="Arial" panose="020B0604020202020204" pitchFamily="34" charset="0"/>
-              </a:rPr>
-              <a:t>MHRW, RWRW</a:t>
-            </a:r>
-            <a:r>
-              <a:rPr lang="ja-JP" altLang="en-US" sz="2200">
-                <a:latin typeface="Arial" panose="020B0604020202020204" pitchFamily="34" charset="0"/>
-                <a:cs typeface="Arial" panose="020B0604020202020204" pitchFamily="34" charset="0"/>
-              </a:rPr>
-              <a:t>で非常に高精度に推定できている．</a:t>
-            </a:r>
-            <a:endParaRPr lang="en-US" altLang="ja-JP" sz="2200" dirty="0">
-              <a:latin typeface="Arial" panose="020B0604020202020204" pitchFamily="34" charset="0"/>
-              <a:cs typeface="Arial" panose="020B0604020202020204" pitchFamily="34" charset="0"/>
-            </a:endParaRPr>
-          </a:p>
-          <a:p>
-            <a:pPr lvl="1"/>
-            <a:endParaRPr lang="en-US" altLang="ja-JP" sz="2200" dirty="0">
-              <a:latin typeface="Arial" panose="020B0604020202020204" pitchFamily="34" charset="0"/>
-              <a:cs typeface="Arial" panose="020B0604020202020204" pitchFamily="34" charset="0"/>
-            </a:endParaRPr>
-          </a:p>
-          <a:p>
-            <a:pPr lvl="1"/>
-            <a:r>
-              <a:rPr lang="en-US" altLang="ja-JP" sz="2200" dirty="0">
-                <a:latin typeface="Arial" panose="020B0604020202020204" pitchFamily="34" charset="0"/>
-                <a:cs typeface="Arial" panose="020B0604020202020204" pitchFamily="34" charset="0"/>
-              </a:rPr>
-              <a:t>RW, BFS</a:t>
-            </a:r>
-            <a:r>
-              <a:rPr lang="ja-JP" altLang="en-US" sz="2200">
-                <a:latin typeface="Arial" panose="020B0604020202020204" pitchFamily="34" charset="0"/>
-                <a:cs typeface="Arial" panose="020B0604020202020204" pitchFamily="34" charset="0"/>
-              </a:rPr>
-              <a:t>は推定に誤差があるよう．</a:t>
-            </a:r>
-            <a:endParaRPr lang="en-US" altLang="ja-JP" sz="2200" dirty="0">
-              <a:latin typeface="Arial" panose="020B0604020202020204" pitchFamily="34" charset="0"/>
-              <a:cs typeface="Arial" panose="020B0604020202020204" pitchFamily="34" charset="0"/>
-            </a:endParaRPr>
-          </a:p>
-          <a:p>
-            <a:pPr lvl="1"/>
-            <a:endParaRPr lang="en-US" altLang="ja-JP" sz="2200" dirty="0"/>
-          </a:p>
-          <a:p>
-            <a:pPr lvl="1"/>
-            <a:endParaRPr lang="en-US" altLang="ja-JP" sz="2200" dirty="0"/>
-          </a:p>
-          <a:p>
-            <a:pPr marL="457200" lvl="1" indent="0">
-              <a:buNone/>
-            </a:pPr>
-            <a:endParaRPr lang="en-US" altLang="ja-JP" sz="2400" dirty="0"/>
-          </a:p>
-        </p:txBody>
-      </p:sp>
-      <p:pic>
-        <p:nvPicPr>
-          <p:cNvPr id="10" name="図 9">
-            <a:extLst>
-              <a:ext uri="{FF2B5EF4-FFF2-40B4-BE49-F238E27FC236}">
-                <a16:creationId xmlns:a16="http://schemas.microsoft.com/office/drawing/2014/main" id="{E1FE24F4-DF1B-894A-93EB-A702505880F5}"/>
-              </a:ext>
-            </a:extLst>
-          </p:cNvPr>
-          <p:cNvPicPr>
-            <a:picLocks noChangeAspect="1"/>
-          </p:cNvPicPr>
-          <p:nvPr/>
-        </p:nvPicPr>
-        <p:blipFill>
-          <a:blip r:embed="rId2"/>
-          <a:stretch>
-            <a:fillRect/>
-          </a:stretch>
-        </p:blipFill>
-        <p:spPr>
-          <a:xfrm>
-            <a:off x="7440322" y="2280604"/>
-            <a:ext cx="4751678" cy="4500000"/>
-          </a:xfrm>
-          <a:prstGeom prst="rect">
-            <a:avLst/>
-          </a:prstGeom>
-        </p:spPr>
-      </p:pic>
-      <p:sp>
-        <p:nvSpPr>
-          <p:cNvPr id="11" name="テキスト ボックス 10">
-            <a:extLst>
-              <a:ext uri="{FF2B5EF4-FFF2-40B4-BE49-F238E27FC236}">
-                <a16:creationId xmlns:a16="http://schemas.microsoft.com/office/drawing/2014/main" id="{16930C6B-682B-104F-98DF-1A8F05116A13}"/>
-              </a:ext>
-            </a:extLst>
-          </p:cNvPr>
-          <p:cNvSpPr txBox="1"/>
-          <p:nvPr/>
-        </p:nvSpPr>
-        <p:spPr>
-          <a:xfrm>
-            <a:off x="8949805" y="1765433"/>
-            <a:ext cx="2282997" cy="461665"/>
-          </a:xfrm>
-          <a:prstGeom prst="rect">
-            <a:avLst/>
-          </a:prstGeom>
-          <a:noFill/>
-        </p:spPr>
-        <p:txBody>
-          <a:bodyPr wrap="none" rtlCol="0">
-            <a:spAutoFit/>
+          <a:bodyPr>
+            <a:normAutofit/>
           </a:bodyPr>
           <a:lstStyle/>
           <a:p>
             <a:r>
-              <a:rPr kumimoji="1" lang="ja-JP" altLang="en-US" sz="2400"/>
-              <a:t>次数分布の推定</a:t>
-            </a:r>
+              <a:rPr kumimoji="1" lang="ja-JP" altLang="en-US"/>
+              <a:t>第</a:t>
+            </a:r>
+            <a:r>
+              <a:rPr kumimoji="1" lang="en-US" altLang="ja-JP" dirty="0"/>
+              <a:t>1</a:t>
+            </a:r>
+            <a:r>
+              <a:rPr kumimoji="1" lang="ja-JP" altLang="en-US"/>
+              <a:t>回</a:t>
+            </a:r>
+            <a:r>
+              <a:rPr kumimoji="1" lang="en-US" altLang="ja-JP" dirty="0"/>
+              <a:t> (11/12)</a:t>
+            </a:r>
+            <a:endParaRPr lang="en-US" altLang="ja-JP" sz="2800" dirty="0"/>
+          </a:p>
+          <a:p>
+            <a:pPr lvl="1"/>
+            <a:r>
+              <a:rPr lang="ja-JP" altLang="en-US" sz="2400">
+                <a:latin typeface="MS PGothic" panose="020B0600070205080204" pitchFamily="34" charset="-128"/>
+                <a:ea typeface="MS PGothic" panose="020B0600070205080204" pitchFamily="34" charset="-128"/>
+              </a:rPr>
+              <a:t>導入と環境構築</a:t>
+            </a:r>
+            <a:endParaRPr lang="en-US" altLang="ja-JP" sz="2400" dirty="0">
+              <a:latin typeface="MS PGothic" panose="020B0600070205080204" pitchFamily="34" charset="-128"/>
+              <a:ea typeface="MS PGothic" panose="020B0600070205080204" pitchFamily="34" charset="-128"/>
+            </a:endParaRPr>
+          </a:p>
+          <a:p>
+            <a:pPr lvl="1"/>
+            <a:endParaRPr lang="en-US" altLang="ja-JP" sz="2400" dirty="0">
+              <a:latin typeface="MS PGothic" panose="020B0600070205080204" pitchFamily="34" charset="-128"/>
+              <a:ea typeface="MS PGothic" panose="020B0600070205080204" pitchFamily="34" charset="-128"/>
+            </a:endParaRPr>
+          </a:p>
+          <a:p>
+            <a:r>
+              <a:rPr lang="ja-JP" altLang="en-US" sz="2800"/>
+              <a:t>第</a:t>
+            </a:r>
+            <a:r>
+              <a:rPr lang="en-US" altLang="ja-JP" sz="2800" dirty="0"/>
+              <a:t>2</a:t>
+            </a:r>
+            <a:r>
+              <a:rPr lang="ja-JP" altLang="en-US" sz="2800"/>
+              <a:t>回</a:t>
+            </a:r>
+            <a:r>
+              <a:rPr lang="en-US" altLang="ja-JP" sz="2800" dirty="0"/>
+              <a:t>〜</a:t>
+            </a:r>
+            <a:r>
+              <a:rPr lang="ja-JP" altLang="en-US" sz="2800"/>
+              <a:t>第</a:t>
+            </a:r>
+            <a:r>
+              <a:rPr lang="en-US" altLang="ja-JP" sz="2800" dirty="0"/>
+              <a:t>5</a:t>
+            </a:r>
+            <a:r>
+              <a:rPr lang="ja-JP" altLang="en-US" sz="2800"/>
+              <a:t>回</a:t>
+            </a:r>
+            <a:r>
+              <a:rPr lang="en-US" altLang="ja-JP" sz="2800" dirty="0"/>
+              <a:t> (11/19, 11/26, 12/3, 12/10)</a:t>
+            </a:r>
+          </a:p>
+          <a:p>
+            <a:pPr lvl="1"/>
+            <a:r>
+              <a:rPr kumimoji="1" lang="ja-JP" altLang="en-US" sz="2400">
+                <a:latin typeface="MS PGothic" panose="020B0600070205080204" pitchFamily="34" charset="-128"/>
+                <a:ea typeface="MS PGothic" panose="020B0600070205080204" pitchFamily="34" charset="-128"/>
+              </a:rPr>
+              <a:t>輪講：</a:t>
+            </a:r>
+            <a:r>
+              <a:rPr kumimoji="1" lang="en-US" altLang="ja-JP" sz="2400" dirty="0">
+                <a:latin typeface="MS PGothic" panose="020B0600070205080204" pitchFamily="34" charset="-128"/>
+                <a:ea typeface="MS PGothic" panose="020B0600070205080204" pitchFamily="34" charset="-128"/>
+              </a:rPr>
+              <a:t> </a:t>
+            </a:r>
+            <a:r>
+              <a:rPr lang="en" altLang="ja-JP" sz="2400" dirty="0">
+                <a:latin typeface="MS PGothic" panose="020B0600070205080204" pitchFamily="34" charset="-128"/>
+                <a:ea typeface="MS PGothic" panose="020B0600070205080204" pitchFamily="34" charset="-128"/>
+              </a:rPr>
+              <a:t>Walking in Facebook: A Case Study of Unbiased Sampling of OSNs</a:t>
+            </a:r>
+            <a:endParaRPr kumimoji="1" lang="en-US" altLang="ja-JP" sz="2400" dirty="0">
+              <a:latin typeface="MS PGothic" panose="020B0600070205080204" pitchFamily="34" charset="-128"/>
+              <a:ea typeface="MS PGothic" panose="020B0600070205080204" pitchFamily="34" charset="-128"/>
+            </a:endParaRPr>
+          </a:p>
+          <a:p>
+            <a:pPr lvl="1"/>
+            <a:endParaRPr lang="en-US" altLang="ja-JP" dirty="0">
+              <a:latin typeface="MS PGothic" panose="020B0600070205080204" pitchFamily="34" charset="-128"/>
+              <a:ea typeface="MS PGothic" panose="020B0600070205080204" pitchFamily="34" charset="-128"/>
+            </a:endParaRPr>
+          </a:p>
+          <a:p>
+            <a:r>
+              <a:rPr lang="ja-JP" altLang="en-US"/>
+              <a:t>第</a:t>
+            </a:r>
+            <a:r>
+              <a:rPr lang="en-US" altLang="ja-JP" dirty="0"/>
+              <a:t>6</a:t>
+            </a:r>
+            <a:r>
+              <a:rPr lang="ja-JP" altLang="en-US"/>
+              <a:t>回</a:t>
+            </a:r>
+            <a:r>
+              <a:rPr lang="en-US" altLang="ja-JP" dirty="0"/>
+              <a:t> (12/17)</a:t>
+            </a:r>
+          </a:p>
+          <a:p>
+            <a:pPr lvl="1"/>
+            <a:r>
+              <a:rPr lang="ja-JP" altLang="en-US" sz="2400">
+                <a:latin typeface="MS PGothic" panose="020B0600070205080204" pitchFamily="34" charset="-128"/>
+                <a:ea typeface="MS PGothic" panose="020B0600070205080204" pitchFamily="34" charset="-128"/>
+              </a:rPr>
+              <a:t>質問，最終レポート作成の目処を立てる．</a:t>
+            </a:r>
+            <a:endParaRPr lang="en-US" altLang="ja-JP" sz="2400" dirty="0">
+              <a:latin typeface="MS PGothic" panose="020B0600070205080204" pitchFamily="34" charset="-128"/>
+              <a:ea typeface="MS PGothic" panose="020B0600070205080204" pitchFamily="34" charset="-128"/>
+            </a:endParaRPr>
+          </a:p>
+          <a:p>
+            <a:pPr lvl="1"/>
+            <a:endParaRPr lang="en-US" altLang="ja-JP" dirty="0">
+              <a:latin typeface="MS PGothic" panose="020B0600070205080204" pitchFamily="34" charset="-128"/>
+              <a:ea typeface="MS PGothic" panose="020B0600070205080204" pitchFamily="34" charset="-128"/>
+            </a:endParaRPr>
+          </a:p>
+          <a:p>
+            <a:r>
+              <a:rPr lang="ja-JP" altLang="en-US"/>
+              <a:t>最終レポート</a:t>
+            </a:r>
+            <a:endParaRPr lang="en-US" altLang="ja-JP" dirty="0"/>
+          </a:p>
+          <a:p>
+            <a:pPr lvl="1"/>
+            <a:r>
+              <a:rPr lang="ja-JP" altLang="en-US" sz="2400">
+                <a:latin typeface="MS PGothic" panose="020B0600070205080204" pitchFamily="34" charset="-128"/>
+                <a:ea typeface="MS PGothic" panose="020B0600070205080204" pitchFamily="34" charset="-128"/>
+              </a:rPr>
+              <a:t>第一稿提出</a:t>
+            </a:r>
+            <a:r>
+              <a:rPr lang="en-US" altLang="ja-JP" sz="2400" dirty="0">
+                <a:latin typeface="MS PGothic" panose="020B0600070205080204" pitchFamily="34" charset="-128"/>
+                <a:ea typeface="MS PGothic" panose="020B0600070205080204" pitchFamily="34" charset="-128"/>
+              </a:rPr>
+              <a:t>: 12/20, </a:t>
+            </a:r>
+            <a:r>
+              <a:rPr lang="ja-JP" altLang="en-US" sz="2400">
+                <a:latin typeface="MS PGothic" panose="020B0600070205080204" pitchFamily="34" charset="-128"/>
+                <a:ea typeface="MS PGothic" panose="020B0600070205080204" pitchFamily="34" charset="-128"/>
+              </a:rPr>
+              <a:t>最終提出</a:t>
+            </a:r>
+            <a:r>
+              <a:rPr lang="en-US" altLang="ja-JP" sz="2400" dirty="0">
+                <a:latin typeface="MS PGothic" panose="020B0600070205080204" pitchFamily="34" charset="-128"/>
+                <a:ea typeface="MS PGothic" panose="020B0600070205080204" pitchFamily="34" charset="-128"/>
+              </a:rPr>
+              <a:t>: 12/31</a:t>
+            </a:r>
+          </a:p>
+          <a:p>
+            <a:pPr lvl="1"/>
+            <a:endParaRPr kumimoji="1" lang="ja-JP" altLang="en-US"/>
           </a:p>
         </p:txBody>
       </p:sp>
     </p:spTree>
     <p:extLst>
       <p:ext uri="{BB962C8B-B14F-4D97-AF65-F5344CB8AC3E}">
-        <p14:creationId xmlns:p14="http://schemas.microsoft.com/office/powerpoint/2010/main" val="2850580030"/>
+        <p14:creationId xmlns:p14="http://schemas.microsoft.com/office/powerpoint/2010/main" val="323252154"/>
       </p:ext>
     </p:extLst>
   </p:cSld>
@@ -8200,7 +8233,15 @@
           <a:p>
             <a:r>
               <a:rPr kumimoji="1" lang="ja-JP" altLang="en-US"/>
-              <a:t>修士一年</a:t>
+              <a:t>修士</a:t>
+            </a:r>
+            <a:r>
+              <a:rPr kumimoji="1" lang="en-US" altLang="ja-JP" dirty="0"/>
+              <a:t>2</a:t>
+            </a:r>
+            <a:r>
+              <a:rPr kumimoji="1" lang="ja-JP" altLang="en-US"/>
+              <a:t>年</a:t>
             </a:r>
             <a:endParaRPr kumimoji="1" lang="en-US" altLang="ja-JP" dirty="0"/>
           </a:p>
@@ -8468,7 +8509,7 @@
         <p:spPr/>
         <p:txBody>
           <a:bodyPr>
-            <a:normAutofit/>
+            <a:normAutofit lnSpcReduction="10000"/>
           </a:bodyPr>
           <a:lstStyle/>
           <a:p>
@@ -8527,7 +8568,7 @@
                 <a:latin typeface="MS PGothic" panose="020B0600070205080204" pitchFamily="34" charset="-128"/>
                 <a:ea typeface="MS PGothic" panose="020B0600070205080204" pitchFamily="34" charset="-128"/>
               </a:rPr>
-              <a:t>→ 問題点・改善案を見出す</a:t>
+              <a:t>→ 問題点・改善案を出す</a:t>
             </a:r>
             <a:r>
               <a:rPr lang="en-US" altLang="ja-JP" sz="2000" dirty="0">
@@ -8541,7 +8582,21 @@
                 <a:latin typeface="MS PGothic" panose="020B0600070205080204" pitchFamily="34" charset="-128"/>
                 <a:ea typeface="MS PGothic" panose="020B0600070205080204" pitchFamily="34" charset="-128"/>
               </a:rPr>
-              <a:t>→ 論文を書いて世に公表する．</a:t>
+              <a:t>→ 有意義な結果を出す</a:t>
+            </a:r>
+            <a:r>
+              <a:rPr lang="en-US" altLang="ja-JP" sz="2000" dirty="0">
+                <a:latin typeface="MS PGothic" panose="020B0600070205080204" pitchFamily="34" charset="-128"/>
+                <a:ea typeface="MS PGothic" panose="020B0600070205080204" pitchFamily="34" charset="-128"/>
+              </a:rPr>
+              <a:t> </a:t>
+            </a:r>
+            <a:r>
+              <a:rPr lang="ja-JP" altLang="en-US" sz="2000">
+                <a:latin typeface="MS PGothic" panose="020B0600070205080204" pitchFamily="34" charset="-128"/>
+                <a:ea typeface="MS PGothic" panose="020B0600070205080204" pitchFamily="34" charset="-128"/>
+              </a:rPr>
+              <a:t>→ 論文を書いて世に公表する</a:t>
             </a:r>
             <a:endParaRPr lang="en-US" altLang="ja-JP" sz="2000" dirty="0">
               <a:latin typeface="MS PGothic" panose="020B0600070205080204" pitchFamily="34" charset="-128"/>
@@ -8581,35 +8636,34 @@
                 <a:latin typeface="MS PGothic" panose="020B0600070205080204" pitchFamily="34" charset="-128"/>
                 <a:ea typeface="MS PGothic" panose="020B0600070205080204" pitchFamily="34" charset="-128"/>
               </a:rPr>
-              <a:t>グラフサンプリングの英語論文を読み</a:t>
-            </a:r>
-            <a:r>
-              <a:rPr lang="en-US" altLang="ja-JP" sz="2400" dirty="0">
-                <a:latin typeface="MS PGothic" panose="020B0600070205080204" pitchFamily="34" charset="-128"/>
-                <a:ea typeface="MS PGothic" panose="020B0600070205080204" pitchFamily="34" charset="-128"/>
-              </a:rPr>
-              <a:t> (</a:t>
-            </a:r>
+              <a:t>グラフサンプリングの英語論文を読んで知識・方法を理解する．</a:t>
+            </a:r>
+            <a:endParaRPr lang="en-US" altLang="ja-JP" sz="2400" dirty="0">
+              <a:latin typeface="MS PGothic" panose="020B0600070205080204" pitchFamily="34" charset="-128"/>
+              <a:ea typeface="MS PGothic" panose="020B0600070205080204" pitchFamily="34" charset="-128"/>
+            </a:endParaRPr>
+          </a:p>
+          <a:p>
+            <a:pPr marL="914400" lvl="1" indent="-457200">
+              <a:buFont typeface="+mj-lt"/>
+              <a:buAutoNum type="arabicPeriod"/>
+            </a:pPr>
+            <a:endParaRPr lang="en-US" altLang="ja-JP" sz="2400" dirty="0">
+              <a:latin typeface="MS PGothic" panose="020B0600070205080204" pitchFamily="34" charset="-128"/>
+              <a:ea typeface="MS PGothic" panose="020B0600070205080204" pitchFamily="34" charset="-128"/>
+            </a:endParaRPr>
+          </a:p>
+          <a:p>
+            <a:pPr marL="914400" lvl="1" indent="-457200">
+              <a:buFont typeface="+mj-lt"/>
+              <a:buAutoNum type="arabicPeriod"/>
+            </a:pPr>
             <a:r>
               <a:rPr lang="ja-JP" altLang="en-US" sz="2400">
                 <a:latin typeface="MS PGothic" panose="020B0600070205080204" pitchFamily="34" charset="-128"/>
                 <a:ea typeface="MS PGothic" panose="020B0600070205080204" pitchFamily="34" charset="-128"/>
               </a:rPr>
-              <a:t>輪講</a:t>
-            </a:r>
-            <a:r>
-              <a:rPr lang="en-US" altLang="ja-JP" sz="2400" dirty="0">
-                <a:latin typeface="MS PGothic" panose="020B0600070205080204" pitchFamily="34" charset="-128"/>
-                <a:ea typeface="MS PGothic" panose="020B0600070205080204" pitchFamily="34" charset="-128"/>
-              </a:rPr>
-              <a:t>)</a:t>
-            </a:r>
-            <a:r>
-              <a:rPr lang="ja-JP" altLang="en-US" sz="2400">
-                <a:latin typeface="MS PGothic" panose="020B0600070205080204" pitchFamily="34" charset="-128"/>
-                <a:ea typeface="MS PGothic" panose="020B0600070205080204" pitchFamily="34" charset="-128"/>
-              </a:rPr>
-              <a:t>，既存の知識・方法を理解・実装・評価する．</a:t>
+              <a:t>既存の知識・方法を実装・検証する．</a:t>
             </a:r>
             <a:endParaRPr lang="en-US" altLang="ja-JP" sz="2400" dirty="0">
               <a:latin typeface="MS PGothic" panose="020B0600070205080204" pitchFamily="34" charset="-128"/>
@@ -8667,278 +8721,6 @@
 </file>
 
 <file path=ppt/slides/slide4.xml><?xml version="1.0" encoding="utf-8"?>
-<p:sld xmlns:a="http://schemas.openxmlformats.org/drawingml/2006/main" xmlns:r="http://schemas.openxmlformats.org/officeDocument/2006/relationships" xmlns:p="http://schemas.openxmlformats.org/presentationml/2006/main">
-  <p:cSld>
-    <p:spTree>
-      <p:nvGrpSpPr>
-        <p:cNvPr id="1" name=""/>
-        <p:cNvGrpSpPr/>
-        <p:nvPr/>
-      </p:nvGrpSpPr>
-      <p:grpSpPr>
-        <a:xfrm>
-          <a:off x="0" y="0"/>
-          <a:ext cx="0" cy="0"/>
-          <a:chOff x="0" y="0"/>
-          <a:chExt cx="0" cy="0"/>
-        </a:xfrm>
-      </p:grpSpPr>
-      <p:sp>
-        <p:nvSpPr>
-          <p:cNvPr id="2" name="タイトル 1">
-            <a:extLst>
-              <a:ext uri="{FF2B5EF4-FFF2-40B4-BE49-F238E27FC236}">
-                <a16:creationId xmlns:a16="http://schemas.microsoft.com/office/drawing/2014/main" id="{E7404957-97CD-E247-9AD1-739CD02D4370}"/>
-              </a:ext>
-            </a:extLst>
-          </p:cNvPr>
-          <p:cNvSpPr>
-            <a:spLocks noGrp="1"/>
-          </p:cNvSpPr>
-          <p:nvPr>
-            <p:ph type="title"/>
-          </p:nvPr>
-        </p:nvSpPr>
-        <p:spPr/>
-        <p:txBody>
-          <a:bodyPr/>
-          <a:lstStyle/>
-          <a:p>
-            <a:r>
-              <a:rPr kumimoji="1" lang="ja-JP" altLang="en-US"/>
-              <a:t>スケジュール</a:t>
-            </a:r>
-          </a:p>
-        </p:txBody>
-      </p:sp>
-      <p:sp>
-        <p:nvSpPr>
-          <p:cNvPr id="3" name="コンテンツ プレースホルダー 2">
-            <a:extLst>
-              <a:ext uri="{FF2B5EF4-FFF2-40B4-BE49-F238E27FC236}">
-                <a16:creationId xmlns:a16="http://schemas.microsoft.com/office/drawing/2014/main" id="{AD202CB6-0CB7-F040-A472-9A2D848198FA}"/>
-              </a:ext>
-            </a:extLst>
-          </p:cNvPr>
-          <p:cNvSpPr>
-            <a:spLocks noGrp="1"/>
-          </p:cNvSpPr>
-          <p:nvPr>
-            <p:ph idx="1"/>
-          </p:nvPr>
-        </p:nvSpPr>
-        <p:spPr/>
-        <p:txBody>
-          <a:bodyPr>
-            <a:normAutofit/>
-          </a:bodyPr>
-          <a:lstStyle/>
-          <a:p>
-            <a:r>
-              <a:rPr kumimoji="1" lang="ja-JP" altLang="en-US"/>
-              <a:t>第</a:t>
-            </a:r>
-            <a:r>
-              <a:rPr kumimoji="1" lang="en-US" altLang="ja-JP" dirty="0"/>
-              <a:t>1</a:t>
-            </a:r>
-            <a:r>
-              <a:rPr kumimoji="1" lang="ja-JP" altLang="en-US"/>
-              <a:t>回</a:t>
-            </a:r>
-            <a:r>
-              <a:rPr kumimoji="1" lang="en-US" altLang="ja-JP" dirty="0"/>
-              <a:t> (11/12)</a:t>
-            </a:r>
-            <a:endParaRPr lang="en-US" altLang="ja-JP" sz="2800" dirty="0"/>
-          </a:p>
-          <a:p>
-            <a:pPr lvl="1"/>
-            <a:r>
-              <a:rPr lang="ja-JP" altLang="en-US" sz="2400">
-                <a:latin typeface="MS PGothic" panose="020B0600070205080204" pitchFamily="34" charset="-128"/>
-                <a:ea typeface="MS PGothic" panose="020B0600070205080204" pitchFamily="34" charset="-128"/>
-              </a:rPr>
-              <a:t>導入と環境構築</a:t>
-            </a:r>
-            <a:endParaRPr lang="en-US" altLang="ja-JP" sz="2400" dirty="0">
-              <a:latin typeface="MS PGothic" panose="020B0600070205080204" pitchFamily="34" charset="-128"/>
-              <a:ea typeface="MS PGothic" panose="020B0600070205080204" pitchFamily="34" charset="-128"/>
-            </a:endParaRPr>
-          </a:p>
-          <a:p>
-            <a:pPr lvl="1"/>
-            <a:endParaRPr lang="en-US" altLang="ja-JP" sz="2400" dirty="0">
-              <a:latin typeface="MS PGothic" panose="020B0600070205080204" pitchFamily="34" charset="-128"/>
-              <a:ea typeface="MS PGothic" panose="020B0600070205080204" pitchFamily="34" charset="-128"/>
-            </a:endParaRPr>
-          </a:p>
-          <a:p>
-            <a:r>
-              <a:rPr lang="ja-JP" altLang="en-US" sz="2800"/>
-              <a:t>第</a:t>
-            </a:r>
-            <a:r>
-              <a:rPr lang="en-US" altLang="ja-JP" sz="2800" dirty="0"/>
-              <a:t>2</a:t>
-            </a:r>
-            <a:r>
-              <a:rPr lang="ja-JP" altLang="en-US" sz="2800"/>
-              <a:t>回</a:t>
-            </a:r>
-            <a:r>
-              <a:rPr lang="en-US" altLang="ja-JP" sz="2800" dirty="0"/>
-              <a:t>〜</a:t>
-            </a:r>
-            <a:r>
-              <a:rPr lang="ja-JP" altLang="en-US" sz="2800"/>
-              <a:t>第</a:t>
-            </a:r>
-            <a:r>
-              <a:rPr lang="en-US" altLang="ja-JP" sz="2800" dirty="0"/>
-              <a:t>5</a:t>
-            </a:r>
-            <a:r>
-              <a:rPr lang="ja-JP" altLang="en-US" sz="2800"/>
-              <a:t>回</a:t>
-            </a:r>
-            <a:r>
-              <a:rPr lang="en-US" altLang="ja-JP" sz="2800" dirty="0"/>
-              <a:t> (11/19, 11/26, 12/3, 12/10)</a:t>
-            </a:r>
-          </a:p>
-          <a:p>
-            <a:pPr lvl="1"/>
-            <a:r>
-              <a:rPr kumimoji="1" lang="ja-JP" altLang="en-US" sz="2400">
-                <a:latin typeface="MS PGothic" panose="020B0600070205080204" pitchFamily="34" charset="-128"/>
-                <a:ea typeface="MS PGothic" panose="020B0600070205080204" pitchFamily="34" charset="-128"/>
-              </a:rPr>
-              <a:t>輪講：</a:t>
-            </a:r>
-            <a:r>
-              <a:rPr kumimoji="1" lang="en-US" altLang="ja-JP" sz="2400" dirty="0">
-                <a:latin typeface="MS PGothic" panose="020B0600070205080204" pitchFamily="34" charset="-128"/>
-                <a:ea typeface="MS PGothic" panose="020B0600070205080204" pitchFamily="34" charset="-128"/>
-              </a:rPr>
-              <a:t> </a:t>
-            </a:r>
-            <a:r>
-              <a:rPr lang="en" altLang="ja-JP" sz="2400" dirty="0">
-                <a:latin typeface="MS PGothic" panose="020B0600070205080204" pitchFamily="34" charset="-128"/>
-                <a:ea typeface="MS PGothic" panose="020B0600070205080204" pitchFamily="34" charset="-128"/>
-              </a:rPr>
-              <a:t>Walking in Facebook: A Case Study of Unbiased Sampling of OSNs</a:t>
-            </a:r>
-            <a:endParaRPr kumimoji="1" lang="en-US" altLang="ja-JP" sz="2400" dirty="0">
-              <a:latin typeface="MS PGothic" panose="020B0600070205080204" pitchFamily="34" charset="-128"/>
-              <a:ea typeface="MS PGothic" panose="020B0600070205080204" pitchFamily="34" charset="-128"/>
-            </a:endParaRPr>
-          </a:p>
-          <a:p>
-            <a:pPr lvl="1"/>
-            <a:endParaRPr lang="en-US" altLang="ja-JP" dirty="0">
-              <a:latin typeface="MS PGothic" panose="020B0600070205080204" pitchFamily="34" charset="-128"/>
-              <a:ea typeface="MS PGothic" panose="020B0600070205080204" pitchFamily="34" charset="-128"/>
-            </a:endParaRPr>
-          </a:p>
-          <a:p>
-            <a:r>
-              <a:rPr lang="ja-JP" altLang="en-US"/>
-              <a:t>第</a:t>
-            </a:r>
-            <a:r>
-              <a:rPr lang="en-US" altLang="ja-JP" dirty="0"/>
-              <a:t>6</a:t>
-            </a:r>
-            <a:r>
-              <a:rPr lang="ja-JP" altLang="en-US"/>
-              <a:t>回</a:t>
-            </a:r>
-            <a:r>
-              <a:rPr lang="en-US" altLang="ja-JP" dirty="0"/>
-              <a:t> (12/17)</a:t>
-            </a:r>
-          </a:p>
-          <a:p>
-            <a:pPr lvl="1"/>
-            <a:r>
-              <a:rPr lang="ja-JP" altLang="en-US" sz="2400">
-                <a:latin typeface="MS PGothic" panose="020B0600070205080204" pitchFamily="34" charset="-128"/>
-                <a:ea typeface="MS PGothic" panose="020B0600070205080204" pitchFamily="34" charset="-128"/>
-              </a:rPr>
-              <a:t>質問，最終レポート作成の目処を立てる．</a:t>
-            </a:r>
-            <a:endParaRPr lang="en-US" altLang="ja-JP" sz="2400" dirty="0">
-              <a:latin typeface="MS PGothic" panose="020B0600070205080204" pitchFamily="34" charset="-128"/>
-              <a:ea typeface="MS PGothic" panose="020B0600070205080204" pitchFamily="34" charset="-128"/>
-            </a:endParaRPr>
-          </a:p>
-          <a:p>
-            <a:pPr lvl="1"/>
-            <a:endParaRPr lang="en-US" altLang="ja-JP" dirty="0">
-              <a:latin typeface="MS PGothic" panose="020B0600070205080204" pitchFamily="34" charset="-128"/>
-              <a:ea typeface="MS PGothic" panose="020B0600070205080204" pitchFamily="34" charset="-128"/>
-            </a:endParaRPr>
-          </a:p>
-          <a:p>
-            <a:r>
-              <a:rPr lang="ja-JP" altLang="en-US"/>
-              <a:t>最終レポート</a:t>
-            </a:r>
-            <a:endParaRPr lang="en-US" altLang="ja-JP" dirty="0"/>
-          </a:p>
-          <a:p>
-            <a:pPr lvl="1"/>
-            <a:r>
-              <a:rPr lang="ja-JP" altLang="en-US" sz="2400">
-                <a:latin typeface="MS PGothic" panose="020B0600070205080204" pitchFamily="34" charset="-128"/>
-                <a:ea typeface="MS PGothic" panose="020B0600070205080204" pitchFamily="34" charset="-128"/>
-              </a:rPr>
-              <a:t>第一稿提出</a:t>
-            </a:r>
-            <a:r>
-              <a:rPr lang="en-US" altLang="ja-JP" sz="2400" dirty="0">
-                <a:latin typeface="MS PGothic" panose="020B0600070205080204" pitchFamily="34" charset="-128"/>
-                <a:ea typeface="MS PGothic" panose="020B0600070205080204" pitchFamily="34" charset="-128"/>
-              </a:rPr>
-              <a:t>: 12/20, </a:t>
-            </a:r>
-            <a:r>
-              <a:rPr lang="ja-JP" altLang="en-US" sz="2400">
-                <a:latin typeface="MS PGothic" panose="020B0600070205080204" pitchFamily="34" charset="-128"/>
-                <a:ea typeface="MS PGothic" panose="020B0600070205080204" pitchFamily="34" charset="-128"/>
-              </a:rPr>
-              <a:t>最終提出</a:t>
-            </a:r>
-            <a:r>
-              <a:rPr lang="en-US" altLang="ja-JP" sz="2400" dirty="0">
-                <a:latin typeface="MS PGothic" panose="020B0600070205080204" pitchFamily="34" charset="-128"/>
-                <a:ea typeface="MS PGothic" panose="020B0600070205080204" pitchFamily="34" charset="-128"/>
-              </a:rPr>
-              <a:t>: 12/31</a:t>
-            </a:r>
-          </a:p>
-          <a:p>
-            <a:pPr lvl="1"/>
-            <a:endParaRPr kumimoji="1" lang="ja-JP" altLang="en-US"/>
-          </a:p>
-        </p:txBody>
-      </p:sp>
-    </p:spTree>
-    <p:extLst>
-      <p:ext uri="{BB962C8B-B14F-4D97-AF65-F5344CB8AC3E}">
-        <p14:creationId xmlns:p14="http://schemas.microsoft.com/office/powerpoint/2010/main" val="323252154"/>
-      </p:ext>
-    </p:extLst>
-  </p:cSld>
-  <p:clrMapOvr>
-    <a:masterClrMapping/>
-  </p:clrMapOvr>
-</p:sld>
-</file>
-
-<file path=ppt/slides/slide5.xml><?xml version="1.0" encoding="utf-8"?>
 <p:sld xmlns:a="http://schemas.openxmlformats.org/drawingml/2006/main" xmlns:r="http://schemas.openxmlformats.org/officeDocument/2006/relationships" xmlns:p="http://schemas.openxmlformats.org/presentationml/2006/main">
   <p:cSld>
     <p:spTree>
@@ -10085,7 +9867,7 @@
 </p:sld>
 </file>
 
-<file path=ppt/slides/slide6.xml><?xml version="1.0" encoding="utf-8"?>
+<file path=ppt/slides/slide5.xml><?xml version="1.0" encoding="utf-8"?>
 <p:sld xmlns:a="http://schemas.openxmlformats.org/drawingml/2006/main" xmlns:r="http://schemas.openxmlformats.org/officeDocument/2006/relationships" xmlns:p="http://schemas.openxmlformats.org/presentationml/2006/main">
   <p:cSld>
     <p:spTree>
@@ -10305,6 +10087,313 @@
     <p:extLst>
       <p:ext uri="{BB962C8B-B14F-4D97-AF65-F5344CB8AC3E}">
         <p14:creationId xmlns:p14="http://schemas.microsoft.com/office/powerpoint/2010/main" val="3189284376"/>
+      </p:ext>
+    </p:extLst>
+  </p:cSld>
+  <p:clrMapOvr>
+    <a:masterClrMapping/>
+  </p:clrMapOvr>
+</p:sld>
+</file>
+
+<file path=ppt/slides/slide6.xml><?xml version="1.0" encoding="utf-8"?>
+<p:sld xmlns:a="http://schemas.openxmlformats.org/drawingml/2006/main" xmlns:r="http://schemas.openxmlformats.org/officeDocument/2006/relationships" xmlns:p="http://schemas.openxmlformats.org/presentationml/2006/main">
+  <p:cSld>
+    <p:spTree>
+      <p:nvGrpSpPr>
+        <p:cNvPr id="1" name=""/>
+        <p:cNvGrpSpPr/>
+        <p:nvPr/>
+      </p:nvGrpSpPr>
+      <p:grpSpPr>
+        <a:xfrm>
+          <a:off x="0" y="0"/>
+          <a:ext cx="0" cy="0"/>
+          <a:chOff x="0" y="0"/>
+          <a:chExt cx="0" cy="0"/>
+        </a:xfrm>
+      </p:grpSpPr>
+      <p:sp>
+        <p:nvSpPr>
+          <p:cNvPr id="2" name="タイトル 1">
+            <a:extLst>
+              <a:ext uri="{FF2B5EF4-FFF2-40B4-BE49-F238E27FC236}">
+                <a16:creationId xmlns:a16="http://schemas.microsoft.com/office/drawing/2014/main" id="{C34EE7B2-793E-074B-90A5-43B6CC0532F0}"/>
+              </a:ext>
+            </a:extLst>
+          </p:cNvPr>
+          <p:cNvSpPr>
+            <a:spLocks noGrp="1"/>
+          </p:cNvSpPr>
+          <p:nvPr>
+            <p:ph type="title"/>
+          </p:nvPr>
+        </p:nvSpPr>
+        <p:spPr/>
+        <p:txBody>
+          <a:bodyPr/>
+          <a:lstStyle/>
+          <a:p>
+            <a:r>
+              <a:rPr lang="ja-JP" altLang="en-US"/>
+              <a:t>複雑ネットワークの研究の幕開け</a:t>
+            </a:r>
+            <a:endParaRPr kumimoji="1" lang="ja-JP" altLang="en-US"/>
+          </a:p>
+        </p:txBody>
+      </p:sp>
+      <p:sp>
+        <p:nvSpPr>
+          <p:cNvPr id="3" name="コンテンツ プレースホルダー 2">
+            <a:extLst>
+              <a:ext uri="{FF2B5EF4-FFF2-40B4-BE49-F238E27FC236}">
+                <a16:creationId xmlns:a16="http://schemas.microsoft.com/office/drawing/2014/main" id="{D4FB7974-CC11-4343-9259-D8C16D4F7FA6}"/>
+              </a:ext>
+            </a:extLst>
+          </p:cNvPr>
+          <p:cNvSpPr>
+            <a:spLocks noGrp="1"/>
+          </p:cNvSpPr>
+          <p:nvPr>
+            <p:ph idx="1"/>
+          </p:nvPr>
+        </p:nvSpPr>
+        <p:spPr/>
+        <p:txBody>
+          <a:bodyPr/>
+          <a:lstStyle/>
+          <a:p>
+            <a:r>
+              <a:rPr lang="ja-JP" altLang="en-US" sz="3600"/>
+              <a:t>バラバシ・アルバートモデル</a:t>
+            </a:r>
+            <a:r>
+              <a:rPr lang="en-US" altLang="ja-JP" sz="3600" dirty="0"/>
+              <a:t> (1999</a:t>
+            </a:r>
+            <a:r>
+              <a:rPr lang="ja-JP" altLang="en-US" sz="3600"/>
+              <a:t>年</a:t>
+            </a:r>
+            <a:r>
+              <a:rPr lang="en-US" altLang="ja-JP" sz="3600" dirty="0"/>
+              <a:t>)</a:t>
+            </a:r>
+          </a:p>
+          <a:p>
+            <a:endParaRPr lang="en-US" altLang="ja-JP" sz="3600" dirty="0"/>
+          </a:p>
+          <a:p>
+            <a:pPr lvl="1"/>
+            <a:r>
+              <a:rPr lang="ja-JP" altLang="en-US" sz="2800"/>
+              <a:t>実ネットワークに</a:t>
+            </a:r>
+            <a:r>
+              <a:rPr lang="ja-JP" altLang="en-US" sz="2800" u="sng"/>
+              <a:t>スケールフリー性</a:t>
+            </a:r>
+            <a:r>
+              <a:rPr lang="ja-JP" altLang="en-US" sz="2800"/>
+              <a:t>が共通することがわかった．</a:t>
+            </a:r>
+            <a:endParaRPr lang="en-US" altLang="ja-JP" sz="2800" dirty="0"/>
+          </a:p>
+          <a:p>
+            <a:pPr lvl="2"/>
+            <a:endParaRPr lang="en-US" altLang="ja-JP" sz="2400" dirty="0"/>
+          </a:p>
+          <a:p>
+            <a:pPr lvl="2"/>
+            <a:r>
+              <a:rPr lang="ja-JP" altLang="en-US" sz="2400"/>
+              <a:t>次数分布がべき分布に従う．</a:t>
+            </a:r>
+            <a:endParaRPr lang="en-US" altLang="ja-JP" sz="2400" dirty="0"/>
+          </a:p>
+          <a:p>
+            <a:pPr lvl="2"/>
+            <a:endParaRPr lang="en-US" altLang="ja-JP" sz="2400" dirty="0"/>
+          </a:p>
+          <a:p>
+            <a:pPr lvl="1"/>
+            <a:r>
+              <a:rPr lang="ja-JP" altLang="en-US" sz="2600"/>
+              <a:t>次数分布がべき則と成る生成モデル</a:t>
+            </a:r>
+            <a:endParaRPr lang="en-US" altLang="ja-JP" sz="2600" dirty="0"/>
+          </a:p>
+          <a:p>
+            <a:pPr lvl="2"/>
+            <a:endParaRPr lang="en-US" altLang="ja-JP" sz="2400" dirty="0"/>
+          </a:p>
+          <a:p>
+            <a:pPr lvl="2"/>
+            <a:r>
+              <a:rPr lang="ja-JP" altLang="en-US" sz="2400"/>
+              <a:t>次数が高いノードに優先的に枝を張る．</a:t>
+            </a:r>
+            <a:endParaRPr lang="en-US" altLang="ja-JP" sz="2400" dirty="0"/>
+          </a:p>
+          <a:p>
+            <a:pPr lvl="1"/>
+            <a:endParaRPr kumimoji="1" lang="ja-JP" altLang="en-US"/>
+          </a:p>
+        </p:txBody>
+      </p:sp>
+      <p:pic>
+        <p:nvPicPr>
+          <p:cNvPr id="5" name="図 4">
+            <a:extLst>
+              <a:ext uri="{FF2B5EF4-FFF2-40B4-BE49-F238E27FC236}">
+                <a16:creationId xmlns:a16="http://schemas.microsoft.com/office/drawing/2014/main" id="{0E7C20A8-611C-AA40-8BC0-87EBA2A6E6A8}"/>
+              </a:ext>
+            </a:extLst>
+          </p:cNvPr>
+          <p:cNvPicPr>
+            <a:picLocks noChangeAspect="1"/>
+          </p:cNvPicPr>
+          <p:nvPr/>
+        </p:nvPicPr>
+        <p:blipFill>
+          <a:blip r:embed="rId2"/>
+          <a:stretch>
+            <a:fillRect/>
+          </a:stretch>
+        </p:blipFill>
+        <p:spPr>
+          <a:xfrm>
+            <a:off x="6591490" y="3604412"/>
+            <a:ext cx="5332028" cy="2160000"/>
+          </a:xfrm>
+          <a:prstGeom prst="rect">
+            <a:avLst/>
+          </a:prstGeom>
+        </p:spPr>
+      </p:pic>
+      <p:sp>
+        <p:nvSpPr>
+          <p:cNvPr id="4" name="テキスト ボックス 3">
+            <a:extLst>
+              <a:ext uri="{FF2B5EF4-FFF2-40B4-BE49-F238E27FC236}">
+                <a16:creationId xmlns:a16="http://schemas.microsoft.com/office/drawing/2014/main" id="{C69EDDF1-7C13-F64E-BA4D-84761F5C8121}"/>
+              </a:ext>
+            </a:extLst>
+          </p:cNvPr>
+          <p:cNvSpPr txBox="1"/>
+          <p:nvPr/>
+        </p:nvSpPr>
+        <p:spPr>
+          <a:xfrm>
+            <a:off x="6839712" y="5757208"/>
+            <a:ext cx="1758815" cy="369332"/>
+          </a:xfrm>
+          <a:prstGeom prst="rect">
+            <a:avLst/>
+          </a:prstGeom>
+          <a:noFill/>
+        </p:spPr>
+        <p:txBody>
+          <a:bodyPr wrap="none" rtlCol="0">
+            <a:spAutoFit/>
+          </a:bodyPr>
+          <a:lstStyle/>
+          <a:p>
+            <a:r>
+              <a:rPr kumimoji="1" lang="ja-JP" altLang="en-US"/>
+              <a:t>俳優の共演関係</a:t>
+            </a:r>
+          </a:p>
+        </p:txBody>
+      </p:sp>
+      <p:sp>
+        <p:nvSpPr>
+          <p:cNvPr id="6" name="テキスト ボックス 5">
+            <a:extLst>
+              <a:ext uri="{FF2B5EF4-FFF2-40B4-BE49-F238E27FC236}">
+                <a16:creationId xmlns:a16="http://schemas.microsoft.com/office/drawing/2014/main" id="{8DAF1C24-8653-1B44-BF2B-C3421C587704}"/>
+              </a:ext>
+            </a:extLst>
+          </p:cNvPr>
+          <p:cNvSpPr txBox="1"/>
+          <p:nvPr/>
+        </p:nvSpPr>
+        <p:spPr>
+          <a:xfrm>
+            <a:off x="9122800" y="5757208"/>
+            <a:ext cx="848309" cy="369332"/>
+          </a:xfrm>
+          <a:prstGeom prst="rect">
+            <a:avLst/>
+          </a:prstGeom>
+          <a:noFill/>
+        </p:spPr>
+        <p:txBody>
+          <a:bodyPr wrap="none" rtlCol="0">
+            <a:spAutoFit/>
+          </a:bodyPr>
+          <a:lstStyle/>
+          <a:p>
+            <a:r>
+              <a:rPr kumimoji="1" lang="en-US" altLang="ja-JP" dirty="0">
+                <a:latin typeface="Arial" panose="020B0604020202020204" pitchFamily="34" charset="0"/>
+                <a:cs typeface="Arial" panose="020B0604020202020204" pitchFamily="34" charset="0"/>
+              </a:rPr>
+              <a:t>WWW</a:t>
+            </a:r>
+            <a:endParaRPr kumimoji="1" lang="ja-JP" altLang="en-US">
+              <a:latin typeface="Arial" panose="020B0604020202020204" pitchFamily="34" charset="0"/>
+              <a:cs typeface="Arial" panose="020B0604020202020204" pitchFamily="34" charset="0"/>
+            </a:endParaRPr>
+          </a:p>
+        </p:txBody>
+      </p:sp>
+      <p:sp>
+        <p:nvSpPr>
+          <p:cNvPr id="7" name="テキスト ボックス 6">
+            <a:extLst>
+              <a:ext uri="{FF2B5EF4-FFF2-40B4-BE49-F238E27FC236}">
+                <a16:creationId xmlns:a16="http://schemas.microsoft.com/office/drawing/2014/main" id="{8DACE5F3-B9FE-E045-BB6C-858745D555B6}"/>
+              </a:ext>
+            </a:extLst>
+          </p:cNvPr>
+          <p:cNvSpPr txBox="1"/>
+          <p:nvPr/>
+        </p:nvSpPr>
+        <p:spPr>
+          <a:xfrm>
+            <a:off x="10642973" y="5757208"/>
+            <a:ext cx="877163" cy="369332"/>
+          </a:xfrm>
+          <a:prstGeom prst="rect">
+            <a:avLst/>
+          </a:prstGeom>
+          <a:noFill/>
+        </p:spPr>
+        <p:txBody>
+          <a:bodyPr wrap="none" rtlCol="0">
+            <a:spAutoFit/>
+          </a:bodyPr>
+          <a:lstStyle/>
+          <a:p>
+            <a:r>
+              <a:rPr kumimoji="1" lang="ja-JP" altLang="en-US">
+                <a:latin typeface="Arial" panose="020B0604020202020204" pitchFamily="34" charset="0"/>
+                <a:cs typeface="Arial" panose="020B0604020202020204" pitchFamily="34" charset="0"/>
+              </a:rPr>
+              <a:t>電力網</a:t>
+            </a:r>
+            <a:endParaRPr kumimoji="1" lang="en-US" altLang="ja-JP" dirty="0">
+              <a:latin typeface="Arial" panose="020B0604020202020204" pitchFamily="34" charset="0"/>
+              <a:cs typeface="Arial" panose="020B0604020202020204" pitchFamily="34" charset="0"/>
+            </a:endParaRPr>
+          </a:p>
+        </p:txBody>
+      </p:sp>
+    </p:spTree>
+    <p:extLst>
+      <p:ext uri="{BB962C8B-B14F-4D97-AF65-F5344CB8AC3E}">
+        <p14:creationId xmlns:p14="http://schemas.microsoft.com/office/powerpoint/2010/main" val="2558019680"/>
       </p:ext>
     </p:extLst>
   </p:cSld>
@@ -10336,7 +10425,7 @@
           <p:cNvPr id="2" name="タイトル 1">
             <a:extLst>
               <a:ext uri="{FF2B5EF4-FFF2-40B4-BE49-F238E27FC236}">
-                <a16:creationId xmlns:a16="http://schemas.microsoft.com/office/drawing/2014/main" id="{C34EE7B2-793E-074B-90A5-43B6CC0532F0}"/>
+                <a16:creationId xmlns:a16="http://schemas.microsoft.com/office/drawing/2014/main" id="{C85B8FC2-CA9A-FC4A-92D0-0E2D2C70BD14}"/>
               </a:ext>
             </a:extLst>
           </p:cNvPr>
@@ -10353,10 +10442,9 @@
           <a:lstStyle/>
           <a:p>
             <a:r>
-              <a:rPr lang="ja-JP" altLang="en-US"/>
-              <a:t>複雑ネットワークの研究の幕開け</a:t>
-            </a:r>
-            <a:endParaRPr kumimoji="1" lang="ja-JP" altLang="en-US"/>
+              <a:rPr kumimoji="1" lang="ja-JP" altLang="en-US"/>
+              <a:t>複雑ネットワークの研究</a:t>
+            </a:r>
           </a:p>
         </p:txBody>
       </p:sp>
@@ -10365,7 +10453,7 @@
           <p:cNvPr id="3" name="コンテンツ プレースホルダー 2">
             <a:extLst>
               <a:ext uri="{FF2B5EF4-FFF2-40B4-BE49-F238E27FC236}">
-                <a16:creationId xmlns:a16="http://schemas.microsoft.com/office/drawing/2014/main" id="{D4FB7974-CC11-4343-9259-D8C16D4F7FA6}"/>
+                <a16:creationId xmlns:a16="http://schemas.microsoft.com/office/drawing/2014/main" id="{2158F920-7719-B74C-A017-8A8ACE4BFE1D}"/>
               </a:ext>
             </a:extLst>
           </p:cNvPr>
@@ -10382,109 +10470,116 @@
           <a:lstStyle/>
           <a:p>
             <a:r>
-              <a:rPr lang="ja-JP" altLang="en-US" sz="3600"/>
-              <a:t>バラバシ・アルバートモデル</a:t>
-            </a:r>
-            <a:r>
-              <a:rPr lang="en-US" altLang="ja-JP" sz="3600" dirty="0"/>
-              <a:t> (1999</a:t>
-            </a:r>
-            <a:r>
-              <a:rPr lang="ja-JP" altLang="en-US" sz="3600"/>
-              <a:t>年</a:t>
-            </a:r>
-            <a:r>
-              <a:rPr lang="en-US" altLang="ja-JP" sz="3600" dirty="0"/>
-              <a:t>)</a:t>
-            </a:r>
-          </a:p>
-          <a:p>
-            <a:endParaRPr lang="en-US" altLang="ja-JP" sz="3600" dirty="0"/>
+              <a:rPr kumimoji="1" lang="ja-JP" altLang="en-US"/>
+              <a:t>世の中の様々なネットワークの解析研究</a:t>
+            </a:r>
+            <a:endParaRPr kumimoji="1" lang="en-US" altLang="ja-JP" dirty="0"/>
           </a:p>
           <a:p>
             <a:pPr lvl="1"/>
-            <a:r>
-              <a:rPr lang="ja-JP" altLang="en-US" sz="2800"/>
-              <a:t>実ネットワークにスケールフリー性が共通することがわかった．</a:t>
-            </a:r>
-            <a:endParaRPr lang="en-US" altLang="ja-JP" sz="2800" dirty="0"/>
-          </a:p>
-          <a:p>
-            <a:pPr lvl="2"/>
-            <a:endParaRPr lang="en-US" altLang="ja-JP" sz="2400" dirty="0"/>
-          </a:p>
-          <a:p>
-            <a:pPr lvl="2"/>
-            <a:r>
-              <a:rPr lang="ja-JP" altLang="en-US" sz="2400"/>
-              <a:t>次数分布がべき分布に従う．</a:t>
-            </a:r>
-            <a:endParaRPr lang="en-US" altLang="ja-JP" sz="2400" dirty="0"/>
-          </a:p>
-          <a:p>
-            <a:pPr lvl="2"/>
-            <a:endParaRPr lang="en-US" altLang="ja-JP" sz="2400" dirty="0"/>
+            <a:endParaRPr lang="en-US" altLang="ja-JP" dirty="0"/>
           </a:p>
           <a:p>
             <a:pPr lvl="1"/>
             <a:r>
-              <a:rPr lang="ja-JP" altLang="en-US" sz="2600"/>
-              <a:t>次数分布がべき則と成る生成モデル</a:t>
-            </a:r>
-            <a:endParaRPr lang="en-US" altLang="ja-JP" sz="2600" dirty="0"/>
-          </a:p>
-          <a:p>
-            <a:pPr lvl="2"/>
-            <a:endParaRPr lang="en-US" altLang="ja-JP" sz="2400" dirty="0"/>
-          </a:p>
-          <a:p>
-            <a:pPr lvl="2"/>
-            <a:r>
-              <a:rPr lang="ja-JP" altLang="en-US" sz="2400"/>
-              <a:t>次数が高いノードに優先的に枝を張る．</a:t>
-            </a:r>
-            <a:endParaRPr lang="en-US" altLang="ja-JP" sz="2400" dirty="0"/>
+              <a:rPr lang="en-US" altLang="ja-JP" sz="2400" dirty="0">
+                <a:latin typeface="Arial" panose="020B0604020202020204" pitchFamily="34" charset="0"/>
+                <a:cs typeface="Arial" panose="020B0604020202020204" pitchFamily="34" charset="0"/>
+              </a:rPr>
+              <a:t>Web</a:t>
+            </a:r>
+            <a:r>
+              <a:rPr lang="ja-JP" altLang="en-US" sz="2400">
+                <a:latin typeface="Arial" panose="020B0604020202020204" pitchFamily="34" charset="0"/>
+                <a:cs typeface="Arial" panose="020B0604020202020204" pitchFamily="34" charset="0"/>
+              </a:rPr>
+              <a:t>グラフ，食物連鎖ネットワーク，コンピュータネットワーク，神経ネットワーク，．．．</a:t>
+            </a:r>
+            <a:endParaRPr lang="en-US" altLang="ja-JP" sz="2400" dirty="0">
+              <a:latin typeface="Arial" panose="020B0604020202020204" pitchFamily="34" charset="0"/>
+              <a:cs typeface="Arial" panose="020B0604020202020204" pitchFamily="34" charset="0"/>
+            </a:endParaRPr>
           </a:p>
           <a:p>
             <a:pPr lvl="1"/>
-            <a:endParaRPr kumimoji="1" lang="ja-JP" altLang="en-US"/>
-          </a:p>
-        </p:txBody>
-      </p:sp>
-      <p:pic>
-        <p:nvPicPr>
-          <p:cNvPr id="5" name="図 4">
-            <a:extLst>
-              <a:ext uri="{FF2B5EF4-FFF2-40B4-BE49-F238E27FC236}">
-                <a16:creationId xmlns:a16="http://schemas.microsoft.com/office/drawing/2014/main" id="{0E7C20A8-611C-AA40-8BC0-87EBA2A6E6A8}"/>
-              </a:ext>
-            </a:extLst>
-          </p:cNvPr>
-          <p:cNvPicPr>
-            <a:picLocks noChangeAspect="1"/>
-          </p:cNvPicPr>
-          <p:nvPr/>
-        </p:nvPicPr>
-        <p:blipFill>
-          <a:blip r:embed="rId2"/>
-          <a:stretch>
-            <a:fillRect/>
-          </a:stretch>
-        </p:blipFill>
-        <p:spPr>
-          <a:xfrm>
-            <a:off x="6591490" y="3604412"/>
-            <a:ext cx="5332028" cy="2160000"/>
-          </a:xfrm>
-          <a:prstGeom prst="rect">
-            <a:avLst/>
-          </a:prstGeom>
-        </p:spPr>
-      </p:pic>
+            <a:endParaRPr lang="en-US" altLang="ja-JP" sz="2400" dirty="0">
+              <a:latin typeface="Arial" panose="020B0604020202020204" pitchFamily="34" charset="0"/>
+              <a:cs typeface="Arial" panose="020B0604020202020204" pitchFamily="34" charset="0"/>
+            </a:endParaRPr>
+          </a:p>
+          <a:p>
+            <a:pPr lvl="1"/>
+            <a:r>
+              <a:rPr lang="ja-JP" altLang="en-US" sz="2400">
+                <a:latin typeface="Arial" panose="020B0604020202020204" pitchFamily="34" charset="0"/>
+                <a:cs typeface="Arial" panose="020B0604020202020204" pitchFamily="34" charset="0"/>
+              </a:rPr>
+              <a:t>ネットワークの構造的頑健性，感染症伝搬の性質</a:t>
+            </a:r>
+            <a:endParaRPr lang="en-US" altLang="ja-JP" sz="2400" dirty="0">
+              <a:latin typeface="Arial" panose="020B0604020202020204" pitchFamily="34" charset="0"/>
+              <a:cs typeface="Arial" panose="020B0604020202020204" pitchFamily="34" charset="0"/>
+            </a:endParaRPr>
+          </a:p>
+          <a:p>
+            <a:pPr marL="457200" lvl="1" indent="0">
+              <a:buNone/>
+            </a:pPr>
+            <a:endParaRPr lang="en-US" altLang="ja-JP" sz="2400" dirty="0">
+              <a:latin typeface="Arial" panose="020B0604020202020204" pitchFamily="34" charset="0"/>
+              <a:cs typeface="Arial" panose="020B0604020202020204" pitchFamily="34" charset="0"/>
+            </a:endParaRPr>
+          </a:p>
+          <a:p>
+            <a:pPr lvl="1"/>
+            <a:r>
+              <a:rPr lang="ja-JP" altLang="en-US" sz="2400">
+                <a:latin typeface="Arial" panose="020B0604020202020204" pitchFamily="34" charset="0"/>
+                <a:cs typeface="Arial" panose="020B0604020202020204" pitchFamily="34" charset="0"/>
+              </a:rPr>
+              <a:t>実ネットワークの性質を模倣するモデルの構築</a:t>
+            </a:r>
+            <a:endParaRPr lang="en-US" altLang="ja-JP" sz="2400" dirty="0">
+              <a:latin typeface="Arial" panose="020B0604020202020204" pitchFamily="34" charset="0"/>
+              <a:cs typeface="Arial" panose="020B0604020202020204" pitchFamily="34" charset="0"/>
+            </a:endParaRPr>
+          </a:p>
+          <a:p>
+            <a:pPr lvl="1"/>
+            <a:endParaRPr lang="en-US" altLang="ja-JP" sz="2400" dirty="0">
+              <a:latin typeface="Arial" panose="020B0604020202020204" pitchFamily="34" charset="0"/>
+              <a:cs typeface="Arial" panose="020B0604020202020204" pitchFamily="34" charset="0"/>
+            </a:endParaRPr>
+          </a:p>
+          <a:p>
+            <a:pPr lvl="1"/>
+            <a:r>
+              <a:rPr lang="ja-JP" altLang="en-US" sz="2400">
+                <a:latin typeface="Arial" panose="020B0604020202020204" pitchFamily="34" charset="0"/>
+                <a:cs typeface="Arial" panose="020B0604020202020204" pitchFamily="34" charset="0"/>
+              </a:rPr>
+              <a:t>解析アルゴリズムの高度化</a:t>
+            </a:r>
+            <a:endParaRPr lang="en-US" altLang="ja-JP" sz="2400" dirty="0">
+              <a:latin typeface="Arial" panose="020B0604020202020204" pitchFamily="34" charset="0"/>
+              <a:cs typeface="Arial" panose="020B0604020202020204" pitchFamily="34" charset="0"/>
+            </a:endParaRPr>
+          </a:p>
+          <a:p>
+            <a:pPr marL="457200" lvl="1" indent="0">
+              <a:buNone/>
+            </a:pPr>
+            <a:endParaRPr lang="en-US" altLang="ja-JP" sz="2400" dirty="0">
+              <a:latin typeface="Arial" panose="020B0604020202020204" pitchFamily="34" charset="0"/>
+              <a:cs typeface="Arial" panose="020B0604020202020204" pitchFamily="34" charset="0"/>
+            </a:endParaRPr>
+          </a:p>
+        </p:txBody>
+      </p:sp>
     </p:spTree>
     <p:extLst>
       <p:ext uri="{BB962C8B-B14F-4D97-AF65-F5344CB8AC3E}">
-        <p14:creationId xmlns:p14="http://schemas.microsoft.com/office/powerpoint/2010/main" val="2558019680"/>
+        <p14:creationId xmlns:p14="http://schemas.microsoft.com/office/powerpoint/2010/main" val="2425238025"/>
       </p:ext>
     </p:extLst>
   </p:cSld>
@@ -10516,7 +10611,7 @@
           <p:cNvPr id="2" name="タイトル 1">
             <a:extLst>
               <a:ext uri="{FF2B5EF4-FFF2-40B4-BE49-F238E27FC236}">
-                <a16:creationId xmlns:a16="http://schemas.microsoft.com/office/drawing/2014/main" id="{C85B8FC2-CA9A-FC4A-92D0-0E2D2C70BD14}"/>
+                <a16:creationId xmlns:a16="http://schemas.microsoft.com/office/drawing/2014/main" id="{6F145A6C-C47C-BA46-B6F9-30C6E77E6E92}"/>
               </a:ext>
             </a:extLst>
           </p:cNvPr>
@@ -10534,7 +10629,7 @@
           <a:p>
             <a:r>
               <a:rPr kumimoji="1" lang="ja-JP" altLang="en-US"/>
-              <a:t>複雑ネットワーク</a:t>
+              <a:t>ソーシャルネットワーク解析</a:t>
             </a:r>
           </a:p>
         </p:txBody>
@@ -10544,7 +10639,7 @@
           <p:cNvPr id="3" name="コンテンツ プレースホルダー 2">
             <a:extLst>
               <a:ext uri="{FF2B5EF4-FFF2-40B4-BE49-F238E27FC236}">
-                <a16:creationId xmlns:a16="http://schemas.microsoft.com/office/drawing/2014/main" id="{2158F920-7719-B74C-A017-8A8ACE4BFE1D}"/>
+                <a16:creationId xmlns:a16="http://schemas.microsoft.com/office/drawing/2014/main" id="{47B0A7C3-9738-6B4C-B3AC-F5A1C6D13C5C}"/>
               </a:ext>
             </a:extLst>
           </p:cNvPr>
@@ -10557,14 +10652,16 @@
         </p:nvSpPr>
         <p:spPr/>
         <p:txBody>
-          <a:bodyPr/>
+          <a:bodyPr>
+            <a:normAutofit lnSpcReduction="10000"/>
+          </a:bodyPr>
           <a:lstStyle/>
           <a:p>
             <a:r>
-              <a:rPr kumimoji="1" lang="ja-JP" altLang="en-US"/>
-              <a:t>世の中の様々なネットワークの解析研究</a:t>
-            </a:r>
-            <a:endParaRPr kumimoji="1" lang="en-US" altLang="ja-JP" dirty="0"/>
+              <a:rPr lang="ja-JP" altLang="en-US"/>
+              <a:t>ソーシャルネットワークの高度な解析は依然として課題だった．</a:t>
+            </a:r>
+            <a:endParaRPr lang="en-US" altLang="ja-JP" dirty="0"/>
           </a:p>
           <a:p>
             <a:pPr lvl="1"/>
@@ -10573,104 +10670,142 @@
           <a:p>
             <a:pPr lvl="1"/>
             <a:r>
-              <a:rPr lang="en-US" altLang="ja-JP" sz="2400" dirty="0">
+              <a:rPr lang="ja-JP" altLang="en-US" sz="2400"/>
+              <a:t>人間同士の繋がりや行動に潜む社会的構造の解明が目的．</a:t>
+            </a:r>
+            <a:endParaRPr lang="en-US" altLang="ja-JP" sz="2400" dirty="0"/>
+          </a:p>
+          <a:p>
+            <a:pPr marL="457200" lvl="1" indent="0">
+              <a:buNone/>
+            </a:pPr>
+            <a:endParaRPr lang="en-US" altLang="ja-JP" sz="2400" dirty="0"/>
+          </a:p>
+          <a:p>
+            <a:pPr lvl="1"/>
+            <a:r>
+              <a:rPr lang="ja-JP" altLang="en-US" sz="2400"/>
+              <a:t>せいぜい数百から数千程度の実データに対する解析に限られていた．</a:t>
+            </a:r>
+            <a:endParaRPr lang="en-US" altLang="ja-JP" sz="2400" dirty="0"/>
+          </a:p>
+          <a:p>
+            <a:pPr marL="457200" lvl="1" indent="0">
+              <a:buNone/>
+            </a:pPr>
+            <a:endParaRPr kumimoji="1" lang="en-US" altLang="ja-JP" sz="2400" dirty="0"/>
+          </a:p>
+          <a:p>
+            <a:r>
+              <a:rPr lang="ja-JP" altLang="en-US"/>
+              <a:t>オンラインソーシャルネットワークの出現により大規模な解析が可能に．</a:t>
+            </a:r>
+            <a:endParaRPr lang="en-US" altLang="ja-JP" dirty="0"/>
+          </a:p>
+          <a:p>
+            <a:pPr lvl="1"/>
+            <a:endParaRPr kumimoji="1" lang="en-US" altLang="ja-JP" dirty="0"/>
+          </a:p>
+          <a:p>
+            <a:pPr lvl="1"/>
+            <a:r>
+              <a:rPr kumimoji="1" lang="ja-JP" altLang="en-US" sz="2400"/>
+              <a:t>隣接関係の明確化</a:t>
+            </a:r>
+            <a:r>
+              <a:rPr kumimoji="1" lang="en-US" altLang="ja-JP" sz="2400" dirty="0"/>
+              <a:t> (</a:t>
+            </a:r>
+            <a:r>
+              <a:rPr kumimoji="1" lang="ja-JP" altLang="en-US" sz="2400"/>
+              <a:t>友人，フォロー，フォロワー</a:t>
+            </a:r>
+            <a:r>
+              <a:rPr kumimoji="1" lang="en-US" altLang="ja-JP" sz="2400" dirty="0"/>
+              <a:t>)</a:t>
+            </a:r>
+            <a:r>
+              <a:rPr kumimoji="1" lang="ja-JP" altLang="en-US" sz="2400"/>
+              <a:t>．</a:t>
+            </a:r>
+            <a:endParaRPr kumimoji="1" lang="en-US" altLang="ja-JP" sz="2400" dirty="0"/>
+          </a:p>
+          <a:p>
+            <a:pPr lvl="1"/>
+            <a:endParaRPr lang="en-US" altLang="ja-JP" sz="2400" dirty="0"/>
+          </a:p>
+          <a:p>
+            <a:pPr lvl="1"/>
+            <a:r>
+              <a:rPr kumimoji="1" lang="ja-JP" altLang="en-US" sz="2400"/>
+              <a:t>数千万，数億を超える膨大なグラフデータ</a:t>
+            </a:r>
+            <a:r>
+              <a:rPr kumimoji="1" lang="en-US" altLang="ja-JP" sz="2400" dirty="0"/>
+              <a:t> (</a:t>
+            </a:r>
+            <a:r>
+              <a:rPr kumimoji="1" lang="ja-JP" altLang="en-US" sz="2400">
                 <a:latin typeface="Arial" panose="020B0604020202020204" pitchFamily="34" charset="0"/>
                 <a:cs typeface="Arial" panose="020B0604020202020204" pitchFamily="34" charset="0"/>
               </a:rPr>
-              <a:t>Web</a:t>
-            </a:r>
-            <a:r>
-              <a:rPr lang="ja-JP" altLang="en-US" sz="2400">
+              <a:t>現在</a:t>
+            </a:r>
+            <a:r>
+              <a:rPr kumimoji="1" lang="en-US" altLang="ja-JP" sz="2400" dirty="0">
                 <a:latin typeface="Arial" panose="020B0604020202020204" pitchFamily="34" charset="0"/>
                 <a:cs typeface="Arial" panose="020B0604020202020204" pitchFamily="34" charset="0"/>
               </a:rPr>
-              <a:t>グラフ，食物連鎖ネットワーク，コンピュータネットワーク，神経ネットワーク，．．．</a:t>
-            </a:r>
-            <a:endParaRPr lang="en-US" altLang="ja-JP" sz="2400" dirty="0">
-              <a:latin typeface="Arial" panose="020B0604020202020204" pitchFamily="34" charset="0"/>
-              <a:cs typeface="Arial" panose="020B0604020202020204" pitchFamily="34" charset="0"/>
-            </a:endParaRPr>
-          </a:p>
-          <a:p>
-            <a:pPr lvl="1"/>
-            <a:endParaRPr lang="en-US" altLang="ja-JP" sz="2400" dirty="0">
-              <a:latin typeface="Arial" panose="020B0604020202020204" pitchFamily="34" charset="0"/>
-              <a:cs typeface="Arial" panose="020B0604020202020204" pitchFamily="34" charset="0"/>
-            </a:endParaRPr>
-          </a:p>
-          <a:p>
-            <a:pPr lvl="1"/>
-            <a:r>
-              <a:rPr lang="ja-JP" altLang="en-US" sz="2400">
+              <a:t>Facebook</a:t>
+            </a:r>
+            <a:r>
+              <a:rPr kumimoji="1" lang="ja-JP" altLang="en-US" sz="2400">
                 <a:latin typeface="Arial" panose="020B0604020202020204" pitchFamily="34" charset="0"/>
                 <a:cs typeface="Arial" panose="020B0604020202020204" pitchFamily="34" charset="0"/>
               </a:rPr>
-              <a:t>ネットワークの構造的頑健性，感染症伝搬の性質の解明</a:t>
-            </a:r>
-            <a:endParaRPr lang="en-US" altLang="ja-JP" sz="2400" dirty="0">
-              <a:latin typeface="Arial" panose="020B0604020202020204" pitchFamily="34" charset="0"/>
-              <a:cs typeface="Arial" panose="020B0604020202020204" pitchFamily="34" charset="0"/>
-            </a:endParaRPr>
-          </a:p>
-          <a:p>
-            <a:pPr marL="457200" lvl="1" indent="0">
-              <a:buNone/>
-            </a:pPr>
-            <a:endParaRPr lang="en-US" altLang="ja-JP" sz="2400" dirty="0">
-              <a:latin typeface="Arial" panose="020B0604020202020204" pitchFamily="34" charset="0"/>
-              <a:cs typeface="Arial" panose="020B0604020202020204" pitchFamily="34" charset="0"/>
-            </a:endParaRPr>
-          </a:p>
-          <a:p>
-            <a:pPr lvl="1"/>
-            <a:r>
-              <a:rPr lang="ja-JP" altLang="en-US" sz="2400">
+              <a:t>は約</a:t>
+            </a:r>
+            <a:r>
+              <a:rPr kumimoji="1" lang="en-US" altLang="ja-JP" sz="2400" dirty="0">
                 <a:latin typeface="Arial" panose="020B0604020202020204" pitchFamily="34" charset="0"/>
                 <a:cs typeface="Arial" panose="020B0604020202020204" pitchFamily="34" charset="0"/>
               </a:rPr>
-              <a:t>実ネットワークの性質を模倣するモデルの構築</a:t>
-            </a:r>
-            <a:endParaRPr lang="en-US" altLang="ja-JP" sz="2400" dirty="0">
-              <a:latin typeface="Arial" panose="020B0604020202020204" pitchFamily="34" charset="0"/>
-              <a:cs typeface="Arial" panose="020B0604020202020204" pitchFamily="34" charset="0"/>
-            </a:endParaRPr>
-          </a:p>
-          <a:p>
-            <a:pPr lvl="1"/>
-            <a:endParaRPr lang="en-US" altLang="ja-JP" sz="2400" dirty="0">
-              <a:latin typeface="Arial" panose="020B0604020202020204" pitchFamily="34" charset="0"/>
-              <a:cs typeface="Arial" panose="020B0604020202020204" pitchFamily="34" charset="0"/>
-            </a:endParaRPr>
-          </a:p>
-          <a:p>
-            <a:pPr lvl="1"/>
-            <a:r>
-              <a:rPr lang="ja-JP" altLang="en-US" sz="2400">
+              <a:t>23</a:t>
+            </a:r>
+            <a:r>
+              <a:rPr kumimoji="1" lang="ja-JP" altLang="en-US" sz="2400">
                 <a:latin typeface="Arial" panose="020B0604020202020204" pitchFamily="34" charset="0"/>
                 <a:cs typeface="Arial" panose="020B0604020202020204" pitchFamily="34" charset="0"/>
               </a:rPr>
-              <a:t>解析アルゴリズムの高度化</a:t>
-            </a:r>
-            <a:endParaRPr lang="en-US" altLang="ja-JP" sz="2400" dirty="0">
-              <a:latin typeface="Arial" panose="020B0604020202020204" pitchFamily="34" charset="0"/>
-              <a:cs typeface="Arial" panose="020B0604020202020204" pitchFamily="34" charset="0"/>
-            </a:endParaRPr>
-          </a:p>
-          <a:p>
-            <a:pPr marL="457200" lvl="1" indent="0">
-              <a:buNone/>
-            </a:pPr>
-            <a:endParaRPr lang="en-US" altLang="ja-JP" sz="2400" dirty="0">
-              <a:latin typeface="Arial" panose="020B0604020202020204" pitchFamily="34" charset="0"/>
-              <a:cs typeface="Arial" panose="020B0604020202020204" pitchFamily="34" charset="0"/>
-            </a:endParaRPr>
+              <a:t>億ユーザ</a:t>
+            </a:r>
+            <a:r>
+              <a:rPr kumimoji="1" lang="en-US" altLang="ja-JP" sz="2400" dirty="0"/>
+              <a:t>)</a:t>
+            </a:r>
+            <a:r>
+              <a:rPr kumimoji="1" lang="ja-JP" altLang="en-US" sz="2400"/>
+              <a:t>．</a:t>
+            </a:r>
+            <a:endParaRPr kumimoji="1" lang="en-US" altLang="ja-JP" sz="2400" dirty="0"/>
+          </a:p>
+          <a:p>
+            <a:pPr lvl="1"/>
+            <a:endParaRPr lang="en-US" altLang="ja-JP" sz="2400" dirty="0"/>
+          </a:p>
+          <a:p>
+            <a:pPr lvl="1"/>
+            <a:r>
+              <a:rPr kumimoji="1" lang="ja-JP" altLang="en-US" sz="2400"/>
+              <a:t>グラフデータは手の届くインターネット上にある．</a:t>
+            </a:r>
           </a:p>
         </p:txBody>
       </p:sp>
     </p:spTree>
     <p:extLst>
       <p:ext uri="{BB962C8B-B14F-4D97-AF65-F5344CB8AC3E}">
-        <p14:creationId xmlns:p14="http://schemas.microsoft.com/office/powerpoint/2010/main" val="2425238025"/>
+        <p14:creationId xmlns:p14="http://schemas.microsoft.com/office/powerpoint/2010/main" val="3345389469"/>
       </p:ext>
     </p:extLst>
   </p:cSld>
@@ -10702,7 +10837,7 @@
           <p:cNvPr id="2" name="タイトル 1">
             <a:extLst>
               <a:ext uri="{FF2B5EF4-FFF2-40B4-BE49-F238E27FC236}">
-                <a16:creationId xmlns:a16="http://schemas.microsoft.com/office/drawing/2014/main" id="{6F145A6C-C47C-BA46-B6F9-30C6E77E6E92}"/>
+                <a16:creationId xmlns:a16="http://schemas.microsoft.com/office/drawing/2014/main" id="{62E3B959-5C59-8844-BDD3-D9DB64BE1E97}"/>
               </a:ext>
             </a:extLst>
           </p:cNvPr>
@@ -10720,7 +10855,7 @@
           <a:p>
             <a:r>
               <a:rPr kumimoji="1" lang="ja-JP" altLang="en-US"/>
-              <a:t>ソーシャルネットワーク解析</a:t>
+              <a:t>グラフサンプリング</a:t>
             </a:r>
           </a:p>
         </p:txBody>
@@ -10730,7 +10865,7 @@
           <p:cNvPr id="3" name="コンテンツ プレースホルダー 2">
             <a:extLst>
               <a:ext uri="{FF2B5EF4-FFF2-40B4-BE49-F238E27FC236}">
-                <a16:creationId xmlns:a16="http://schemas.microsoft.com/office/drawing/2014/main" id="{47B0A7C3-9738-6B4C-B3AC-F5A1C6D13C5C}"/>
+                <a16:creationId xmlns:a16="http://schemas.microsoft.com/office/drawing/2014/main" id="{AF0E8796-7E01-BD4B-8E6C-770492810999}"/>
               </a:ext>
             </a:extLst>
           </p:cNvPr>
@@ -10743,14 +10878,12 @@
         </p:nvSpPr>
         <p:spPr/>
         <p:txBody>
-          <a:bodyPr>
-            <a:normAutofit lnSpcReduction="10000"/>
-          </a:bodyPr>
+          <a:bodyPr/>
           <a:lstStyle/>
           <a:p>
             <a:r>
-              <a:rPr lang="ja-JP" altLang="en-US"/>
-              <a:t>ソーシャルネットワークの高度な解析は依然として課題だった．</a:t>
+              <a:rPr kumimoji="1" lang="ja-JP" altLang="en-US"/>
+              <a:t>様々なオンラインソーシャルネットワークの構造解析</a:t>
             </a:r>
             <a:endParaRPr lang="en-US" altLang="ja-JP" dirty="0"/>
           </a:p>
@@ -10761,79 +10894,157 @@
           <a:p>
             <a:pPr lvl="1"/>
             <a:r>
-              <a:rPr lang="ja-JP" altLang="en-US" sz="2400"/>
-              <a:t>人間同士の繋がりや行動に潜む社会的構造の解明が目的．</a:t>
-            </a:r>
-            <a:endParaRPr lang="en-US" altLang="ja-JP" sz="2400" dirty="0"/>
-          </a:p>
-          <a:p>
-            <a:pPr marL="457200" lvl="1" indent="0">
+              <a:rPr lang="en-US" altLang="ja-JP" sz="2400" dirty="0" err="1">
+                <a:latin typeface="Arial" panose="020B0604020202020204" pitchFamily="34" charset="0"/>
+                <a:cs typeface="Arial" panose="020B0604020202020204" pitchFamily="34" charset="0"/>
+              </a:rPr>
+              <a:t>Cyworld</a:t>
+            </a:r>
+            <a:r>
+              <a:rPr lang="en-US" altLang="ja-JP" sz="2400" dirty="0">
+                <a:latin typeface="Arial" panose="020B0604020202020204" pitchFamily="34" charset="0"/>
+                <a:cs typeface="Arial" panose="020B0604020202020204" pitchFamily="34" charset="0"/>
+              </a:rPr>
+              <a:t>, Myspace, Orkut, LiveJournal, Yahoo! 360, Facebook, Twitter, …</a:t>
+            </a:r>
+          </a:p>
+          <a:p>
+            <a:pPr lvl="1"/>
+            <a:endParaRPr lang="en-US" altLang="ja-JP" sz="2400" dirty="0">
+              <a:latin typeface="Arial" panose="020B0604020202020204" pitchFamily="34" charset="0"/>
+              <a:cs typeface="Arial" panose="020B0604020202020204" pitchFamily="34" charset="0"/>
+            </a:endParaRPr>
+          </a:p>
+          <a:p>
+            <a:pPr lvl="1"/>
+            <a:r>
+              <a:rPr lang="ja-JP" altLang="en-US" sz="2400">
+                <a:latin typeface="Arial" panose="020B0604020202020204" pitchFamily="34" charset="0"/>
+                <a:cs typeface="Arial" panose="020B0604020202020204" pitchFamily="34" charset="0"/>
+              </a:rPr>
+              <a:t>先人の主張の答え合わせや新しい構造的特徴の発見．</a:t>
+            </a:r>
+            <a:endParaRPr lang="en-US" altLang="ja-JP" sz="2400" dirty="0">
+              <a:latin typeface="Arial" panose="020B0604020202020204" pitchFamily="34" charset="0"/>
+              <a:cs typeface="Arial" panose="020B0604020202020204" pitchFamily="34" charset="0"/>
+            </a:endParaRPr>
+          </a:p>
+          <a:p>
+            <a:pPr lvl="1"/>
+            <a:endParaRPr lang="en-US" altLang="ja-JP" sz="2400" dirty="0">
+              <a:latin typeface="Arial" panose="020B0604020202020204" pitchFamily="34" charset="0"/>
+              <a:cs typeface="Arial" panose="020B0604020202020204" pitchFamily="34" charset="0"/>
+            </a:endParaRPr>
+          </a:p>
+          <a:p>
+            <a:r>
+              <a:rPr lang="ja-JP" altLang="en-US">
+                <a:latin typeface="Arial" panose="020B0604020202020204" pitchFamily="34" charset="0"/>
+                <a:cs typeface="Arial" panose="020B0604020202020204" pitchFamily="34" charset="0"/>
+              </a:rPr>
+              <a:t>一般的で有効な解析手法</a:t>
+            </a:r>
+            <a:r>
+              <a:rPr lang="en-US" altLang="ja-JP" dirty="0">
+                <a:latin typeface="Arial" panose="020B0604020202020204" pitchFamily="34" charset="0"/>
+                <a:cs typeface="Arial" panose="020B0604020202020204" pitchFamily="34" charset="0"/>
+              </a:rPr>
+              <a:t> </a:t>
+            </a:r>
+            <a:r>
+              <a:rPr lang="ja-JP" altLang="en-US">
+                <a:latin typeface="Arial" panose="020B0604020202020204" pitchFamily="34" charset="0"/>
+                <a:cs typeface="Arial" panose="020B0604020202020204" pitchFamily="34" charset="0"/>
+              </a:rPr>
+              <a:t>→</a:t>
+            </a:r>
+            <a:r>
+              <a:rPr lang="en-US" altLang="ja-JP" dirty="0">
+                <a:latin typeface="Arial" panose="020B0604020202020204" pitchFamily="34" charset="0"/>
+                <a:cs typeface="Arial" panose="020B0604020202020204" pitchFamily="34" charset="0"/>
+              </a:rPr>
+              <a:t> </a:t>
+            </a:r>
+            <a:r>
+              <a:rPr lang="ja-JP" altLang="en-US" b="1" u="sng">
+                <a:latin typeface="Arial" panose="020B0604020202020204" pitchFamily="34" charset="0"/>
+                <a:cs typeface="Arial" panose="020B0604020202020204" pitchFamily="34" charset="0"/>
+              </a:rPr>
+              <a:t>グラフサンプリング</a:t>
+            </a:r>
+            <a:endParaRPr lang="en-US" altLang="ja-JP" b="1" u="sng" dirty="0">
+              <a:latin typeface="Arial" panose="020B0604020202020204" pitchFamily="34" charset="0"/>
+              <a:cs typeface="Arial" panose="020B0604020202020204" pitchFamily="34" charset="0"/>
+            </a:endParaRPr>
+          </a:p>
+          <a:p>
+            <a:pPr lvl="2"/>
+            <a:endParaRPr lang="en-US" altLang="ja-JP" sz="2000" b="1" u="sng" dirty="0">
+              <a:latin typeface="Arial" panose="020B0604020202020204" pitchFamily="34" charset="0"/>
+              <a:cs typeface="Arial" panose="020B0604020202020204" pitchFamily="34" charset="0"/>
+            </a:endParaRPr>
+          </a:p>
+          <a:p>
+            <a:pPr lvl="2"/>
+            <a:r>
+              <a:rPr lang="ja-JP" altLang="en-US" sz="2400">
+                <a:latin typeface="Arial" panose="020B0604020202020204" pitchFamily="34" charset="0"/>
+                <a:cs typeface="Arial" panose="020B0604020202020204" pitchFamily="34" charset="0"/>
+              </a:rPr>
+              <a:t>全データを取ってきて厳密に解析することはほぼ不可能．</a:t>
+            </a:r>
+            <a:endParaRPr lang="en-US" altLang="ja-JP" sz="2400" dirty="0">
+              <a:latin typeface="Arial" panose="020B0604020202020204" pitchFamily="34" charset="0"/>
+              <a:cs typeface="Arial" panose="020B0604020202020204" pitchFamily="34" charset="0"/>
+            </a:endParaRPr>
+          </a:p>
+          <a:p>
+            <a:pPr marL="1371600" lvl="3" indent="0">
               <a:buNone/>
             </a:pPr>
-            <a:endParaRPr lang="en-US" altLang="ja-JP" sz="2400" dirty="0"/>
+            <a:endParaRPr lang="en-US" altLang="ja-JP" sz="2000" dirty="0">
+              <a:latin typeface="Arial" panose="020B0604020202020204" pitchFamily="34" charset="0"/>
+              <a:cs typeface="Arial" panose="020B0604020202020204" pitchFamily="34" charset="0"/>
+            </a:endParaRPr>
+          </a:p>
+          <a:p>
+            <a:pPr lvl="2"/>
+            <a:r>
+              <a:rPr lang="ja-JP" altLang="en-US" sz="2400" u="sng">
+                <a:latin typeface="Arial" panose="020B0604020202020204" pitchFamily="34" charset="0"/>
+                <a:cs typeface="Arial" panose="020B0604020202020204" pitchFamily="34" charset="0"/>
+              </a:rPr>
+              <a:t>一部のグラフデータをサンプリングして，サンプルから全体の統計量を推定する．</a:t>
+            </a:r>
+            <a:endParaRPr lang="en-US" altLang="ja-JP" sz="2400" u="sng" dirty="0">
+              <a:latin typeface="Arial" panose="020B0604020202020204" pitchFamily="34" charset="0"/>
+              <a:cs typeface="Arial" panose="020B0604020202020204" pitchFamily="34" charset="0"/>
+            </a:endParaRPr>
           </a:p>
           <a:p>
             <a:pPr lvl="1"/>
-            <a:r>
-              <a:rPr lang="ja-JP" altLang="en-US" sz="2400"/>
-              <a:t>しかし，せいぜい数百から数千程度の実データに対する解析に限られていた．</a:t>
-            </a:r>
-            <a:endParaRPr lang="en-US" altLang="ja-JP" sz="2400" dirty="0"/>
-          </a:p>
-          <a:p>
-            <a:pPr marL="457200" lvl="1" indent="0">
-              <a:buNone/>
-            </a:pPr>
-            <a:endParaRPr kumimoji="1" lang="en-US" altLang="ja-JP" sz="2400" dirty="0"/>
-          </a:p>
-          <a:p>
-            <a:r>
-              <a:rPr lang="ja-JP" altLang="en-US"/>
-              <a:t>オンラインソーシャルネットワークの出現により大規模な解析が可能に．</a:t>
-            </a:r>
-            <a:endParaRPr lang="en-US" altLang="ja-JP" dirty="0"/>
+            <a:endParaRPr lang="en-US" altLang="ja-JP" sz="2400" dirty="0">
+              <a:latin typeface="Arial" panose="020B0604020202020204" pitchFamily="34" charset="0"/>
+              <a:cs typeface="Arial" panose="020B0604020202020204" pitchFamily="34" charset="0"/>
+            </a:endParaRPr>
           </a:p>
           <a:p>
             <a:pPr lvl="1"/>
-            <a:endParaRPr kumimoji="1" lang="en-US" altLang="ja-JP" dirty="0"/>
+            <a:endParaRPr lang="en-US" altLang="ja-JP" sz="2400" dirty="0">
+              <a:latin typeface="Arial" panose="020B0604020202020204" pitchFamily="34" charset="0"/>
+              <a:cs typeface="Arial" panose="020B0604020202020204" pitchFamily="34" charset="0"/>
+            </a:endParaRPr>
           </a:p>
           <a:p>
             <a:pPr lvl="1"/>
-            <a:r>
-              <a:rPr kumimoji="1" lang="ja-JP" altLang="en-US" sz="2400"/>
-              <a:t>隣接関係の明確化．</a:t>
-            </a:r>
-            <a:endParaRPr kumimoji="1" lang="en-US" altLang="ja-JP" sz="2400" dirty="0"/>
-          </a:p>
-          <a:p>
-            <a:pPr lvl="1"/>
-            <a:endParaRPr lang="en-US" altLang="ja-JP" sz="2400" dirty="0"/>
-          </a:p>
-          <a:p>
-            <a:pPr lvl="1"/>
-            <a:r>
-              <a:rPr kumimoji="1" lang="ja-JP" altLang="en-US" sz="2400"/>
-              <a:t>数千万，数億を超える膨大なグラフデータ．</a:t>
-            </a:r>
-            <a:endParaRPr kumimoji="1" lang="en-US" altLang="ja-JP" sz="2400" dirty="0"/>
-          </a:p>
-          <a:p>
-            <a:pPr lvl="1"/>
-            <a:endParaRPr lang="en-US" altLang="ja-JP" sz="2400" dirty="0"/>
-          </a:p>
-          <a:p>
-            <a:pPr lvl="1"/>
-            <a:r>
-              <a:rPr kumimoji="1" lang="ja-JP" altLang="en-US" sz="2400"/>
-              <a:t>データはインターネット上にある．</a:t>
-            </a:r>
+            <a:endParaRPr kumimoji="1" lang="ja-JP" altLang="en-US"/>
           </a:p>
         </p:txBody>
       </p:sp>
     </p:spTree>
     <p:extLst>
       <p:ext uri="{BB962C8B-B14F-4D97-AF65-F5344CB8AC3E}">
-        <p14:creationId xmlns:p14="http://schemas.microsoft.com/office/powerpoint/2010/main" val="3345389469"/>
+        <p14:creationId xmlns:p14="http://schemas.microsoft.com/office/powerpoint/2010/main" val="763506831"/>
       </p:ext>
     </p:extLst>
   </p:cSld>

--- a/第1回スライド.pptx
+++ b/第1回スライド.pptx
@@ -209,7 +209,7 @@
           <a:p>
             <a:fld id="{8F62E6B5-809A-E34D-B228-7E10B9ECFF85}" type="datetimeFigureOut">
               <a:rPr kumimoji="1" lang="ja-JP" altLang="en-US" smtClean="0"/>
-              <a:t>2019/11/11</a:t>
+              <a:t>2019/11/12</a:t>
             </a:fld>
             <a:endParaRPr kumimoji="1" lang="ja-JP" altLang="en-US"/>
           </a:p>
@@ -653,7 +653,7 @@
           <a:p>
             <a:fld id="{48A87A34-81AB-432B-8DAE-1953F412C126}" type="datetimeFigureOut">
               <a:rPr lang="en-US" smtClean="0"/>
-              <a:t>11/11/19</a:t>
+              <a:t>11/12/19</a:t>
             </a:fld>
             <a:endParaRPr lang="en-US" dirty="0"/>
           </a:p>
@@ -957,7 +957,7 @@
           <a:p>
             <a:fld id="{48A87A34-81AB-432B-8DAE-1953F412C126}" type="datetimeFigureOut">
               <a:rPr lang="en-US" smtClean="0"/>
-              <a:t>11/11/19</a:t>
+              <a:t>11/12/19</a:t>
             </a:fld>
             <a:endParaRPr lang="en-US" dirty="0"/>
           </a:p>
@@ -1226,7 +1226,7 @@
             <a:fld id="{48A87A34-81AB-432B-8DAE-1953F412C126}" type="datetimeFigureOut">
               <a:rPr lang="en-US" smtClean="0"/>
               <a:pPr/>
-              <a:t>11/11/19</a:t>
+              <a:t>11/12/19</a:t>
             </a:fld>
             <a:endParaRPr lang="en-US" dirty="0"/>
           </a:p>
@@ -1611,7 +1611,7 @@
             <a:fld id="{48A87A34-81AB-432B-8DAE-1953F412C126}" type="datetimeFigureOut">
               <a:rPr lang="en-US" smtClean="0"/>
               <a:pPr/>
-              <a:t>11/11/19</a:t>
+              <a:t>11/12/19</a:t>
             </a:fld>
             <a:endParaRPr lang="en-US" dirty="0"/>
           </a:p>
@@ -2122,7 +2122,7 @@
             <a:fld id="{48A87A34-81AB-432B-8DAE-1953F412C126}" type="datetimeFigureOut">
               <a:rPr lang="en-US" smtClean="0"/>
               <a:pPr/>
-              <a:t>11/11/19</a:t>
+              <a:t>11/12/19</a:t>
             </a:fld>
             <a:endParaRPr lang="en-US" dirty="0"/>
           </a:p>
@@ -2891,7 +2891,7 @@
           <a:p>
             <a:fld id="{48A87A34-81AB-432B-8DAE-1953F412C126}" type="datetimeFigureOut">
               <a:rPr lang="en-US" smtClean="0"/>
-              <a:t>11/11/19</a:t>
+              <a:t>11/12/19</a:t>
             </a:fld>
             <a:endParaRPr lang="en-US" dirty="0"/>
           </a:p>
@@ -3887,7 +3887,7 @@
           <a:p>
             <a:fld id="{48A87A34-81AB-432B-8DAE-1953F412C126}" type="datetimeFigureOut">
               <a:rPr lang="en-US" smtClean="0"/>
-              <a:t>11/11/19</a:t>
+              <a:t>11/12/19</a:t>
             </a:fld>
             <a:endParaRPr lang="en-US" dirty="0"/>
           </a:p>
@@ -4070,7 +4070,7 @@
           <a:p>
             <a:fld id="{48A87A34-81AB-432B-8DAE-1953F412C126}" type="datetimeFigureOut">
               <a:rPr lang="en-US" smtClean="0"/>
-              <a:t>11/11/19</a:t>
+              <a:t>11/12/19</a:t>
             </a:fld>
             <a:endParaRPr lang="en-US" dirty="0"/>
           </a:p>
@@ -4302,7 +4302,7 @@
             <a:fld id="{48A87A34-81AB-432B-8DAE-1953F412C126}" type="datetimeFigureOut">
               <a:rPr lang="en-US" smtClean="0"/>
               <a:pPr/>
-              <a:t>11/11/19</a:t>
+              <a:t>11/12/19</a:t>
             </a:fld>
             <a:endParaRPr lang="en-US" dirty="0"/>
           </a:p>
@@ -4806,7 +4806,7 @@
             <a:fld id="{48A87A34-81AB-432B-8DAE-1953F412C126}" type="datetimeFigureOut">
               <a:rPr lang="en-US" smtClean="0"/>
               <a:pPr/>
-              <a:t>11/11/19</a:t>
+              <a:t>11/12/19</a:t>
             </a:fld>
             <a:endParaRPr lang="en-US" dirty="0"/>
           </a:p>
@@ -5064,7 +5064,7 @@
           <a:p>
             <a:fld id="{48A87A34-81AB-432B-8DAE-1953F412C126}" type="datetimeFigureOut">
               <a:rPr lang="en-US" smtClean="0"/>
-              <a:t>11/11/19</a:t>
+              <a:t>11/12/19</a:t>
             </a:fld>
             <a:endParaRPr lang="en-US" dirty="0"/>
           </a:p>
@@ -5533,7 +5533,7 @@
           <a:p>
             <a:fld id="{48A87A34-81AB-432B-8DAE-1953F412C126}" type="datetimeFigureOut">
               <a:rPr lang="en-US" smtClean="0"/>
-              <a:t>11/11/19</a:t>
+              <a:t>11/12/19</a:t>
             </a:fld>
             <a:endParaRPr lang="en-US" dirty="0"/>
           </a:p>
@@ -5651,7 +5651,7 @@
           <a:p>
             <a:fld id="{48A87A34-81AB-432B-8DAE-1953F412C126}" type="datetimeFigureOut">
               <a:rPr lang="en-US" smtClean="0"/>
-              <a:t>11/11/19</a:t>
+              <a:t>11/12/19</a:t>
             </a:fld>
             <a:endParaRPr lang="en-US" dirty="0"/>
           </a:p>
@@ -5746,7 +5746,7 @@
           <a:p>
             <a:fld id="{48A87A34-81AB-432B-8DAE-1953F412C126}" type="datetimeFigureOut">
               <a:rPr lang="en-US" smtClean="0"/>
-              <a:t>11/11/19</a:t>
+              <a:t>11/12/19</a:t>
             </a:fld>
             <a:endParaRPr lang="en-US" dirty="0"/>
           </a:p>
@@ -6040,7 +6040,7 @@
           <a:p>
             <a:fld id="{48A87A34-81AB-432B-8DAE-1953F412C126}" type="datetimeFigureOut">
               <a:rPr lang="en-US" smtClean="0"/>
-              <a:t>11/11/19</a:t>
+              <a:t>11/12/19</a:t>
             </a:fld>
             <a:endParaRPr lang="en-US" dirty="0"/>
           </a:p>
@@ -6334,7 +6334,7 @@
           <a:p>
             <a:fld id="{48A87A34-81AB-432B-8DAE-1953F412C126}" type="datetimeFigureOut">
               <a:rPr lang="en-US" smtClean="0"/>
-              <a:t>11/11/19</a:t>
+              <a:t>11/12/19</a:t>
             </a:fld>
             <a:endParaRPr lang="en-US" dirty="0"/>
           </a:p>
@@ -6586,7 +6586,7 @@
             <a:fld id="{48A87A34-81AB-432B-8DAE-1953F412C126}" type="datetimeFigureOut">
               <a:rPr lang="en-US" smtClean="0"/>
               <a:pPr/>
-              <a:t>11/11/19</a:t>
+              <a:t>11/12/19</a:t>
             </a:fld>
             <a:endParaRPr lang="en-US" dirty="0"/>
           </a:p>
@@ -8002,9 +8002,9 @@
             <a:endParaRPr kumimoji="1" lang="en-US" altLang="ja-JP" dirty="0"/>
           </a:p>
           <a:p>
-            <a:pPr lvl="1"/>
-            <a:r>
-              <a:rPr lang="en-US" altLang="ja-JP" sz="2400" dirty="0">
+            <a:pPr lvl="2"/>
+            <a:r>
+              <a:rPr lang="en-US" altLang="ja-JP" sz="2200" dirty="0">
                 <a:latin typeface="Arial" panose="020B0604020202020204" pitchFamily="34" charset="0"/>
                 <a:cs typeface="Arial" panose="020B0604020202020204" pitchFamily="34" charset="0"/>
               </a:rPr>
@@ -8094,7 +8094,15 @@
             </a:pPr>
             <a:r>
               <a:rPr lang="ja-JP" altLang="en-US"/>
-              <a:t>輪講の担当範囲のスライド作り．</a:t>
+              <a:t>輪講第</a:t>
+            </a:r>
+            <a:r>
+              <a:rPr lang="en-US" altLang="ja-JP" dirty="0"/>
+              <a:t>1</a:t>
+            </a:r>
+            <a:r>
+              <a:rPr lang="ja-JP" altLang="en-US"/>
+              <a:t>回の担当範囲のスライド作り．</a:t>
             </a:r>
             <a:endParaRPr lang="en-US" altLang="ja-JP" dirty="0"/>
           </a:p>
